--- a/Poster_env_conf_06_2019.pptx
+++ b/Poster_env_conf_06_2019.pptx
@@ -5,11 +5,10 @@
     <p:sldMasterId id="2147483660" r:id="rId1"/>
   </p:sldMasterIdLst>
   <p:notesMasterIdLst>
-    <p:notesMasterId r:id="rId4"/>
+    <p:notesMasterId r:id="rId3"/>
   </p:notesMasterIdLst>
   <p:sldIdLst>
     <p:sldId id="256" r:id="rId2"/>
-    <p:sldId id="257" r:id="rId3"/>
   </p:sldIdLst>
   <p:sldSz cx="30275213" cy="42803763"/>
   <p:notesSz cx="6858000" cy="9144000"/>
@@ -12765,1733 +12764,6 @@
 </p:sld>
 </file>
 
-<file path=ppt/slides/slide2.xml><?xml version="1.0" encoding="utf-8"?>
-<p:sld xmlns:a="http://schemas.openxmlformats.org/drawingml/2006/main" xmlns:r="http://schemas.openxmlformats.org/officeDocument/2006/relationships" xmlns:p="http://schemas.openxmlformats.org/presentationml/2006/main">
-  <p:cSld>
-    <p:spTree>
-      <p:nvGrpSpPr>
-        <p:cNvPr id="1" name=""/>
-        <p:cNvGrpSpPr/>
-        <p:nvPr/>
-      </p:nvGrpSpPr>
-      <p:grpSpPr>
-        <a:xfrm>
-          <a:off x="0" y="0"/>
-          <a:ext cx="0" cy="0"/>
-          <a:chOff x="0" y="0"/>
-          <a:chExt cx="0" cy="0"/>
-        </a:xfrm>
-      </p:grpSpPr>
-      <p:grpSp>
-        <p:nvGrpSpPr>
-          <p:cNvPr id="4" name="Group 3">
-            <a:extLst>
-              <a:ext uri="{FF2B5EF4-FFF2-40B4-BE49-F238E27FC236}">
-                <a16:creationId xmlns:a16="http://schemas.microsoft.com/office/drawing/2014/main" id="{A1061336-E6E6-834E-B0BA-88C455001D70}"/>
-              </a:ext>
-            </a:extLst>
-          </p:cNvPr>
-          <p:cNvGrpSpPr/>
-          <p:nvPr/>
-        </p:nvGrpSpPr>
-        <p:grpSpPr>
-          <a:xfrm>
-            <a:off x="1463600" y="18954407"/>
-            <a:ext cx="10515600" cy="2293645"/>
-            <a:chOff x="1408350" y="18162228"/>
-            <a:chExt cx="10515600" cy="2293645"/>
-          </a:xfrm>
-        </p:grpSpPr>
-        <p:grpSp>
-          <p:nvGrpSpPr>
-            <p:cNvPr id="5" name="Group 4">
-              <a:extLst>
-                <a:ext uri="{FF2B5EF4-FFF2-40B4-BE49-F238E27FC236}">
-                  <a16:creationId xmlns:a16="http://schemas.microsoft.com/office/drawing/2014/main" id="{AD451E29-A556-344B-8745-5E72F040CF71}"/>
-                </a:ext>
-              </a:extLst>
-            </p:cNvPr>
-            <p:cNvGrpSpPr/>
-            <p:nvPr/>
-          </p:nvGrpSpPr>
-          <p:grpSpPr>
-            <a:xfrm>
-              <a:off x="1408350" y="18162228"/>
-              <a:ext cx="10515600" cy="2293645"/>
-              <a:chOff x="838200" y="357745"/>
-              <a:chExt cx="10515600" cy="5819218"/>
-            </a:xfrm>
-          </p:grpSpPr>
-          <mc:AlternateContent xmlns:mc="http://schemas.openxmlformats.org/markup-compatibility/2006">
-            <mc:Choice xmlns:a14="http://schemas.microsoft.com/office/drawing/2010/main" Requires="a14">
-              <p:sp>
-                <p:nvSpPr>
-                  <p:cNvPr id="8" name="מציין מיקום תוכן 2">
-                    <a:extLst>
-                      <a:ext uri="{FF2B5EF4-FFF2-40B4-BE49-F238E27FC236}">
-                        <a16:creationId xmlns:a16="http://schemas.microsoft.com/office/drawing/2014/main" id="{93E52A3C-6226-0048-AC72-A50BD1FB0D9F}"/>
-                      </a:ext>
-                    </a:extLst>
-                  </p:cNvPr>
-                  <p:cNvSpPr txBox="1">
-                    <a:spLocks/>
-                  </p:cNvSpPr>
-                  <p:nvPr/>
-                </p:nvSpPr>
-                <p:spPr>
-                  <a:xfrm>
-                    <a:off x="838200" y="1825625"/>
-                    <a:ext cx="10515600" cy="4351338"/>
-                  </a:xfrm>
-                  <a:prstGeom prst="rect">
-                    <a:avLst/>
-                  </a:prstGeom>
-                </p:spPr>
-                <p:txBody>
-                  <a:bodyPr vert="horz" lIns="91440" tIns="45720" rIns="91440" bIns="45720" rtlCol="0">
-                    <a:normAutofit/>
-                  </a:bodyPr>
-                  <a:lstStyle>
-                    <a:lvl1pPr marL="0" indent="0" algn="ctr" defTabSz="3027487" rtl="0" eaLnBrk="1" latinLnBrk="0" hangingPunct="1">
-                      <a:lnSpc>
-                        <a:spcPct val="90000"/>
-                      </a:lnSpc>
-                      <a:spcBef>
-                        <a:spcPts val="3311"/>
-                      </a:spcBef>
-                      <a:buFont typeface="Arial" panose="020B0604020202020204" pitchFamily="34" charset="0"/>
-                      <a:buNone/>
-                      <a:defRPr sz="7946" kern="1200">
-                        <a:solidFill>
-                          <a:schemeClr val="tx1"/>
-                        </a:solidFill>
-                        <a:latin typeface="+mn-lt"/>
-                        <a:ea typeface="+mn-ea"/>
-                        <a:cs typeface="+mn-cs"/>
-                      </a:defRPr>
-                    </a:lvl1pPr>
-                    <a:lvl2pPr marL="1513743" indent="0" algn="ctr" defTabSz="3027487" rtl="0" eaLnBrk="1" latinLnBrk="0" hangingPunct="1">
-                      <a:lnSpc>
-                        <a:spcPct val="90000"/>
-                      </a:lnSpc>
-                      <a:spcBef>
-                        <a:spcPts val="1655"/>
-                      </a:spcBef>
-                      <a:buFont typeface="Arial" panose="020B0604020202020204" pitchFamily="34" charset="0"/>
-                      <a:buNone/>
-                      <a:defRPr sz="6622" kern="1200">
-                        <a:solidFill>
-                          <a:schemeClr val="tx1"/>
-                        </a:solidFill>
-                        <a:latin typeface="+mn-lt"/>
-                        <a:ea typeface="+mn-ea"/>
-                        <a:cs typeface="+mn-cs"/>
-                      </a:defRPr>
-                    </a:lvl2pPr>
-                    <a:lvl3pPr marL="3027487" indent="0" algn="ctr" defTabSz="3027487" rtl="0" eaLnBrk="1" latinLnBrk="0" hangingPunct="1">
-                      <a:lnSpc>
-                        <a:spcPct val="90000"/>
-                      </a:lnSpc>
-                      <a:spcBef>
-                        <a:spcPts val="1655"/>
-                      </a:spcBef>
-                      <a:buFont typeface="Arial" panose="020B0604020202020204" pitchFamily="34" charset="0"/>
-                      <a:buNone/>
-                      <a:defRPr sz="5960" kern="1200">
-                        <a:solidFill>
-                          <a:schemeClr val="tx1"/>
-                        </a:solidFill>
-                        <a:latin typeface="+mn-lt"/>
-                        <a:ea typeface="+mn-ea"/>
-                        <a:cs typeface="+mn-cs"/>
-                      </a:defRPr>
-                    </a:lvl3pPr>
-                    <a:lvl4pPr marL="4541230" indent="0" algn="ctr" defTabSz="3027487" rtl="0" eaLnBrk="1" latinLnBrk="0" hangingPunct="1">
-                      <a:lnSpc>
-                        <a:spcPct val="90000"/>
-                      </a:lnSpc>
-                      <a:spcBef>
-                        <a:spcPts val="1655"/>
-                      </a:spcBef>
-                      <a:buFont typeface="Arial" panose="020B0604020202020204" pitchFamily="34" charset="0"/>
-                      <a:buNone/>
-                      <a:defRPr sz="5297" kern="1200">
-                        <a:solidFill>
-                          <a:schemeClr val="tx1"/>
-                        </a:solidFill>
-                        <a:latin typeface="+mn-lt"/>
-                        <a:ea typeface="+mn-ea"/>
-                        <a:cs typeface="+mn-cs"/>
-                      </a:defRPr>
-                    </a:lvl4pPr>
-                    <a:lvl5pPr marL="6054974" indent="0" algn="ctr" defTabSz="3027487" rtl="0" eaLnBrk="1" latinLnBrk="0" hangingPunct="1">
-                      <a:lnSpc>
-                        <a:spcPct val="90000"/>
-                      </a:lnSpc>
-                      <a:spcBef>
-                        <a:spcPts val="1655"/>
-                      </a:spcBef>
-                      <a:buFont typeface="Arial" panose="020B0604020202020204" pitchFamily="34" charset="0"/>
-                      <a:buNone/>
-                      <a:defRPr sz="5297" kern="1200">
-                        <a:solidFill>
-                          <a:schemeClr val="tx1"/>
-                        </a:solidFill>
-                        <a:latin typeface="+mn-lt"/>
-                        <a:ea typeface="+mn-ea"/>
-                        <a:cs typeface="+mn-cs"/>
-                      </a:defRPr>
-                    </a:lvl5pPr>
-                    <a:lvl6pPr marL="7568717" indent="0" algn="ctr" defTabSz="3027487" rtl="0" eaLnBrk="1" latinLnBrk="0" hangingPunct="1">
-                      <a:lnSpc>
-                        <a:spcPct val="90000"/>
-                      </a:lnSpc>
-                      <a:spcBef>
-                        <a:spcPts val="1655"/>
-                      </a:spcBef>
-                      <a:buFont typeface="Arial" panose="020B0604020202020204" pitchFamily="34" charset="0"/>
-                      <a:buNone/>
-                      <a:defRPr sz="5297" kern="1200">
-                        <a:solidFill>
-                          <a:schemeClr val="tx1"/>
-                        </a:solidFill>
-                        <a:latin typeface="+mn-lt"/>
-                        <a:ea typeface="+mn-ea"/>
-                        <a:cs typeface="+mn-cs"/>
-                      </a:defRPr>
-                    </a:lvl6pPr>
-                    <a:lvl7pPr marL="9082461" indent="0" algn="ctr" defTabSz="3027487" rtl="0" eaLnBrk="1" latinLnBrk="0" hangingPunct="1">
-                      <a:lnSpc>
-                        <a:spcPct val="90000"/>
-                      </a:lnSpc>
-                      <a:spcBef>
-                        <a:spcPts val="1655"/>
-                      </a:spcBef>
-                      <a:buFont typeface="Arial" panose="020B0604020202020204" pitchFamily="34" charset="0"/>
-                      <a:buNone/>
-                      <a:defRPr sz="5297" kern="1200">
-                        <a:solidFill>
-                          <a:schemeClr val="tx1"/>
-                        </a:solidFill>
-                        <a:latin typeface="+mn-lt"/>
-                        <a:ea typeface="+mn-ea"/>
-                        <a:cs typeface="+mn-cs"/>
-                      </a:defRPr>
-                    </a:lvl7pPr>
-                    <a:lvl8pPr marL="10596204" indent="0" algn="ctr" defTabSz="3027487" rtl="0" eaLnBrk="1" latinLnBrk="0" hangingPunct="1">
-                      <a:lnSpc>
-                        <a:spcPct val="90000"/>
-                      </a:lnSpc>
-                      <a:spcBef>
-                        <a:spcPts val="1655"/>
-                      </a:spcBef>
-                      <a:buFont typeface="Arial" panose="020B0604020202020204" pitchFamily="34" charset="0"/>
-                      <a:buNone/>
-                      <a:defRPr sz="5297" kern="1200">
-                        <a:solidFill>
-                          <a:schemeClr val="tx1"/>
-                        </a:solidFill>
-                        <a:latin typeface="+mn-lt"/>
-                        <a:ea typeface="+mn-ea"/>
-                        <a:cs typeface="+mn-cs"/>
-                      </a:defRPr>
-                    </a:lvl8pPr>
-                    <a:lvl9pPr marL="12109948" indent="0" algn="ctr" defTabSz="3027487" rtl="0" eaLnBrk="1" latinLnBrk="0" hangingPunct="1">
-                      <a:lnSpc>
-                        <a:spcPct val="90000"/>
-                      </a:lnSpc>
-                      <a:spcBef>
-                        <a:spcPts val="1655"/>
-                      </a:spcBef>
-                      <a:buFont typeface="Arial" panose="020B0604020202020204" pitchFamily="34" charset="0"/>
-                      <a:buNone/>
-                      <a:defRPr sz="5297" kern="1200">
-                        <a:solidFill>
-                          <a:schemeClr val="tx1"/>
-                        </a:solidFill>
-                        <a:latin typeface="+mn-lt"/>
-                        <a:ea typeface="+mn-ea"/>
-                        <a:cs typeface="+mn-cs"/>
-                      </a:defRPr>
-                    </a:lvl9pPr>
-                  </a:lstStyle>
-                  <a:p>
-                    <a:pPr algn="just" defTabSz="457200"/>
-                    <a14:m>
-                      <m:oMath xmlns:m="http://schemas.openxmlformats.org/officeDocument/2006/math">
-                        <m:r>
-                          <m:rPr>
-                            <m:sty m:val="p"/>
-                          </m:rPr>
-                          <a:rPr lang="en-US" sz="2800">
-                            <a:solidFill>
-                              <a:schemeClr val="tx1">
-                                <a:lumMod val="65000"/>
-                                <a:lumOff val="35000"/>
-                              </a:schemeClr>
-                            </a:solidFill>
-                            <a:latin typeface="Montserrat Extra Bold" panose="00000900000000000000" pitchFamily="50" charset="0"/>
-                            <a:ea typeface="+mj-ea"/>
-                            <a:cs typeface="+mj-cs"/>
-                          </a:rPr>
-                          <m:t>min</m:t>
-                        </m:r>
-                        <m:r>
-                          <a:rPr lang="en-US" sz="2800">
-                            <a:solidFill>
-                              <a:schemeClr val="tx1">
-                                <a:lumMod val="65000"/>
-                                <a:lumOff val="35000"/>
-                              </a:schemeClr>
-                            </a:solidFill>
-                            <a:latin typeface="Montserrat Extra Bold" panose="00000900000000000000" pitchFamily="50" charset="0"/>
-                            <a:ea typeface="+mj-ea"/>
-                            <a:cs typeface="+mj-cs"/>
-                          </a:rPr>
-                          <m:t> </m:t>
-                        </m:r>
-                        <m:r>
-                          <a:rPr lang="en-US" sz="2800">
-                            <a:solidFill>
-                              <a:schemeClr val="tx1">
-                                <a:lumMod val="65000"/>
-                                <a:lumOff val="35000"/>
-                              </a:schemeClr>
-                            </a:solidFill>
-                            <a:latin typeface="Montserrat Extra Bold" panose="00000900000000000000" pitchFamily="50" charset="0"/>
-                            <a:ea typeface="+mj-ea"/>
-                            <a:cs typeface="+mj-cs"/>
-                          </a:rPr>
-                          <m:t>(</m:t>
-                        </m:r>
-                        <m:sSub>
-                          <m:sSubPr>
-                            <m:ctrlPr>
-                              <a:rPr lang="en-US" sz="2800">
-                                <a:solidFill>
-                                  <a:schemeClr val="tx1">
-                                    <a:lumMod val="65000"/>
-                                    <a:lumOff val="35000"/>
-                                  </a:schemeClr>
-                                </a:solidFill>
-                                <a:latin typeface="Montserrat Extra Bold" panose="00000900000000000000" pitchFamily="50" charset="0"/>
-                                <a:ea typeface="+mj-ea"/>
-                                <a:cs typeface="+mj-cs"/>
-                              </a:rPr>
-                            </m:ctrlPr>
-                          </m:sSubPr>
-                          <m:e>
-                            <m:r>
-                              <a:rPr lang="en-US" sz="2800">
-                                <a:solidFill>
-                                  <a:schemeClr val="tx1">
-                                    <a:lumMod val="65000"/>
-                                    <a:lumOff val="35000"/>
-                                  </a:schemeClr>
-                                </a:solidFill>
-                                <a:latin typeface="Montserrat Extra Bold" panose="00000900000000000000" pitchFamily="50" charset="0"/>
-                                <a:ea typeface="+mj-ea"/>
-                                <a:cs typeface="+mj-cs"/>
-                              </a:rPr>
-                              <m:t>𝐹</m:t>
-                            </m:r>
-                          </m:e>
-                          <m:sub>
-                            <m:r>
-                              <a:rPr lang="en-US" sz="2800">
-                                <a:solidFill>
-                                  <a:schemeClr val="tx1">
-                                    <a:lumMod val="65000"/>
-                                    <a:lumOff val="35000"/>
-                                  </a:schemeClr>
-                                </a:solidFill>
-                                <a:latin typeface="Montserrat Extra Bold" panose="00000900000000000000" pitchFamily="50" charset="0"/>
-                                <a:ea typeface="+mj-ea"/>
-                                <a:cs typeface="+mj-cs"/>
-                              </a:rPr>
-                              <m:t>1</m:t>
-                            </m:r>
-                          </m:sub>
-                        </m:sSub>
-                        <m:d>
-                          <m:dPr>
-                            <m:ctrlPr>
-                              <a:rPr lang="en-US" sz="2800">
-                                <a:solidFill>
-                                  <a:schemeClr val="tx1">
-                                    <a:lumMod val="65000"/>
-                                    <a:lumOff val="35000"/>
-                                  </a:schemeClr>
-                                </a:solidFill>
-                                <a:latin typeface="Montserrat Extra Bold" panose="00000900000000000000" pitchFamily="50" charset="0"/>
-                                <a:ea typeface="+mj-ea"/>
-                                <a:cs typeface="+mj-cs"/>
-                              </a:rPr>
-                            </m:ctrlPr>
-                          </m:dPr>
-                          <m:e>
-                            <m:sSub>
-                              <m:sSubPr>
-                                <m:ctrlPr>
-                                  <a:rPr lang="en-US" sz="2800">
-                                    <a:solidFill>
-                                      <a:schemeClr val="tx1">
-                                        <a:lumMod val="65000"/>
-                                        <a:lumOff val="35000"/>
-                                      </a:schemeClr>
-                                    </a:solidFill>
-                                    <a:latin typeface="Montserrat Extra Bold" panose="00000900000000000000" pitchFamily="50" charset="0"/>
-                                    <a:ea typeface="+mj-ea"/>
-                                    <a:cs typeface="+mj-cs"/>
-                                  </a:rPr>
-                                </m:ctrlPr>
-                              </m:sSubPr>
-                              <m:e>
-                                <m:r>
-                                  <a:rPr lang="en-US" sz="2800">
-                                    <a:solidFill>
-                                      <a:schemeClr val="tx1">
-                                        <a:lumMod val="65000"/>
-                                        <a:lumOff val="35000"/>
-                                      </a:schemeClr>
-                                    </a:solidFill>
-                                    <a:latin typeface="Montserrat Extra Bold" panose="00000900000000000000" pitchFamily="50" charset="0"/>
-                                    <a:ea typeface="+mj-ea"/>
-                                    <a:cs typeface="+mj-cs"/>
-                                  </a:rPr>
-                                  <m:t>𝑥</m:t>
-                                </m:r>
-                              </m:e>
-                              <m:sub>
-                                <m:r>
-                                  <a:rPr lang="en-US" sz="2800">
-                                    <a:solidFill>
-                                      <a:schemeClr val="tx1">
-                                        <a:lumMod val="65000"/>
-                                        <a:lumOff val="35000"/>
-                                      </a:schemeClr>
-                                    </a:solidFill>
-                                    <a:latin typeface="Montserrat Extra Bold" panose="00000900000000000000" pitchFamily="50" charset="0"/>
-                                    <a:ea typeface="+mj-ea"/>
-                                    <a:cs typeface="+mj-cs"/>
-                                  </a:rPr>
-                                  <m:t>1</m:t>
-                                </m:r>
-                              </m:sub>
-                            </m:sSub>
-                            <m:r>
-                              <a:rPr lang="en-US" sz="2800">
-                                <a:solidFill>
-                                  <a:schemeClr val="tx1">
-                                    <a:lumMod val="65000"/>
-                                    <a:lumOff val="35000"/>
-                                  </a:schemeClr>
-                                </a:solidFill>
-                                <a:latin typeface="Montserrat Extra Bold" panose="00000900000000000000" pitchFamily="50" charset="0"/>
-                                <a:ea typeface="+mj-ea"/>
-                                <a:cs typeface="+mj-cs"/>
-                              </a:rPr>
-                              <m:t>,</m:t>
-                            </m:r>
-                            <m:sSub>
-                              <m:sSubPr>
-                                <m:ctrlPr>
-                                  <a:rPr lang="en-US" sz="2800">
-                                    <a:solidFill>
-                                      <a:schemeClr val="tx1">
-                                        <a:lumMod val="65000"/>
-                                        <a:lumOff val="35000"/>
-                                      </a:schemeClr>
-                                    </a:solidFill>
-                                    <a:latin typeface="Montserrat Extra Bold" panose="00000900000000000000" pitchFamily="50" charset="0"/>
-                                    <a:ea typeface="+mj-ea"/>
-                                    <a:cs typeface="+mj-cs"/>
-                                  </a:rPr>
-                                </m:ctrlPr>
-                              </m:sSubPr>
-                              <m:e>
-                                <m:r>
-                                  <a:rPr lang="en-US" sz="2800">
-                                    <a:solidFill>
-                                      <a:schemeClr val="tx1">
-                                        <a:lumMod val="65000"/>
-                                        <a:lumOff val="35000"/>
-                                      </a:schemeClr>
-                                    </a:solidFill>
-                                    <a:latin typeface="Montserrat Extra Bold" panose="00000900000000000000" pitchFamily="50" charset="0"/>
-                                    <a:ea typeface="+mj-ea"/>
-                                    <a:cs typeface="+mj-cs"/>
-                                  </a:rPr>
-                                  <m:t>𝑥</m:t>
-                                </m:r>
-                              </m:e>
-                              <m:sub>
-                                <m:r>
-                                  <a:rPr lang="en-US" sz="2800">
-                                    <a:solidFill>
-                                      <a:schemeClr val="tx1">
-                                        <a:lumMod val="65000"/>
-                                        <a:lumOff val="35000"/>
-                                      </a:schemeClr>
-                                    </a:solidFill>
-                                    <a:latin typeface="Montserrat Extra Bold" panose="00000900000000000000" pitchFamily="50" charset="0"/>
-                                    <a:ea typeface="+mj-ea"/>
-                                    <a:cs typeface="+mj-cs"/>
-                                  </a:rPr>
-                                  <m:t>2</m:t>
-                                </m:r>
-                              </m:sub>
-                            </m:sSub>
-                            <m:r>
-                              <a:rPr lang="en-US" sz="2800">
-                                <a:solidFill>
-                                  <a:schemeClr val="tx1">
-                                    <a:lumMod val="65000"/>
-                                    <a:lumOff val="35000"/>
-                                  </a:schemeClr>
-                                </a:solidFill>
-                                <a:latin typeface="Montserrat Extra Bold" panose="00000900000000000000" pitchFamily="50" charset="0"/>
-                                <a:ea typeface="+mj-ea"/>
-                                <a:cs typeface="+mj-cs"/>
-                              </a:rPr>
-                              <m:t>,…</m:t>
-                            </m:r>
-                            <m:sSub>
-                              <m:sSubPr>
-                                <m:ctrlPr>
-                                  <a:rPr lang="en-US" sz="2800">
-                                    <a:solidFill>
-                                      <a:schemeClr val="tx1">
-                                        <a:lumMod val="65000"/>
-                                        <a:lumOff val="35000"/>
-                                      </a:schemeClr>
-                                    </a:solidFill>
-                                    <a:latin typeface="Montserrat Extra Bold" panose="00000900000000000000" pitchFamily="50" charset="0"/>
-                                    <a:ea typeface="+mj-ea"/>
-                                    <a:cs typeface="+mj-cs"/>
-                                  </a:rPr>
-                                </m:ctrlPr>
-                              </m:sSubPr>
-                              <m:e>
-                                <m:r>
-                                  <a:rPr lang="en-US" sz="2800">
-                                    <a:solidFill>
-                                      <a:schemeClr val="tx1">
-                                        <a:lumMod val="65000"/>
-                                        <a:lumOff val="35000"/>
-                                      </a:schemeClr>
-                                    </a:solidFill>
-                                    <a:latin typeface="Montserrat Extra Bold" panose="00000900000000000000" pitchFamily="50" charset="0"/>
-                                    <a:ea typeface="+mj-ea"/>
-                                    <a:cs typeface="+mj-cs"/>
-                                  </a:rPr>
-                                  <m:t>𝑥</m:t>
-                                </m:r>
-                              </m:e>
-                              <m:sub>
-                                <m:r>
-                                  <a:rPr lang="en-US" sz="2800">
-                                    <a:solidFill>
-                                      <a:schemeClr val="tx1">
-                                        <a:lumMod val="65000"/>
-                                        <a:lumOff val="35000"/>
-                                      </a:schemeClr>
-                                    </a:solidFill>
-                                    <a:latin typeface="Montserrat Extra Bold" panose="00000900000000000000" pitchFamily="50" charset="0"/>
-                                    <a:ea typeface="+mj-ea"/>
-                                    <a:cs typeface="+mj-cs"/>
-                                  </a:rPr>
-                                  <m:t>𝑗</m:t>
-                                </m:r>
-                              </m:sub>
-                            </m:sSub>
-                            <m:r>
-                              <a:rPr lang="en-US" sz="2800">
-                                <a:solidFill>
-                                  <a:schemeClr val="tx1">
-                                    <a:lumMod val="65000"/>
-                                    <a:lumOff val="35000"/>
-                                  </a:schemeClr>
-                                </a:solidFill>
-                                <a:latin typeface="Montserrat Extra Bold" panose="00000900000000000000" pitchFamily="50" charset="0"/>
-                                <a:ea typeface="+mj-ea"/>
-                                <a:cs typeface="+mj-cs"/>
-                              </a:rPr>
-                              <m:t>,</m:t>
-                            </m:r>
-                          </m:e>
-                        </m:d>
-                        <m:r>
-                          <a:rPr lang="en-US" sz="2800">
-                            <a:solidFill>
-                              <a:schemeClr val="tx1">
-                                <a:lumMod val="65000"/>
-                                <a:lumOff val="35000"/>
-                              </a:schemeClr>
-                            </a:solidFill>
-                            <a:latin typeface="Montserrat Extra Bold" panose="00000900000000000000" pitchFamily="50" charset="0"/>
-                            <a:ea typeface="+mj-ea"/>
-                            <a:cs typeface="+mj-cs"/>
-                          </a:rPr>
-                          <m:t>,</m:t>
-                        </m:r>
-                      </m:oMath>
-                    </a14:m>
-                    <a:r>
-                      <a:rPr lang="en-US" sz="2800" dirty="0">
-                        <a:solidFill>
-                          <a:schemeClr val="tx1">
-                            <a:lumMod val="65000"/>
-                            <a:lumOff val="35000"/>
-                          </a:schemeClr>
-                        </a:solidFill>
-                        <a:latin typeface="Montserrat Extra Bold" panose="00000900000000000000" pitchFamily="50" charset="0"/>
-                        <a:ea typeface="+mj-ea"/>
-                        <a:cs typeface="+mj-cs"/>
-                      </a:rPr>
-                      <a:t> </a:t>
-                    </a:r>
-                    <a14:m>
-                      <m:oMath xmlns:m="http://schemas.openxmlformats.org/officeDocument/2006/math">
-                        <m:sSub>
-                          <m:sSubPr>
-                            <m:ctrlPr>
-                              <a:rPr lang="en-US" sz="2800">
-                                <a:solidFill>
-                                  <a:schemeClr val="tx1">
-                                    <a:lumMod val="65000"/>
-                                    <a:lumOff val="35000"/>
-                                  </a:schemeClr>
-                                </a:solidFill>
-                                <a:latin typeface="Montserrat Extra Bold" panose="00000900000000000000" pitchFamily="50" charset="0"/>
-                                <a:ea typeface="+mj-ea"/>
-                                <a:cs typeface="+mj-cs"/>
-                              </a:rPr>
-                            </m:ctrlPr>
-                          </m:sSubPr>
-                          <m:e>
-                            <m:r>
-                              <a:rPr lang="en-US" sz="2800">
-                                <a:solidFill>
-                                  <a:schemeClr val="tx1">
-                                    <a:lumMod val="65000"/>
-                                    <a:lumOff val="35000"/>
-                                  </a:schemeClr>
-                                </a:solidFill>
-                                <a:latin typeface="Montserrat Extra Bold" panose="00000900000000000000" pitchFamily="50" charset="0"/>
-                                <a:ea typeface="+mj-ea"/>
-                                <a:cs typeface="+mj-cs"/>
-                              </a:rPr>
-                              <m:t>𝐹</m:t>
-                            </m:r>
-                          </m:e>
-                          <m:sub>
-                            <m:r>
-                              <a:rPr lang="en-US" sz="2800">
-                                <a:solidFill>
-                                  <a:schemeClr val="tx1">
-                                    <a:lumMod val="65000"/>
-                                    <a:lumOff val="35000"/>
-                                  </a:schemeClr>
-                                </a:solidFill>
-                                <a:latin typeface="Montserrat Extra Bold" panose="00000900000000000000" pitchFamily="50" charset="0"/>
-                                <a:ea typeface="+mj-ea"/>
-                                <a:cs typeface="+mj-cs"/>
-                              </a:rPr>
-                              <m:t>2</m:t>
-                            </m:r>
-                          </m:sub>
-                        </m:sSub>
-                        <m:d>
-                          <m:dPr>
-                            <m:ctrlPr>
-                              <a:rPr lang="en-US" sz="2800">
-                                <a:solidFill>
-                                  <a:schemeClr val="tx1">
-                                    <a:lumMod val="65000"/>
-                                    <a:lumOff val="35000"/>
-                                  </a:schemeClr>
-                                </a:solidFill>
-                                <a:latin typeface="Montserrat Extra Bold" panose="00000900000000000000" pitchFamily="50" charset="0"/>
-                                <a:ea typeface="+mj-ea"/>
-                                <a:cs typeface="+mj-cs"/>
-                              </a:rPr>
-                            </m:ctrlPr>
-                          </m:dPr>
-                          <m:e>
-                            <m:sSub>
-                              <m:sSubPr>
-                                <m:ctrlPr>
-                                  <a:rPr lang="en-US" sz="2800">
-                                    <a:solidFill>
-                                      <a:schemeClr val="tx1">
-                                        <a:lumMod val="65000"/>
-                                        <a:lumOff val="35000"/>
-                                      </a:schemeClr>
-                                    </a:solidFill>
-                                    <a:latin typeface="Montserrat Extra Bold" panose="00000900000000000000" pitchFamily="50" charset="0"/>
-                                    <a:ea typeface="+mj-ea"/>
-                                    <a:cs typeface="+mj-cs"/>
-                                  </a:rPr>
-                                </m:ctrlPr>
-                              </m:sSubPr>
-                              <m:e>
-                                <m:r>
-                                  <a:rPr lang="en-US" sz="2800">
-                                    <a:solidFill>
-                                      <a:schemeClr val="tx1">
-                                        <a:lumMod val="65000"/>
-                                        <a:lumOff val="35000"/>
-                                      </a:schemeClr>
-                                    </a:solidFill>
-                                    <a:latin typeface="Montserrat Extra Bold" panose="00000900000000000000" pitchFamily="50" charset="0"/>
-                                    <a:ea typeface="+mj-ea"/>
-                                    <a:cs typeface="+mj-cs"/>
-                                  </a:rPr>
-                                  <m:t>𝑥</m:t>
-                                </m:r>
-                              </m:e>
-                              <m:sub>
-                                <m:r>
-                                  <a:rPr lang="en-US" sz="2800">
-                                    <a:solidFill>
-                                      <a:schemeClr val="tx1">
-                                        <a:lumMod val="65000"/>
-                                        <a:lumOff val="35000"/>
-                                      </a:schemeClr>
-                                    </a:solidFill>
-                                    <a:latin typeface="Montserrat Extra Bold" panose="00000900000000000000" pitchFamily="50" charset="0"/>
-                                    <a:ea typeface="+mj-ea"/>
-                                    <a:cs typeface="+mj-cs"/>
-                                  </a:rPr>
-                                  <m:t>1</m:t>
-                                </m:r>
-                              </m:sub>
-                            </m:sSub>
-                            <m:r>
-                              <a:rPr lang="en-US" sz="2800">
-                                <a:solidFill>
-                                  <a:schemeClr val="tx1">
-                                    <a:lumMod val="65000"/>
-                                    <a:lumOff val="35000"/>
-                                  </a:schemeClr>
-                                </a:solidFill>
-                                <a:latin typeface="Montserrat Extra Bold" panose="00000900000000000000" pitchFamily="50" charset="0"/>
-                                <a:ea typeface="+mj-ea"/>
-                                <a:cs typeface="+mj-cs"/>
-                              </a:rPr>
-                              <m:t>,</m:t>
-                            </m:r>
-                            <m:sSub>
-                              <m:sSubPr>
-                                <m:ctrlPr>
-                                  <a:rPr lang="en-US" sz="2800">
-                                    <a:solidFill>
-                                      <a:schemeClr val="tx1">
-                                        <a:lumMod val="65000"/>
-                                        <a:lumOff val="35000"/>
-                                      </a:schemeClr>
-                                    </a:solidFill>
-                                    <a:latin typeface="Montserrat Extra Bold" panose="00000900000000000000" pitchFamily="50" charset="0"/>
-                                    <a:ea typeface="+mj-ea"/>
-                                    <a:cs typeface="+mj-cs"/>
-                                  </a:rPr>
-                                </m:ctrlPr>
-                              </m:sSubPr>
-                              <m:e>
-                                <m:r>
-                                  <a:rPr lang="en-US" sz="2800">
-                                    <a:solidFill>
-                                      <a:schemeClr val="tx1">
-                                        <a:lumMod val="65000"/>
-                                        <a:lumOff val="35000"/>
-                                      </a:schemeClr>
-                                    </a:solidFill>
-                                    <a:latin typeface="Montserrat Extra Bold" panose="00000900000000000000" pitchFamily="50" charset="0"/>
-                                    <a:ea typeface="+mj-ea"/>
-                                    <a:cs typeface="+mj-cs"/>
-                                  </a:rPr>
-                                  <m:t>𝑥</m:t>
-                                </m:r>
-                              </m:e>
-                              <m:sub>
-                                <m:r>
-                                  <a:rPr lang="en-US" sz="2800">
-                                    <a:solidFill>
-                                      <a:schemeClr val="tx1">
-                                        <a:lumMod val="65000"/>
-                                        <a:lumOff val="35000"/>
-                                      </a:schemeClr>
-                                    </a:solidFill>
-                                    <a:latin typeface="Montserrat Extra Bold" panose="00000900000000000000" pitchFamily="50" charset="0"/>
-                                    <a:ea typeface="+mj-ea"/>
-                                    <a:cs typeface="+mj-cs"/>
-                                  </a:rPr>
-                                  <m:t>2</m:t>
-                                </m:r>
-                              </m:sub>
-                            </m:sSub>
-                            <m:r>
-                              <a:rPr lang="en-US" sz="2800">
-                                <a:solidFill>
-                                  <a:schemeClr val="tx1">
-                                    <a:lumMod val="65000"/>
-                                    <a:lumOff val="35000"/>
-                                  </a:schemeClr>
-                                </a:solidFill>
-                                <a:latin typeface="Montserrat Extra Bold" panose="00000900000000000000" pitchFamily="50" charset="0"/>
-                                <a:ea typeface="+mj-ea"/>
-                                <a:cs typeface="+mj-cs"/>
-                              </a:rPr>
-                              <m:t>,…</m:t>
-                            </m:r>
-                            <m:sSub>
-                              <m:sSubPr>
-                                <m:ctrlPr>
-                                  <a:rPr lang="en-US" sz="2800">
-                                    <a:solidFill>
-                                      <a:schemeClr val="tx1">
-                                        <a:lumMod val="65000"/>
-                                        <a:lumOff val="35000"/>
-                                      </a:schemeClr>
-                                    </a:solidFill>
-                                    <a:latin typeface="Montserrat Extra Bold" panose="00000900000000000000" pitchFamily="50" charset="0"/>
-                                    <a:ea typeface="+mj-ea"/>
-                                    <a:cs typeface="+mj-cs"/>
-                                  </a:rPr>
-                                </m:ctrlPr>
-                              </m:sSubPr>
-                              <m:e>
-                                <m:r>
-                                  <a:rPr lang="en-US" sz="2800">
-                                    <a:solidFill>
-                                      <a:schemeClr val="tx1">
-                                        <a:lumMod val="65000"/>
-                                        <a:lumOff val="35000"/>
-                                      </a:schemeClr>
-                                    </a:solidFill>
-                                    <a:latin typeface="Montserrat Extra Bold" panose="00000900000000000000" pitchFamily="50" charset="0"/>
-                                    <a:ea typeface="+mj-ea"/>
-                                    <a:cs typeface="+mj-cs"/>
-                                  </a:rPr>
-                                  <m:t>𝑥</m:t>
-                                </m:r>
-                              </m:e>
-                              <m:sub>
-                                <m:r>
-                                  <a:rPr lang="en-US" sz="2800">
-                                    <a:solidFill>
-                                      <a:schemeClr val="tx1">
-                                        <a:lumMod val="65000"/>
-                                        <a:lumOff val="35000"/>
-                                      </a:schemeClr>
-                                    </a:solidFill>
-                                    <a:latin typeface="Montserrat Extra Bold" panose="00000900000000000000" pitchFamily="50" charset="0"/>
-                                    <a:ea typeface="+mj-ea"/>
-                                    <a:cs typeface="+mj-cs"/>
-                                  </a:rPr>
-                                  <m:t>𝑗</m:t>
-                                </m:r>
-                              </m:sub>
-                            </m:sSub>
-                            <m:r>
-                              <a:rPr lang="en-US" sz="2800">
-                                <a:solidFill>
-                                  <a:schemeClr val="tx1">
-                                    <a:lumMod val="65000"/>
-                                    <a:lumOff val="35000"/>
-                                  </a:schemeClr>
-                                </a:solidFill>
-                                <a:latin typeface="Montserrat Extra Bold" panose="00000900000000000000" pitchFamily="50" charset="0"/>
-                                <a:ea typeface="+mj-ea"/>
-                                <a:cs typeface="+mj-cs"/>
-                              </a:rPr>
-                              <m:t>,</m:t>
-                            </m:r>
-                          </m:e>
-                        </m:d>
-                        <m:r>
-                          <a:rPr lang="en-US" sz="2800">
-                            <a:solidFill>
-                              <a:schemeClr val="tx1">
-                                <a:lumMod val="65000"/>
-                                <a:lumOff val="35000"/>
-                              </a:schemeClr>
-                            </a:solidFill>
-                            <a:latin typeface="Montserrat Extra Bold" panose="00000900000000000000" pitchFamily="50" charset="0"/>
-                            <a:ea typeface="+mj-ea"/>
-                            <a:cs typeface="+mj-cs"/>
-                          </a:rPr>
-                          <m:t>…</m:t>
-                        </m:r>
-                      </m:oMath>
-                    </a14:m>
-                    <a:r>
-                      <a:rPr lang="en-US" sz="2800" dirty="0">
-                        <a:solidFill>
-                          <a:schemeClr val="tx1">
-                            <a:lumMod val="65000"/>
-                            <a:lumOff val="35000"/>
-                          </a:schemeClr>
-                        </a:solidFill>
-                        <a:latin typeface="Montserrat Extra Bold" panose="00000900000000000000" pitchFamily="50" charset="0"/>
-                        <a:ea typeface="+mj-ea"/>
-                        <a:cs typeface="+mj-cs"/>
-                      </a:rPr>
-                      <a:t> </a:t>
-                    </a:r>
-                    <a14:m>
-                      <m:oMath xmlns:m="http://schemas.openxmlformats.org/officeDocument/2006/math">
-                        <m:sSub>
-                          <m:sSubPr>
-                            <m:ctrlPr>
-                              <a:rPr lang="en-US" sz="2800">
-                                <a:solidFill>
-                                  <a:schemeClr val="tx1">
-                                    <a:lumMod val="65000"/>
-                                    <a:lumOff val="35000"/>
-                                  </a:schemeClr>
-                                </a:solidFill>
-                                <a:latin typeface="Montserrat Extra Bold" panose="00000900000000000000" pitchFamily="50" charset="0"/>
-                                <a:ea typeface="+mj-ea"/>
-                                <a:cs typeface="+mj-cs"/>
-                              </a:rPr>
-                            </m:ctrlPr>
-                          </m:sSubPr>
-                          <m:e>
-                            <m:r>
-                              <a:rPr lang="en-US" sz="2800">
-                                <a:solidFill>
-                                  <a:schemeClr val="tx1">
-                                    <a:lumMod val="65000"/>
-                                    <a:lumOff val="35000"/>
-                                  </a:schemeClr>
-                                </a:solidFill>
-                                <a:latin typeface="Montserrat Extra Bold" panose="00000900000000000000" pitchFamily="50" charset="0"/>
-                                <a:ea typeface="+mj-ea"/>
-                                <a:cs typeface="+mj-cs"/>
-                              </a:rPr>
-                              <m:t>𝐹</m:t>
-                            </m:r>
-                          </m:e>
-                          <m:sub>
-                            <m:r>
-                              <a:rPr lang="en-US" sz="2800">
-                                <a:solidFill>
-                                  <a:schemeClr val="tx1">
-                                    <a:lumMod val="65000"/>
-                                    <a:lumOff val="35000"/>
-                                  </a:schemeClr>
-                                </a:solidFill>
-                                <a:latin typeface="Montserrat Extra Bold" panose="00000900000000000000" pitchFamily="50" charset="0"/>
-                                <a:ea typeface="+mj-ea"/>
-                                <a:cs typeface="+mj-cs"/>
-                              </a:rPr>
-                              <m:t>𝑖</m:t>
-                            </m:r>
-                          </m:sub>
-                        </m:sSub>
-                        <m:d>
-                          <m:dPr>
-                            <m:ctrlPr>
-                              <a:rPr lang="en-US" sz="2800">
-                                <a:solidFill>
-                                  <a:schemeClr val="tx1">
-                                    <a:lumMod val="65000"/>
-                                    <a:lumOff val="35000"/>
-                                  </a:schemeClr>
-                                </a:solidFill>
-                                <a:latin typeface="Montserrat Extra Bold" panose="00000900000000000000" pitchFamily="50" charset="0"/>
-                                <a:ea typeface="+mj-ea"/>
-                                <a:cs typeface="+mj-cs"/>
-                              </a:rPr>
-                            </m:ctrlPr>
-                          </m:dPr>
-                          <m:e>
-                            <m:sSub>
-                              <m:sSubPr>
-                                <m:ctrlPr>
-                                  <a:rPr lang="en-US" sz="2800">
-                                    <a:solidFill>
-                                      <a:schemeClr val="tx1">
-                                        <a:lumMod val="65000"/>
-                                        <a:lumOff val="35000"/>
-                                      </a:schemeClr>
-                                    </a:solidFill>
-                                    <a:latin typeface="Montserrat Extra Bold" panose="00000900000000000000" pitchFamily="50" charset="0"/>
-                                    <a:ea typeface="+mj-ea"/>
-                                    <a:cs typeface="+mj-cs"/>
-                                  </a:rPr>
-                                </m:ctrlPr>
-                              </m:sSubPr>
-                              <m:e>
-                                <m:r>
-                                  <a:rPr lang="en-US" sz="2800">
-                                    <a:solidFill>
-                                      <a:schemeClr val="tx1">
-                                        <a:lumMod val="65000"/>
-                                        <a:lumOff val="35000"/>
-                                      </a:schemeClr>
-                                    </a:solidFill>
-                                    <a:latin typeface="Montserrat Extra Bold" panose="00000900000000000000" pitchFamily="50" charset="0"/>
-                                    <a:ea typeface="+mj-ea"/>
-                                    <a:cs typeface="+mj-cs"/>
-                                  </a:rPr>
-                                  <m:t>𝑥</m:t>
-                                </m:r>
-                              </m:e>
-                              <m:sub>
-                                <m:r>
-                                  <a:rPr lang="en-US" sz="2800">
-                                    <a:solidFill>
-                                      <a:schemeClr val="tx1">
-                                        <a:lumMod val="65000"/>
-                                        <a:lumOff val="35000"/>
-                                      </a:schemeClr>
-                                    </a:solidFill>
-                                    <a:latin typeface="Montserrat Extra Bold" panose="00000900000000000000" pitchFamily="50" charset="0"/>
-                                    <a:ea typeface="+mj-ea"/>
-                                    <a:cs typeface="+mj-cs"/>
-                                  </a:rPr>
-                                  <m:t>1</m:t>
-                                </m:r>
-                              </m:sub>
-                            </m:sSub>
-                            <m:r>
-                              <a:rPr lang="en-US" sz="2800">
-                                <a:solidFill>
-                                  <a:schemeClr val="tx1">
-                                    <a:lumMod val="65000"/>
-                                    <a:lumOff val="35000"/>
-                                  </a:schemeClr>
-                                </a:solidFill>
-                                <a:latin typeface="Montserrat Extra Bold" panose="00000900000000000000" pitchFamily="50" charset="0"/>
-                                <a:ea typeface="+mj-ea"/>
-                                <a:cs typeface="+mj-cs"/>
-                              </a:rPr>
-                              <m:t>,</m:t>
-                            </m:r>
-                            <m:sSub>
-                              <m:sSubPr>
-                                <m:ctrlPr>
-                                  <a:rPr lang="en-US" sz="2800">
-                                    <a:solidFill>
-                                      <a:schemeClr val="tx1">
-                                        <a:lumMod val="65000"/>
-                                        <a:lumOff val="35000"/>
-                                      </a:schemeClr>
-                                    </a:solidFill>
-                                    <a:latin typeface="Montserrat Extra Bold" panose="00000900000000000000" pitchFamily="50" charset="0"/>
-                                    <a:ea typeface="+mj-ea"/>
-                                    <a:cs typeface="+mj-cs"/>
-                                  </a:rPr>
-                                </m:ctrlPr>
-                              </m:sSubPr>
-                              <m:e>
-                                <m:r>
-                                  <a:rPr lang="en-US" sz="2800">
-                                    <a:solidFill>
-                                      <a:schemeClr val="tx1">
-                                        <a:lumMod val="65000"/>
-                                        <a:lumOff val="35000"/>
-                                      </a:schemeClr>
-                                    </a:solidFill>
-                                    <a:latin typeface="Montserrat Extra Bold" panose="00000900000000000000" pitchFamily="50" charset="0"/>
-                                    <a:ea typeface="+mj-ea"/>
-                                    <a:cs typeface="+mj-cs"/>
-                                  </a:rPr>
-                                  <m:t>𝑥</m:t>
-                                </m:r>
-                              </m:e>
-                              <m:sub>
-                                <m:r>
-                                  <a:rPr lang="en-US" sz="2800">
-                                    <a:solidFill>
-                                      <a:schemeClr val="tx1">
-                                        <a:lumMod val="65000"/>
-                                        <a:lumOff val="35000"/>
-                                      </a:schemeClr>
-                                    </a:solidFill>
-                                    <a:latin typeface="Montserrat Extra Bold" panose="00000900000000000000" pitchFamily="50" charset="0"/>
-                                    <a:ea typeface="+mj-ea"/>
-                                    <a:cs typeface="+mj-cs"/>
-                                  </a:rPr>
-                                  <m:t>2</m:t>
-                                </m:r>
-                              </m:sub>
-                            </m:sSub>
-                            <m:r>
-                              <a:rPr lang="en-US" sz="2800">
-                                <a:solidFill>
-                                  <a:schemeClr val="tx1">
-                                    <a:lumMod val="65000"/>
-                                    <a:lumOff val="35000"/>
-                                  </a:schemeClr>
-                                </a:solidFill>
-                                <a:latin typeface="Montserrat Extra Bold" panose="00000900000000000000" pitchFamily="50" charset="0"/>
-                                <a:ea typeface="+mj-ea"/>
-                                <a:cs typeface="+mj-cs"/>
-                              </a:rPr>
-                              <m:t>,…</m:t>
-                            </m:r>
-                            <m:sSub>
-                              <m:sSubPr>
-                                <m:ctrlPr>
-                                  <a:rPr lang="en-US" sz="2800">
-                                    <a:solidFill>
-                                      <a:schemeClr val="tx1">
-                                        <a:lumMod val="65000"/>
-                                        <a:lumOff val="35000"/>
-                                      </a:schemeClr>
-                                    </a:solidFill>
-                                    <a:latin typeface="Montserrat Extra Bold" panose="00000900000000000000" pitchFamily="50" charset="0"/>
-                                    <a:ea typeface="+mj-ea"/>
-                                    <a:cs typeface="+mj-cs"/>
-                                  </a:rPr>
-                                </m:ctrlPr>
-                              </m:sSubPr>
-                              <m:e>
-                                <m:r>
-                                  <a:rPr lang="en-US" sz="2800">
-                                    <a:solidFill>
-                                      <a:schemeClr val="tx1">
-                                        <a:lumMod val="65000"/>
-                                        <a:lumOff val="35000"/>
-                                      </a:schemeClr>
-                                    </a:solidFill>
-                                    <a:latin typeface="Montserrat Extra Bold" panose="00000900000000000000" pitchFamily="50" charset="0"/>
-                                    <a:ea typeface="+mj-ea"/>
-                                    <a:cs typeface="+mj-cs"/>
-                                  </a:rPr>
-                                  <m:t>𝑥</m:t>
-                                </m:r>
-                              </m:e>
-                              <m:sub>
-                                <m:r>
-                                  <a:rPr lang="en-US" sz="2800">
-                                    <a:solidFill>
-                                      <a:schemeClr val="tx1">
-                                        <a:lumMod val="65000"/>
-                                        <a:lumOff val="35000"/>
-                                      </a:schemeClr>
-                                    </a:solidFill>
-                                    <a:latin typeface="Montserrat Extra Bold" panose="00000900000000000000" pitchFamily="50" charset="0"/>
-                                    <a:ea typeface="+mj-ea"/>
-                                    <a:cs typeface="+mj-cs"/>
-                                  </a:rPr>
-                                  <m:t>𝑗</m:t>
-                                </m:r>
-                              </m:sub>
-                            </m:sSub>
-                            <m:r>
-                              <a:rPr lang="en-US" sz="2800">
-                                <a:solidFill>
-                                  <a:schemeClr val="tx1">
-                                    <a:lumMod val="65000"/>
-                                    <a:lumOff val="35000"/>
-                                  </a:schemeClr>
-                                </a:solidFill>
-                                <a:latin typeface="Montserrat Extra Bold" panose="00000900000000000000" pitchFamily="50" charset="0"/>
-                                <a:ea typeface="+mj-ea"/>
-                                <a:cs typeface="+mj-cs"/>
-                              </a:rPr>
-                              <m:t>,</m:t>
-                            </m:r>
-                          </m:e>
-                        </m:d>
-                        <m:r>
-                          <a:rPr lang="en-US" sz="2800">
-                            <a:solidFill>
-                              <a:schemeClr val="tx1">
-                                <a:lumMod val="65000"/>
-                                <a:lumOff val="35000"/>
-                              </a:schemeClr>
-                            </a:solidFill>
-                            <a:latin typeface="Montserrat Extra Bold" panose="00000900000000000000" pitchFamily="50" charset="0"/>
-                            <a:ea typeface="+mj-ea"/>
-                            <a:cs typeface="+mj-cs"/>
-                          </a:rPr>
-                          <m:t>)</m:t>
-                        </m:r>
-                      </m:oMath>
-                    </a14:m>
-                    <a:endParaRPr lang="en-US" sz="2800" dirty="0">
-                      <a:solidFill>
-                        <a:schemeClr val="tx1">
-                          <a:lumMod val="65000"/>
-                          <a:lumOff val="35000"/>
-                        </a:schemeClr>
-                      </a:solidFill>
-                      <a:latin typeface="Montserrat Extra Bold" panose="00000900000000000000" pitchFamily="50" charset="0"/>
-                      <a:ea typeface="+mj-ea"/>
-                      <a:cs typeface="+mj-cs"/>
-                    </a:endParaRPr>
-                  </a:p>
-                </p:txBody>
-              </p:sp>
-            </mc:Choice>
-            <mc:Fallback>
-              <p:sp>
-                <p:nvSpPr>
-                  <p:cNvPr id="8" name="מציין מיקום תוכן 2">
-                    <a:extLst>
-                      <a:ext uri="{FF2B5EF4-FFF2-40B4-BE49-F238E27FC236}">
-                        <a16:creationId xmlns:a16="http://schemas.microsoft.com/office/drawing/2014/main" id="{93E52A3C-6226-0048-AC72-A50BD1FB0D9F}"/>
-                      </a:ext>
-                    </a:extLst>
-                  </p:cNvPr>
-                  <p:cNvSpPr txBox="1">
-                    <a:spLocks noRot="1" noChangeAspect="1" noMove="1" noResize="1" noEditPoints="1" noAdjustHandles="1" noChangeArrowheads="1" noChangeShapeType="1" noTextEdit="1"/>
-                  </p:cNvSpPr>
-                  <p:nvPr/>
-                </p:nvSpPr>
-                <p:spPr>
-                  <a:xfrm>
-                    <a:off x="838200" y="1825625"/>
-                    <a:ext cx="10515600" cy="4351338"/>
-                  </a:xfrm>
-                  <a:prstGeom prst="rect">
-                    <a:avLst/>
-                  </a:prstGeom>
-                  <a:blipFill>
-                    <a:blip r:embed="rId2"/>
-                    <a:stretch>
-                      <a:fillRect l="-121"/>
-                    </a:stretch>
-                  </a:blipFill>
-                </p:spPr>
-                <p:txBody>
-                  <a:bodyPr/>
-                  <a:lstStyle/>
-                  <a:p>
-                    <a:r>
-                      <a:rPr lang="en-US">
-                        <a:noFill/>
-                      </a:rPr>
-                      <a:t> </a:t>
-                    </a:r>
-                  </a:p>
-                </p:txBody>
-              </p:sp>
-            </mc:Fallback>
-          </mc:AlternateContent>
-          <p:sp>
-            <p:nvSpPr>
-              <p:cNvPr id="9" name="Rectangle 8">
-                <a:extLst>
-                  <a:ext uri="{FF2B5EF4-FFF2-40B4-BE49-F238E27FC236}">
-                    <a16:creationId xmlns:a16="http://schemas.microsoft.com/office/drawing/2014/main" id="{D4FC5419-CE97-4D45-A646-B2DCDFD77348}"/>
-                  </a:ext>
-                </a:extLst>
-              </p:cNvPr>
-              <p:cNvSpPr/>
-              <p:nvPr/>
-            </p:nvSpPr>
-            <p:spPr>
-              <a:xfrm>
-                <a:off x="5844697" y="3242624"/>
-                <a:ext cx="2864117" cy="1327464"/>
-              </a:xfrm>
-              <a:prstGeom prst="rect">
-                <a:avLst/>
-              </a:prstGeom>
-            </p:spPr>
-            <p:txBody>
-              <a:bodyPr wrap="none">
-                <a:spAutoFit/>
-              </a:bodyPr>
-              <a:lstStyle/>
-              <a:p>
-                <a:r>
-                  <a:rPr lang="en-US" sz="2800" dirty="0">
-                    <a:solidFill>
-                      <a:schemeClr val="tx1">
-                        <a:lumMod val="65000"/>
-                        <a:lumOff val="35000"/>
-                      </a:schemeClr>
-                    </a:solidFill>
-                    <a:latin typeface="Montserrat Extra Bold" panose="00000900000000000000" pitchFamily="50" charset="0"/>
-                    <a:ea typeface="+mj-ea"/>
-                    <a:cs typeface="+mj-cs"/>
-                  </a:rPr>
-                  <a:t>Objective function</a:t>
-                </a:r>
-              </a:p>
-            </p:txBody>
-          </p:sp>
-          <p:cxnSp>
-            <p:nvCxnSpPr>
-              <p:cNvPr id="10" name="Straight Connector 9">
-                <a:extLst>
-                  <a:ext uri="{FF2B5EF4-FFF2-40B4-BE49-F238E27FC236}">
-                    <a16:creationId xmlns:a16="http://schemas.microsoft.com/office/drawing/2014/main" id="{AF75A051-05E4-2F43-8493-E01A99D17E22}"/>
-                  </a:ext>
-                </a:extLst>
-              </p:cNvPr>
-              <p:cNvCxnSpPr>
-                <a:cxnSpLocks/>
-              </p:cNvCxnSpPr>
-              <p:nvPr/>
-            </p:nvCxnSpPr>
-            <p:spPr>
-              <a:xfrm>
-                <a:off x="1672090" y="3208700"/>
-                <a:ext cx="7761296" cy="0"/>
-              </a:xfrm>
-              <a:prstGeom prst="line">
-                <a:avLst/>
-              </a:prstGeom>
-              <a:ln w="28575">
-                <a:solidFill>
-                  <a:schemeClr val="tx1">
-                    <a:lumMod val="65000"/>
-                    <a:lumOff val="35000"/>
-                  </a:schemeClr>
-                </a:solidFill>
-                <a:headEnd type="none" w="med" len="med"/>
-                <a:tailEnd type="none" w="med" len="med"/>
-              </a:ln>
-            </p:spPr>
-            <p:style>
-              <a:lnRef idx="1">
-                <a:schemeClr val="accent1"/>
-              </a:lnRef>
-              <a:fillRef idx="0">
-                <a:schemeClr val="accent1"/>
-              </a:fillRef>
-              <a:effectRef idx="0">
-                <a:schemeClr val="accent1"/>
-              </a:effectRef>
-              <a:fontRef idx="minor">
-                <a:schemeClr val="tx1"/>
-              </a:fontRef>
-            </p:style>
-          </p:cxnSp>
-          <p:sp>
-            <p:nvSpPr>
-              <p:cNvPr id="11" name="Rectangle 10">
-                <a:extLst>
-                  <a:ext uri="{FF2B5EF4-FFF2-40B4-BE49-F238E27FC236}">
-                    <a16:creationId xmlns:a16="http://schemas.microsoft.com/office/drawing/2014/main" id="{858086DD-6D51-174E-95E1-52759F8D40D3}"/>
-                  </a:ext>
-                </a:extLst>
-              </p:cNvPr>
-              <p:cNvSpPr/>
-              <p:nvPr/>
-            </p:nvSpPr>
-            <p:spPr>
-              <a:xfrm>
-                <a:off x="7534450" y="357745"/>
-                <a:ext cx="1562479" cy="1327464"/>
-              </a:xfrm>
-              <a:prstGeom prst="rect">
-                <a:avLst/>
-              </a:prstGeom>
-            </p:spPr>
-            <p:txBody>
-              <a:bodyPr wrap="none">
-                <a:spAutoFit/>
-              </a:bodyPr>
-              <a:lstStyle/>
-              <a:p>
-                <a:r>
-                  <a:rPr lang="en-US" sz="2800" dirty="0">
-                    <a:solidFill>
-                      <a:schemeClr val="tx1">
-                        <a:lumMod val="65000"/>
-                        <a:lumOff val="35000"/>
-                      </a:schemeClr>
-                    </a:solidFill>
-                    <a:latin typeface="Montserrat Extra Bold" panose="00000900000000000000" pitchFamily="50" charset="0"/>
-                    <a:ea typeface="+mj-ea"/>
-                    <a:cs typeface="+mj-cs"/>
-                  </a:rPr>
-                  <a:t>Objective</a:t>
-                </a:r>
-              </a:p>
-            </p:txBody>
-          </p:sp>
-          <p:cxnSp>
-            <p:nvCxnSpPr>
-              <p:cNvPr id="12" name="Straight Connector 11">
-                <a:extLst>
-                  <a:ext uri="{FF2B5EF4-FFF2-40B4-BE49-F238E27FC236}">
-                    <a16:creationId xmlns:a16="http://schemas.microsoft.com/office/drawing/2014/main" id="{FF052B1D-1749-5F42-9081-540F9E75FE8B}"/>
-                  </a:ext>
-                </a:extLst>
-              </p:cNvPr>
-              <p:cNvCxnSpPr/>
-              <p:nvPr/>
-            </p:nvCxnSpPr>
-            <p:spPr>
-              <a:xfrm>
-                <a:off x="7132327" y="1839036"/>
-                <a:ext cx="2167104" cy="0"/>
-              </a:xfrm>
-              <a:prstGeom prst="line">
-                <a:avLst/>
-              </a:prstGeom>
-              <a:ln w="28575">
-                <a:solidFill>
-                  <a:schemeClr val="tx1">
-                    <a:lumMod val="65000"/>
-                    <a:lumOff val="35000"/>
-                  </a:schemeClr>
-                </a:solidFill>
-                <a:headEnd type="none" w="med" len="med"/>
-                <a:tailEnd type="none" w="med" len="med"/>
-              </a:ln>
-            </p:spPr>
-            <p:style>
-              <a:lnRef idx="1">
-                <a:schemeClr val="accent1"/>
-              </a:lnRef>
-              <a:fillRef idx="0">
-                <a:schemeClr val="accent1"/>
-              </a:fillRef>
-              <a:effectRef idx="0">
-                <a:schemeClr val="accent1"/>
-              </a:effectRef>
-              <a:fontRef idx="minor">
-                <a:schemeClr val="tx1"/>
-              </a:fontRef>
-            </p:style>
-          </p:cxnSp>
-          <p:cxnSp>
-            <p:nvCxnSpPr>
-              <p:cNvPr id="13" name="Straight Connector 12">
-                <a:extLst>
-                  <a:ext uri="{FF2B5EF4-FFF2-40B4-BE49-F238E27FC236}">
-                    <a16:creationId xmlns:a16="http://schemas.microsoft.com/office/drawing/2014/main" id="{727BB66E-3B3F-6447-B1B8-016E9F3DE908}"/>
-                  </a:ext>
-                </a:extLst>
-              </p:cNvPr>
-              <p:cNvCxnSpPr/>
-              <p:nvPr/>
-            </p:nvCxnSpPr>
-            <p:spPr>
-              <a:xfrm>
-                <a:off x="8228900" y="1393962"/>
-                <a:ext cx="0" cy="399094"/>
-              </a:xfrm>
-              <a:prstGeom prst="line">
-                <a:avLst/>
-              </a:prstGeom>
-              <a:ln w="28575">
-                <a:solidFill>
-                  <a:schemeClr val="tx1">
-                    <a:lumMod val="65000"/>
-                    <a:lumOff val="35000"/>
-                  </a:schemeClr>
-                </a:solidFill>
-                <a:tailEnd type="triangle"/>
-              </a:ln>
-            </p:spPr>
-            <p:style>
-              <a:lnRef idx="1">
-                <a:schemeClr val="accent1"/>
-              </a:lnRef>
-              <a:fillRef idx="0">
-                <a:schemeClr val="accent1"/>
-              </a:fillRef>
-              <a:effectRef idx="0">
-                <a:schemeClr val="accent1"/>
-              </a:effectRef>
-              <a:fontRef idx="minor">
-                <a:schemeClr val="tx1"/>
-              </a:fontRef>
-            </p:style>
-          </p:cxnSp>
-        </p:grpSp>
-        <p:cxnSp>
-          <p:nvCxnSpPr>
-            <p:cNvPr id="6" name="Straight Connector 5">
-              <a:extLst>
-                <a:ext uri="{FF2B5EF4-FFF2-40B4-BE49-F238E27FC236}">
-                  <a16:creationId xmlns:a16="http://schemas.microsoft.com/office/drawing/2014/main" id="{D3A6B3C6-FECC-4B41-A5B2-AE04D0866B2E}"/>
-                </a:ext>
-              </a:extLst>
-            </p:cNvPr>
-            <p:cNvCxnSpPr>
-              <a:cxnSpLocks/>
-            </p:cNvCxnSpPr>
-            <p:nvPr/>
-          </p:nvCxnSpPr>
-          <p:spPr>
-            <a:xfrm>
-              <a:off x="5842490" y="19575228"/>
-              <a:ext cx="617304" cy="0"/>
-            </a:xfrm>
-            <a:prstGeom prst="line">
-              <a:avLst/>
-            </a:prstGeom>
-            <a:ln w="28575">
-              <a:solidFill>
-                <a:schemeClr val="tx1">
-                  <a:lumMod val="65000"/>
-                  <a:lumOff val="35000"/>
-                </a:schemeClr>
-              </a:solidFill>
-              <a:headEnd type="none" w="med" len="med"/>
-              <a:tailEnd type="none" w="med" len="med"/>
-            </a:ln>
-          </p:spPr>
-          <p:style>
-            <a:lnRef idx="1">
-              <a:schemeClr val="accent1"/>
-            </a:lnRef>
-            <a:fillRef idx="0">
-              <a:schemeClr val="accent1"/>
-            </a:fillRef>
-            <a:effectRef idx="0">
-              <a:schemeClr val="accent1"/>
-            </a:effectRef>
-            <a:fontRef idx="minor">
-              <a:schemeClr val="tx1"/>
-            </a:fontRef>
-          </p:style>
-        </p:cxnSp>
-        <p:cxnSp>
-          <p:nvCxnSpPr>
-            <p:cNvPr id="7" name="Straight Connector 6">
-              <a:extLst>
-                <a:ext uri="{FF2B5EF4-FFF2-40B4-BE49-F238E27FC236}">
-                  <a16:creationId xmlns:a16="http://schemas.microsoft.com/office/drawing/2014/main" id="{21237ECF-8260-A14C-A839-A0C6C7A149EC}"/>
-                </a:ext>
-              </a:extLst>
-            </p:cNvPr>
-            <p:cNvCxnSpPr>
-              <a:cxnSpLocks/>
-            </p:cNvCxnSpPr>
-            <p:nvPr/>
-          </p:nvCxnSpPr>
-          <p:spPr>
-            <a:xfrm flipV="1">
-              <a:off x="5842490" y="19281432"/>
-              <a:ext cx="0" cy="313859"/>
-            </a:xfrm>
-            <a:prstGeom prst="line">
-              <a:avLst/>
-            </a:prstGeom>
-            <a:ln w="28575">
-              <a:solidFill>
-                <a:schemeClr val="tx1">
-                  <a:lumMod val="65000"/>
-                  <a:lumOff val="35000"/>
-                </a:schemeClr>
-              </a:solidFill>
-              <a:tailEnd type="triangle"/>
-            </a:ln>
-          </p:spPr>
-          <p:style>
-            <a:lnRef idx="1">
-              <a:schemeClr val="accent1"/>
-            </a:lnRef>
-            <a:fillRef idx="0">
-              <a:schemeClr val="accent1"/>
-            </a:fillRef>
-            <a:effectRef idx="0">
-              <a:schemeClr val="accent1"/>
-            </a:effectRef>
-            <a:fontRef idx="minor">
-              <a:schemeClr val="tx1"/>
-            </a:fontRef>
-          </p:style>
-        </p:cxnSp>
-      </p:grpSp>
-      <p:sp>
-        <p:nvSpPr>
-          <p:cNvPr id="14" name="Rectangle 13">
-            <a:extLst>
-              <a:ext uri="{FF2B5EF4-FFF2-40B4-BE49-F238E27FC236}">
-                <a16:creationId xmlns:a16="http://schemas.microsoft.com/office/drawing/2014/main" id="{73903EBA-9A4C-A641-9518-C0E832A2C546}"/>
-              </a:ext>
-            </a:extLst>
-          </p:cNvPr>
-          <p:cNvSpPr/>
-          <p:nvPr/>
-        </p:nvSpPr>
-        <p:spPr>
-          <a:xfrm>
-            <a:off x="7569201" y="19000431"/>
-            <a:ext cx="5445050" cy="8063746"/>
-          </a:xfrm>
-          <a:prstGeom prst="rect">
-            <a:avLst/>
-          </a:prstGeom>
-        </p:spPr>
-        <p:txBody>
-          <a:bodyPr wrap="square">
-            <a:spAutoFit/>
-          </a:bodyPr>
-          <a:lstStyle/>
-          <a:p>
-            <a:pPr algn="just"/>
-            <a:r>
-              <a:rPr lang="en-US" sz="2800" dirty="0">
-                <a:solidFill>
-                  <a:schemeClr val="tx1">
-                    <a:lumMod val="65000"/>
-                    <a:lumOff val="35000"/>
-                  </a:schemeClr>
-                </a:solidFill>
-                <a:latin typeface="Montserrat Extra Bold" panose="00000900000000000000" pitchFamily="50" charset="0"/>
-              </a:rPr>
-              <a:t>Configuration-1: “Co9/9“, Fig.4a</a:t>
-            </a:r>
-          </a:p>
-          <a:p>
-            <a:pPr algn="just"/>
-            <a:r>
-              <a:rPr lang="en-US" sz="2800" dirty="0">
-                <a:solidFill>
-                  <a:schemeClr val="tx1">
-                    <a:lumMod val="65000"/>
-                    <a:lumOff val="35000"/>
-                  </a:schemeClr>
-                </a:solidFill>
-                <a:latin typeface="Montserrat Extra Bold" panose="00000900000000000000" pitchFamily="50" charset="0"/>
-              </a:rPr>
-              <a:t>Configuration-2: “Co9/9“, Fig.4b</a:t>
-            </a:r>
-          </a:p>
-          <a:p>
-            <a:pPr algn="just"/>
-            <a:endParaRPr lang="en-US" sz="2800" dirty="0">
-              <a:solidFill>
-                <a:schemeClr val="tx1">
-                  <a:lumMod val="65000"/>
-                  <a:lumOff val="35000"/>
-                </a:schemeClr>
-              </a:solidFill>
-              <a:latin typeface="Montserrat Extra Bold" panose="00000900000000000000" pitchFamily="50" charset="0"/>
-            </a:endParaRPr>
-          </a:p>
-          <a:p>
-            <a:pPr algn="just"/>
-            <a:r>
-              <a:rPr lang="en-US" sz="2800" dirty="0">
-                <a:solidFill>
-                  <a:schemeClr val="tx1">
-                    <a:lumMod val="65000"/>
-                    <a:lumOff val="35000"/>
-                  </a:schemeClr>
-                </a:solidFill>
-                <a:latin typeface="Montserrat Extra Bold" panose="00000900000000000000" pitchFamily="50" charset="0"/>
-              </a:rPr>
-              <a:t>The method searches for a set of leaks; each one of them has a typical emission rate and location. The optimal set results in a minimal difference between the sensors’ actual and computed readings, while maintaining a minimum number of active sources. </a:t>
-            </a:r>
-          </a:p>
-          <a:p>
-            <a:pPr algn="just"/>
-            <a:endParaRPr lang="en-US" sz="2800" dirty="0">
-              <a:solidFill>
-                <a:schemeClr val="tx1">
-                  <a:lumMod val="65000"/>
-                  <a:lumOff val="35000"/>
-                </a:schemeClr>
-              </a:solidFill>
-              <a:latin typeface="Montserrat Extra Bold" panose="00000900000000000000" pitchFamily="50" charset="0"/>
-            </a:endParaRPr>
-          </a:p>
-          <a:p>
-            <a:pPr algn="just"/>
-            <a:endParaRPr lang="en-US" sz="2800" dirty="0">
-              <a:solidFill>
-                <a:schemeClr val="tx1">
-                  <a:lumMod val="65000"/>
-                  <a:lumOff val="35000"/>
-                </a:schemeClr>
-              </a:solidFill>
-              <a:latin typeface="Montserrat Extra Bold" panose="00000900000000000000" pitchFamily="50" charset="0"/>
-            </a:endParaRPr>
-          </a:p>
-          <a:p>
-            <a:pPr algn="just"/>
-            <a:endParaRPr lang="en-US" sz="2800" dirty="0">
-              <a:solidFill>
-                <a:schemeClr val="tx1">
-                  <a:lumMod val="65000"/>
-                  <a:lumOff val="35000"/>
-                </a:schemeClr>
-              </a:solidFill>
-              <a:latin typeface="Montserrat Extra Bold" panose="00000900000000000000" pitchFamily="50" charset="0"/>
-            </a:endParaRPr>
-          </a:p>
-          <a:p>
-            <a:pPr algn="just"/>
-            <a:r>
-              <a:rPr lang="en-US" dirty="0"/>
-              <a:t>computations were performed in a simulated a 600*600-meter flat area, with constant west-wind and C5 atmospheric stability class. Leak rates are 0-1000kg/s from varying number of leaks, between 0-9. Leaks height was 5 m above ground level. To gauge the air-pollution, a sparse WDESN is deployed in several configurations relative to the leaks. </a:t>
-            </a:r>
-            <a:endParaRPr lang="en-US" sz="2800" dirty="0">
-              <a:solidFill>
-                <a:schemeClr val="tx1">
-                  <a:lumMod val="65000"/>
-                  <a:lumOff val="35000"/>
-                </a:schemeClr>
-              </a:solidFill>
-              <a:latin typeface="Montserrat Extra Bold" panose="00000900000000000000" pitchFamily="50" charset="0"/>
-            </a:endParaRPr>
-          </a:p>
-        </p:txBody>
-      </p:sp>
-      <p:sp>
-        <p:nvSpPr>
-          <p:cNvPr id="15" name="Rectangle 14">
-            <a:extLst>
-              <a:ext uri="{FF2B5EF4-FFF2-40B4-BE49-F238E27FC236}">
-                <a16:creationId xmlns:a16="http://schemas.microsoft.com/office/drawing/2014/main" id="{A3674042-FC05-5845-931D-3329316529ED}"/>
-              </a:ext>
-            </a:extLst>
-          </p:cNvPr>
-          <p:cNvSpPr/>
-          <p:nvPr/>
-        </p:nvSpPr>
-        <p:spPr>
-          <a:xfrm>
-            <a:off x="7569200" y="21077923"/>
-            <a:ext cx="15135225" cy="646331"/>
-          </a:xfrm>
-          <a:prstGeom prst="rect">
-            <a:avLst/>
-          </a:prstGeom>
-        </p:spPr>
-        <p:txBody>
-          <a:bodyPr>
-            <a:spAutoFit/>
-          </a:bodyPr>
-          <a:lstStyle/>
-          <a:p>
-            <a:pPr algn="just"/>
-            <a:r>
-              <a:rPr lang="en-US" dirty="0">
-                <a:solidFill>
-                  <a:schemeClr val="tx1">
-                    <a:lumMod val="65000"/>
-                    <a:lumOff val="35000"/>
-                  </a:schemeClr>
-                </a:solidFill>
-                <a:latin typeface="Montserrat Extra Bold" panose="00000900000000000000" pitchFamily="50" charset="0"/>
-              </a:rPr>
-              <a:t>The method searches for a set of leaks; each one of them has a typical emission rate and location. The optimal set results in a minimal difference between the sensors’ actual and computed readings, while maintaining a minimum number of active sources. </a:t>
-            </a:r>
-          </a:p>
-        </p:txBody>
-      </p:sp>
-    </p:spTree>
-    <p:extLst>
-      <p:ext uri="{BB962C8B-B14F-4D97-AF65-F5344CB8AC3E}">
-        <p14:creationId xmlns:p14="http://schemas.microsoft.com/office/powerpoint/2010/main" val="3681192376"/>
-      </p:ext>
-    </p:extLst>
-  </p:cSld>
-  <p:clrMapOvr>
-    <a:masterClrMapping/>
-  </p:clrMapOvr>
-</p:sld>
-</file>
-
 <file path=ppt/theme/theme1.xml><?xml version="1.0" encoding="utf-8"?>
 <a:theme xmlns:a="http://schemas.openxmlformats.org/drawingml/2006/main" name="Office Theme">
   <a:themeElements>

--- a/Poster_env_conf_06_2019.pptx
+++ b/Poster_env_conf_06_2019.pptx
@@ -197,7 +197,7 @@
           <a:p>
             <a:fld id="{D5202ED4-C9F0-6549-9B23-F38EF8DDD8B4}" type="datetimeFigureOut">
               <a:rPr lang="en-US" smtClean="0"/>
-              <a:t>5/29/19</a:t>
+              <a:t>6/6/19</a:t>
             </a:fld>
             <a:endParaRPr lang="en-US"/>
           </a:p>
@@ -595,7 +595,7 @@
           <a:p>
             <a:fld id="{7A00E781-3D00-0D47-A567-282179358BD5}" type="datetimeFigureOut">
               <a:rPr lang="en-US" smtClean="0"/>
-              <a:t>5/28/19</a:t>
+              <a:t>6/6/19</a:t>
             </a:fld>
             <a:endParaRPr lang="en-US"/>
           </a:p>
@@ -765,7 +765,7 @@
           <a:p>
             <a:fld id="{7A00E781-3D00-0D47-A567-282179358BD5}" type="datetimeFigureOut">
               <a:rPr lang="en-US" smtClean="0"/>
-              <a:t>5/28/19</a:t>
+              <a:t>6/6/19</a:t>
             </a:fld>
             <a:endParaRPr lang="en-US"/>
           </a:p>
@@ -945,7 +945,7 @@
           <a:p>
             <a:fld id="{7A00E781-3D00-0D47-A567-282179358BD5}" type="datetimeFigureOut">
               <a:rPr lang="en-US" smtClean="0"/>
-              <a:t>5/28/19</a:t>
+              <a:t>6/6/19</a:t>
             </a:fld>
             <a:endParaRPr lang="en-US"/>
           </a:p>
@@ -1115,7 +1115,7 @@
           <a:p>
             <a:fld id="{7A00E781-3D00-0D47-A567-282179358BD5}" type="datetimeFigureOut">
               <a:rPr lang="en-US" smtClean="0"/>
-              <a:t>5/28/19</a:t>
+              <a:t>6/6/19</a:t>
             </a:fld>
             <a:endParaRPr lang="en-US"/>
           </a:p>
@@ -1359,7 +1359,7 @@
           <a:p>
             <a:fld id="{7A00E781-3D00-0D47-A567-282179358BD5}" type="datetimeFigureOut">
               <a:rPr lang="en-US" smtClean="0"/>
-              <a:t>5/28/19</a:t>
+              <a:t>6/6/19</a:t>
             </a:fld>
             <a:endParaRPr lang="en-US"/>
           </a:p>
@@ -1591,7 +1591,7 @@
           <a:p>
             <a:fld id="{7A00E781-3D00-0D47-A567-282179358BD5}" type="datetimeFigureOut">
               <a:rPr lang="en-US" smtClean="0"/>
-              <a:t>5/28/19</a:t>
+              <a:t>6/6/19</a:t>
             </a:fld>
             <a:endParaRPr lang="en-US"/>
           </a:p>
@@ -1958,7 +1958,7 @@
           <a:p>
             <a:fld id="{7A00E781-3D00-0D47-A567-282179358BD5}" type="datetimeFigureOut">
               <a:rPr lang="en-US" smtClean="0"/>
-              <a:t>5/28/19</a:t>
+              <a:t>6/6/19</a:t>
             </a:fld>
             <a:endParaRPr lang="en-US"/>
           </a:p>
@@ -2076,7 +2076,7 @@
           <a:p>
             <a:fld id="{7A00E781-3D00-0D47-A567-282179358BD5}" type="datetimeFigureOut">
               <a:rPr lang="en-US" smtClean="0"/>
-              <a:t>5/28/19</a:t>
+              <a:t>6/6/19</a:t>
             </a:fld>
             <a:endParaRPr lang="en-US"/>
           </a:p>
@@ -2171,7 +2171,7 @@
           <a:p>
             <a:fld id="{7A00E781-3D00-0D47-A567-282179358BD5}" type="datetimeFigureOut">
               <a:rPr lang="en-US" smtClean="0"/>
-              <a:t>5/28/19</a:t>
+              <a:t>6/6/19</a:t>
             </a:fld>
             <a:endParaRPr lang="en-US"/>
           </a:p>
@@ -2448,7 +2448,7 @@
           <a:p>
             <a:fld id="{7A00E781-3D00-0D47-A567-282179358BD5}" type="datetimeFigureOut">
               <a:rPr lang="en-US" smtClean="0"/>
-              <a:t>5/28/19</a:t>
+              <a:t>6/6/19</a:t>
             </a:fld>
             <a:endParaRPr lang="en-US"/>
           </a:p>
@@ -2705,7 +2705,7 @@
           <a:p>
             <a:fld id="{7A00E781-3D00-0D47-A567-282179358BD5}" type="datetimeFigureOut">
               <a:rPr lang="en-US" smtClean="0"/>
-              <a:t>5/28/19</a:t>
+              <a:t>6/6/19</a:t>
             </a:fld>
             <a:endParaRPr lang="en-US"/>
           </a:p>
@@ -2918,7 +2918,7 @@
           <a:p>
             <a:fld id="{7A00E781-3D00-0D47-A567-282179358BD5}" type="datetimeFigureOut">
               <a:rPr lang="en-US" smtClean="0"/>
-              <a:t>5/28/19</a:t>
+              <a:t>6/6/19</a:t>
             </a:fld>
             <a:endParaRPr lang="en-US"/>
           </a:p>
@@ -4615,8 +4615,8 @@
           </a:p>
         </p:txBody>
       </p:sp>
-      <mc:AlternateContent xmlns:mc="http://schemas.openxmlformats.org/markup-compatibility/2006">
-        <mc:Choice xmlns:a14="http://schemas.microsoft.com/office/drawing/2010/main" Requires="a14">
+      <mc:AlternateContent xmlns:mc="http://schemas.openxmlformats.org/markup-compatibility/2006" xmlns:a14="http://schemas.microsoft.com/office/drawing/2010/main">
+        <mc:Choice Requires="a14">
           <p:sp>
             <p:nvSpPr>
               <p:cNvPr id="48" name="Rectangle 47">
@@ -4702,6 +4702,7 @@
                                 <a:lumOff val="35000"/>
                               </a:schemeClr>
                             </a:solidFill>
+                            <a:latin typeface="Cambria Math" panose="02040503050406030204" pitchFamily="18" charset="0"/>
                           </a:rPr>
                         </m:ctrlPr>
                       </m:sSubPr>
@@ -4714,6 +4715,7 @@
                                 <a:lumOff val="35000"/>
                               </a:schemeClr>
                             </a:solidFill>
+                            <a:latin typeface="Cambria Math" panose="02040503050406030204" pitchFamily="18" charset="0"/>
                           </a:rPr>
                           <m:t>𝛹</m:t>
                         </m:r>
@@ -4727,6 +4729,7 @@
                                 <a:lumOff val="35000"/>
                               </a:schemeClr>
                             </a:solidFill>
+                            <a:latin typeface="Cambria Math" panose="02040503050406030204" pitchFamily="18" charset="0"/>
                           </a:rPr>
                           <m:t>𝑒𝑟𝑟𝑜𝑟</m:t>
                         </m:r>
@@ -4740,6 +4743,7 @@
                             <a:lumOff val="35000"/>
                           </a:schemeClr>
                         </a:solidFill>
+                        <a:latin typeface="Cambria Math" panose="02040503050406030204" pitchFamily="18" charset="0"/>
                       </a:rPr>
                       <m:t>=</m:t>
                     </m:r>
@@ -4753,6 +4757,7 @@
                                 <a:lumOff val="35000"/>
                               </a:schemeClr>
                             </a:solidFill>
+                            <a:latin typeface="Cambria Math" panose="02040503050406030204" pitchFamily="18" charset="0"/>
                           </a:rPr>
                         </m:ctrlPr>
                       </m:funcPr>
@@ -4767,6 +4772,7 @@
                                     <a:lumOff val="35000"/>
                                   </a:schemeClr>
                                 </a:solidFill>
+                                <a:latin typeface="Cambria Math" panose="02040503050406030204" pitchFamily="18" charset="0"/>
                               </a:rPr>
                             </m:ctrlPr>
                           </m:limLowPr>
@@ -4779,6 +4785,7 @@
                                     <a:lumOff val="35000"/>
                                   </a:schemeClr>
                                 </a:solidFill>
+                                <a:latin typeface="Cambria Math" panose="02040503050406030204" pitchFamily="18" charset="0"/>
                               </a:rPr>
                               <m:t>𝑚𝑖𝑛</m:t>
                             </m:r>
@@ -4792,6 +4799,7 @@
                                     <a:lumOff val="35000"/>
                                   </a:schemeClr>
                                 </a:solidFill>
+                                <a:latin typeface="Cambria Math" panose="02040503050406030204" pitchFamily="18" charset="0"/>
                               </a:rPr>
                               <m:t>{</m:t>
                             </m:r>
@@ -4803,6 +4811,7 @@
                                     <a:lumOff val="35000"/>
                                   </a:schemeClr>
                                 </a:solidFill>
+                                <a:latin typeface="Cambria Math" panose="02040503050406030204" pitchFamily="18" charset="0"/>
                               </a:rPr>
                               <m:t>𝑆</m:t>
                             </m:r>
@@ -4814,6 +4823,7 @@
                                     <a:lumOff val="35000"/>
                                   </a:schemeClr>
                                 </a:solidFill>
+                                <a:latin typeface="Cambria Math" panose="02040503050406030204" pitchFamily="18" charset="0"/>
                               </a:rPr>
                               <m:t>}</m:t>
                             </m:r>
@@ -4834,6 +4844,7 @@
                                     <a:lumOff val="35000"/>
                                   </a:schemeClr>
                                 </a:solidFill>
+                                <a:latin typeface="Cambria Math" panose="02040503050406030204" pitchFamily="18" charset="0"/>
                               </a:rPr>
                             </m:ctrlPr>
                           </m:naryPr>
@@ -4846,6 +4857,7 @@
                                     <a:lumOff val="35000"/>
                                   </a:schemeClr>
                                 </a:solidFill>
+                                <a:latin typeface="Cambria Math" panose="02040503050406030204" pitchFamily="18" charset="0"/>
                               </a:rPr>
                               <m:t>𝑟</m:t>
                             </m:r>
@@ -4857,6 +4869,7 @@
                                     <a:lumOff val="35000"/>
                                   </a:schemeClr>
                                 </a:solidFill>
+                                <a:latin typeface="Cambria Math" panose="02040503050406030204" pitchFamily="18" charset="0"/>
                               </a:rPr>
                               <m:t>∈{</m:t>
                             </m:r>
@@ -4868,6 +4881,7 @@
                                     <a:lumOff val="35000"/>
                                   </a:schemeClr>
                                 </a:solidFill>
+                                <a:latin typeface="Cambria Math" panose="02040503050406030204" pitchFamily="18" charset="0"/>
                               </a:rPr>
                               <m:t>𝑅</m:t>
                             </m:r>
@@ -4879,6 +4893,7 @@
                                     <a:lumOff val="35000"/>
                                   </a:schemeClr>
                                 </a:solidFill>
+                                <a:latin typeface="Cambria Math" panose="02040503050406030204" pitchFamily="18" charset="0"/>
                               </a:rPr>
                               <m:t>}</m:t>
                             </m:r>
@@ -4897,6 +4912,7 @@
                                         <a:lumOff val="35000"/>
                                       </a:schemeClr>
                                     </a:solidFill>
+                                    <a:latin typeface="Cambria Math" panose="02040503050406030204" pitchFamily="18" charset="0"/>
                                   </a:rPr>
                                 </m:ctrlPr>
                               </m:dPr>
@@ -4911,6 +4927,7 @@
                                             <a:lumOff val="35000"/>
                                           </a:schemeClr>
                                         </a:solidFill>
+                                        <a:latin typeface="Cambria Math" panose="02040503050406030204" pitchFamily="18" charset="0"/>
                                       </a:rPr>
                                     </m:ctrlPr>
                                   </m:sSubPr>
@@ -4923,6 +4940,7 @@
                                             <a:lumOff val="35000"/>
                                           </a:schemeClr>
                                         </a:solidFill>
+                                        <a:latin typeface="Cambria Math" panose="02040503050406030204" pitchFamily="18" charset="0"/>
                                       </a:rPr>
                                       <m:t>𝒄</m:t>
                                     </m:r>
@@ -4936,6 +4954,7 @@
                                             <a:lumOff val="35000"/>
                                           </a:schemeClr>
                                         </a:solidFill>
+                                        <a:latin typeface="Cambria Math" panose="02040503050406030204" pitchFamily="18" charset="0"/>
                                       </a:rPr>
                                       <m:t>𝒓</m:t>
                                     </m:r>
@@ -4949,6 +4968,7 @@
                                         <a:lumOff val="35000"/>
                                       </a:schemeClr>
                                     </a:solidFill>
+                                    <a:latin typeface="Cambria Math" panose="02040503050406030204" pitchFamily="18" charset="0"/>
                                   </a:rPr>
                                   <m:t>(</m:t>
                                 </m:r>
@@ -4960,6 +4980,7 @@
                                         <a:lumOff val="35000"/>
                                       </a:schemeClr>
                                     </a:solidFill>
+                                    <a:latin typeface="Cambria Math" panose="02040503050406030204" pitchFamily="18" charset="0"/>
                                   </a:rPr>
                                   <m:t>𝒕</m:t>
                                 </m:r>
@@ -4971,6 +4992,7 @@
                                         <a:lumOff val="35000"/>
                                       </a:schemeClr>
                                     </a:solidFill>
+                                    <a:latin typeface="Cambria Math" panose="02040503050406030204" pitchFamily="18" charset="0"/>
                                   </a:rPr>
                                   <m:t>)−</m:t>
                                 </m:r>
@@ -4987,6 +5009,7 @@
                                             <a:lumOff val="35000"/>
                                           </a:schemeClr>
                                         </a:solidFill>
+                                        <a:latin typeface="Cambria Math" panose="02040503050406030204" pitchFamily="18" charset="0"/>
                                       </a:rPr>
                                     </m:ctrlPr>
                                   </m:naryPr>
@@ -4999,6 +5022,7 @@
                                             <a:lumOff val="35000"/>
                                           </a:schemeClr>
                                         </a:solidFill>
+                                        <a:latin typeface="Cambria Math" panose="02040503050406030204" pitchFamily="18" charset="0"/>
                                       </a:rPr>
                                       <m:t>𝒔</m:t>
                                     </m:r>
@@ -5010,6 +5034,7 @@
                                             <a:lumOff val="35000"/>
                                           </a:schemeClr>
                                         </a:solidFill>
+                                        <a:latin typeface="Cambria Math" panose="02040503050406030204" pitchFamily="18" charset="0"/>
                                       </a:rPr>
                                       <m:t>∈{</m:t>
                                     </m:r>
@@ -5021,6 +5046,7 @@
                                             <a:lumOff val="35000"/>
                                           </a:schemeClr>
                                         </a:solidFill>
+                                        <a:latin typeface="Cambria Math" panose="02040503050406030204" pitchFamily="18" charset="0"/>
                                       </a:rPr>
                                       <m:t>𝑺</m:t>
                                     </m:r>
@@ -5032,6 +5058,7 @@
                                             <a:lumOff val="35000"/>
                                           </a:schemeClr>
                                         </a:solidFill>
+                                        <a:latin typeface="Cambria Math" panose="02040503050406030204" pitchFamily="18" charset="0"/>
                                       </a:rPr>
                                       <m:t>}</m:t>
                                     </m:r>
@@ -5048,6 +5075,7 @@
                                                 <a:lumOff val="35000"/>
                                               </a:schemeClr>
                                             </a:solidFill>
+                                            <a:latin typeface="Cambria Math" panose="02040503050406030204" pitchFamily="18" charset="0"/>
                                           </a:rPr>
                                         </m:ctrlPr>
                                       </m:sSubPr>
@@ -5060,6 +5088,7 @@
                                                 <a:lumOff val="35000"/>
                                               </a:schemeClr>
                                             </a:solidFill>
+                                            <a:latin typeface="Cambria Math" panose="02040503050406030204" pitchFamily="18" charset="0"/>
                                           </a:rPr>
                                           <m:t>𝒎</m:t>
                                         </m:r>
@@ -5073,6 +5102,7 @@
                                                 <a:lumOff val="35000"/>
                                               </a:schemeClr>
                                             </a:solidFill>
+                                            <a:latin typeface="Cambria Math" panose="02040503050406030204" pitchFamily="18" charset="0"/>
                                           </a:rPr>
                                           <m:t>𝒔𝒓</m:t>
                                         </m:r>
@@ -5086,6 +5116,7 @@
                                             <a:lumOff val="35000"/>
                                           </a:schemeClr>
                                         </a:solidFill>
+                                        <a:latin typeface="Cambria Math" panose="02040503050406030204" pitchFamily="18" charset="0"/>
                                       </a:rPr>
                                       <m:t>∙ </m:t>
                                     </m:r>
@@ -5099,6 +5130,7 @@
                                                 <a:lumOff val="35000"/>
                                               </a:schemeClr>
                                             </a:solidFill>
+                                            <a:latin typeface="Cambria Math" panose="02040503050406030204" pitchFamily="18" charset="0"/>
                                           </a:rPr>
                                         </m:ctrlPr>
                                       </m:sSubPr>
@@ -5111,6 +5143,7 @@
                                                 <a:lumOff val="35000"/>
                                               </a:schemeClr>
                                             </a:solidFill>
+                                            <a:latin typeface="Cambria Math" panose="02040503050406030204" pitchFamily="18" charset="0"/>
                                           </a:rPr>
                                           <m:t>𝒒</m:t>
                                         </m:r>
@@ -5124,6 +5157,7 @@
                                                 <a:lumOff val="35000"/>
                                               </a:schemeClr>
                                             </a:solidFill>
+                                            <a:latin typeface="Cambria Math" panose="02040503050406030204" pitchFamily="18" charset="0"/>
                                           </a:rPr>
                                           <m:t>𝑠</m:t>
                                         </m:r>
@@ -5137,6 +5171,7 @@
                                             <a:lumOff val="35000"/>
                                           </a:schemeClr>
                                         </a:solidFill>
+                                        <a:latin typeface="Cambria Math" panose="02040503050406030204" pitchFamily="18" charset="0"/>
                                       </a:rPr>
                                       <m:t>(</m:t>
                                     </m:r>
@@ -5148,6 +5183,7 @@
                                             <a:lumOff val="35000"/>
                                           </a:schemeClr>
                                         </a:solidFill>
+                                        <a:latin typeface="Cambria Math" panose="02040503050406030204" pitchFamily="18" charset="0"/>
                                       </a:rPr>
                                       <m:t>𝑡</m:t>
                                     </m:r>
@@ -5159,6 +5195,7 @@
                                             <a:lumOff val="35000"/>
                                           </a:schemeClr>
                                         </a:solidFill>
+                                        <a:latin typeface="Cambria Math" panose="02040503050406030204" pitchFamily="18" charset="0"/>
                                       </a:rPr>
                                       <m:t>)</m:t>
                                     </m:r>
@@ -5232,6 +5269,7 @@
                                 <a:lumOff val="35000"/>
                               </a:schemeClr>
                             </a:solidFill>
+                            <a:latin typeface="Cambria Math" panose="02040503050406030204" pitchFamily="18" charset="0"/>
                           </a:rPr>
                         </m:ctrlPr>
                       </m:sSubPr>
@@ -5244,6 +5282,7 @@
                                 <a:lumOff val="35000"/>
                               </a:schemeClr>
                             </a:solidFill>
+                            <a:latin typeface="Cambria Math" panose="02040503050406030204" pitchFamily="18" charset="0"/>
                           </a:rPr>
                           <m:t>𝛹</m:t>
                         </m:r>
@@ -5257,6 +5296,7 @@
                                 <a:lumOff val="35000"/>
                               </a:schemeClr>
                             </a:solidFill>
+                            <a:latin typeface="Cambria Math" panose="02040503050406030204" pitchFamily="18" charset="0"/>
                           </a:rPr>
                           <m:t>#</m:t>
                         </m:r>
@@ -5268,6 +5308,7 @@
                                 <a:lumOff val="35000"/>
                               </a:schemeClr>
                             </a:solidFill>
+                            <a:latin typeface="Cambria Math" panose="02040503050406030204" pitchFamily="18" charset="0"/>
                           </a:rPr>
                           <m:t>𝑆</m:t>
                         </m:r>
@@ -5281,6 +5322,7 @@
                             <a:lumOff val="35000"/>
                           </a:schemeClr>
                         </a:solidFill>
+                        <a:latin typeface="Cambria Math" panose="02040503050406030204" pitchFamily="18" charset="0"/>
                       </a:rPr>
                       <m:t>=</m:t>
                     </m:r>
@@ -5294,6 +5336,7 @@
                                 <a:lumOff val="35000"/>
                               </a:schemeClr>
                             </a:solidFill>
+                            <a:latin typeface="Cambria Math" panose="02040503050406030204" pitchFamily="18" charset="0"/>
                           </a:rPr>
                         </m:ctrlPr>
                       </m:sSubPr>
@@ -5308,6 +5351,7 @@
                                     <a:lumOff val="35000"/>
                                   </a:schemeClr>
                                 </a:solidFill>
+                                <a:latin typeface="Cambria Math" panose="02040503050406030204" pitchFamily="18" charset="0"/>
                               </a:rPr>
                             </m:ctrlPr>
                           </m:funcPr>
@@ -5322,6 +5366,7 @@
                                         <a:lumOff val="35000"/>
                                       </a:schemeClr>
                                     </a:solidFill>
+                                    <a:latin typeface="Cambria Math" panose="02040503050406030204" pitchFamily="18" charset="0"/>
                                   </a:rPr>
                                 </m:ctrlPr>
                               </m:limLowPr>
@@ -5334,6 +5379,7 @@
                                         <a:lumOff val="35000"/>
                                       </a:schemeClr>
                                     </a:solidFill>
+                                    <a:latin typeface="Cambria Math" panose="02040503050406030204" pitchFamily="18" charset="0"/>
                                   </a:rPr>
                                   <m:t>𝑚𝑖𝑛</m:t>
                                 </m:r>
@@ -5351,6 +5397,7 @@
                                             <a:lumOff val="35000"/>
                                           </a:schemeClr>
                                         </a:solidFill>
+                                        <a:latin typeface="Cambria Math" panose="02040503050406030204" pitchFamily="18" charset="0"/>
                                       </a:rPr>
                                     </m:ctrlPr>
                                   </m:dPr>
@@ -5363,6 +5410,7 @@
                                             <a:lumOff val="35000"/>
                                           </a:schemeClr>
                                         </a:solidFill>
+                                        <a:latin typeface="Cambria Math" panose="02040503050406030204" pitchFamily="18" charset="0"/>
                                       </a:rPr>
                                       <m:t>𝑆</m:t>
                                     </m:r>
@@ -5384,6 +5432,7 @@
                                         <a:lumOff val="35000"/>
                                       </a:schemeClr>
                                     </a:solidFill>
+                                    <a:latin typeface="Cambria Math" panose="02040503050406030204" pitchFamily="18" charset="0"/>
                                   </a:rPr>
                                 </m:ctrlPr>
                               </m:dPr>
@@ -5396,6 +5445,7 @@
                                         <a:lumOff val="35000"/>
                                       </a:schemeClr>
                                     </a:solidFill>
+                                    <a:latin typeface="Cambria Math" panose="02040503050406030204" pitchFamily="18" charset="0"/>
                                   </a:rPr>
                                   <m:t>𝑆</m:t>
                                 </m:r>
@@ -5413,6 +5463,7 @@
                                 <a:lumOff val="35000"/>
                               </a:schemeClr>
                             </a:solidFill>
+                            <a:latin typeface="Cambria Math" panose="02040503050406030204" pitchFamily="18" charset="0"/>
                           </a:rPr>
                           <m:t>0</m:t>
                         </m:r>
@@ -5469,7 +5520,7 @@
             </p:txBody>
           </p:sp>
         </mc:Choice>
-        <mc:Fallback>
+        <mc:Fallback xmlns="">
           <p:sp>
             <p:nvSpPr>
               <p:cNvPr id="48" name="Rectangle 47">
@@ -6241,7 +6292,35 @@
                 <a:ea typeface="+mj-ea"/>
                 <a:cs typeface="+mj-cs"/>
               </a:rPr>
-              <a:t>Inspired by biological Evolution, EAs are given a population of individuals </a:t>
+              <a:t>Inspired </a:t>
+            </a:r>
+            <a:r>
+              <a:rPr lang="en-US" sz="2800">
+                <a:solidFill>
+                  <a:schemeClr val="tx1">
+                    <a:lumMod val="65000"/>
+                    <a:lumOff val="35000"/>
+                  </a:schemeClr>
+                </a:solidFill>
+                <a:latin typeface="Montserrat Extra Bold" panose="00000900000000000000" pitchFamily="50" charset="0"/>
+                <a:ea typeface="+mj-ea"/>
+                <a:cs typeface="+mj-cs"/>
+              </a:rPr>
+              <a:t>by the biological </a:t>
+            </a:r>
+            <a:r>
+              <a:rPr lang="en-US" sz="2800" dirty="0">
+                <a:solidFill>
+                  <a:schemeClr val="tx1">
+                    <a:lumMod val="65000"/>
+                    <a:lumOff val="35000"/>
+                  </a:schemeClr>
+                </a:solidFill>
+                <a:latin typeface="Montserrat Extra Bold" panose="00000900000000000000" pitchFamily="50" charset="0"/>
+                <a:ea typeface="+mj-ea"/>
+                <a:cs typeface="+mj-cs"/>
+              </a:rPr>
+              <a:t>theory, EAs are given a population of individuals </a:t>
             </a:r>
             <a:r>
               <a:rPr lang="en-US" sz="2800" dirty="0">
@@ -7256,8 +7335,8 @@
             </mc:Fallback>
           </mc:AlternateContent>
         </p:grpSp>
-        <mc:AlternateContent xmlns:mc="http://schemas.openxmlformats.org/markup-compatibility/2006">
-          <mc:Choice xmlns:a14="http://schemas.microsoft.com/office/drawing/2010/main" Requires="a14">
+        <mc:AlternateContent xmlns:mc="http://schemas.openxmlformats.org/markup-compatibility/2006" xmlns:a14="http://schemas.microsoft.com/office/drawing/2010/main">
+          <mc:Choice Requires="a14">
             <p:sp>
               <p:nvSpPr>
                 <p:cNvPr id="489" name="TextBox 488">
@@ -7420,7 +7499,7 @@
               </p:txBody>
             </p:sp>
           </mc:Choice>
-          <mc:Fallback>
+          <mc:Fallback xmlns="">
             <p:sp>
               <p:nvSpPr>
                 <p:cNvPr id="489" name="TextBox 488">
@@ -8054,8 +8133,8 @@
             </mc:Fallback>
           </mc:AlternateContent>
         </p:grpSp>
-        <mc:AlternateContent xmlns:mc="http://schemas.openxmlformats.org/markup-compatibility/2006">
-          <mc:Choice xmlns:a14="http://schemas.microsoft.com/office/drawing/2010/main" Requires="a14">
+        <mc:AlternateContent xmlns:mc="http://schemas.openxmlformats.org/markup-compatibility/2006" xmlns:a14="http://schemas.microsoft.com/office/drawing/2010/main">
+          <mc:Choice Requires="a14">
             <p:sp>
               <p:nvSpPr>
                 <p:cNvPr id="494" name="TextBox 493">
@@ -8218,7 +8297,7 @@
               </p:txBody>
             </p:sp>
           </mc:Choice>
-          <mc:Fallback>
+          <mc:Fallback xmlns="">
             <p:sp>
               <p:nvSpPr>
                 <p:cNvPr id="494" name="TextBox 493">
@@ -8767,8 +8846,8 @@
             </mc:Fallback>
           </mc:AlternateContent>
         </p:grpSp>
-        <mc:AlternateContent xmlns:mc="http://schemas.openxmlformats.org/markup-compatibility/2006">
-          <mc:Choice xmlns:a14="http://schemas.microsoft.com/office/drawing/2010/main" Requires="a14">
+        <mc:AlternateContent xmlns:mc="http://schemas.openxmlformats.org/markup-compatibility/2006" xmlns:a14="http://schemas.microsoft.com/office/drawing/2010/main">
+          <mc:Choice Requires="a14">
             <p:sp>
               <p:nvSpPr>
                 <p:cNvPr id="498" name="TextBox 497">
@@ -8939,7 +9018,7 @@
                               <a:lumOff val="35000"/>
                             </a:schemeClr>
                           </a:solidFill>
-                          <a:latin typeface="Montserrat Extra Bold" panose="00000900000000000000" pitchFamily="50" charset="0"/>
+                          <a:latin typeface="Cambria Math" panose="02040503050406030204" pitchFamily="18" charset="0"/>
                           <a:ea typeface="+mj-ea"/>
                           <a:cs typeface="+mj-cs"/>
                         </a:rPr>
@@ -8953,7 +9032,7 @@
                               <a:lumOff val="35000"/>
                             </a:schemeClr>
                           </a:solidFill>
-                          <a:latin typeface="Montserrat Extra Bold" panose="00000900000000000000" pitchFamily="50" charset="0"/>
+                          <a:latin typeface="Cambria Math" panose="02040503050406030204" pitchFamily="18" charset="0"/>
                           <a:ea typeface="+mj-ea"/>
                           <a:cs typeface="+mj-cs"/>
                         </a:rPr>
@@ -8962,14 +9041,14 @@
                       <m:sSup>
                         <m:sSupPr>
                           <m:ctrlPr>
-                            <a:rPr lang="en-US">
+                            <a:rPr lang="en-US" i="1">
                               <a:solidFill>
                                 <a:schemeClr val="tx1">
                                   <a:lumMod val="65000"/>
                                   <a:lumOff val="35000"/>
                                 </a:schemeClr>
                               </a:solidFill>
-                              <a:latin typeface="Montserrat Extra Bold" panose="00000900000000000000" pitchFamily="50" charset="0"/>
+                              <a:latin typeface="Cambria Math" panose="02040503050406030204" pitchFamily="18" charset="0"/>
                               <a:ea typeface="+mj-ea"/>
                               <a:cs typeface="+mj-cs"/>
                             </a:rPr>
@@ -8984,7 +9063,7 @@
                                   <a:lumOff val="35000"/>
                                 </a:schemeClr>
                               </a:solidFill>
-                              <a:latin typeface="Montserrat Extra Bold" panose="00000900000000000000" pitchFamily="50" charset="0"/>
+                              <a:latin typeface="Cambria Math" panose="02040503050406030204" pitchFamily="18" charset="0"/>
                               <a:ea typeface="+mj-ea"/>
                               <a:cs typeface="+mj-cs"/>
                             </a:rPr>
@@ -9000,7 +9079,7 @@
                                   <a:lumOff val="35000"/>
                                 </a:schemeClr>
                               </a:solidFill>
-                              <a:latin typeface="Montserrat Extra Bold" panose="00000900000000000000" pitchFamily="50" charset="0"/>
+                              <a:latin typeface="Cambria Math" panose="02040503050406030204" pitchFamily="18" charset="0"/>
                               <a:ea typeface="+mj-ea"/>
                               <a:cs typeface="+mj-cs"/>
                             </a:rPr>
@@ -9016,7 +9095,7 @@
                               <a:lumOff val="35000"/>
                             </a:schemeClr>
                           </a:solidFill>
-                          <a:latin typeface="Montserrat Extra Bold" panose="00000900000000000000" pitchFamily="50" charset="0"/>
+                          <a:latin typeface="Cambria Math" panose="02040503050406030204" pitchFamily="18" charset="0"/>
                           <a:ea typeface="+mj-ea"/>
                           <a:cs typeface="+mj-cs"/>
                         </a:rPr>
@@ -9042,7 +9121,7 @@
               </p:txBody>
             </p:sp>
           </mc:Choice>
-          <mc:Fallback>
+          <mc:Fallback xmlns="">
             <p:sp>
               <p:nvSpPr>
                 <p:cNvPr id="498" name="TextBox 497">
@@ -10902,8 +10981,8 @@
           </a:p>
         </p:txBody>
       </p:sp>
-      <mc:AlternateContent xmlns:mc="http://schemas.openxmlformats.org/markup-compatibility/2006">
-        <mc:Choice xmlns:a14="http://schemas.microsoft.com/office/drawing/2010/main" Requires="a14">
+      <mc:AlternateContent xmlns:mc="http://schemas.openxmlformats.org/markup-compatibility/2006" xmlns:a14="http://schemas.microsoft.com/office/drawing/2010/main">
+        <mc:Choice Requires="a14">
           <p:sp>
             <p:nvSpPr>
               <p:cNvPr id="630" name="TextBox 629">
@@ -10978,6 +11057,7 @@
                             <a:lumOff val="35000"/>
                           </a:schemeClr>
                         </a:solidFill>
+                        <a:latin typeface="Cambria Math" panose="02040503050406030204" pitchFamily="18" charset="0"/>
                         <a:ea typeface="+mj-ea"/>
                         <a:cs typeface="+mj-cs"/>
                       </a:rPr>
@@ -10994,6 +11074,7 @@
                             <a:lumOff val="35000"/>
                           </a:schemeClr>
                         </a:solidFill>
+                        <a:latin typeface="Cambria Math" panose="02040503050406030204" pitchFamily="18" charset="0"/>
                         <a:ea typeface="+mj-ea"/>
                         <a:cs typeface="+mj-cs"/>
                       </a:rPr>
@@ -11002,13 +11083,14 @@
                     <m:sSub>
                       <m:sSubPr>
                         <m:ctrlPr>
-                          <a:rPr lang="en-US" sz="2800">
+                          <a:rPr lang="en-US" sz="2800" i="1">
                             <a:solidFill>
                               <a:schemeClr val="tx1">
                                 <a:lumMod val="65000"/>
                                 <a:lumOff val="35000"/>
                               </a:schemeClr>
                             </a:solidFill>
+                            <a:latin typeface="Cambria Math" panose="02040503050406030204" pitchFamily="18" charset="0"/>
                             <a:ea typeface="+mj-ea"/>
                             <a:cs typeface="+mj-cs"/>
                           </a:rPr>
@@ -11023,6 +11105,7 @@
                                 <a:lumOff val="35000"/>
                               </a:schemeClr>
                             </a:solidFill>
+                            <a:latin typeface="Cambria Math" panose="02040503050406030204" pitchFamily="18" charset="0"/>
                             <a:ea typeface="+mj-ea"/>
                             <a:cs typeface="+mj-cs"/>
                           </a:rPr>
@@ -11038,6 +11121,7 @@
                                 <a:lumOff val="35000"/>
                               </a:schemeClr>
                             </a:solidFill>
+                            <a:latin typeface="Cambria Math" panose="02040503050406030204" pitchFamily="18" charset="0"/>
                             <a:ea typeface="+mj-ea"/>
                             <a:cs typeface="+mj-cs"/>
                           </a:rPr>
@@ -11053,6 +11137,7 @@
                             <a:lumOff val="35000"/>
                           </a:schemeClr>
                         </a:solidFill>
+                        <a:latin typeface="Cambria Math" panose="02040503050406030204" pitchFamily="18" charset="0"/>
                         <a:ea typeface="+mj-ea"/>
                         <a:cs typeface="+mj-cs"/>
                       </a:rPr>
@@ -11112,14 +11197,14 @@
                     <m:sSub>
                       <m:sSubPr>
                         <m:ctrlPr>
-                          <a:rPr lang="en-US" sz="2800">
+                          <a:rPr lang="en-US" sz="2800" i="1">
                             <a:solidFill>
                               <a:schemeClr val="tx1">
                                 <a:lumMod val="65000"/>
                                 <a:lumOff val="35000"/>
                               </a:schemeClr>
                             </a:solidFill>
-                            <a:latin typeface="Montserrat Extra Bold" panose="00000900000000000000" pitchFamily="50" charset="0"/>
+                            <a:latin typeface="Cambria Math" panose="02040503050406030204" pitchFamily="18" charset="0"/>
                             <a:ea typeface="+mj-ea"/>
                             <a:cs typeface="+mj-cs"/>
                           </a:rPr>
@@ -11137,7 +11222,7 @@
                                 <a:lumOff val="35000"/>
                               </a:schemeClr>
                             </a:solidFill>
-                            <a:latin typeface="Montserrat Extra Bold" panose="00000900000000000000" pitchFamily="50" charset="0"/>
+                            <a:latin typeface="Cambria Math" panose="02040503050406030204" pitchFamily="18" charset="0"/>
                             <a:ea typeface="+mj-ea"/>
                             <a:cs typeface="+mj-cs"/>
                           </a:rPr>
@@ -11156,7 +11241,7 @@
                                 <a:lumOff val="35000"/>
                               </a:schemeClr>
                             </a:solidFill>
-                            <a:latin typeface="Montserrat Extra Bold" panose="00000900000000000000" pitchFamily="50" charset="0"/>
+                            <a:latin typeface="Cambria Math" panose="02040503050406030204" pitchFamily="18" charset="0"/>
                             <a:ea typeface="+mj-ea"/>
                             <a:cs typeface="+mj-cs"/>
                           </a:rPr>
@@ -11201,7 +11286,7 @@
             </p:txBody>
           </p:sp>
         </mc:Choice>
-        <mc:Fallback>
+        <mc:Fallback xmlns="">
           <p:sp>
             <p:nvSpPr>
               <p:cNvPr id="630" name="TextBox 629">
@@ -11374,8 +11459,8 @@
           </a:p>
         </p:txBody>
       </p:sp>
-      <mc:AlternateContent xmlns:mc="http://schemas.openxmlformats.org/markup-compatibility/2006">
-        <mc:Choice xmlns:a14="http://schemas.microsoft.com/office/drawing/2010/main" Requires="a14">
+      <mc:AlternateContent xmlns:mc="http://schemas.openxmlformats.org/markup-compatibility/2006" xmlns:a14="http://schemas.microsoft.com/office/drawing/2010/main">
+        <mc:Choice Requires="a14">
           <p:sp>
             <p:nvSpPr>
               <p:cNvPr id="698" name="TextBox 697">
@@ -11483,6 +11568,7 @@
                                 <a:lumOff val="35000"/>
                               </a:schemeClr>
                             </a:solidFill>
+                            <a:latin typeface="Cambria Math" panose="02040503050406030204" pitchFamily="18" charset="0"/>
                           </a:rPr>
                         </m:ctrlPr>
                       </m:sSubPr>
@@ -11495,6 +11581,7 @@
                                 <a:lumOff val="35000"/>
                               </a:schemeClr>
                             </a:solidFill>
+                            <a:latin typeface="Cambria Math" panose="02040503050406030204" pitchFamily="18" charset="0"/>
                           </a:rPr>
                           <m:t>𝑃𝐸𝐷</m:t>
                         </m:r>
@@ -11510,6 +11597,7 @@
                                     <a:lumOff val="35000"/>
                                   </a:schemeClr>
                                 </a:solidFill>
+                                <a:latin typeface="Cambria Math" panose="02040503050406030204" pitchFamily="18" charset="0"/>
                               </a:rPr>
                             </m:ctrlPr>
                           </m:sSupPr>
@@ -11522,6 +11610,7 @@
                                     <a:lumOff val="35000"/>
                                   </a:schemeClr>
                                 </a:solidFill>
+                                <a:latin typeface="Cambria Math" panose="02040503050406030204" pitchFamily="18" charset="0"/>
                               </a:rPr>
                               <m:t>{</m:t>
                             </m:r>
@@ -11533,6 +11622,7 @@
                                     <a:lumOff val="35000"/>
                                   </a:schemeClr>
                                 </a:solidFill>
+                                <a:latin typeface="Cambria Math" panose="02040503050406030204" pitchFamily="18" charset="0"/>
                               </a:rPr>
                               <m:t>𝑆</m:t>
                             </m:r>
@@ -11546,6 +11636,7 @@
                                     <a:lumOff val="35000"/>
                                   </a:schemeClr>
                                 </a:solidFill>
+                                <a:latin typeface="Cambria Math" panose="02040503050406030204" pitchFamily="18" charset="0"/>
                               </a:rPr>
                               <m:t>′</m:t>
                             </m:r>
@@ -11559,6 +11650,7 @@
                                 <a:lumOff val="35000"/>
                               </a:schemeClr>
                             </a:solidFill>
+                            <a:latin typeface="Cambria Math" panose="02040503050406030204" pitchFamily="18" charset="0"/>
                           </a:rPr>
                           <m:t>},{</m:t>
                         </m:r>
@@ -11572,6 +11664,7 @@
                                     <a:lumOff val="35000"/>
                                   </a:schemeClr>
                                 </a:solidFill>
+                                <a:latin typeface="Cambria Math" panose="02040503050406030204" pitchFamily="18" charset="0"/>
                               </a:rPr>
                             </m:ctrlPr>
                           </m:sSupPr>
@@ -11584,6 +11677,7 @@
                                     <a:lumOff val="35000"/>
                                   </a:schemeClr>
                                 </a:solidFill>
+                                <a:latin typeface="Cambria Math" panose="02040503050406030204" pitchFamily="18" charset="0"/>
                               </a:rPr>
                               <m:t>𝑆</m:t>
                             </m:r>
@@ -11597,6 +11691,7 @@
                                     <a:lumOff val="35000"/>
                                   </a:schemeClr>
                                 </a:solidFill>
+                                <a:latin typeface="Cambria Math" panose="02040503050406030204" pitchFamily="18" charset="0"/>
                               </a:rPr>
                               <m:t>′′</m:t>
                             </m:r>
@@ -11610,6 +11705,7 @@
                                 <a:lumOff val="35000"/>
                               </a:schemeClr>
                             </a:solidFill>
+                            <a:latin typeface="Cambria Math" panose="02040503050406030204" pitchFamily="18" charset="0"/>
                           </a:rPr>
                           <m:t>}</m:t>
                         </m:r>
@@ -11623,6 +11719,7 @@
                             <a:lumOff val="35000"/>
                           </a:schemeClr>
                         </a:solidFill>
+                        <a:latin typeface="Cambria Math" panose="02040503050406030204" pitchFamily="18" charset="0"/>
                       </a:rPr>
                       <m:t>=</m:t>
                     </m:r>
@@ -11637,6 +11734,7 @@
                                 <a:lumOff val="35000"/>
                               </a:schemeClr>
                             </a:solidFill>
+                            <a:latin typeface="Cambria Math" panose="02040503050406030204" pitchFamily="18" charset="0"/>
                           </a:rPr>
                         </m:ctrlPr>
                       </m:radPr>
@@ -11654,6 +11752,7 @@
                                     <a:lumOff val="35000"/>
                                   </a:schemeClr>
                                 </a:solidFill>
+                                <a:latin typeface="Cambria Math" panose="02040503050406030204" pitchFamily="18" charset="0"/>
                               </a:rPr>
                             </m:ctrlPr>
                           </m:naryPr>
@@ -11666,6 +11765,7 @@
                                     <a:lumOff val="35000"/>
                                   </a:schemeClr>
                                 </a:solidFill>
+                                <a:latin typeface="Cambria Math" panose="02040503050406030204" pitchFamily="18" charset="0"/>
                               </a:rPr>
                               <m:t>𝑟</m:t>
                             </m:r>
@@ -11677,6 +11777,7 @@
                                     <a:lumOff val="35000"/>
                                   </a:schemeClr>
                                 </a:solidFill>
+                                <a:latin typeface="Cambria Math" panose="02040503050406030204" pitchFamily="18" charset="0"/>
                               </a:rPr>
                               <m:t>=1</m:t>
                             </m:r>
@@ -11690,6 +11791,7 @@
                                     <a:lumOff val="35000"/>
                                   </a:schemeClr>
                                 </a:solidFill>
+                                <a:latin typeface="Cambria Math" panose="02040503050406030204" pitchFamily="18" charset="0"/>
                               </a:rPr>
                               <m:t>|</m:t>
                             </m:r>
@@ -11701,6 +11803,7 @@
                                     <a:lumOff val="35000"/>
                                   </a:schemeClr>
                                 </a:solidFill>
+                                <a:latin typeface="Cambria Math" panose="02040503050406030204" pitchFamily="18" charset="0"/>
                               </a:rPr>
                               <m:t>𝑅</m:t>
                             </m:r>
@@ -11712,6 +11815,7 @@
                                     <a:lumOff val="35000"/>
                                   </a:schemeClr>
                                 </a:solidFill>
+                                <a:latin typeface="Cambria Math" panose="02040503050406030204" pitchFamily="18" charset="0"/>
                               </a:rPr>
                               <m:t>|</m:t>
                             </m:r>
@@ -11727,6 +11831,7 @@
                                         <a:lumOff val="35000"/>
                                       </a:schemeClr>
                                     </a:solidFill>
+                                    <a:latin typeface="Cambria Math" panose="02040503050406030204" pitchFamily="18" charset="0"/>
                                   </a:rPr>
                                 </m:ctrlPr>
                               </m:sSupPr>
@@ -11741,6 +11846,7 @@
                                             <a:lumOff val="35000"/>
                                           </a:schemeClr>
                                         </a:solidFill>
+                                        <a:latin typeface="Cambria Math" panose="02040503050406030204" pitchFamily="18" charset="0"/>
                                       </a:rPr>
                                     </m:ctrlPr>
                                   </m:dPr>
@@ -11755,6 +11861,7 @@
                                                 <a:lumOff val="35000"/>
                                               </a:schemeClr>
                                             </a:solidFill>
+                                            <a:latin typeface="Cambria Math" panose="02040503050406030204" pitchFamily="18" charset="0"/>
                                           </a:rPr>
                                         </m:ctrlPr>
                                       </m:sSubSupPr>
@@ -11770,6 +11877,7 @@
                                                 <a:lumOff val="35000"/>
                                               </a:schemeClr>
                                             </a:solidFill>
+                                            <a:latin typeface="Cambria Math" panose="02040503050406030204" pitchFamily="18" charset="0"/>
                                           </a:rPr>
                                           <m:t>C</m:t>
                                         </m:r>
@@ -11786,6 +11894,7 @@
                                                 <a:lumOff val="35000"/>
                                               </a:schemeClr>
                                             </a:solidFill>
+                                            <a:latin typeface="Cambria Math" panose="02040503050406030204" pitchFamily="18" charset="0"/>
                                           </a:rPr>
                                           <m:t>r</m:t>
                                         </m:r>
@@ -11803,6 +11912,7 @@
                                                     <a:lumOff val="35000"/>
                                                   </a:schemeClr>
                                                 </a:solidFill>
+                                                <a:latin typeface="Cambria Math" panose="02040503050406030204" pitchFamily="18" charset="0"/>
                                               </a:rPr>
                                             </m:ctrlPr>
                                           </m:dPr>
@@ -11817,6 +11927,7 @@
                                                         <a:lumOff val="35000"/>
                                                       </a:schemeClr>
                                                     </a:solidFill>
+                                                    <a:latin typeface="Cambria Math" panose="02040503050406030204" pitchFamily="18" charset="0"/>
                                                   </a:rPr>
                                                 </m:ctrlPr>
                                               </m:sSupPr>
@@ -11829,6 +11940,7 @@
                                                         <a:lumOff val="35000"/>
                                                       </a:schemeClr>
                                                     </a:solidFill>
+                                                    <a:latin typeface="Cambria Math" panose="02040503050406030204" pitchFamily="18" charset="0"/>
                                                   </a:rPr>
                                                   <m:t>𝑆</m:t>
                                                 </m:r>
@@ -11842,6 +11954,7 @@
                                                         <a:lumOff val="35000"/>
                                                       </a:schemeClr>
                                                     </a:solidFill>
+                                                    <a:latin typeface="Cambria Math" panose="02040503050406030204" pitchFamily="18" charset="0"/>
                                                   </a:rPr>
                                                   <m:t>′</m:t>
                                                 </m:r>
@@ -11859,6 +11972,7 @@
                                             <a:lumOff val="35000"/>
                                           </a:schemeClr>
                                         </a:solidFill>
+                                        <a:latin typeface="Cambria Math" panose="02040503050406030204" pitchFamily="18" charset="0"/>
                                       </a:rPr>
                                       <m:t>−</m:t>
                                     </m:r>
@@ -11872,6 +11986,7 @@
                                                 <a:lumOff val="35000"/>
                                               </a:schemeClr>
                                             </a:solidFill>
+                                            <a:latin typeface="Cambria Math" panose="02040503050406030204" pitchFamily="18" charset="0"/>
                                           </a:rPr>
                                         </m:ctrlPr>
                                       </m:sSubSupPr>
@@ -11887,6 +12002,7 @@
                                                 <a:lumOff val="35000"/>
                                               </a:schemeClr>
                                             </a:solidFill>
+                                            <a:latin typeface="Cambria Math" panose="02040503050406030204" pitchFamily="18" charset="0"/>
                                           </a:rPr>
                                           <m:t>C</m:t>
                                         </m:r>
@@ -11903,6 +12019,7 @@
                                                 <a:lumOff val="35000"/>
                                               </a:schemeClr>
                                             </a:solidFill>
+                                            <a:latin typeface="Cambria Math" panose="02040503050406030204" pitchFamily="18" charset="0"/>
                                           </a:rPr>
                                           <m:t>r</m:t>
                                         </m:r>
@@ -11920,6 +12037,7 @@
                                                     <a:lumOff val="35000"/>
                                                   </a:schemeClr>
                                                 </a:solidFill>
+                                                <a:latin typeface="Cambria Math" panose="02040503050406030204" pitchFamily="18" charset="0"/>
                                               </a:rPr>
                                             </m:ctrlPr>
                                           </m:dPr>
@@ -11934,6 +12052,7 @@
                                                         <a:lumOff val="35000"/>
                                                       </a:schemeClr>
                                                     </a:solidFill>
+                                                    <a:latin typeface="Cambria Math" panose="02040503050406030204" pitchFamily="18" charset="0"/>
                                                   </a:rPr>
                                                 </m:ctrlPr>
                                               </m:sSupPr>
@@ -11946,6 +12065,7 @@
                                                         <a:lumOff val="35000"/>
                                                       </a:schemeClr>
                                                     </a:solidFill>
+                                                    <a:latin typeface="Cambria Math" panose="02040503050406030204" pitchFamily="18" charset="0"/>
                                                   </a:rPr>
                                                   <m:t>𝑆</m:t>
                                                 </m:r>
@@ -11959,6 +12079,7 @@
                                                         <a:lumOff val="35000"/>
                                                       </a:schemeClr>
                                                     </a:solidFill>
+                                                    <a:latin typeface="Cambria Math" panose="02040503050406030204" pitchFamily="18" charset="0"/>
                                                   </a:rPr>
                                                   <m:t>′′</m:t>
                                                 </m:r>
@@ -11980,6 +12101,7 @@
                                         <a:lumOff val="35000"/>
                                       </a:schemeClr>
                                     </a:solidFill>
+                                    <a:latin typeface="Cambria Math" panose="02040503050406030204" pitchFamily="18" charset="0"/>
                                   </a:rPr>
                                   <m:t>2</m:t>
                                 </m:r>
@@ -12049,7 +12171,7 @@
                             <a:lumOff val="35000"/>
                           </a:schemeClr>
                         </a:solidFill>
-                        <a:latin typeface="Montserrat Extra Bold" panose="00000900000000000000" pitchFamily="50" charset="0"/>
+                        <a:latin typeface="Cambria Math" panose="02040503050406030204" pitchFamily="18" charset="0"/>
                         <a:ea typeface="+mj-ea"/>
                         <a:cs typeface="+mj-cs"/>
                       </a:rPr>
@@ -12063,7 +12185,7 @@
                             <a:lumOff val="35000"/>
                           </a:schemeClr>
                         </a:solidFill>
-                        <a:latin typeface="Montserrat Extra Bold" panose="00000900000000000000" pitchFamily="50" charset="0"/>
+                        <a:latin typeface="Cambria Math" panose="02040503050406030204" pitchFamily="18" charset="0"/>
                         <a:ea typeface="+mj-ea"/>
                         <a:cs typeface="+mj-cs"/>
                       </a:rPr>
@@ -12072,14 +12194,14 @@
                     <m:sSub>
                       <m:sSubPr>
                         <m:ctrlPr>
-                          <a:rPr lang="en-US" sz="2800">
+                          <a:rPr lang="en-US" sz="2800" i="1">
                             <a:solidFill>
                               <a:schemeClr val="tx1">
                                 <a:lumMod val="65000"/>
                                 <a:lumOff val="35000"/>
                               </a:schemeClr>
                             </a:solidFill>
-                            <a:latin typeface="Montserrat Extra Bold" panose="00000900000000000000" pitchFamily="50" charset="0"/>
+                            <a:latin typeface="Cambria Math" panose="02040503050406030204" pitchFamily="18" charset="0"/>
                             <a:ea typeface="+mj-ea"/>
                             <a:cs typeface="+mj-cs"/>
                           </a:rPr>
@@ -12094,7 +12216,7 @@
                                 <a:lumOff val="35000"/>
                               </a:schemeClr>
                             </a:solidFill>
-                            <a:latin typeface="Montserrat Extra Bold" panose="00000900000000000000" pitchFamily="50" charset="0"/>
+                            <a:latin typeface="Cambria Math" panose="02040503050406030204" pitchFamily="18" charset="0"/>
                             <a:ea typeface="+mj-ea"/>
                             <a:cs typeface="+mj-cs"/>
                           </a:rPr>
@@ -12110,7 +12232,7 @@
                                 <a:lumOff val="35000"/>
                               </a:schemeClr>
                             </a:solidFill>
-                            <a:latin typeface="Montserrat Extra Bold" panose="00000900000000000000" pitchFamily="50" charset="0"/>
+                            <a:latin typeface="Cambria Math" panose="02040503050406030204" pitchFamily="18" charset="0"/>
                             <a:ea typeface="+mj-ea"/>
                             <a:cs typeface="+mj-cs"/>
                           </a:rPr>
@@ -12126,7 +12248,7 @@
                             <a:lumOff val="35000"/>
                           </a:schemeClr>
                         </a:solidFill>
-                        <a:latin typeface="Montserrat Extra Bold" panose="00000900000000000000" pitchFamily="50" charset="0"/>
+                        <a:latin typeface="Cambria Math" panose="02040503050406030204" pitchFamily="18" charset="0"/>
                         <a:ea typeface="+mj-ea"/>
                         <a:cs typeface="+mj-cs"/>
                       </a:rPr>
@@ -12224,7 +12346,7 @@
             </p:txBody>
           </p:sp>
         </mc:Choice>
-        <mc:Fallback>
+        <mc:Fallback xmlns="">
           <p:sp>
             <p:nvSpPr>
               <p:cNvPr id="698" name="TextBox 697">

--- a/Poster_env_conf_06_2019.pptx
+++ b/Poster_env_conf_06_2019.pptx
@@ -6292,35 +6292,7 @@
                 <a:ea typeface="+mj-ea"/>
                 <a:cs typeface="+mj-cs"/>
               </a:rPr>
-              <a:t>Inspired </a:t>
-            </a:r>
-            <a:r>
-              <a:rPr lang="en-US" sz="2800">
-                <a:solidFill>
-                  <a:schemeClr val="tx1">
-                    <a:lumMod val="65000"/>
-                    <a:lumOff val="35000"/>
-                  </a:schemeClr>
-                </a:solidFill>
-                <a:latin typeface="Montserrat Extra Bold" panose="00000900000000000000" pitchFamily="50" charset="0"/>
-                <a:ea typeface="+mj-ea"/>
-                <a:cs typeface="+mj-cs"/>
-              </a:rPr>
-              <a:t>by the biological </a:t>
-            </a:r>
-            <a:r>
-              <a:rPr lang="en-US" sz="2800" dirty="0">
-                <a:solidFill>
-                  <a:schemeClr val="tx1">
-                    <a:lumMod val="65000"/>
-                    <a:lumOff val="35000"/>
-                  </a:schemeClr>
-                </a:solidFill>
-                <a:latin typeface="Montserrat Extra Bold" panose="00000900000000000000" pitchFamily="50" charset="0"/>
-                <a:ea typeface="+mj-ea"/>
-                <a:cs typeface="+mj-cs"/>
-              </a:rPr>
-              <a:t>theory, EAs are given a population of individuals </a:t>
+              <a:t>Inspired by the biological theory, EAs are given a population of individuals </a:t>
             </a:r>
             <a:r>
               <a:rPr lang="en-US" sz="2800" dirty="0">

--- a/Poster_env_conf_06_2019.pptx
+++ b/Poster_env_conf_06_2019.pptx
@@ -197,7 +197,7 @@
           <a:p>
             <a:fld id="{D5202ED4-C9F0-6549-9B23-F38EF8DDD8B4}" type="datetimeFigureOut">
               <a:rPr lang="en-US" smtClean="0"/>
-              <a:t>6/6/19</a:t>
+              <a:t>6/12/19</a:t>
             </a:fld>
             <a:endParaRPr lang="en-US"/>
           </a:p>
@@ -595,7 +595,7 @@
           <a:p>
             <a:fld id="{7A00E781-3D00-0D47-A567-282179358BD5}" type="datetimeFigureOut">
               <a:rPr lang="en-US" smtClean="0"/>
-              <a:t>6/6/19</a:t>
+              <a:t>6/12/19</a:t>
             </a:fld>
             <a:endParaRPr lang="en-US"/>
           </a:p>
@@ -765,7 +765,7 @@
           <a:p>
             <a:fld id="{7A00E781-3D00-0D47-A567-282179358BD5}" type="datetimeFigureOut">
               <a:rPr lang="en-US" smtClean="0"/>
-              <a:t>6/6/19</a:t>
+              <a:t>6/12/19</a:t>
             </a:fld>
             <a:endParaRPr lang="en-US"/>
           </a:p>
@@ -945,7 +945,7 @@
           <a:p>
             <a:fld id="{7A00E781-3D00-0D47-A567-282179358BD5}" type="datetimeFigureOut">
               <a:rPr lang="en-US" smtClean="0"/>
-              <a:t>6/6/19</a:t>
+              <a:t>6/12/19</a:t>
             </a:fld>
             <a:endParaRPr lang="en-US"/>
           </a:p>
@@ -1115,7 +1115,7 @@
           <a:p>
             <a:fld id="{7A00E781-3D00-0D47-A567-282179358BD5}" type="datetimeFigureOut">
               <a:rPr lang="en-US" smtClean="0"/>
-              <a:t>6/6/19</a:t>
+              <a:t>6/12/19</a:t>
             </a:fld>
             <a:endParaRPr lang="en-US"/>
           </a:p>
@@ -1359,7 +1359,7 @@
           <a:p>
             <a:fld id="{7A00E781-3D00-0D47-A567-282179358BD5}" type="datetimeFigureOut">
               <a:rPr lang="en-US" smtClean="0"/>
-              <a:t>6/6/19</a:t>
+              <a:t>6/12/19</a:t>
             </a:fld>
             <a:endParaRPr lang="en-US"/>
           </a:p>
@@ -1591,7 +1591,7 @@
           <a:p>
             <a:fld id="{7A00E781-3D00-0D47-A567-282179358BD5}" type="datetimeFigureOut">
               <a:rPr lang="en-US" smtClean="0"/>
-              <a:t>6/6/19</a:t>
+              <a:t>6/12/19</a:t>
             </a:fld>
             <a:endParaRPr lang="en-US"/>
           </a:p>
@@ -1958,7 +1958,7 @@
           <a:p>
             <a:fld id="{7A00E781-3D00-0D47-A567-282179358BD5}" type="datetimeFigureOut">
               <a:rPr lang="en-US" smtClean="0"/>
-              <a:t>6/6/19</a:t>
+              <a:t>6/12/19</a:t>
             </a:fld>
             <a:endParaRPr lang="en-US"/>
           </a:p>
@@ -2076,7 +2076,7 @@
           <a:p>
             <a:fld id="{7A00E781-3D00-0D47-A567-282179358BD5}" type="datetimeFigureOut">
               <a:rPr lang="en-US" smtClean="0"/>
-              <a:t>6/6/19</a:t>
+              <a:t>6/12/19</a:t>
             </a:fld>
             <a:endParaRPr lang="en-US"/>
           </a:p>
@@ -2171,7 +2171,7 @@
           <a:p>
             <a:fld id="{7A00E781-3D00-0D47-A567-282179358BD5}" type="datetimeFigureOut">
               <a:rPr lang="en-US" smtClean="0"/>
-              <a:t>6/6/19</a:t>
+              <a:t>6/12/19</a:t>
             </a:fld>
             <a:endParaRPr lang="en-US"/>
           </a:p>
@@ -2448,7 +2448,7 @@
           <a:p>
             <a:fld id="{7A00E781-3D00-0D47-A567-282179358BD5}" type="datetimeFigureOut">
               <a:rPr lang="en-US" smtClean="0"/>
-              <a:t>6/6/19</a:t>
+              <a:t>6/12/19</a:t>
             </a:fld>
             <a:endParaRPr lang="en-US"/>
           </a:p>
@@ -2705,7 +2705,7 @@
           <a:p>
             <a:fld id="{7A00E781-3D00-0D47-A567-282179358BD5}" type="datetimeFigureOut">
               <a:rPr lang="en-US" smtClean="0"/>
-              <a:t>6/6/19</a:t>
+              <a:t>6/12/19</a:t>
             </a:fld>
             <a:endParaRPr lang="en-US"/>
           </a:p>
@@ -2918,7 +2918,7 @@
           <a:p>
             <a:fld id="{7A00E781-3D00-0D47-A567-282179358BD5}" type="datetimeFigureOut">
               <a:rPr lang="en-US" smtClean="0"/>
-              <a:t>6/6/19</a:t>
+              <a:t>6/12/19</a:t>
             </a:fld>
             <a:endParaRPr lang="en-US"/>
           </a:p>
@@ -3665,6 +3665,50 @@
                 <a:ea typeface="+mj-ea"/>
                 <a:cs typeface="+mj-cs"/>
               </a:rPr>
+              <a:t>, </a:t>
+            </a:r>
+            <a:r>
+              <a:rPr lang="en-US" sz="2800" b="1" dirty="0" err="1">
+                <a:solidFill>
+                  <a:schemeClr val="bg1"/>
+                </a:solidFill>
+                <a:latin typeface="Montserrat Extra Bold" panose="00000900000000000000" pitchFamily="50" charset="0"/>
+                <a:ea typeface="+mj-ea"/>
+                <a:cs typeface="+mj-cs"/>
+              </a:rPr>
+              <a:t>Idit</a:t>
+            </a:r>
+            <a:r>
+              <a:rPr lang="en-US" sz="2800" b="1" dirty="0">
+                <a:solidFill>
+                  <a:schemeClr val="bg1"/>
+                </a:solidFill>
+                <a:latin typeface="Montserrat Extra Bold" panose="00000900000000000000" pitchFamily="50" charset="0"/>
+                <a:ea typeface="+mj-ea"/>
+                <a:cs typeface="+mj-cs"/>
+              </a:rPr>
+              <a:t> Belachsen</a:t>
+            </a:r>
+            <a:r>
+              <a:rPr lang="en-US" sz="2800" b="1" baseline="30000" dirty="0">
+                <a:solidFill>
+                  <a:schemeClr val="bg1"/>
+                </a:solidFill>
+                <a:latin typeface="Montserrat Extra Bold" panose="00000900000000000000" pitchFamily="50" charset="0"/>
+                <a:ea typeface="+mj-ea"/>
+                <a:cs typeface="+mj-cs"/>
+              </a:rPr>
+              <a:t>1</a:t>
+            </a:r>
+            <a:r>
+              <a:rPr lang="en-US" sz="2800" b="1" dirty="0">
+                <a:solidFill>
+                  <a:schemeClr val="bg1"/>
+                </a:solidFill>
+                <a:latin typeface="Montserrat Extra Bold" panose="00000900000000000000" pitchFamily="50" charset="0"/>
+                <a:ea typeface="+mj-ea"/>
+                <a:cs typeface="+mj-cs"/>
+              </a:rPr>
               <a:t>, Asaf Nebenzal</a:t>
             </a:r>
             <a:r>
@@ -3798,8 +3842,8 @@
         </p:nvSpPr>
         <p:spPr>
           <a:xfrm>
-            <a:off x="15428610" y="6295586"/>
-            <a:ext cx="13900501" cy="22607079"/>
+            <a:off x="15203582" y="6295586"/>
+            <a:ext cx="14125529" cy="21317117"/>
           </a:xfrm>
           <a:prstGeom prst="roundRect">
             <a:avLst>
@@ -3837,7 +3881,7 @@
             </a:defPPr>
           </a:lstStyle>
           <a:p>
-            <a:pPr algn="ctr"/>
+            <a:pPr marL="0" algn="ctr" defTabSz="457200" rtl="1" eaLnBrk="1" latinLnBrk="0" hangingPunct="1"/>
             <a:endParaRPr lang="en-US" sz="6622" dirty="0"/>
           </a:p>
         </p:txBody>
@@ -3856,8 +3900,8 @@
         </p:nvSpPr>
         <p:spPr>
           <a:xfrm>
-            <a:off x="15971187" y="6717661"/>
-            <a:ext cx="12792544" cy="830997"/>
+            <a:off x="15564951" y="6717661"/>
+            <a:ext cx="12792544" cy="923330"/>
           </a:xfrm>
           <a:prstGeom prst="rect">
             <a:avLst/>
@@ -3875,7 +3919,7 @@
           </a:lstStyle>
           <a:p>
             <a:r>
-              <a:rPr lang="en-US" sz="4800" b="1" dirty="0">
+              <a:rPr lang="en-US" sz="5400" b="1" dirty="0">
                 <a:solidFill>
                   <a:schemeClr val="tx1">
                     <a:lumMod val="75000"/>
@@ -3953,7 +3997,7 @@
             </a:defPPr>
           </a:lstStyle>
           <a:p>
-            <a:pPr marL="0" algn="ctr" defTabSz="457200" rtl="0" eaLnBrk="1" latinLnBrk="0" hangingPunct="1"/>
+            <a:pPr marL="0" algn="ctr" defTabSz="457200" rtl="1" eaLnBrk="1" latinLnBrk="0" hangingPunct="1"/>
             <a:endParaRPr lang="en-US" sz="6622" dirty="0"/>
           </a:p>
         </p:txBody>
@@ -3973,7 +4017,7 @@
         <p:spPr>
           <a:xfrm>
             <a:off x="1315541" y="6717661"/>
-            <a:ext cx="12792544" cy="830997"/>
+            <a:ext cx="12792544" cy="923330"/>
           </a:xfrm>
           <a:prstGeom prst="rect">
             <a:avLst/>
@@ -3991,7 +4035,7 @@
           </a:lstStyle>
           <a:p>
             <a:r>
-              <a:rPr lang="en-US" sz="4800" b="1" dirty="0">
+              <a:rPr lang="en-US" sz="5400" b="1" dirty="0">
                 <a:solidFill>
                   <a:schemeClr val="tx1">
                     <a:lumMod val="75000"/>
@@ -4028,8 +4072,8 @@
         </p:nvSpPr>
         <p:spPr>
           <a:xfrm>
-            <a:off x="15428610" y="39368656"/>
-            <a:ext cx="13900502" cy="2488050"/>
+            <a:off x="15198104" y="39143831"/>
+            <a:ext cx="14131008" cy="2712875"/>
           </a:xfrm>
           <a:prstGeom prst="roundRect">
             <a:avLst>
@@ -4067,7 +4111,7 @@
             </a:defPPr>
           </a:lstStyle>
           <a:p>
-            <a:pPr algn="ctr"/>
+            <a:pPr marL="0" algn="ctr" defTabSz="457200" rtl="1" eaLnBrk="1" latinLnBrk="0" hangingPunct="1"/>
             <a:endParaRPr lang="en-US" sz="6622"/>
           </a:p>
         </p:txBody>
@@ -4087,7 +4131,7 @@
         <p:spPr>
           <a:xfrm>
             <a:off x="15685450" y="39579975"/>
-            <a:ext cx="12792544" cy="830997"/>
+            <a:ext cx="12792544" cy="923330"/>
           </a:xfrm>
           <a:prstGeom prst="rect">
             <a:avLst/>
@@ -4105,7 +4149,7 @@
           </a:lstStyle>
           <a:p>
             <a:r>
-              <a:rPr lang="en-US" sz="4800" b="1" dirty="0">
+              <a:rPr lang="en-US" sz="5400" b="1" dirty="0">
                 <a:solidFill>
                   <a:schemeClr val="tx1">
                     <a:lumMod val="75000"/>
@@ -4142,8 +4186,8 @@
         </p:nvSpPr>
         <p:spPr>
           <a:xfrm>
-            <a:off x="15428610" y="29475106"/>
-            <a:ext cx="13900502" cy="9240364"/>
+            <a:off x="15198104" y="27979178"/>
+            <a:ext cx="14131007" cy="10736292"/>
           </a:xfrm>
           <a:prstGeom prst="roundRect">
             <a:avLst>
@@ -4200,8 +4244,8 @@
         </p:nvSpPr>
         <p:spPr>
           <a:xfrm>
-            <a:off x="15964705" y="29903467"/>
-            <a:ext cx="12792544" cy="830997"/>
+            <a:off x="15625918" y="28247993"/>
+            <a:ext cx="12792544" cy="923330"/>
           </a:xfrm>
           <a:prstGeom prst="rect">
             <a:avLst/>
@@ -4219,7 +4263,7 @@
           </a:lstStyle>
           <a:p>
             <a:r>
-              <a:rPr lang="en-US" sz="4800" b="1" dirty="0">
+              <a:rPr lang="en-US" sz="5400" b="1" dirty="0">
                 <a:solidFill>
                   <a:schemeClr val="tx1">
                     <a:lumMod val="75000"/>
@@ -4228,17 +4272,8 @@
                 </a:solidFill>
                 <a:latin typeface="Montserrat Extra Bold" panose="00000900000000000000" pitchFamily="50" charset="0"/>
               </a:rPr>
-              <a:t>Summary &amp; Conclusions</a:t>
-            </a:r>
-            <a:endParaRPr lang="en-US" sz="3311" b="1" dirty="0">
-              <a:solidFill>
-                <a:schemeClr val="tx1">
-                  <a:lumMod val="75000"/>
-                  <a:lumOff val="25000"/>
-                </a:schemeClr>
-              </a:solidFill>
-              <a:latin typeface="Montserrat Extra Bold" panose="00000900000000000000" pitchFamily="50" charset="0"/>
-            </a:endParaRPr>
+              <a:t>Conclusions</a:t>
+            </a:r>
           </a:p>
         </p:txBody>
       </p:sp>
@@ -4256,8 +4291,8 @@
         </p:nvSpPr>
         <p:spPr>
           <a:xfrm>
-            <a:off x="946100" y="16594336"/>
-            <a:ext cx="13900500" cy="25262370"/>
+            <a:off x="946100" y="16436396"/>
+            <a:ext cx="13838688" cy="25420309"/>
           </a:xfrm>
           <a:prstGeom prst="roundRect">
             <a:avLst>
@@ -4295,7 +4330,7 @@
             </a:defPPr>
           </a:lstStyle>
           <a:p>
-            <a:pPr algn="ctr"/>
+            <a:pPr marL="0" algn="ctr" defTabSz="457200" rtl="1" eaLnBrk="1" latinLnBrk="0" hangingPunct="1"/>
             <a:endParaRPr lang="en-US" sz="3200" dirty="0">
               <a:solidFill>
                 <a:schemeClr val="tx1">
@@ -4325,7 +4360,7 @@
         <p:spPr>
           <a:xfrm>
             <a:off x="1315541" y="17000507"/>
-            <a:ext cx="12792544" cy="830997"/>
+            <a:ext cx="12792544" cy="923330"/>
           </a:xfrm>
           <a:prstGeom prst="rect">
             <a:avLst/>
@@ -4343,7 +4378,7 @@
           </a:lstStyle>
           <a:p>
             <a:r>
-              <a:rPr lang="en-US" sz="4800" b="1" dirty="0">
+              <a:rPr lang="en-US" sz="5400" b="1" dirty="0">
                 <a:solidFill>
                   <a:schemeClr val="tx1">
                     <a:lumMod val="75000"/>
@@ -4394,7 +4429,7 @@
         </p:blipFill>
         <p:spPr bwMode="auto">
           <a:xfrm>
-            <a:off x="1315540" y="1503777"/>
+            <a:off x="26878870" y="1283335"/>
             <a:ext cx="2048145" cy="2218912"/>
           </a:xfrm>
           <a:prstGeom prst="rect">
@@ -4420,8 +4455,8 @@
         </p:nvSpPr>
         <p:spPr>
           <a:xfrm>
-            <a:off x="6853272" y="21951994"/>
-            <a:ext cx="8178930" cy="646331"/>
+            <a:off x="1261974" y="23480068"/>
+            <a:ext cx="9304488" cy="646331"/>
           </a:xfrm>
           <a:prstGeom prst="rect">
             <a:avLst/>
@@ -4439,7 +4474,7 @@
           </a:lstStyle>
           <a:p>
             <a:r>
-              <a:rPr lang="en-US" sz="3600" b="1" dirty="0">
+              <a:rPr lang="en-US" sz="3600" b="1" u="sng" dirty="0">
                 <a:solidFill>
                   <a:schemeClr val="tx1">
                     <a:lumMod val="65000"/>
@@ -4469,7 +4504,7 @@
         </p:nvSpPr>
         <p:spPr>
           <a:xfrm>
-            <a:off x="1337313" y="7738877"/>
+            <a:off x="1337313" y="7662677"/>
             <a:ext cx="12792544" cy="646331"/>
           </a:xfrm>
           <a:prstGeom prst="rect">
@@ -4488,7 +4523,7 @@
           </a:lstStyle>
           <a:p>
             <a:r>
-              <a:rPr lang="en-US" sz="3600" b="1" dirty="0">
+              <a:rPr lang="en-US" sz="3600" b="1" u="sng" dirty="0">
                 <a:solidFill>
                   <a:schemeClr val="tx1">
                     <a:lumMod val="65000"/>
@@ -4518,7 +4553,7 @@
         </p:nvSpPr>
         <p:spPr>
           <a:xfrm>
-            <a:off x="1348199" y="13598695"/>
+            <a:off x="1348199" y="13315251"/>
             <a:ext cx="12792544" cy="646331"/>
           </a:xfrm>
           <a:prstGeom prst="rect">
@@ -4537,7 +4572,7 @@
           </a:lstStyle>
           <a:p>
             <a:r>
-              <a:rPr lang="en-US" sz="3600" b="1" dirty="0">
+              <a:rPr lang="en-US" sz="3600" b="1" u="sng" dirty="0">
                 <a:solidFill>
                   <a:schemeClr val="tx1">
                     <a:lumMod val="65000"/>
@@ -4548,7 +4583,7 @@
                 <a:ea typeface="+mj-ea"/>
                 <a:cs typeface="+mj-cs"/>
               </a:rPr>
-              <a:t>Research objective</a:t>
+              <a:t>Research objectives</a:t>
             </a:r>
           </a:p>
         </p:txBody>
@@ -4586,7 +4621,7 @@
           </a:lstStyle>
           <a:p>
             <a:r>
-              <a:rPr lang="en-US" sz="3600" b="1" dirty="0">
+              <a:rPr lang="en-US" sz="3600" b="1" u="sng" dirty="0">
                 <a:solidFill>
                   <a:schemeClr val="tx1">
                     <a:lumMod val="65000"/>
@@ -4597,11 +4632,11 @@
                 <a:ea typeface="+mj-ea"/>
                 <a:cs typeface="+mj-cs"/>
               </a:rPr>
-              <a:t>What is a multi-objective optimization? </a:t>
-            </a:r>
-          </a:p>
-          <a:p>
-            <a:endParaRPr lang="en-US" sz="3600" b="1" dirty="0">
+              <a:t>What is multi-objective optimization? </a:t>
+            </a:r>
+          </a:p>
+          <a:p>
+            <a:endParaRPr lang="en-US" sz="3600" b="1" u="sng" dirty="0">
               <a:solidFill>
                 <a:schemeClr val="tx1">
                   <a:lumMod val="65000"/>
@@ -4631,8 +4666,8 @@
             </p:nvSpPr>
             <p:spPr>
               <a:xfrm>
-                <a:off x="1359417" y="31040465"/>
-                <a:ext cx="13487183" cy="3702488"/>
+                <a:off x="1359417" y="32676949"/>
+                <a:ext cx="9260661" cy="3605602"/>
               </a:xfrm>
               <a:prstGeom prst="rect">
                 <a:avLst/>
@@ -4646,7 +4681,7 @@
               <a:p>
                 <a:pPr algn="just"/>
                 <a:r>
-                  <a:rPr lang="en-US" sz="2800" u="sng" dirty="0">
+                  <a:rPr lang="en-US" sz="2800" b="1" dirty="0">
                     <a:solidFill>
                       <a:schemeClr val="tx1">
                         <a:lumMod val="65000"/>
@@ -4657,8 +4692,11 @@
                     <a:ea typeface="+mj-ea"/>
                     <a:cs typeface="+mj-cs"/>
                   </a:rPr>
-                  <a:t>Objective-1</a:t>
+                  <a:t>Objective-1: </a:t>
                 </a:r>
+              </a:p>
+              <a:p>
+                <a:pPr algn="just"/>
                 <a:r>
                   <a:rPr lang="en-US" sz="2800" dirty="0">
                     <a:solidFill>
@@ -4671,7 +4709,24 @@
                     <a:ea typeface="+mj-ea"/>
                     <a:cs typeface="+mj-cs"/>
                   </a:rPr>
-                  <a:t>: Minimize the difference between the sensors’ actual and computed readings: </a:t>
+                  <a:t>Minimize the difference between </a:t>
+                </a:r>
+              </a:p>
+              <a:p>
+                <a:pPr algn="just"/>
+                <a:r>
+                  <a:rPr lang="en-US" sz="2800" dirty="0">
+                    <a:solidFill>
+                      <a:schemeClr val="tx1">
+                        <a:lumMod val="65000"/>
+                        <a:lumOff val="35000"/>
+                      </a:schemeClr>
+                    </a:solidFill>
+                    <a:latin typeface="Montserrat Extra Bold" panose="00000900000000000000" pitchFamily="50" charset="0"/>
+                    <a:ea typeface="+mj-ea"/>
+                    <a:cs typeface="+mj-cs"/>
+                  </a:rPr>
+                  <a:t>sensors’ actual and computed readings:</a:t>
                 </a:r>
               </a:p>
               <a:p>
@@ -4689,13 +4744,13 @@
                 </a:endParaRPr>
               </a:p>
               <a:p>
-                <a:pPr algn="ctr"/>
+                <a:pPr algn="just"/>
                 <a14:m>
                   <m:oMath xmlns:m="http://schemas.openxmlformats.org/officeDocument/2006/math">
                     <m:sSub>
                       <m:sSubPr>
                         <m:ctrlPr>
-                          <a:rPr lang="en-US" sz="2000" i="1" smtClean="0">
+                          <a:rPr lang="en-US" sz="2800" i="1" smtClean="0">
                             <a:solidFill>
                               <a:schemeClr val="tx1">
                                 <a:lumMod val="65000"/>
@@ -4708,7 +4763,7 @@
                       </m:sSubPr>
                       <m:e>
                         <m:r>
-                          <a:rPr lang="en-US" sz="2000" i="1">
+                          <a:rPr lang="en-US" sz="2800" i="1">
                             <a:solidFill>
                               <a:schemeClr val="tx1">
                                 <a:lumMod val="65000"/>
@@ -4722,7 +4777,7 @@
                       </m:e>
                       <m:sub>
                         <m:r>
-                          <a:rPr lang="en-US" sz="2000" i="1">
+                          <a:rPr lang="en-US" sz="2800" i="1">
                             <a:solidFill>
                               <a:schemeClr val="tx1">
                                 <a:lumMod val="65000"/>
@@ -4736,7 +4791,7 @@
                       </m:sub>
                     </m:sSub>
                     <m:r>
-                      <a:rPr lang="en-US" sz="2000" i="1">
+                      <a:rPr lang="en-US" sz="2800" i="1">
                         <a:solidFill>
                           <a:schemeClr val="tx1">
                             <a:lumMod val="65000"/>
@@ -4750,7 +4805,7 @@
                     <m:func>
                       <m:funcPr>
                         <m:ctrlPr>
-                          <a:rPr lang="en-US" sz="2000" i="1">
+                          <a:rPr lang="en-US" sz="2800" i="1">
                             <a:solidFill>
                               <a:schemeClr val="tx1">
                                 <a:lumMod val="65000"/>
@@ -4765,7 +4820,7 @@
                         <m:limLow>
                           <m:limLowPr>
                             <m:ctrlPr>
-                              <a:rPr lang="en-US" sz="2000" i="1">
+                              <a:rPr lang="en-US" sz="2800" i="1">
                                 <a:solidFill>
                                   <a:schemeClr val="tx1">
                                     <a:lumMod val="65000"/>
@@ -4778,7 +4833,7 @@
                           </m:limLowPr>
                           <m:e>
                             <m:r>
-                              <a:rPr lang="en-US" sz="2000" i="1">
+                              <a:rPr lang="en-US" sz="2800" i="1">
                                 <a:solidFill>
                                   <a:schemeClr val="tx1">
                                     <a:lumMod val="65000"/>
@@ -4792,7 +4847,7 @@
                           </m:e>
                           <m:lim>
                             <m:r>
-                              <a:rPr lang="en-US" sz="2000" i="1">
+                              <a:rPr lang="en-US" sz="2800" i="1">
                                 <a:solidFill>
                                   <a:schemeClr val="tx1">
                                     <a:lumMod val="65000"/>
@@ -4804,7 +4859,7 @@
                               <m:t>{</m:t>
                             </m:r>
                             <m:r>
-                              <a:rPr lang="en-US" sz="2000" i="1">
+                              <a:rPr lang="en-US" sz="2800" i="1">
                                 <a:solidFill>
                                   <a:schemeClr val="tx1">
                                     <a:lumMod val="65000"/>
@@ -4816,7 +4871,7 @@
                               <m:t>𝑆</m:t>
                             </m:r>
                             <m:r>
-                              <a:rPr lang="en-US" sz="2000" i="1">
+                              <a:rPr lang="en-US" sz="2800" i="1">
                                 <a:solidFill>
                                   <a:schemeClr val="tx1">
                                     <a:lumMod val="65000"/>
@@ -4837,7 +4892,7 @@
                             <m:limLoc m:val="undOvr"/>
                             <m:supHide m:val="on"/>
                             <m:ctrlPr>
-                              <a:rPr lang="en-US" sz="2000" i="1">
+                              <a:rPr lang="en-US" sz="2800" i="1">
                                 <a:solidFill>
                                   <a:schemeClr val="tx1">
                                     <a:lumMod val="65000"/>
@@ -4850,7 +4905,7 @@
                           </m:naryPr>
                           <m:sub>
                             <m:r>
-                              <a:rPr lang="en-US" sz="2000" i="1">
+                              <a:rPr lang="en-US" sz="2800" i="1">
                                 <a:solidFill>
                                   <a:schemeClr val="tx1">
                                     <a:lumMod val="65000"/>
@@ -4862,7 +4917,7 @@
                               <m:t>𝑟</m:t>
                             </m:r>
                             <m:r>
-                              <a:rPr lang="en-US" sz="2000" i="1">
+                              <a:rPr lang="en-US" sz="2800" i="1">
                                 <a:solidFill>
                                   <a:schemeClr val="tx1">
                                     <a:lumMod val="65000"/>
@@ -4874,7 +4929,7 @@
                               <m:t>∈{</m:t>
                             </m:r>
                             <m:r>
-                              <a:rPr lang="en-US" sz="2000" i="1">
+                              <a:rPr lang="en-US" sz="2800" i="1">
                                 <a:solidFill>
                                   <a:schemeClr val="tx1">
                                     <a:lumMod val="65000"/>
@@ -4886,7 +4941,7 @@
                               <m:t>𝑅</m:t>
                             </m:r>
                             <m:r>
-                              <a:rPr lang="en-US" sz="2000" i="1">
+                              <a:rPr lang="en-US" sz="2800" i="1">
                                 <a:solidFill>
                                   <a:schemeClr val="tx1">
                                     <a:lumMod val="65000"/>
@@ -4905,7 +4960,7 @@
                                 <m:begChr m:val="|"/>
                                 <m:endChr m:val="|"/>
                                 <m:ctrlPr>
-                                  <a:rPr lang="en-US" sz="2000" i="1">
+                                  <a:rPr lang="en-US" sz="2800" i="1">
                                     <a:solidFill>
                                       <a:schemeClr val="tx1">
                                         <a:lumMod val="65000"/>
@@ -4920,7 +4975,7 @@
                                 <m:sSub>
                                   <m:sSubPr>
                                     <m:ctrlPr>
-                                      <a:rPr lang="en-US" sz="2000" i="1">
+                                      <a:rPr lang="en-US" sz="2800" i="1">
                                         <a:solidFill>
                                           <a:schemeClr val="tx1">
                                             <a:lumMod val="65000"/>
@@ -4933,7 +4988,7 @@
                                   </m:sSubPr>
                                   <m:e>
                                     <m:r>
-                                      <a:rPr lang="en-US" sz="2000" b="1" i="1">
+                                      <a:rPr lang="en-US" sz="2800" b="1" i="1">
                                         <a:solidFill>
                                           <a:schemeClr val="tx1">
                                             <a:lumMod val="65000"/>
@@ -4947,7 +5002,7 @@
                                   </m:e>
                                   <m:sub>
                                     <m:r>
-                                      <a:rPr lang="en-US" sz="2000" b="1" i="1">
+                                      <a:rPr lang="en-US" sz="2800" b="1" i="1">
                                         <a:solidFill>
                                           <a:schemeClr val="tx1">
                                             <a:lumMod val="65000"/>
@@ -4961,7 +5016,7 @@
                                   </m:sub>
                                 </m:sSub>
                                 <m:r>
-                                  <a:rPr lang="en-US" sz="2000" b="1" i="1">
+                                  <a:rPr lang="en-US" sz="2800" b="1" i="1">
                                     <a:solidFill>
                                       <a:schemeClr val="tx1">
                                         <a:lumMod val="65000"/>
@@ -4973,7 +5028,7 @@
                                   <m:t>(</m:t>
                                 </m:r>
                                 <m:r>
-                                  <a:rPr lang="en-US" sz="2000" b="1" i="1">
+                                  <a:rPr lang="en-US" sz="2800" b="1" i="1">
                                     <a:solidFill>
                                       <a:schemeClr val="tx1">
                                         <a:lumMod val="65000"/>
@@ -4985,7 +5040,7 @@
                                   <m:t>𝒕</m:t>
                                 </m:r>
                                 <m:r>
-                                  <a:rPr lang="en-US" sz="2000" b="1" i="1">
+                                  <a:rPr lang="en-US" sz="2800" b="1" i="1">
                                     <a:solidFill>
                                       <a:schemeClr val="tx1">
                                         <a:lumMod val="65000"/>
@@ -5002,7 +5057,7 @@
                                     <m:limLoc m:val="undOvr"/>
                                     <m:supHide m:val="on"/>
                                     <m:ctrlPr>
-                                      <a:rPr lang="en-US" sz="2000" i="1">
+                                      <a:rPr lang="en-US" sz="2800" i="1">
                                         <a:solidFill>
                                           <a:schemeClr val="tx1">
                                             <a:lumMod val="65000"/>
@@ -5015,7 +5070,7 @@
                                   </m:naryPr>
                                   <m:sub>
                                     <m:r>
-                                      <a:rPr lang="en-US" sz="2000" b="1" i="1">
+                                      <a:rPr lang="en-US" sz="2800" b="1" i="1">
                                         <a:solidFill>
                                           <a:schemeClr val="tx1">
                                             <a:lumMod val="65000"/>
@@ -5027,7 +5082,7 @@
                                       <m:t>𝒔</m:t>
                                     </m:r>
                                     <m:r>
-                                      <a:rPr lang="en-US" sz="2000" b="1" i="1">
+                                      <a:rPr lang="en-US" sz="2800" b="1" i="1">
                                         <a:solidFill>
                                           <a:schemeClr val="tx1">
                                             <a:lumMod val="65000"/>
@@ -5039,7 +5094,7 @@
                                       <m:t>∈{</m:t>
                                     </m:r>
                                     <m:r>
-                                      <a:rPr lang="en-US" sz="2000" b="1" i="1">
+                                      <a:rPr lang="en-US" sz="2800" b="1" i="1">
                                         <a:solidFill>
                                           <a:schemeClr val="tx1">
                                             <a:lumMod val="65000"/>
@@ -5051,7 +5106,7 @@
                                       <m:t>𝑺</m:t>
                                     </m:r>
                                     <m:r>
-                                      <a:rPr lang="en-US" sz="2000" b="1" i="1">
+                                      <a:rPr lang="en-US" sz="2800" b="1" i="1">
                                         <a:solidFill>
                                           <a:schemeClr val="tx1">
                                             <a:lumMod val="65000"/>
@@ -5068,7 +5123,7 @@
                                     <m:sSub>
                                       <m:sSubPr>
                                         <m:ctrlPr>
-                                          <a:rPr lang="en-US" sz="2000" i="1">
+                                          <a:rPr lang="en-US" sz="2800" i="1">
                                             <a:solidFill>
                                               <a:schemeClr val="tx1">
                                                 <a:lumMod val="65000"/>
@@ -5081,7 +5136,7 @@
                                       </m:sSubPr>
                                       <m:e>
                                         <m:r>
-                                          <a:rPr lang="en-US" sz="2000" b="1" i="1">
+                                          <a:rPr lang="en-US" sz="2800" b="1" i="1">
                                             <a:solidFill>
                                               <a:schemeClr val="tx1">
                                                 <a:lumMod val="65000"/>
@@ -5095,7 +5150,7 @@
                                       </m:e>
                                       <m:sub>
                                         <m:r>
-                                          <a:rPr lang="en-US" sz="2000" b="1" i="1">
+                                          <a:rPr lang="en-US" sz="2800" b="1" i="1">
                                             <a:solidFill>
                                               <a:schemeClr val="tx1">
                                                 <a:lumMod val="65000"/>
@@ -5109,7 +5164,7 @@
                                       </m:sub>
                                     </m:sSub>
                                     <m:r>
-                                      <a:rPr lang="en-US" sz="2000" b="1" i="1">
+                                      <a:rPr lang="en-US" sz="2800" b="1" i="1">
                                         <a:solidFill>
                                           <a:schemeClr val="tx1">
                                             <a:lumMod val="65000"/>
@@ -5123,7 +5178,7 @@
                                     <m:sSub>
                                       <m:sSubPr>
                                         <m:ctrlPr>
-                                          <a:rPr lang="en-US" sz="2000" i="1">
+                                          <a:rPr lang="en-US" sz="2800" i="1">
                                             <a:solidFill>
                                               <a:schemeClr val="tx1">
                                                 <a:lumMod val="65000"/>
@@ -5136,7 +5191,7 @@
                                       </m:sSubPr>
                                       <m:e>
                                         <m:r>
-                                          <a:rPr lang="en-US" sz="2000" b="1" i="1">
+                                          <a:rPr lang="en-US" sz="2800" b="1" i="1">
                                             <a:solidFill>
                                               <a:schemeClr val="tx1">
                                                 <a:lumMod val="65000"/>
@@ -5150,7 +5205,7 @@
                                       </m:e>
                                       <m:sub>
                                         <m:r>
-                                          <a:rPr lang="en-US" sz="2000" i="1">
+                                          <a:rPr lang="en-US" sz="2800" i="1">
                                             <a:solidFill>
                                               <a:schemeClr val="tx1">
                                                 <a:lumMod val="65000"/>
@@ -5164,7 +5219,7 @@
                                       </m:sub>
                                     </m:sSub>
                                     <m:r>
-                                      <a:rPr lang="en-US" sz="2000" i="1">
+                                      <a:rPr lang="en-US" sz="2800" i="1">
                                         <a:solidFill>
                                           <a:schemeClr val="tx1">
                                             <a:lumMod val="65000"/>
@@ -5176,7 +5231,7 @@
                                       <m:t>(</m:t>
                                     </m:r>
                                     <m:r>
-                                      <a:rPr lang="en-US" sz="2000" i="1">
+                                      <a:rPr lang="en-US" sz="2800" i="1">
                                         <a:solidFill>
                                           <a:schemeClr val="tx1">
                                             <a:lumMod val="65000"/>
@@ -5188,7 +5243,7 @@
                                       <m:t>𝑡</m:t>
                                     </m:r>
                                     <m:r>
-                                      <a:rPr lang="en-US" sz="2000" i="1">
+                                      <a:rPr lang="en-US" sz="2800" i="1">
                                         <a:solidFill>
                                           <a:schemeClr val="tx1">
                                             <a:lumMod val="65000"/>
@@ -5220,274 +5275,6 @@
               <a:p>
                 <a:pPr algn="just"/>
                 <a:endParaRPr lang="en-US" i="1" dirty="0"/>
-              </a:p>
-              <a:p>
-                <a:r>
-                  <a:rPr lang="en-US" sz="2800" u="sng" dirty="0">
-                    <a:solidFill>
-                      <a:schemeClr val="tx1">
-                        <a:lumMod val="65000"/>
-                        <a:lumOff val="35000"/>
-                      </a:schemeClr>
-                    </a:solidFill>
-                    <a:latin typeface="Montserrat Extra Bold" panose="00000900000000000000" pitchFamily="50" charset="0"/>
-                    <a:ea typeface="+mj-ea"/>
-                    <a:cs typeface="+mj-cs"/>
-                  </a:rPr>
-                  <a:t>Objective-2</a:t>
-                </a:r>
-                <a:r>
-                  <a:rPr lang="en-US" sz="2800" dirty="0">
-                    <a:solidFill>
-                      <a:schemeClr val="tx1">
-                        <a:lumMod val="65000"/>
-                        <a:lumOff val="35000"/>
-                      </a:schemeClr>
-                    </a:solidFill>
-                    <a:latin typeface="Montserrat Extra Bold" panose="00000900000000000000" pitchFamily="50" charset="0"/>
-                    <a:ea typeface="+mj-ea"/>
-                    <a:cs typeface="+mj-cs"/>
-                  </a:rPr>
-                  <a:t>: Minimize the number of active sources (NAS):</a:t>
-                </a:r>
-              </a:p>
-              <a:p>
-                <a:pPr algn="just"/>
-                <a:endParaRPr lang="en-US" i="1" dirty="0"/>
-              </a:p>
-              <a:p>
-                <a:pPr algn="ctr"/>
-                <a14:m>
-                  <m:oMath xmlns:m="http://schemas.openxmlformats.org/officeDocument/2006/math">
-                    <m:sSub>
-                      <m:sSubPr>
-                        <m:ctrlPr>
-                          <a:rPr lang="en-US" sz="2000" i="1" smtClean="0">
-                            <a:solidFill>
-                              <a:schemeClr val="tx1">
-                                <a:lumMod val="65000"/>
-                                <a:lumOff val="35000"/>
-                              </a:schemeClr>
-                            </a:solidFill>
-                            <a:latin typeface="Cambria Math" panose="02040503050406030204" pitchFamily="18" charset="0"/>
-                          </a:rPr>
-                        </m:ctrlPr>
-                      </m:sSubPr>
-                      <m:e>
-                        <m:r>
-                          <a:rPr lang="en-US" sz="2000" i="1">
-                            <a:solidFill>
-                              <a:schemeClr val="tx1">
-                                <a:lumMod val="65000"/>
-                                <a:lumOff val="35000"/>
-                              </a:schemeClr>
-                            </a:solidFill>
-                            <a:latin typeface="Cambria Math" panose="02040503050406030204" pitchFamily="18" charset="0"/>
-                          </a:rPr>
-                          <m:t>𝛹</m:t>
-                        </m:r>
-                      </m:e>
-                      <m:sub>
-                        <m:r>
-                          <a:rPr lang="en-US" sz="2000" i="1">
-                            <a:solidFill>
-                              <a:schemeClr val="tx1">
-                                <a:lumMod val="65000"/>
-                                <a:lumOff val="35000"/>
-                              </a:schemeClr>
-                            </a:solidFill>
-                            <a:latin typeface="Cambria Math" panose="02040503050406030204" pitchFamily="18" charset="0"/>
-                          </a:rPr>
-                          <m:t>#</m:t>
-                        </m:r>
-                        <m:r>
-                          <a:rPr lang="en-US" sz="2000" i="1">
-                            <a:solidFill>
-                              <a:schemeClr val="tx1">
-                                <a:lumMod val="65000"/>
-                                <a:lumOff val="35000"/>
-                              </a:schemeClr>
-                            </a:solidFill>
-                            <a:latin typeface="Cambria Math" panose="02040503050406030204" pitchFamily="18" charset="0"/>
-                          </a:rPr>
-                          <m:t>𝑆</m:t>
-                        </m:r>
-                      </m:sub>
-                    </m:sSub>
-                    <m:r>
-                      <a:rPr lang="en-US" sz="2000" i="1">
-                        <a:solidFill>
-                          <a:schemeClr val="tx1">
-                            <a:lumMod val="65000"/>
-                            <a:lumOff val="35000"/>
-                          </a:schemeClr>
-                        </a:solidFill>
-                        <a:latin typeface="Cambria Math" panose="02040503050406030204" pitchFamily="18" charset="0"/>
-                      </a:rPr>
-                      <m:t>=</m:t>
-                    </m:r>
-                    <m:sSub>
-                      <m:sSubPr>
-                        <m:ctrlPr>
-                          <a:rPr lang="en-US" sz="2000" i="1">
-                            <a:solidFill>
-                              <a:schemeClr val="tx1">
-                                <a:lumMod val="65000"/>
-                                <a:lumOff val="35000"/>
-                              </a:schemeClr>
-                            </a:solidFill>
-                            <a:latin typeface="Cambria Math" panose="02040503050406030204" pitchFamily="18" charset="0"/>
-                          </a:rPr>
-                        </m:ctrlPr>
-                      </m:sSubPr>
-                      <m:e>
-                        <m:func>
-                          <m:funcPr>
-                            <m:ctrlPr>
-                              <a:rPr lang="en-US" sz="2000" i="1">
-                                <a:solidFill>
-                                  <a:schemeClr val="tx1">
-                                    <a:lumMod val="65000"/>
-                                    <a:lumOff val="35000"/>
-                                  </a:schemeClr>
-                                </a:solidFill>
-                                <a:latin typeface="Cambria Math" panose="02040503050406030204" pitchFamily="18" charset="0"/>
-                              </a:rPr>
-                            </m:ctrlPr>
-                          </m:funcPr>
-                          <m:fName>
-                            <m:limLow>
-                              <m:limLowPr>
-                                <m:ctrlPr>
-                                  <a:rPr lang="en-US" sz="2000" i="1">
-                                    <a:solidFill>
-                                      <a:schemeClr val="tx1">
-                                        <a:lumMod val="65000"/>
-                                        <a:lumOff val="35000"/>
-                                      </a:schemeClr>
-                                    </a:solidFill>
-                                    <a:latin typeface="Cambria Math" panose="02040503050406030204" pitchFamily="18" charset="0"/>
-                                  </a:rPr>
-                                </m:ctrlPr>
-                              </m:limLowPr>
-                              <m:e>
-                                <m:r>
-                                  <a:rPr lang="en-US" sz="2000" i="1">
-                                    <a:solidFill>
-                                      <a:schemeClr val="tx1">
-                                        <a:lumMod val="65000"/>
-                                        <a:lumOff val="35000"/>
-                                      </a:schemeClr>
-                                    </a:solidFill>
-                                    <a:latin typeface="Cambria Math" panose="02040503050406030204" pitchFamily="18" charset="0"/>
-                                  </a:rPr>
-                                  <m:t>𝑚𝑖𝑛</m:t>
-                                </m:r>
-                              </m:e>
-                              <m:lim>
-                                <m:d>
-                                  <m:dPr>
-                                    <m:begChr m:val="{"/>
-                                    <m:endChr m:val="}"/>
-                                    <m:ctrlPr>
-                                      <a:rPr lang="en-US" sz="2000" i="1">
-                                        <a:solidFill>
-                                          <a:schemeClr val="tx1">
-                                            <a:lumMod val="65000"/>
-                                            <a:lumOff val="35000"/>
-                                          </a:schemeClr>
-                                        </a:solidFill>
-                                        <a:latin typeface="Cambria Math" panose="02040503050406030204" pitchFamily="18" charset="0"/>
-                                      </a:rPr>
-                                    </m:ctrlPr>
-                                  </m:dPr>
-                                  <m:e>
-                                    <m:r>
-                                      <a:rPr lang="en-US" sz="2000" i="1">
-                                        <a:solidFill>
-                                          <a:schemeClr val="tx1">
-                                            <a:lumMod val="65000"/>
-                                            <a:lumOff val="35000"/>
-                                          </a:schemeClr>
-                                        </a:solidFill>
-                                        <a:latin typeface="Cambria Math" panose="02040503050406030204" pitchFamily="18" charset="0"/>
-                                      </a:rPr>
-                                      <m:t>𝑆</m:t>
-                                    </m:r>
-                                  </m:e>
-                                </m:d>
-                              </m:lim>
-                            </m:limLow>
-                          </m:fName>
-                          <m:e>
-                            <m:d>
-                              <m:dPr>
-                                <m:begChr m:val="|"/>
-                                <m:endChr m:val="|"/>
-                                <m:ctrlPr>
-                                  <a:rPr lang="en-US" sz="2000" i="1">
-                                    <a:solidFill>
-                                      <a:schemeClr val="tx1">
-                                        <a:lumMod val="65000"/>
-                                        <a:lumOff val="35000"/>
-                                      </a:schemeClr>
-                                    </a:solidFill>
-                                    <a:latin typeface="Cambria Math" panose="02040503050406030204" pitchFamily="18" charset="0"/>
-                                  </a:rPr>
-                                </m:ctrlPr>
-                              </m:dPr>
-                              <m:e>
-                                <m:r>
-                                  <a:rPr lang="en-US" sz="2000" i="1">
-                                    <a:solidFill>
-                                      <a:schemeClr val="tx1">
-                                        <a:lumMod val="65000"/>
-                                        <a:lumOff val="35000"/>
-                                      </a:schemeClr>
-                                    </a:solidFill>
-                                    <a:latin typeface="Cambria Math" panose="02040503050406030204" pitchFamily="18" charset="0"/>
-                                  </a:rPr>
-                                  <m:t>𝑆</m:t>
-                                </m:r>
-                              </m:e>
-                            </m:d>
-                          </m:e>
-                        </m:func>
-                      </m:e>
-                      <m:sub>
-                        <m:r>
-                          <a:rPr lang="en-US" sz="2000" i="1">
-                            <a:solidFill>
-                              <a:schemeClr val="tx1">
-                                <a:lumMod val="65000"/>
-                                <a:lumOff val="35000"/>
-                              </a:schemeClr>
-                            </a:solidFill>
-                            <a:latin typeface="Cambria Math" panose="02040503050406030204" pitchFamily="18" charset="0"/>
-                          </a:rPr>
-                          <m:t>0</m:t>
-                        </m:r>
-                      </m:sub>
-                    </m:sSub>
-                  </m:oMath>
-                </a14:m>
-                <a:r>
-                  <a:rPr lang="en-US" sz="2800" dirty="0">
-                    <a:effectLst/>
-                  </a:rPr>
-                  <a:t> </a:t>
-                </a:r>
-                <a:endParaRPr lang="en-US" sz="2800" dirty="0">
-                  <a:solidFill>
-                    <a:schemeClr val="tx1">
-                      <a:lumMod val="65000"/>
-                      <a:lumOff val="35000"/>
-                    </a:schemeClr>
-                  </a:solidFill>
-                  <a:latin typeface="Montserrat Extra Bold" panose="00000900000000000000" pitchFamily="50" charset="0"/>
-                  <a:ea typeface="+mj-ea"/>
-                  <a:cs typeface="+mj-cs"/>
-                </a:endParaRPr>
               </a:p>
               <a:p>
                 <a:pPr algn="just"/>
@@ -5537,8 +5324,8 @@
             </p:nvSpPr>
             <p:spPr>
               <a:xfrm>
-                <a:off x="1359417" y="31040465"/>
-                <a:ext cx="13487183" cy="3702488"/>
+                <a:off x="1359417" y="32676949"/>
+                <a:ext cx="9260661" cy="3605602"/>
               </a:xfrm>
               <a:prstGeom prst="rect">
                 <a:avLst/>
@@ -5546,7 +5333,7 @@
               <a:blipFill>
                 <a:blip r:embed="rId3"/>
                 <a:stretch>
-                  <a:fillRect l="-941" t="-1706"/>
+                  <a:fillRect l="-1370" t="-1404"/>
                 </a:stretch>
               </a:blipFill>
             </p:spPr>
@@ -5579,8 +5366,8 @@
         </p:nvSpPr>
         <p:spPr>
           <a:xfrm>
-            <a:off x="15697412" y="30938989"/>
-            <a:ext cx="13050957" cy="7478970"/>
+            <a:off x="15480469" y="29164049"/>
+            <a:ext cx="13522841" cy="9140964"/>
           </a:xfrm>
           <a:prstGeom prst="rect">
             <a:avLst/>
@@ -5592,12 +5379,12 @@
           </a:bodyPr>
           <a:lstStyle/>
           <a:p>
-            <a:pPr indent="-457200" algn="just">
+            <a:pPr indent="-457200">
               <a:buFont typeface="Arial" panose="020B0604020202020204" pitchFamily="34" charset="0"/>
               <a:buChar char="•"/>
             </a:pPr>
             <a:r>
-              <a:rPr lang="en-US" sz="3200" dirty="0">
+              <a:rPr lang="en-US" sz="2800" dirty="0">
                 <a:solidFill>
                   <a:schemeClr val="tx1">
                     <a:lumMod val="65000"/>
@@ -5608,10 +5395,50 @@
                 <a:ea typeface="+mj-ea"/>
                 <a:cs typeface="+mj-cs"/>
               </a:rPr>
-              <a:t>This work presents a </a:t>
-            </a:r>
-            <a:r>
-              <a:rPr lang="en-US" sz="3200" dirty="0" err="1">
+              <a:t>Source term estimation is a crucial step in assessing the pollution dense map and the 	resulted impact on the environment.</a:t>
+            </a:r>
+          </a:p>
+          <a:p>
+            <a:pPr indent="-457200">
+              <a:buFont typeface="Arial" panose="020B0604020202020204" pitchFamily="34" charset="0"/>
+              <a:buChar char="•"/>
+            </a:pPr>
+            <a:r>
+              <a:rPr lang="en-US" sz="2800" dirty="0">
+                <a:solidFill>
+                  <a:schemeClr val="tx1">
+                    <a:lumMod val="65000"/>
+                    <a:lumOff val="35000"/>
+                  </a:schemeClr>
+                </a:solidFill>
+                <a:latin typeface="Montserrat Extra Bold" panose="00000900000000000000" pitchFamily="50" charset="0"/>
+                <a:ea typeface="+mj-ea"/>
+                <a:cs typeface="+mj-cs"/>
+              </a:rPr>
+              <a:t>These tasks get complicated as the number of possible leaks increases and the number of 	sensors decreases.</a:t>
+            </a:r>
+          </a:p>
+          <a:p>
+            <a:pPr indent="-457200">
+              <a:buFont typeface="Arial" panose="020B0604020202020204" pitchFamily="34" charset="0"/>
+              <a:buChar char="•"/>
+            </a:pPr>
+            <a:r>
+              <a:rPr lang="en-US" sz="2800" dirty="0">
+                <a:solidFill>
+                  <a:schemeClr val="tx1">
+                    <a:lumMod val="65000"/>
+                    <a:lumOff val="35000"/>
+                  </a:schemeClr>
+                </a:solidFill>
+                <a:latin typeface="Montserrat Extra Bold" panose="00000900000000000000" pitchFamily="50" charset="0"/>
+                <a:ea typeface="+mj-ea"/>
+                <a:cs typeface="+mj-cs"/>
+              </a:rPr>
+              <a:t>The use of a </a:t>
+            </a:r>
+            <a:r>
+              <a:rPr lang="en-US" sz="2800" dirty="0" err="1">
                 <a:solidFill>
                   <a:schemeClr val="tx1">
                     <a:lumMod val="65000"/>
@@ -5625,7 +5452,7 @@
               <a:t>multiobjective</a:t>
             </a:r>
             <a:r>
-              <a:rPr lang="en-US" sz="3200" dirty="0">
+              <a:rPr lang="en-US" sz="2800" dirty="0">
                 <a:solidFill>
                   <a:schemeClr val="tx1">
                     <a:lumMod val="65000"/>
@@ -5636,16 +5463,22 @@
                 <a:ea typeface="+mj-ea"/>
                 <a:cs typeface="+mj-cs"/>
               </a:rPr>
-              <a:t> scheme for estimating the source term 	in the case of multiple gas leaks. </a:t>
-            </a:r>
-          </a:p>
-          <a:p>
-            <a:pPr indent="-457200" algn="just">
-              <a:buFont typeface="Arial" panose="020B0604020202020204" pitchFamily="34" charset="0"/>
-              <a:buChar char="•"/>
-            </a:pPr>
-            <a:r>
-              <a:rPr lang="en-US" sz="3200" dirty="0">
+              <a:t> optimization approach was </a:t>
+            </a:r>
+            <a:r>
+              <a:rPr lang="en-US" sz="2800" dirty="0">
+                <a:solidFill>
+                  <a:schemeClr val="tx1">
+                    <a:lumMod val="65000"/>
+                    <a:lumOff val="35000"/>
+                  </a:schemeClr>
+                </a:solidFill>
+                <a:latin typeface="Montserrat Extra Bold" panose="00000900000000000000" pitchFamily="50" charset="0"/>
+              </a:rPr>
+              <a:t>proven to be effective, as it  	</a:t>
+            </a:r>
+            <a:r>
+              <a:rPr lang="en-US" sz="2800" dirty="0">
                 <a:solidFill>
                   <a:schemeClr val="tx1">
                     <a:lumMod val="65000"/>
@@ -5656,10 +5489,10 @@
                 <a:ea typeface="+mj-ea"/>
                 <a:cs typeface="+mj-cs"/>
               </a:rPr>
-              <a:t>The method consists of coupling self-adaptive </a:t>
-            </a:r>
-            <a:r>
-              <a:rPr lang="en-US" sz="3200" dirty="0">
+              <a:t>enables balancing between the error of the estimated contamination level and 	</a:t>
+            </a:r>
+            <a:r>
+              <a:rPr lang="en-US" sz="2800" dirty="0">
                 <a:solidFill>
                   <a:schemeClr val="tx1">
                     <a:lumMod val="65000"/>
@@ -5668,10 +5501,10 @@
                 </a:solidFill>
                 <a:latin typeface="Montserrat Extra Bold" panose="00000900000000000000" pitchFamily="50" charset="0"/>
               </a:rPr>
-              <a:t>Borg </a:t>
-            </a:r>
-            <a:r>
-              <a:rPr lang="en-US" sz="3200" dirty="0" err="1">
+              <a:t>simplicity</a:t>
+            </a:r>
+            <a:r>
+              <a:rPr lang="en-US" sz="2800" dirty="0">
                 <a:solidFill>
                   <a:schemeClr val="tx1">
                     <a:lumMod val="65000"/>
@@ -5682,10 +5515,16 @@
                 <a:ea typeface="+mj-ea"/>
                 <a:cs typeface="+mj-cs"/>
               </a:rPr>
-              <a:t>multiobjective</a:t>
-            </a:r>
-            <a:r>
-              <a:rPr lang="en-US" sz="3200" dirty="0">
+              <a:t> 	(following Occam’s razor principle of parsimony).</a:t>
+            </a:r>
+          </a:p>
+          <a:p>
+            <a:pPr indent="-457200">
+              <a:buFont typeface="Arial" panose="020B0604020202020204" pitchFamily="34" charset="0"/>
+              <a:buChar char="•"/>
+            </a:pPr>
+            <a:r>
+              <a:rPr lang="en-US" sz="2800" dirty="0">
                 <a:solidFill>
                   <a:schemeClr val="tx1">
                     <a:lumMod val="65000"/>
@@ -5696,22 +5535,59 @@
                 <a:ea typeface="+mj-ea"/>
                 <a:cs typeface="+mj-cs"/>
               </a:rPr>
-              <a:t> 	</a:t>
-            </a:r>
-            <a:r>
-              <a:rPr lang="en-US" sz="3200" dirty="0">
-                <a:solidFill>
-                  <a:schemeClr val="tx1">
-                    <a:lumMod val="65000"/>
-                    <a:lumOff val="35000"/>
-                  </a:schemeClr>
-                </a:solidFill>
-                <a:latin typeface="Montserrat Extra Bold" panose="00000900000000000000" pitchFamily="50" charset="0"/>
-              </a:rPr>
-              <a:t>evolutionary algorithm (MOEA) framework</a:t>
-            </a:r>
-            <a:r>
-              <a:rPr lang="en-US" sz="3200" dirty="0">
+              <a:t>The resulted simplicity-accuracy tradeoff function (the Pareto frontier) can be used by 	decision-makers to handle the complicated situation of a source with multiple leaks.</a:t>
+            </a:r>
+          </a:p>
+          <a:p>
+            <a:pPr indent="-457200">
+              <a:buFont typeface="Arial" panose="020B0604020202020204" pitchFamily="34" charset="0"/>
+              <a:buChar char="•"/>
+            </a:pPr>
+            <a:endParaRPr lang="en-US" sz="2800" dirty="0">
+              <a:solidFill>
+                <a:schemeClr val="tx1">
+                  <a:lumMod val="65000"/>
+                  <a:lumOff val="35000"/>
+                </a:schemeClr>
+              </a:solidFill>
+              <a:latin typeface="Montserrat Extra Bold" panose="00000900000000000000" pitchFamily="50" charset="0"/>
+              <a:ea typeface="+mj-ea"/>
+              <a:cs typeface="+mj-cs"/>
+            </a:endParaRPr>
+          </a:p>
+          <a:p>
+            <a:endParaRPr lang="en-US" sz="2800" dirty="0">
+              <a:solidFill>
+                <a:schemeClr val="tx1">
+                  <a:lumMod val="65000"/>
+                  <a:lumOff val="35000"/>
+                </a:schemeClr>
+              </a:solidFill>
+              <a:latin typeface="Montserrat Extra Bold" panose="00000900000000000000" pitchFamily="50" charset="0"/>
+              <a:ea typeface="+mj-ea"/>
+              <a:cs typeface="+mj-cs"/>
+            </a:endParaRPr>
+          </a:p>
+          <a:p>
+            <a:endParaRPr lang="en-US" sz="2800" dirty="0">
+              <a:solidFill>
+                <a:schemeClr val="tx1">
+                  <a:lumMod val="65000"/>
+                  <a:lumOff val="35000"/>
+                </a:schemeClr>
+              </a:solidFill>
+              <a:latin typeface="Montserrat Extra Bold" panose="00000900000000000000" pitchFamily="50" charset="0"/>
+              <a:ea typeface="+mj-ea"/>
+              <a:cs typeface="+mj-cs"/>
+            </a:endParaRPr>
+          </a:p>
+          <a:p>
+            <a:pPr marL="457200" indent="-457200">
+              <a:buFont typeface="Arial" panose="020B0604020202020204" pitchFamily="34" charset="0"/>
+              <a:buChar char="•"/>
+            </a:pPr>
+            <a:r>
+              <a:rPr lang="en-US" sz="2800" dirty="0">
                 <a:solidFill>
                   <a:schemeClr val="tx1">
                     <a:lumMod val="65000"/>
@@ -5722,28 +5598,10 @@
                 <a:ea typeface="+mj-ea"/>
                 <a:cs typeface="+mj-cs"/>
               </a:rPr>
-              <a:t> with a dispersion model, relying 	on the readings from a sparse 	network of sensors. </a:t>
-            </a:r>
-          </a:p>
-          <a:p>
-            <a:pPr indent="-457200" algn="just">
-              <a:buFont typeface="Arial" panose="020B0604020202020204" pitchFamily="34" charset="0"/>
-              <a:buChar char="•"/>
-            </a:pPr>
-            <a:r>
-              <a:rPr lang="en-US" sz="3200" dirty="0">
-                <a:solidFill>
-                  <a:schemeClr val="tx1">
-                    <a:lumMod val="65000"/>
-                    <a:lumOff val="35000"/>
-                  </a:schemeClr>
-                </a:solidFill>
-                <a:latin typeface="Montserrat Extra Bold" panose="00000900000000000000" pitchFamily="50" charset="0"/>
-              </a:rPr>
-              <a:t>Two objectives are considered – </a:t>
-            </a:r>
-            <a:r>
-              <a:rPr lang="en-US" sz="3200" dirty="0">
+              <a:t>Using a WDESN, comprised of portable </a:t>
+            </a:r>
+            <a:r>
+              <a:rPr lang="en-US" sz="2800">
                 <a:solidFill>
                   <a:schemeClr val="tx1">
                     <a:lumMod val="65000"/>
@@ -5754,16 +5612,10 @@
                 <a:ea typeface="+mj-ea"/>
                 <a:cs typeface="+mj-cs"/>
               </a:rPr>
-              <a:t>minimizing the error of the estimated 	contamination level and the number of active sources, the letter 	corresponds to a simpler solution. </a:t>
-            </a:r>
-          </a:p>
-          <a:p>
-            <a:pPr indent="-457200" algn="just">
-              <a:buFont typeface="Arial" panose="020B0604020202020204" pitchFamily="34" charset="0"/>
-              <a:buChar char="•"/>
-            </a:pPr>
-            <a:r>
-              <a:rPr lang="en-US" sz="3200" dirty="0">
+              <a:t>and low-cost </a:t>
+            </a:r>
+            <a:r>
+              <a:rPr lang="en-US" sz="2800" dirty="0">
                 <a:solidFill>
                   <a:schemeClr val="tx1">
                     <a:lumMod val="65000"/>
@@ -5774,16 +5626,16 @@
                 <a:ea typeface="+mj-ea"/>
                 <a:cs typeface="+mj-cs"/>
               </a:rPr>
-              <a:t>The method is tested in a simulated flat terrene with 0-9 sources, and 	results show the method is effective, with the main limitation being the 	number of sensors and their locations relative to the leaks.</a:t>
-            </a:r>
-          </a:p>
-          <a:p>
-            <a:pPr indent="-457200" algn="just">
+              <a:t>Micro Sensing Units (MSUs), that can measure, process and transmit data, provides the opportunity to monitor large areas at a reasonable cost. </a:t>
+            </a:r>
+          </a:p>
+          <a:p>
+            <a:pPr marL="457200" indent="-457200">
               <a:buFont typeface="Arial" panose="020B0604020202020204" pitchFamily="34" charset="0"/>
               <a:buChar char="•"/>
             </a:pPr>
             <a:r>
-              <a:rPr lang="en-US" sz="3200" dirty="0">
+              <a:rPr lang="en-US" sz="2800" dirty="0">
                 <a:solidFill>
                   <a:schemeClr val="tx1">
                     <a:lumMod val="65000"/>
@@ -5794,7 +5646,39 @@
                 <a:ea typeface="+mj-ea"/>
                 <a:cs typeface="+mj-cs"/>
               </a:rPr>
-              <a:t>A new measure to quantify the ability to resolve a specific configuration 	is 	presented – the 	PED criteria. This criteria, along with the findings of this 	work, will be used in future work to find the optimal deployment of 	sensors 	and their attributes. </a:t>
+              <a:t>Nevertheless, to obtain an optimal deployment of such network, the varying meteorological conditions, the sensor attributes, the fiscal constraints and many other parameters should be considered. </a:t>
+            </a:r>
+          </a:p>
+          <a:p>
+            <a:pPr marL="457200" indent="-457200">
+              <a:buFont typeface="Arial" panose="020B0604020202020204" pitchFamily="34" charset="0"/>
+              <a:buChar char="•"/>
+            </a:pPr>
+            <a:r>
+              <a:rPr lang="en-US" sz="2800" dirty="0">
+                <a:solidFill>
+                  <a:schemeClr val="tx1">
+                    <a:lumMod val="65000"/>
+                    <a:lumOff val="35000"/>
+                  </a:schemeClr>
+                </a:solidFill>
+                <a:latin typeface="Montserrat Extra Bold" panose="00000900000000000000" pitchFamily="50" charset="0"/>
+              </a:rPr>
+              <a:t>As part of our on-going research, </a:t>
+            </a:r>
+            <a:r>
+              <a:rPr lang="en-US" sz="2800" dirty="0">
+                <a:solidFill>
+                  <a:schemeClr val="tx1">
+                    <a:lumMod val="65000"/>
+                    <a:lumOff val="35000"/>
+                  </a:schemeClr>
+                </a:solidFill>
+                <a:latin typeface="Montserrat Extra Bold" panose="00000900000000000000" pitchFamily="50" charset="0"/>
+                <a:ea typeface="+mj-ea"/>
+                <a:cs typeface="+mj-cs"/>
+              </a:rPr>
+              <a:t>the PED criteria, presented in this work, will be used along with other conflicting objectives to retrieve the optimal deployment configuration in time and space of a WDESN. </a:t>
             </a:r>
           </a:p>
         </p:txBody>
@@ -5813,8 +5697,8 @@
         </p:nvSpPr>
         <p:spPr>
           <a:xfrm>
-            <a:off x="1373855" y="8543437"/>
-            <a:ext cx="13088775" cy="4832092"/>
+            <a:off x="1182286" y="8424978"/>
+            <a:ext cx="13273918" cy="4832092"/>
           </a:xfrm>
           <a:prstGeom prst="rect">
             <a:avLst/>
@@ -5847,7 +5731,7 @@
                 <a:ea typeface="+mj-ea"/>
                 <a:cs typeface="+mj-cs"/>
               </a:rPr>
-              <a:t>A leak of various chemicals from industrial </a:t>
+              <a:t>A leak of various chemicals from </a:t>
             </a:r>
           </a:p>
           <a:p>
@@ -5863,14 +5747,10 @@
                 <a:ea typeface="+mj-ea"/>
                 <a:cs typeface="+mj-cs"/>
               </a:rPr>
-              <a:t>	activity may harm humans and the environment. </a:t>
-            </a:r>
-          </a:p>
-          <a:p>
-            <a:pPr marL="457200" indent="-457200">
-              <a:buFont typeface="Arial" panose="020B0604020202020204" pitchFamily="34" charset="0"/>
-              <a:buChar char="•"/>
-            </a:pPr>
+              <a:t>	industrial activity may harm humans </a:t>
+            </a:r>
+          </a:p>
+          <a:p>
             <a:r>
               <a:rPr lang="en-US" sz="2800" dirty="0">
                 <a:solidFill>
@@ -5883,10 +5763,14 @@
                 <a:ea typeface="+mj-ea"/>
                 <a:cs typeface="+mj-cs"/>
               </a:rPr>
-              <a:t>The first line of defense, before prioritizing any </a:t>
-            </a:r>
-          </a:p>
-          <a:p>
+              <a:t>	and the environment. </a:t>
+            </a:r>
+          </a:p>
+          <a:p>
+            <a:pPr marL="457200" indent="-457200">
+              <a:buFont typeface="Arial" panose="020B0604020202020204" pitchFamily="34" charset="0"/>
+              <a:buChar char="•"/>
+            </a:pPr>
             <a:r>
               <a:rPr lang="en-US" sz="2800" dirty="0">
                 <a:solidFill>
@@ -5899,7 +5783,7 @@
                 <a:ea typeface="+mj-ea"/>
                 <a:cs typeface="+mj-cs"/>
               </a:rPr>
-              <a:t>	mitigating steps, is detection of the resulted </a:t>
+              <a:t>The first line of defense is detection </a:t>
             </a:r>
           </a:p>
           <a:p>
@@ -5915,7 +5799,7 @@
                 <a:ea typeface="+mj-ea"/>
                 <a:cs typeface="+mj-cs"/>
               </a:rPr>
-              <a:t>	plume and mapping the contamination level, </a:t>
+              <a:t>	of the resulted plume and mapping </a:t>
             </a:r>
           </a:p>
           <a:p>
@@ -5931,7 +5815,7 @@
                 <a:ea typeface="+mj-ea"/>
                 <a:cs typeface="+mj-cs"/>
               </a:rPr>
-              <a:t>	using a network of sensors.</a:t>
+              <a:t>	the contamination level.</a:t>
             </a:r>
           </a:p>
           <a:p>
@@ -5951,7 +5835,23 @@
                 <a:ea typeface="+mj-ea"/>
                 <a:cs typeface="+mj-cs"/>
               </a:rPr>
-              <a:t>Large number of sensors are typically needed for achieving concentration maps of high spatial and temporal resolution.</a:t>
+              <a:t>Large number of sensors are typically</a:t>
+            </a:r>
+          </a:p>
+          <a:p>
+            <a:r>
+              <a:rPr lang="en-US" sz="2800" dirty="0">
+                <a:solidFill>
+                  <a:schemeClr val="tx1">
+                    <a:lumMod val="65000"/>
+                    <a:lumOff val="35000"/>
+                  </a:schemeClr>
+                </a:solidFill>
+                <a:latin typeface="Montserrat Extra Bold" panose="00000900000000000000" pitchFamily="50" charset="0"/>
+                <a:ea typeface="+mj-ea"/>
+                <a:cs typeface="+mj-cs"/>
+              </a:rPr>
+              <a:t>	needed for achieving concentration maps of high spatial and temporal resolution.</a:t>
             </a:r>
           </a:p>
           <a:p>
@@ -5990,8 +5890,8 @@
         </p:nvSpPr>
         <p:spPr>
           <a:xfrm>
-            <a:off x="1341771" y="14328313"/>
-            <a:ext cx="12766314" cy="1384995"/>
+            <a:off x="1340246" y="14054635"/>
+            <a:ext cx="13160235" cy="1815882"/>
           </a:xfrm>
           <a:prstGeom prst="rect">
             <a:avLst/>
@@ -6021,35 +5921,7 @@
                 <a:ea typeface="+mj-ea"/>
                 <a:cs typeface="+mj-cs"/>
               </a:rPr>
-              <a:t>Using simulations of a flat industrial site, our objective is to estimate the source term in the case of multiple leaks and a sparse network of sensors, using a state of the art evolutionary </a:t>
-            </a:r>
-            <a:r>
-              <a:rPr lang="en-US" sz="2800" dirty="0" err="1">
-                <a:solidFill>
-                  <a:schemeClr val="tx1">
-                    <a:lumMod val="65000"/>
-                    <a:lumOff val="35000"/>
-                  </a:schemeClr>
-                </a:solidFill>
-                <a:latin typeface="Montserrat Extra Bold" panose="00000900000000000000" pitchFamily="50" charset="0"/>
-                <a:ea typeface="+mj-ea"/>
-                <a:cs typeface="+mj-cs"/>
-              </a:rPr>
-              <a:t>multiobjective</a:t>
-            </a:r>
-            <a:r>
-              <a:rPr lang="en-US" sz="2800" dirty="0">
-                <a:solidFill>
-                  <a:schemeClr val="tx1">
-                    <a:lumMod val="65000"/>
-                    <a:lumOff val="35000"/>
-                  </a:schemeClr>
-                </a:solidFill>
-                <a:latin typeface="Montserrat Extra Bold" panose="00000900000000000000" pitchFamily="50" charset="0"/>
-                <a:ea typeface="+mj-ea"/>
-                <a:cs typeface="+mj-cs"/>
-              </a:rPr>
-              <a:t> search coupled with a Gaussian plume dispersion model.</a:t>
+              <a:t>To estimate the source term in the case of multiple leaks and a sparse Wireless Distributed Environmental Sensor Network (WDESN), using state-of-the-art optimization technique - the Borg Multi-Objective Evolutionary algorithm (MOEA) framework, coupled with a Gaussian plume dispersion model.</a:t>
             </a:r>
           </a:p>
         </p:txBody>
@@ -6068,8 +5940,8 @@
         </p:nvSpPr>
         <p:spPr>
           <a:xfrm>
-            <a:off x="1329910" y="18750963"/>
-            <a:ext cx="12993593" cy="2677656"/>
+            <a:off x="1180489" y="18750846"/>
+            <a:ext cx="8105919" cy="3539430"/>
           </a:xfrm>
           <a:prstGeom prst="rect">
             <a:avLst/>
@@ -6102,7 +5974,7 @@
                 <a:ea typeface="+mj-ea"/>
                 <a:cs typeface="+mj-cs"/>
               </a:rPr>
-              <a:t>More than one objective function is optimized simultaneously.</a:t>
+              <a:t>More than one objective function is optimized simultaneously, creating tradeoffs between conflicting objectives, such as - 	error rate and cost (Fig. 2). </a:t>
             </a:r>
           </a:p>
           <a:p>
@@ -6122,75 +5994,7 @@
                 <a:ea typeface="+mj-ea"/>
                 <a:cs typeface="+mj-cs"/>
               </a:rPr>
-              <a:t>Tradeoffs exist between two or more conflicting objectives, for </a:t>
-            </a:r>
-          </a:p>
-          <a:p>
-            <a:r>
-              <a:rPr lang="en-US" sz="2800" dirty="0">
-                <a:solidFill>
-                  <a:schemeClr val="tx1">
-                    <a:lumMod val="65000"/>
-                    <a:lumOff val="35000"/>
-                  </a:schemeClr>
-                </a:solidFill>
-                <a:latin typeface="Montserrat Extra Bold" panose="00000900000000000000" pitchFamily="50" charset="0"/>
-                <a:ea typeface="+mj-ea"/>
-                <a:cs typeface="+mj-cs"/>
-              </a:rPr>
-              <a:t>	example – error rate and cost (Fig. 2). </a:t>
-            </a:r>
-          </a:p>
-          <a:p>
-            <a:pPr marL="457200" indent="-457200">
-              <a:buFont typeface="Arial" panose="020B0604020202020204" pitchFamily="34" charset="0"/>
-              <a:buChar char="•"/>
-            </a:pPr>
-            <a:r>
-              <a:rPr lang="en-US" sz="2800" dirty="0">
-                <a:solidFill>
-                  <a:schemeClr val="tx1">
-                    <a:lumMod val="65000"/>
-                    <a:lumOff val="35000"/>
-                  </a:schemeClr>
-                </a:solidFill>
-                <a:latin typeface="Montserrat Extra Bold" panose="00000900000000000000" pitchFamily="50" charset="0"/>
-                <a:ea typeface="+mj-ea"/>
-                <a:cs typeface="+mj-cs"/>
-              </a:rPr>
-              <a:t>A Pareto frontier is the set of non-dominated solutions, being </a:t>
-            </a:r>
-          </a:p>
-          <a:p>
-            <a:r>
-              <a:rPr lang="en-US" sz="2800" dirty="0">
-                <a:solidFill>
-                  <a:schemeClr val="tx1">
-                    <a:lumMod val="65000"/>
-                    <a:lumOff val="35000"/>
-                  </a:schemeClr>
-                </a:solidFill>
-                <a:latin typeface="Montserrat Extra Bold" panose="00000900000000000000" pitchFamily="50" charset="0"/>
-                <a:ea typeface="+mj-ea"/>
-                <a:cs typeface="+mj-cs"/>
-              </a:rPr>
-              <a:t>	chosen as optimal, if no objective can be improved without </a:t>
-            </a:r>
-          </a:p>
-          <a:p>
-            <a:r>
-              <a:rPr lang="en-US" sz="2800" dirty="0">
-                <a:solidFill>
-                  <a:schemeClr val="tx1">
-                    <a:lumMod val="65000"/>
-                    <a:lumOff val="35000"/>
-                  </a:schemeClr>
-                </a:solidFill>
-                <a:latin typeface="Montserrat Extra Bold" panose="00000900000000000000" pitchFamily="50" charset="0"/>
-                <a:ea typeface="+mj-ea"/>
-                <a:cs typeface="+mj-cs"/>
-              </a:rPr>
-              <a:t>	harming at least one other objective. </a:t>
+              <a:t>A Pareto frontier is the set of non-dominated solutions, being chosen as optimal, if no objective can be improved without harming at least one other objective. </a:t>
             </a:r>
           </a:p>
         </p:txBody>
@@ -6209,8 +6013,8 @@
         </p:nvSpPr>
         <p:spPr>
           <a:xfrm>
-            <a:off x="1348198" y="30207308"/>
-            <a:ext cx="4321030" cy="646331"/>
+            <a:off x="1348197" y="31974421"/>
+            <a:ext cx="8793559" cy="646331"/>
           </a:xfrm>
           <a:prstGeom prst="rect">
             <a:avLst/>
@@ -6228,7 +6032,7 @@
           </a:lstStyle>
           <a:p>
             <a:r>
-              <a:rPr lang="en-US" sz="3600" b="1" dirty="0">
+              <a:rPr lang="en-US" sz="3600" b="1" u="sng" dirty="0">
                 <a:solidFill>
                   <a:schemeClr val="tx1">
                     <a:lumMod val="65000"/>
@@ -6240,300 +6044,6 @@
                 <a:cs typeface="+mj-cs"/>
               </a:rPr>
               <a:t>Problem formulation</a:t>
-            </a:r>
-          </a:p>
-        </p:txBody>
-      </p:sp>
-      <p:sp>
-        <p:nvSpPr>
-          <p:cNvPr id="351" name="TextBox 350">
-            <a:extLst>
-              <a:ext uri="{FF2B5EF4-FFF2-40B4-BE49-F238E27FC236}">
-                <a16:creationId xmlns:a16="http://schemas.microsoft.com/office/drawing/2014/main" id="{78195E6A-6727-4D4E-AACC-07734F59D071}"/>
-              </a:ext>
-            </a:extLst>
-          </p:cNvPr>
-          <p:cNvSpPr txBox="1"/>
-          <p:nvPr/>
-        </p:nvSpPr>
-        <p:spPr>
-          <a:xfrm>
-            <a:off x="7177280" y="22731546"/>
-            <a:ext cx="7189911" cy="7848302"/>
-          </a:xfrm>
-          <a:prstGeom prst="rect">
-            <a:avLst/>
-          </a:prstGeom>
-          <a:noFill/>
-        </p:spPr>
-        <p:txBody>
-          <a:bodyPr wrap="square" rtlCol="0">
-            <a:spAutoFit/>
-          </a:bodyPr>
-          <a:lstStyle>
-            <a:defPPr>
-              <a:defRPr kern="1200" smtId="4294967295"/>
-            </a:defPPr>
-          </a:lstStyle>
-          <a:p>
-            <a:pPr marL="457200" indent="-457200" algn="just">
-              <a:buFont typeface="Arial" panose="020B0604020202020204" pitchFamily="34" charset="0"/>
-              <a:buChar char="•"/>
-            </a:pPr>
-            <a:r>
-              <a:rPr lang="en-US" sz="2800" dirty="0">
-                <a:solidFill>
-                  <a:schemeClr val="tx1">
-                    <a:lumMod val="65000"/>
-                    <a:lumOff val="35000"/>
-                  </a:schemeClr>
-                </a:solidFill>
-                <a:latin typeface="Montserrat Extra Bold" panose="00000900000000000000" pitchFamily="50" charset="0"/>
-                <a:ea typeface="+mj-ea"/>
-                <a:cs typeface="+mj-cs"/>
-              </a:rPr>
-              <a:t>Inspired by the biological theory, EAs are given a population of individuals </a:t>
-            </a:r>
-            <a:r>
-              <a:rPr lang="en-US" sz="2800" dirty="0">
-                <a:solidFill>
-                  <a:schemeClr val="tx1">
-                    <a:lumMod val="65000"/>
-                    <a:lumOff val="35000"/>
-                  </a:schemeClr>
-                </a:solidFill>
-                <a:latin typeface="Montserrat Extra Bold" panose="00000900000000000000" pitchFamily="50" charset="0"/>
-              </a:rPr>
-              <a:t>( = a set of candidate solutions) (Fig.3).  </a:t>
-            </a:r>
-            <a:endParaRPr lang="en-US" sz="2800" dirty="0">
-              <a:solidFill>
-                <a:schemeClr val="tx1">
-                  <a:lumMod val="65000"/>
-                  <a:lumOff val="35000"/>
-                </a:schemeClr>
-              </a:solidFill>
-              <a:latin typeface="Montserrat Extra Bold" panose="00000900000000000000" pitchFamily="50" charset="0"/>
-              <a:ea typeface="+mj-ea"/>
-              <a:cs typeface="+mj-cs"/>
-            </a:endParaRPr>
-          </a:p>
-          <a:p>
-            <a:pPr marL="457200" indent="-457200" algn="just">
-              <a:buFont typeface="Arial" panose="020B0604020202020204" pitchFamily="34" charset="0"/>
-              <a:buChar char="•"/>
-            </a:pPr>
-            <a:r>
-              <a:rPr lang="en-US" sz="2800" dirty="0">
-                <a:solidFill>
-                  <a:schemeClr val="tx1">
-                    <a:lumMod val="65000"/>
-                    <a:lumOff val="35000"/>
-                  </a:schemeClr>
-                </a:solidFill>
-                <a:latin typeface="Montserrat Extra Bold" panose="00000900000000000000" pitchFamily="50" charset="0"/>
-                <a:ea typeface="+mj-ea"/>
-                <a:cs typeface="+mj-cs"/>
-              </a:rPr>
-              <a:t>The environmental pressure causes natural selection and according to a fitness</a:t>
-            </a:r>
-            <a:r>
-              <a:rPr lang="en-US" sz="2800" b="1" dirty="0">
-                <a:solidFill>
-                  <a:schemeClr val="tx1">
-                    <a:lumMod val="65000"/>
-                    <a:lumOff val="35000"/>
-                  </a:schemeClr>
-                </a:solidFill>
-                <a:latin typeface="Montserrat Extra Bold" panose="00000900000000000000" pitchFamily="50" charset="0"/>
-                <a:ea typeface="+mj-ea"/>
-                <a:cs typeface="+mj-cs"/>
-              </a:rPr>
-              <a:t> </a:t>
-            </a:r>
-            <a:r>
-              <a:rPr lang="en-US" sz="2800" dirty="0">
-                <a:solidFill>
-                  <a:schemeClr val="tx1">
-                    <a:lumMod val="65000"/>
-                    <a:lumOff val="35000"/>
-                  </a:schemeClr>
-                </a:solidFill>
-                <a:latin typeface="Montserrat Extra Bold" panose="00000900000000000000" pitchFamily="50" charset="0"/>
-                <a:ea typeface="+mj-ea"/>
-                <a:cs typeface="+mj-cs"/>
-              </a:rPr>
-              <a:t>measure</a:t>
-            </a:r>
-            <a:r>
-              <a:rPr lang="en-US" sz="2800" b="1" dirty="0">
-                <a:solidFill>
-                  <a:schemeClr val="tx1">
-                    <a:lumMod val="65000"/>
-                    <a:lumOff val="35000"/>
-                  </a:schemeClr>
-                </a:solidFill>
-                <a:latin typeface="Montserrat Extra Bold" panose="00000900000000000000" pitchFamily="50" charset="0"/>
-                <a:ea typeface="+mj-ea"/>
-                <a:cs typeface="+mj-cs"/>
-              </a:rPr>
-              <a:t> </a:t>
-            </a:r>
-            <a:r>
-              <a:rPr lang="en-US" sz="2800" dirty="0">
-                <a:solidFill>
-                  <a:schemeClr val="tx1">
-                    <a:lumMod val="65000"/>
-                    <a:lumOff val="35000"/>
-                  </a:schemeClr>
-                </a:solidFill>
-                <a:latin typeface="Montserrat Extra Bold" panose="00000900000000000000" pitchFamily="50" charset="0"/>
-                <a:ea typeface="+mj-ea"/>
-                <a:cs typeface="+mj-cs"/>
-              </a:rPr>
-              <a:t>( = objective function), the better candidates have a higher chance to survive and reproduce. </a:t>
-            </a:r>
-          </a:p>
-          <a:p>
-            <a:pPr marL="457200" indent="-457200" algn="just">
-              <a:buFont typeface="Arial" panose="020B0604020202020204" pitchFamily="34" charset="0"/>
-              <a:buChar char="•"/>
-            </a:pPr>
-            <a:r>
-              <a:rPr lang="en-US" sz="2800" dirty="0">
-                <a:solidFill>
-                  <a:schemeClr val="tx1">
-                    <a:lumMod val="65000"/>
-                    <a:lumOff val="35000"/>
-                  </a:schemeClr>
-                </a:solidFill>
-                <a:latin typeface="Montserrat Extra Bold" panose="00000900000000000000" pitchFamily="50" charset="0"/>
-                <a:ea typeface="+mj-ea"/>
-                <a:cs typeface="+mj-cs"/>
-              </a:rPr>
-              <a:t>Recombination is applied to two or more selected parents ( = selected solutions) and results in one or more </a:t>
-            </a:r>
-            <a:r>
-              <a:rPr lang="en-US" sz="2800" dirty="0" err="1">
-                <a:solidFill>
-                  <a:schemeClr val="tx1">
-                    <a:lumMod val="65000"/>
-                    <a:lumOff val="35000"/>
-                  </a:schemeClr>
-                </a:solidFill>
-                <a:latin typeface="Montserrat Extra Bold" panose="00000900000000000000" pitchFamily="50" charset="0"/>
-                <a:ea typeface="+mj-ea"/>
-                <a:cs typeface="+mj-cs"/>
-              </a:rPr>
-              <a:t>offsprings</a:t>
-            </a:r>
-            <a:r>
-              <a:rPr lang="en-US" sz="2800" dirty="0">
-                <a:solidFill>
-                  <a:schemeClr val="tx1">
-                    <a:lumMod val="65000"/>
-                    <a:lumOff val="35000"/>
-                  </a:schemeClr>
-                </a:solidFill>
-                <a:latin typeface="Montserrat Extra Bold" panose="00000900000000000000" pitchFamily="50" charset="0"/>
-                <a:ea typeface="+mj-ea"/>
-                <a:cs typeface="+mj-cs"/>
-              </a:rPr>
-              <a:t> </a:t>
-            </a:r>
-            <a:r>
-              <a:rPr lang="en-US" sz="2800" dirty="0">
-                <a:solidFill>
-                  <a:schemeClr val="tx1">
-                    <a:lumMod val="65000"/>
-                    <a:lumOff val="35000"/>
-                  </a:schemeClr>
-                </a:solidFill>
-                <a:latin typeface="Montserrat Extra Bold" panose="00000900000000000000" pitchFamily="50" charset="0"/>
-              </a:rPr>
-              <a:t>( = new solutions) </a:t>
-            </a:r>
-            <a:r>
-              <a:rPr lang="en-US" sz="2800" dirty="0">
-                <a:solidFill>
-                  <a:schemeClr val="tx1">
-                    <a:lumMod val="65000"/>
-                    <a:lumOff val="35000"/>
-                  </a:schemeClr>
-                </a:solidFill>
-                <a:latin typeface="Montserrat Extra Bold" panose="00000900000000000000" pitchFamily="50" charset="0"/>
-                <a:ea typeface="+mj-ea"/>
-                <a:cs typeface="+mj-cs"/>
-              </a:rPr>
-              <a:t>that may undergo a mutation.  </a:t>
-            </a:r>
-          </a:p>
-          <a:p>
-            <a:pPr marL="457200" indent="-457200" algn="just">
-              <a:buFont typeface="Arial" panose="020B0604020202020204" pitchFamily="34" charset="0"/>
-              <a:buChar char="•"/>
-            </a:pPr>
-            <a:r>
-              <a:rPr lang="en-US" sz="2800" dirty="0">
-                <a:solidFill>
-                  <a:schemeClr val="tx1">
-                    <a:lumMod val="65000"/>
-                    <a:lumOff val="35000"/>
-                  </a:schemeClr>
-                </a:solidFill>
-                <a:latin typeface="Montserrat Extra Bold" panose="00000900000000000000" pitchFamily="50" charset="0"/>
-                <a:ea typeface="+mj-ea"/>
-                <a:cs typeface="+mj-cs"/>
-              </a:rPr>
-              <a:t>Based on their fitness, the </a:t>
-            </a:r>
-            <a:r>
-              <a:rPr lang="en-US" sz="2800" dirty="0" err="1">
-                <a:solidFill>
-                  <a:schemeClr val="tx1">
-                    <a:lumMod val="65000"/>
-                    <a:lumOff val="35000"/>
-                  </a:schemeClr>
-                </a:solidFill>
-                <a:latin typeface="Montserrat Extra Bold" panose="00000900000000000000" pitchFamily="50" charset="0"/>
-                <a:ea typeface="+mj-ea"/>
-                <a:cs typeface="+mj-cs"/>
-              </a:rPr>
-              <a:t>offsprings</a:t>
-            </a:r>
-            <a:r>
-              <a:rPr lang="en-US" sz="2800" dirty="0">
-                <a:solidFill>
-                  <a:schemeClr val="tx1">
-                    <a:lumMod val="65000"/>
-                    <a:lumOff val="35000"/>
-                  </a:schemeClr>
-                </a:solidFill>
-                <a:latin typeface="Montserrat Extra Bold" panose="00000900000000000000" pitchFamily="50" charset="0"/>
-                <a:ea typeface="+mj-ea"/>
-                <a:cs typeface="+mj-cs"/>
-              </a:rPr>
-              <a:t> compete with the old candidates for a place in the next generation. </a:t>
-            </a:r>
-          </a:p>
-          <a:p>
-            <a:pPr marL="457200" indent="-457200" algn="just">
-              <a:buFont typeface="Arial" panose="020B0604020202020204" pitchFamily="34" charset="0"/>
-              <a:buChar char="•"/>
-            </a:pPr>
-            <a:r>
-              <a:rPr lang="en-US" sz="2800" dirty="0">
-                <a:solidFill>
-                  <a:schemeClr val="tx1">
-                    <a:lumMod val="65000"/>
-                    <a:lumOff val="35000"/>
-                  </a:schemeClr>
-                </a:solidFill>
-                <a:latin typeface="Montserrat Extra Bold" panose="00000900000000000000" pitchFamily="50" charset="0"/>
-                <a:ea typeface="+mj-ea"/>
-                <a:cs typeface="+mj-cs"/>
-              </a:rPr>
-              <a:t>The process is iterated until a candidate with sufficient quality ( = a non-dominated solution) is found. </a:t>
             </a:r>
           </a:p>
         </p:txBody>
@@ -6552,10 +6062,10 @@
         </p:nvGrpSpPr>
         <p:grpSpPr>
           <a:xfrm>
-            <a:off x="629151" y="21695526"/>
-            <a:ext cx="6848080" cy="7607250"/>
-            <a:chOff x="8398848" y="20749818"/>
-            <a:chExt cx="6848080" cy="7607250"/>
+            <a:off x="4239064" y="22139194"/>
+            <a:ext cx="10743228" cy="9120685"/>
+            <a:chOff x="7947906" y="20895544"/>
+            <a:chExt cx="10743228" cy="9120685"/>
           </a:xfrm>
         </p:grpSpPr>
         <p:pic>
@@ -6591,8 +6101,8 @@
           </p:blipFill>
           <p:spPr>
             <a:xfrm>
-              <a:off x="8398848" y="20749818"/>
-              <a:ext cx="6848080" cy="2568030"/>
+              <a:off x="12851688" y="20895544"/>
+              <a:ext cx="5839446" cy="2189793"/>
             </a:xfrm>
             <a:prstGeom prst="rect">
               <a:avLst/>
@@ -6632,8 +6142,8 @@
           </p:blipFill>
           <p:spPr>
             <a:xfrm>
-              <a:off x="8920035" y="23990198"/>
-              <a:ext cx="5956099" cy="3836132"/>
+              <a:off x="7947906" y="24599799"/>
+              <a:ext cx="7299021" cy="4701065"/>
             </a:xfrm>
             <a:prstGeom prst="rect">
               <a:avLst/>
@@ -6654,8 +6164,8 @@
           </p:nvSpPr>
           <p:spPr>
             <a:xfrm>
-              <a:off x="8951983" y="27956958"/>
-              <a:ext cx="5618535" cy="400110"/>
+              <a:off x="8280642" y="29554564"/>
+              <a:ext cx="7839469" cy="461665"/>
             </a:xfrm>
             <a:prstGeom prst="rect">
               <a:avLst/>
@@ -6674,7 +6184,7 @@
             <a:p>
               <a:pPr algn="just"/>
               <a:r>
-                <a:rPr lang="en-US" sz="2000" b="1" dirty="0">
+                <a:rPr lang="en-US" sz="2400" b="1" dirty="0">
                   <a:solidFill>
                     <a:schemeClr val="tx1">
                       <a:lumMod val="65000"/>
@@ -6688,7 +6198,7 @@
                 <a:t>Figure 3. </a:t>
               </a:r>
               <a:r>
-                <a:rPr lang="en-US" dirty="0">
+                <a:rPr lang="en-US" sz="2400" dirty="0">
                   <a:solidFill>
                     <a:schemeClr val="tx1">
                       <a:lumMod val="65000"/>
@@ -6701,17 +6211,6 @@
                 </a:rPr>
                 <a:t>A general scheme of an Evolutionary Algorithm</a:t>
               </a:r>
-              <a:endParaRPr lang="en-US" sz="2000" dirty="0">
-                <a:solidFill>
-                  <a:schemeClr val="tx1">
-                    <a:lumMod val="65000"/>
-                    <a:lumOff val="35000"/>
-                  </a:schemeClr>
-                </a:solidFill>
-                <a:latin typeface="Montserrat Extra Bold" panose="00000900000000000000" pitchFamily="50" charset="0"/>
-                <a:ea typeface="+mj-ea"/>
-                <a:cs typeface="+mj-cs"/>
-              </a:endParaRPr>
             </a:p>
           </p:txBody>
         </p:sp>
@@ -6730,10 +6229,10 @@
         </p:nvGrpSpPr>
         <p:grpSpPr>
           <a:xfrm>
-            <a:off x="21022533" y="7972524"/>
-            <a:ext cx="7688248" cy="6239685"/>
+            <a:off x="21500527" y="7622130"/>
+            <a:ext cx="7307484" cy="5992120"/>
             <a:chOff x="21249652" y="8084002"/>
-            <a:chExt cx="7688248" cy="6239685"/>
+            <a:chExt cx="7719670" cy="6280579"/>
           </a:xfrm>
         </p:grpSpPr>
         <p:grpSp>
@@ -7323,8 +6822,8 @@
               </p:nvSpPr>
               <p:spPr>
                 <a:xfrm>
-                  <a:off x="21894478" y="13615801"/>
-                  <a:ext cx="7043422" cy="707886"/>
+                  <a:off x="21921108" y="13533584"/>
+                  <a:ext cx="7048214" cy="830997"/>
                 </a:xfrm>
                 <a:prstGeom prst="rect">
                   <a:avLst/>
@@ -7342,7 +6841,7 @@
                 </a:lstStyle>
                 <a:p>
                   <a:r>
-                    <a:rPr lang="en-US" sz="2000" b="1" dirty="0">
+                    <a:rPr lang="en-US" sz="2400" b="1" dirty="0">
                       <a:solidFill>
                         <a:schemeClr val="tx1">
                           <a:lumMod val="65000"/>
@@ -7356,7 +6855,7 @@
                     <a:t>Figure 5. </a:t>
                   </a:r>
                   <a:r>
-                    <a:rPr lang="en-US" dirty="0">
+                    <a:rPr lang="en-US" sz="2400" dirty="0">
                       <a:solidFill>
                         <a:schemeClr val="tx1">
                           <a:lumMod val="65000"/>
@@ -7374,7 +6873,7 @@
                       <m:sSub>
                         <m:sSubPr>
                           <m:ctrlPr>
-                            <a:rPr lang="en-US" i="1">
+                            <a:rPr lang="en-US" sz="2400" i="1">
                               <a:solidFill>
                                 <a:schemeClr val="tx1">
                                   <a:lumMod val="65000"/>
@@ -7389,7 +6888,7 @@
                         </m:sSubPr>
                         <m:e>
                           <m:r>
-                            <a:rPr lang="en-US">
+                            <a:rPr lang="en-US" sz="2400">
                               <a:solidFill>
                                 <a:schemeClr val="tx1">
                                   <a:lumMod val="65000"/>
@@ -7406,7 +6905,7 @@
                             <m:rPr>
                               <m:sty m:val="p"/>
                             </m:rPr>
-                            <a:rPr lang="en-US">
+                            <a:rPr lang="en-US" sz="2400">
                               <a:solidFill>
                                 <a:schemeClr val="tx1">
                                   <a:lumMod val="65000"/>
@@ -7420,7 +6919,7 @@
                             <m:t>S</m:t>
                           </m:r>
                           <m:r>
-                            <a:rPr lang="en-US">
+                            <a:rPr lang="en-US" sz="2400">
                               <a:solidFill>
                                 <a:schemeClr val="tx1">
                                   <a:lumMod val="65000"/>
@@ -7436,7 +6935,7 @@
                         </m:e>
                         <m:sub>
                           <m:r>
-                            <a:rPr lang="en-US">
+                            <a:rPr lang="en-US" sz="2400">
                               <a:solidFill>
                                 <a:schemeClr val="tx1">
                                   <a:lumMod val="65000"/>
@@ -7454,7 +6953,7 @@
                     </m:oMath>
                   </a14:m>
                   <a:r>
-                    <a:rPr lang="en-US" sz="2000" dirty="0">
+                    <a:rPr lang="en-US" sz="2400" dirty="0">
                       <a:solidFill>
                         <a:schemeClr val="tx1">
                           <a:lumMod val="65000"/>
@@ -7488,8 +6987,8 @@
               </p:nvSpPr>
               <p:spPr>
                 <a:xfrm>
-                  <a:off x="21894478" y="13615801"/>
-                  <a:ext cx="7043422" cy="707886"/>
+                  <a:off x="21921108" y="13533584"/>
+                  <a:ext cx="7048214" cy="830997"/>
                 </a:xfrm>
                 <a:prstGeom prst="rect">
                   <a:avLst/>
@@ -7497,7 +6996,7 @@
                 <a:blipFill>
                   <a:blip r:embed="rId15"/>
                   <a:stretch>
-                    <a:fillRect l="-719" t="-3509" b="-14035"/>
+                    <a:fillRect l="-1331" t="-6349" b="-19048"/>
                   </a:stretch>
                 </a:blipFill>
               </p:spPr>
@@ -7531,10 +7030,10 @@
         </p:nvGrpSpPr>
         <p:grpSpPr>
           <a:xfrm>
-            <a:off x="21934187" y="14784650"/>
-            <a:ext cx="6119141" cy="4526686"/>
+            <a:off x="15215993" y="13874244"/>
+            <a:ext cx="7096564" cy="4940653"/>
             <a:chOff x="21901636" y="14416090"/>
-            <a:chExt cx="6119141" cy="4526686"/>
+            <a:chExt cx="6724366" cy="4381561"/>
           </a:xfrm>
         </p:grpSpPr>
         <p:grpSp>
@@ -8121,8 +7620,8 @@
               </p:nvSpPr>
               <p:spPr>
                 <a:xfrm>
-                  <a:off x="22783936" y="17957891"/>
-                  <a:ext cx="5236841" cy="984885"/>
+                  <a:off x="22560079" y="17733153"/>
+                  <a:ext cx="6065923" cy="1064498"/>
                 </a:xfrm>
                 <a:prstGeom prst="rect">
                   <a:avLst/>
@@ -8140,7 +7639,7 @@
                 </a:lstStyle>
                 <a:p>
                   <a:r>
-                    <a:rPr lang="en-US" sz="2000" b="1" dirty="0">
+                    <a:rPr lang="en-US" sz="2400" b="1" dirty="0">
                       <a:solidFill>
                         <a:schemeClr val="tx1">
                           <a:lumMod val="65000"/>
@@ -8154,7 +7653,7 @@
                     <a:t>Figure 6. </a:t>
                   </a:r>
                   <a:r>
-                    <a:rPr lang="en-US" dirty="0">
+                    <a:rPr lang="en-US" sz="2400" dirty="0">
                       <a:solidFill>
                         <a:schemeClr val="tx1">
                           <a:lumMod val="65000"/>
@@ -8165,14 +7664,14 @@
                       <a:ea typeface="+mj-ea"/>
                       <a:cs typeface="+mj-cs"/>
                     </a:rPr>
-                    <a:t>A comparison between the calculated and the actual leak rate in Co9/9 arrangement for several </a:t>
+                    <a:t>A comparison between the calculated and the actual leak rate in “Co9/9” arrangement for several </a:t>
                   </a:r>
                   <a14:m>
                     <m:oMath xmlns:m="http://schemas.openxmlformats.org/officeDocument/2006/math">
                       <m:sSub>
                         <m:sSubPr>
                           <m:ctrlPr>
-                            <a:rPr lang="en-US" i="1">
+                            <a:rPr lang="en-US" sz="2400" i="1">
                               <a:solidFill>
                                 <a:schemeClr val="tx1">
                                   <a:lumMod val="65000"/>
@@ -8187,7 +7686,7 @@
                         </m:sSubPr>
                         <m:e>
                           <m:r>
-                            <a:rPr lang="en-US">
+                            <a:rPr lang="en-US" sz="2400">
                               <a:solidFill>
                                 <a:schemeClr val="tx1">
                                   <a:lumMod val="65000"/>
@@ -8204,7 +7703,7 @@
                             <m:rPr>
                               <m:sty m:val="p"/>
                             </m:rPr>
-                            <a:rPr lang="en-US">
+                            <a:rPr lang="en-US" sz="2400">
                               <a:solidFill>
                                 <a:schemeClr val="tx1">
                                   <a:lumMod val="65000"/>
@@ -8218,7 +7717,7 @@
                             <m:t>S</m:t>
                           </m:r>
                           <m:r>
-                            <a:rPr lang="en-US">
+                            <a:rPr lang="en-US" sz="2400">
                               <a:solidFill>
                                 <a:schemeClr val="tx1">
                                   <a:lumMod val="65000"/>
@@ -8234,7 +7733,7 @@
                         </m:e>
                         <m:sub>
                           <m:r>
-                            <a:rPr lang="en-US">
+                            <a:rPr lang="en-US" sz="2400">
                               <a:solidFill>
                                 <a:schemeClr val="tx1">
                                   <a:lumMod val="65000"/>
@@ -8252,7 +7751,7 @@
                     </m:oMath>
                   </a14:m>
                   <a:r>
-                    <a:rPr lang="en-US" sz="2000" dirty="0">
+                    <a:rPr lang="en-US" sz="2400" dirty="0">
                       <a:solidFill>
                         <a:schemeClr val="tx1">
                           <a:lumMod val="65000"/>
@@ -8286,8 +7785,8 @@
               </p:nvSpPr>
               <p:spPr>
                 <a:xfrm>
-                  <a:off x="22783936" y="17957891"/>
-                  <a:ext cx="5236841" cy="984885"/>
+                  <a:off x="22560079" y="17733153"/>
+                  <a:ext cx="6065923" cy="1064498"/>
                 </a:xfrm>
                 <a:prstGeom prst="rect">
                   <a:avLst/>
@@ -8295,7 +7794,7 @@
                 <a:blipFill>
                   <a:blip r:embed="rId17"/>
                   <a:stretch>
-                    <a:fillRect l="-1211" t="-2532" b="-7595"/>
+                    <a:fillRect l="-1386" t="-4211" b="-10526"/>
                   </a:stretch>
                 </a:blipFill>
               </p:spPr>
@@ -8329,10 +7828,10 @@
         </p:nvGrpSpPr>
         <p:grpSpPr>
           <a:xfrm>
-            <a:off x="20871847" y="20483643"/>
-            <a:ext cx="8314321" cy="7908129"/>
+            <a:off x="21273680" y="19632531"/>
+            <a:ext cx="7901734" cy="7863881"/>
             <a:chOff x="20871847" y="18934720"/>
-            <a:chExt cx="8314321" cy="7908129"/>
+            <a:chExt cx="8314321" cy="8040249"/>
           </a:xfrm>
         </p:grpSpPr>
         <p:grpSp>
@@ -8835,7 +8334,7 @@
               <p:spPr>
                 <a:xfrm>
                   <a:off x="21821589" y="25328524"/>
-                  <a:ext cx="7105426" cy="1514325"/>
+                  <a:ext cx="7105426" cy="1646445"/>
                 </a:xfrm>
                 <a:prstGeom prst="rect">
                   <a:avLst/>
@@ -8853,7 +8352,7 @@
                 </a:lstStyle>
                 <a:p>
                   <a:r>
-                    <a:rPr lang="en-US" sz="2000" b="1" dirty="0">
+                    <a:rPr lang="en-US" sz="2400" b="1" dirty="0">
                       <a:solidFill>
                         <a:schemeClr val="tx1">
                           <a:lumMod val="65000"/>
@@ -8867,7 +8366,7 @@
                     <a:t>Figure 7</a:t>
                   </a:r>
                   <a:r>
-                    <a:rPr lang="en-US" dirty="0">
+                    <a:rPr lang="en-US" sz="2400" dirty="0">
                       <a:solidFill>
                         <a:schemeClr val="tx1">
                           <a:lumMod val="65000"/>
@@ -8885,7 +8384,7 @@
                       <m:sSub>
                         <m:sSubPr>
                           <m:ctrlPr>
-                            <a:rPr lang="en-US" i="1">
+                            <a:rPr lang="en-US" sz="2400" i="1">
                               <a:solidFill>
                                 <a:schemeClr val="tx1">
                                   <a:lumMod val="65000"/>
@@ -8898,7 +8397,7 @@
                         </m:sSubPr>
                         <m:e>
                           <m:r>
-                            <a:rPr lang="en-US">
+                            <a:rPr lang="en-US" sz="2400">
                               <a:solidFill>
                                 <a:schemeClr val="tx1">
                                   <a:lumMod val="65000"/>
@@ -8913,7 +8412,7 @@
                             <m:rPr>
                               <m:sty m:val="p"/>
                             </m:rPr>
-                            <a:rPr lang="en-US">
+                            <a:rPr lang="en-US" sz="2400">
                               <a:solidFill>
                                 <a:schemeClr val="tx1">
                                   <a:lumMod val="65000"/>
@@ -8925,7 +8424,7 @@
                             <m:t>S</m:t>
                           </m:r>
                           <m:r>
-                            <a:rPr lang="en-US">
+                            <a:rPr lang="en-US" sz="2400">
                               <a:solidFill>
                                 <a:schemeClr val="tx1">
                                   <a:lumMod val="65000"/>
@@ -8939,7 +8438,7 @@
                         </m:e>
                         <m:sub>
                           <m:r>
-                            <a:rPr lang="en-US">
+                            <a:rPr lang="en-US" sz="2400">
                               <a:solidFill>
                                 <a:schemeClr val="tx1">
                                   <a:lumMod val="65000"/>
@@ -8955,7 +8454,7 @@
                     </m:oMath>
                   </a14:m>
                   <a:r>
-                    <a:rPr lang="en-US" sz="2000" dirty="0">
+                    <a:rPr lang="en-US" sz="2400" dirty="0">
                       <a:solidFill>
                         <a:schemeClr val="tx1">
                           <a:lumMod val="65000"/>
@@ -8967,7 +8466,7 @@
                     <a:t>.</a:t>
                   </a:r>
                   <a:r>
-                    <a:rPr lang="en-US" dirty="0">
+                    <a:rPr lang="en-US" sz="2400" dirty="0">
                       <a:solidFill>
                         <a:schemeClr val="tx1">
                           <a:lumMod val="65000"/>
@@ -8978,12 +8477,12 @@
                       <a:ea typeface="+mj-ea"/>
                       <a:cs typeface="+mj-cs"/>
                     </a:rPr>
-                    <a:t> a) “L9/9”, b) “Co9/9”, c) “Co9/6”, d) “L9/6”. High PED values presented in yellow color are a result of a large effect of NAS on the sensor network readings. Figures are truncated at </a:t>
+                    <a:t> a) “L9/9”, b) “Co9/9”, c) “Co9/6”, d) “L9/6”. Figures are truncated at </a:t>
                   </a:r>
                   <a14:m>
                     <m:oMath xmlns:m="http://schemas.openxmlformats.org/officeDocument/2006/math">
                       <m:r>
-                        <a:rPr lang="en-US">
+                        <a:rPr lang="en-US" sz="2400">
                           <a:solidFill>
                             <a:schemeClr val="tx1">
                               <a:lumMod val="65000"/>
@@ -8997,7 +8496,7 @@
                         <m:t>𝑃𝐸𝐷</m:t>
                       </m:r>
                       <m:r>
-                        <a:rPr lang="en-US">
+                        <a:rPr lang="en-US" sz="2400">
                           <a:solidFill>
                             <a:schemeClr val="tx1">
                               <a:lumMod val="65000"/>
@@ -9013,7 +8512,7 @@
                       <m:sSup>
                         <m:sSupPr>
                           <m:ctrlPr>
-                            <a:rPr lang="en-US" i="1">
+                            <a:rPr lang="en-US" sz="2400" i="1">
                               <a:solidFill>
                                 <a:schemeClr val="tx1">
                                   <a:lumMod val="65000"/>
@@ -9028,7 +8527,7 @@
                         </m:sSupPr>
                         <m:e>
                           <m:r>
-                            <a:rPr lang="en-US">
+                            <a:rPr lang="en-US" sz="2400">
                               <a:solidFill>
                                 <a:schemeClr val="tx1">
                                   <a:lumMod val="65000"/>
@@ -9044,7 +8543,7 @@
                         </m:e>
                         <m:sup>
                           <m:r>
-                            <a:rPr lang="en-US">
+                            <a:rPr lang="en-US" sz="2400">
                               <a:solidFill>
                                 <a:schemeClr val="tx1">
                                   <a:lumMod val="65000"/>
@@ -9060,7 +8559,7 @@
                         </m:sup>
                       </m:sSup>
                       <m:r>
-                        <a:rPr lang="en-US">
+                        <a:rPr lang="en-US" sz="2400">
                           <a:solidFill>
                             <a:schemeClr val="tx1">
                               <a:lumMod val="65000"/>
@@ -9076,7 +8575,7 @@
                     </m:oMath>
                   </a14:m>
                   <a:r>
-                    <a:rPr lang="en-US" dirty="0">
+                    <a:rPr lang="en-US" sz="2400" dirty="0">
                       <a:solidFill>
                         <a:schemeClr val="tx1">
                           <a:lumMod val="65000"/>
@@ -9111,7 +8610,7 @@
               <p:spPr>
                 <a:xfrm>
                   <a:off x="21821589" y="25328524"/>
-                  <a:ext cx="7105426" cy="1514325"/>
+                  <a:ext cx="7105426" cy="1646445"/>
                 </a:xfrm>
                 <a:prstGeom prst="rect">
                   <a:avLst/>
@@ -9119,7 +8618,7 @@
                 <a:blipFill>
                   <a:blip r:embed="rId19"/>
                   <a:stretch>
-                    <a:fillRect l="-713" t="-1653" b="-4959"/>
+                    <a:fillRect l="-1313" t="-3125" b="-4688"/>
                   </a:stretch>
                 </a:blipFill>
               </p:spPr>
@@ -9153,10 +8652,10 @@
         </p:nvGrpSpPr>
         <p:grpSpPr>
           <a:xfrm>
-            <a:off x="9149101" y="6687911"/>
-            <a:ext cx="5301764" cy="3978516"/>
-            <a:chOff x="9223476" y="6529853"/>
-            <a:chExt cx="5301764" cy="3978516"/>
+            <a:off x="7548714" y="6650824"/>
+            <a:ext cx="6927397" cy="4658449"/>
+            <a:chOff x="9259098" y="6529853"/>
+            <a:chExt cx="5301763" cy="3903891"/>
           </a:xfrm>
         </p:grpSpPr>
         <p:pic>
@@ -9203,8 +8702,8 @@
           </p:nvSpPr>
           <p:spPr>
             <a:xfrm>
-              <a:off x="9223476" y="9831261"/>
-              <a:ext cx="5301763" cy="677108"/>
+              <a:off x="9259098" y="9781308"/>
+              <a:ext cx="5301763" cy="652436"/>
             </a:xfrm>
             <a:prstGeom prst="rect">
               <a:avLst/>
@@ -9223,7 +8722,7 @@
             <a:p>
               <a:pPr algn="just"/>
               <a:r>
-                <a:rPr lang="en-US" sz="2000" b="1" dirty="0">
+                <a:rPr lang="en-US" sz="2400" b="1" dirty="0">
                   <a:solidFill>
                     <a:schemeClr val="tx1">
                       <a:lumMod val="65000"/>
@@ -9237,7 +8736,7 @@
                 <a:t>Figure 1. </a:t>
               </a:r>
               <a:r>
-                <a:rPr lang="en-US" dirty="0">
+                <a:rPr lang="en-US" sz="2400" dirty="0">
                   <a:solidFill>
                     <a:schemeClr val="tx1">
                       <a:lumMod val="65000"/>
@@ -9250,1287 +8749,10 @@
                 </a:rPr>
                 <a:t>Example of a source and a network of sensor (﻿Hutchinson et. al., 2017).  </a:t>
               </a:r>
-              <a:endParaRPr lang="en-US" sz="2000" dirty="0">
-                <a:solidFill>
-                  <a:schemeClr val="tx1">
-                    <a:lumMod val="65000"/>
-                    <a:lumOff val="35000"/>
-                  </a:schemeClr>
-                </a:solidFill>
-                <a:latin typeface="Montserrat Extra Bold" panose="00000900000000000000" pitchFamily="50" charset="0"/>
-                <a:ea typeface="+mj-ea"/>
-                <a:cs typeface="+mj-cs"/>
-              </a:endParaRPr>
             </a:p>
           </p:txBody>
         </p:sp>
       </p:grpSp>
-      <p:grpSp>
-        <p:nvGrpSpPr>
-          <p:cNvPr id="8" name="Group 7">
-            <a:extLst>
-              <a:ext uri="{FF2B5EF4-FFF2-40B4-BE49-F238E27FC236}">
-                <a16:creationId xmlns:a16="http://schemas.microsoft.com/office/drawing/2014/main" id="{EDD7E8D3-38AB-DD43-ABCD-3897E7D424CC}"/>
-              </a:ext>
-            </a:extLst>
-          </p:cNvPr>
-          <p:cNvGrpSpPr/>
-          <p:nvPr/>
-        </p:nvGrpSpPr>
-        <p:grpSpPr>
-          <a:xfrm>
-            <a:off x="11197484" y="16918523"/>
-            <a:ext cx="3261755" cy="4090586"/>
-            <a:chOff x="11206393" y="16865485"/>
-            <a:chExt cx="3261755" cy="4090586"/>
-          </a:xfrm>
-        </p:grpSpPr>
-        <p:grpSp>
-          <p:nvGrpSpPr>
-            <p:cNvPr id="7" name="Group 6">
-              <a:extLst>
-                <a:ext uri="{FF2B5EF4-FFF2-40B4-BE49-F238E27FC236}">
-                  <a16:creationId xmlns:a16="http://schemas.microsoft.com/office/drawing/2014/main" id="{D894F9FA-6EB8-F141-A160-C25A3DCFBF98}"/>
-                </a:ext>
-              </a:extLst>
-            </p:cNvPr>
-            <p:cNvGrpSpPr/>
-            <p:nvPr/>
-          </p:nvGrpSpPr>
-          <p:grpSpPr>
-            <a:xfrm>
-              <a:off x="11206393" y="16865485"/>
-              <a:ext cx="3261755" cy="4090586"/>
-              <a:chOff x="14626681" y="17979733"/>
-              <a:chExt cx="3261755" cy="4090586"/>
-            </a:xfrm>
-          </p:grpSpPr>
-          <p:grpSp>
-            <p:nvGrpSpPr>
-              <p:cNvPr id="390" name="Group 389">
-                <a:extLst>
-                  <a:ext uri="{FF2B5EF4-FFF2-40B4-BE49-F238E27FC236}">
-                    <a16:creationId xmlns:a16="http://schemas.microsoft.com/office/drawing/2014/main" id="{088447C8-1714-9B4B-8788-2229995CDAE0}"/>
-                  </a:ext>
-                </a:extLst>
-              </p:cNvPr>
-              <p:cNvGrpSpPr/>
-              <p:nvPr/>
-            </p:nvGrpSpPr>
-            <p:grpSpPr>
-              <a:xfrm>
-                <a:off x="14626681" y="17979733"/>
-                <a:ext cx="3261755" cy="4090586"/>
-                <a:chOff x="11244522" y="18789676"/>
-                <a:chExt cx="3261755" cy="4090586"/>
-              </a:xfrm>
-            </p:grpSpPr>
-            <p:grpSp>
-              <p:nvGrpSpPr>
-                <p:cNvPr id="360" name="Group 359">
-                  <a:extLst>
-                    <a:ext uri="{FF2B5EF4-FFF2-40B4-BE49-F238E27FC236}">
-                      <a16:creationId xmlns:a16="http://schemas.microsoft.com/office/drawing/2014/main" id="{88CD6841-171E-514C-B1F8-267E80F2D571}"/>
-                    </a:ext>
-                  </a:extLst>
-                </p:cNvPr>
-                <p:cNvGrpSpPr/>
-                <p:nvPr/>
-              </p:nvGrpSpPr>
-              <p:grpSpPr>
-                <a:xfrm>
-                  <a:off x="11244522" y="18789676"/>
-                  <a:ext cx="3261755" cy="4090586"/>
-                  <a:chOff x="10991702" y="28681472"/>
-                  <a:chExt cx="3261755" cy="4090586"/>
-                </a:xfrm>
-              </p:grpSpPr>
-              <p:pic>
-                <p:nvPicPr>
-                  <p:cNvPr id="41" name="תמונה 1">
-                    <a:extLst>
-                      <a:ext uri="{FF2B5EF4-FFF2-40B4-BE49-F238E27FC236}">
-                        <a16:creationId xmlns:a16="http://schemas.microsoft.com/office/drawing/2014/main" id="{DCB2C906-AB34-A144-BB3A-54DD21286D1C}"/>
-                      </a:ext>
-                    </a:extLst>
-                  </p:cNvPr>
-                  <p:cNvPicPr>
-                    <a:picLocks noChangeAspect="1"/>
-                  </p:cNvPicPr>
-                  <p:nvPr/>
-                </p:nvPicPr>
-                <p:blipFill rotWithShape="1">
-                  <a:blip r:embed="rId21"/>
-                  <a:srcRect l="31867" t="6328" r="31249" b="23953"/>
-                  <a:stretch/>
-                </p:blipFill>
-                <p:spPr>
-                  <a:xfrm>
-                    <a:off x="11100391" y="28681472"/>
-                    <a:ext cx="3150031" cy="3039250"/>
-                  </a:xfrm>
-                  <a:prstGeom prst="rect">
-                    <a:avLst/>
-                  </a:prstGeom>
-                  <a:effectLst>
-                    <a:outerShdw blurRad="50800" dist="38100" dir="8100000" algn="tr" rotWithShape="0">
-                      <a:prstClr val="black">
-                        <a:alpha val="40000"/>
-                      </a:prstClr>
-                    </a:outerShdw>
-                  </a:effectLst>
-                </p:spPr>
-              </p:pic>
-              <p:sp>
-                <p:nvSpPr>
-                  <p:cNvPr id="359" name="TextBox 358">
-                    <a:extLst>
-                      <a:ext uri="{FF2B5EF4-FFF2-40B4-BE49-F238E27FC236}">
-                        <a16:creationId xmlns:a16="http://schemas.microsoft.com/office/drawing/2014/main" id="{C9622A02-DED3-7F49-8542-7E0ED6D00883}"/>
-                      </a:ext>
-                    </a:extLst>
-                  </p:cNvPr>
-                  <p:cNvSpPr txBox="1"/>
-                  <p:nvPr/>
-                </p:nvSpPr>
-                <p:spPr>
-                  <a:xfrm>
-                    <a:off x="10991702" y="31817949"/>
-                    <a:ext cx="3261755" cy="954109"/>
-                  </a:xfrm>
-                  <a:prstGeom prst="rect">
-                    <a:avLst/>
-                  </a:prstGeom>
-                  <a:noFill/>
-                </p:spPr>
-                <p:txBody>
-                  <a:bodyPr wrap="square" rtlCol="0">
-                    <a:spAutoFit/>
-                  </a:bodyPr>
-                  <a:lstStyle>
-                    <a:defPPr>
-                      <a:defRPr kern="1200" smtId="4294967295"/>
-                    </a:defPPr>
-                  </a:lstStyle>
-                  <a:p>
-                    <a:r>
-                      <a:rPr lang="en-US" sz="2000" b="1" dirty="0">
-                        <a:solidFill>
-                          <a:schemeClr val="tx1">
-                            <a:lumMod val="65000"/>
-                            <a:lumOff val="35000"/>
-                          </a:schemeClr>
-                        </a:solidFill>
-                        <a:latin typeface="Montserrat Extra Bold" panose="00000900000000000000" pitchFamily="50" charset="0"/>
-                        <a:ea typeface="+mj-ea"/>
-                        <a:cs typeface="+mj-cs"/>
-                      </a:rPr>
-                      <a:t>Figure 2. </a:t>
-                    </a:r>
-                    <a:r>
-                      <a:rPr lang="en-US" sz="2000" dirty="0">
-                        <a:solidFill>
-                          <a:schemeClr val="tx1">
-                            <a:lumMod val="65000"/>
-                            <a:lumOff val="35000"/>
-                          </a:schemeClr>
-                        </a:solidFill>
-                        <a:latin typeface="Montserrat Extra Bold" panose="00000900000000000000" pitchFamily="50" charset="0"/>
-                        <a:ea typeface="+mj-ea"/>
-                        <a:cs typeface="+mj-cs"/>
-                      </a:rPr>
-                      <a:t>Example of </a:t>
-                    </a:r>
-                    <a:r>
-                      <a:rPr lang="en-US" dirty="0">
-                        <a:solidFill>
-                          <a:schemeClr val="tx1">
-                            <a:lumMod val="65000"/>
-                            <a:lumOff val="35000"/>
-                          </a:schemeClr>
-                        </a:solidFill>
-                        <a:latin typeface="Montserrat Extra Bold" panose="00000900000000000000" pitchFamily="50" charset="0"/>
-                        <a:ea typeface="+mj-ea"/>
-                        <a:cs typeface="+mj-cs"/>
-                      </a:rPr>
-                      <a:t>tradeoff between two objectives and the Pareto frontier</a:t>
-                    </a:r>
-                    <a:endParaRPr lang="en-US" sz="2000" dirty="0">
-                      <a:solidFill>
-                        <a:schemeClr val="tx1">
-                          <a:lumMod val="65000"/>
-                          <a:lumOff val="35000"/>
-                        </a:schemeClr>
-                      </a:solidFill>
-                      <a:latin typeface="Montserrat Extra Bold" panose="00000900000000000000" pitchFamily="50" charset="0"/>
-                      <a:ea typeface="+mj-ea"/>
-                      <a:cs typeface="+mj-cs"/>
-                    </a:endParaRPr>
-                  </a:p>
-                </p:txBody>
-              </p:sp>
-            </p:grpSp>
-            <p:grpSp>
-              <p:nvGrpSpPr>
-                <p:cNvPr id="384" name="Group 383">
-                  <a:extLst>
-                    <a:ext uri="{FF2B5EF4-FFF2-40B4-BE49-F238E27FC236}">
-                      <a16:creationId xmlns:a16="http://schemas.microsoft.com/office/drawing/2014/main" id="{2C19EAA5-23EE-764D-A4DB-ED68F8A72A62}"/>
-                    </a:ext>
-                  </a:extLst>
-                </p:cNvPr>
-                <p:cNvGrpSpPr/>
-                <p:nvPr/>
-              </p:nvGrpSpPr>
-              <p:grpSpPr>
-                <a:xfrm>
-                  <a:off x="13055875" y="19073228"/>
-                  <a:ext cx="1141874" cy="769441"/>
-                  <a:chOff x="12982496" y="19495658"/>
-                  <a:chExt cx="1141874" cy="769441"/>
-                </a:xfrm>
-              </p:grpSpPr>
-              <p:sp>
-                <p:nvSpPr>
-                  <p:cNvPr id="380" name="Oval 379">
-                    <a:extLst>
-                      <a:ext uri="{FF2B5EF4-FFF2-40B4-BE49-F238E27FC236}">
-                        <a16:creationId xmlns:a16="http://schemas.microsoft.com/office/drawing/2014/main" id="{B6B856F9-69D0-D845-9512-0ABFB31E5269}"/>
-                      </a:ext>
-                    </a:extLst>
-                  </p:cNvPr>
-                  <p:cNvSpPr/>
-                  <p:nvPr/>
-                </p:nvSpPr>
-                <p:spPr>
-                  <a:xfrm>
-                    <a:off x="12987410" y="19578913"/>
-                    <a:ext cx="97200" cy="97200"/>
-                  </a:xfrm>
-                  <a:prstGeom prst="ellipse">
-                    <a:avLst/>
-                  </a:prstGeom>
-                  <a:solidFill>
-                    <a:srgbClr val="C00000"/>
-                  </a:solidFill>
-                  <a:ln>
-                    <a:noFill/>
-                  </a:ln>
-                </p:spPr>
-                <p:style>
-                  <a:lnRef idx="2">
-                    <a:schemeClr val="accent1">
-                      <a:shade val="50000"/>
-                    </a:schemeClr>
-                  </a:lnRef>
-                  <a:fillRef idx="1">
-                    <a:schemeClr val="accent1"/>
-                  </a:fillRef>
-                  <a:effectRef idx="0">
-                    <a:schemeClr val="accent1"/>
-                  </a:effectRef>
-                  <a:fontRef idx="minor">
-                    <a:schemeClr val="lt1"/>
-                  </a:fontRef>
-                </p:style>
-                <p:txBody>
-                  <a:bodyPr rtlCol="0" anchor="ctr"/>
-                  <a:lstStyle/>
-                  <a:p>
-                    <a:pPr algn="ctr"/>
-                    <a:endParaRPr lang="en-US"/>
-                  </a:p>
-                </p:txBody>
-              </p:sp>
-              <p:sp>
-                <p:nvSpPr>
-                  <p:cNvPr id="381" name="Oval 380">
-                    <a:extLst>
-                      <a:ext uri="{FF2B5EF4-FFF2-40B4-BE49-F238E27FC236}">
-                        <a16:creationId xmlns:a16="http://schemas.microsoft.com/office/drawing/2014/main" id="{6244CFB9-3FDD-E741-B8C3-7B1F6379F7FC}"/>
-                      </a:ext>
-                    </a:extLst>
-                  </p:cNvPr>
-                  <p:cNvSpPr/>
-                  <p:nvPr/>
-                </p:nvSpPr>
-                <p:spPr>
-                  <a:xfrm>
-                    <a:off x="12982496" y="19908294"/>
-                    <a:ext cx="97200" cy="97200"/>
-                  </a:xfrm>
-                  <a:prstGeom prst="ellipse">
-                    <a:avLst/>
-                  </a:prstGeom>
-                  <a:noFill/>
-                  <a:ln>
-                    <a:solidFill>
-                      <a:schemeClr val="tx1"/>
-                    </a:solidFill>
-                  </a:ln>
-                </p:spPr>
-                <p:style>
-                  <a:lnRef idx="2">
-                    <a:schemeClr val="accent1">
-                      <a:shade val="50000"/>
-                    </a:schemeClr>
-                  </a:lnRef>
-                  <a:fillRef idx="1">
-                    <a:schemeClr val="accent1"/>
-                  </a:fillRef>
-                  <a:effectRef idx="0">
-                    <a:schemeClr val="accent1"/>
-                  </a:effectRef>
-                  <a:fontRef idx="minor">
-                    <a:schemeClr val="lt1"/>
-                  </a:fontRef>
-                </p:style>
-                <p:txBody>
-                  <a:bodyPr rtlCol="0" anchor="ctr"/>
-                  <a:lstStyle/>
-                  <a:p>
-                    <a:pPr algn="ctr"/>
-                    <a:endParaRPr lang="en-US"/>
-                  </a:p>
-                </p:txBody>
-              </p:sp>
-              <p:sp>
-                <p:nvSpPr>
-                  <p:cNvPr id="383" name="TextBox 382">
-                    <a:extLst>
-                      <a:ext uri="{FF2B5EF4-FFF2-40B4-BE49-F238E27FC236}">
-                        <a16:creationId xmlns:a16="http://schemas.microsoft.com/office/drawing/2014/main" id="{709E7984-1EE3-544F-BF4E-65A1CA07BB13}"/>
-                      </a:ext>
-                    </a:extLst>
-                  </p:cNvPr>
-                  <p:cNvSpPr txBox="1"/>
-                  <p:nvPr/>
-                </p:nvSpPr>
-                <p:spPr>
-                  <a:xfrm>
-                    <a:off x="13034007" y="19495658"/>
-                    <a:ext cx="1090363" cy="769441"/>
-                  </a:xfrm>
-                  <a:prstGeom prst="rect">
-                    <a:avLst/>
-                  </a:prstGeom>
-                  <a:noFill/>
-                </p:spPr>
-                <p:txBody>
-                  <a:bodyPr wrap="none" rtlCol="0">
-                    <a:spAutoFit/>
-                  </a:bodyPr>
-                  <a:lstStyle/>
-                  <a:p>
-                    <a:r>
-                      <a:rPr lang="en-US" sz="1100" dirty="0">
-                        <a:solidFill>
-                          <a:schemeClr val="tx1">
-                            <a:lumMod val="65000"/>
-                            <a:lumOff val="35000"/>
-                          </a:schemeClr>
-                        </a:solidFill>
-                        <a:latin typeface="Montserrat Extra Bold" panose="00000900000000000000" pitchFamily="50" charset="0"/>
-                        <a:ea typeface="+mj-ea"/>
-                        <a:cs typeface="+mj-cs"/>
-                      </a:rPr>
-                      <a:t>Non-dominated</a:t>
-                    </a:r>
-                  </a:p>
-                  <a:p>
-                    <a:r>
-                      <a:rPr lang="en-US" sz="1100" dirty="0">
-                        <a:solidFill>
-                          <a:schemeClr val="tx1">
-                            <a:lumMod val="65000"/>
-                            <a:lumOff val="35000"/>
-                          </a:schemeClr>
-                        </a:solidFill>
-                        <a:latin typeface="Montserrat Extra Bold" panose="00000900000000000000" pitchFamily="50" charset="0"/>
-                        <a:ea typeface="+mj-ea"/>
-                        <a:cs typeface="+mj-cs"/>
-                      </a:rPr>
-                      <a:t>Solution</a:t>
-                    </a:r>
-                  </a:p>
-                  <a:p>
-                    <a:r>
-                      <a:rPr lang="en-US" sz="1100" dirty="0">
-                        <a:solidFill>
-                          <a:schemeClr val="tx1">
-                            <a:lumMod val="65000"/>
-                            <a:lumOff val="35000"/>
-                          </a:schemeClr>
-                        </a:solidFill>
-                        <a:latin typeface="Montserrat Extra Bold" panose="00000900000000000000" pitchFamily="50" charset="0"/>
-                        <a:ea typeface="+mj-ea"/>
-                        <a:cs typeface="+mj-cs"/>
-                      </a:rPr>
-                      <a:t>Dominated </a:t>
-                    </a:r>
-                  </a:p>
-                  <a:p>
-                    <a:r>
-                      <a:rPr lang="en-US" sz="1100" dirty="0">
-                        <a:solidFill>
-                          <a:schemeClr val="tx1">
-                            <a:lumMod val="65000"/>
-                            <a:lumOff val="35000"/>
-                          </a:schemeClr>
-                        </a:solidFill>
-                        <a:latin typeface="Montserrat Extra Bold" panose="00000900000000000000" pitchFamily="50" charset="0"/>
-                        <a:ea typeface="+mj-ea"/>
-                        <a:cs typeface="+mj-cs"/>
-                      </a:rPr>
-                      <a:t>solution</a:t>
-                    </a:r>
-                  </a:p>
-                </p:txBody>
-              </p:sp>
-            </p:grpSp>
-            <p:sp>
-              <p:nvSpPr>
-                <p:cNvPr id="385" name="Oval 384">
-                  <a:extLst>
-                    <a:ext uri="{FF2B5EF4-FFF2-40B4-BE49-F238E27FC236}">
-                      <a16:creationId xmlns:a16="http://schemas.microsoft.com/office/drawing/2014/main" id="{9D1D0FF4-7ABB-2941-BFEA-919F918EB1BF}"/>
-                    </a:ext>
-                  </a:extLst>
-                </p:cNvPr>
-                <p:cNvSpPr/>
-                <p:nvPr/>
-              </p:nvSpPr>
-              <p:spPr>
-                <a:xfrm>
-                  <a:off x="13208275" y="20591996"/>
-                  <a:ext cx="97200" cy="97200"/>
-                </a:xfrm>
-                <a:prstGeom prst="ellipse">
-                  <a:avLst/>
-                </a:prstGeom>
-                <a:noFill/>
-                <a:ln>
-                  <a:solidFill>
-                    <a:schemeClr val="tx1"/>
-                  </a:solidFill>
-                </a:ln>
-              </p:spPr>
-              <p:style>
-                <a:lnRef idx="2">
-                  <a:schemeClr val="accent1">
-                    <a:shade val="50000"/>
-                  </a:schemeClr>
-                </a:lnRef>
-                <a:fillRef idx="1">
-                  <a:schemeClr val="accent1"/>
-                </a:fillRef>
-                <a:effectRef idx="0">
-                  <a:schemeClr val="accent1"/>
-                </a:effectRef>
-                <a:fontRef idx="minor">
-                  <a:schemeClr val="lt1"/>
-                </a:fontRef>
-              </p:style>
-              <p:txBody>
-                <a:bodyPr rtlCol="0" anchor="ctr"/>
-                <a:lstStyle/>
-                <a:p>
-                  <a:pPr algn="ctr"/>
-                  <a:endParaRPr lang="en-US"/>
-                </a:p>
-              </p:txBody>
-            </p:sp>
-            <p:sp>
-              <p:nvSpPr>
-                <p:cNvPr id="387" name="Oval 386">
-                  <a:extLst>
-                    <a:ext uri="{FF2B5EF4-FFF2-40B4-BE49-F238E27FC236}">
-                      <a16:creationId xmlns:a16="http://schemas.microsoft.com/office/drawing/2014/main" id="{4AF3F3F2-2F9D-DF43-9FAE-E372762C5B4D}"/>
-                    </a:ext>
-                  </a:extLst>
-                </p:cNvPr>
-                <p:cNvSpPr/>
-                <p:nvPr/>
-              </p:nvSpPr>
-              <p:spPr>
-                <a:xfrm>
-                  <a:off x="12957554" y="20429761"/>
-                  <a:ext cx="97200" cy="97200"/>
-                </a:xfrm>
-                <a:prstGeom prst="ellipse">
-                  <a:avLst/>
-                </a:prstGeom>
-                <a:noFill/>
-                <a:ln>
-                  <a:solidFill>
-                    <a:schemeClr val="tx1"/>
-                  </a:solidFill>
-                </a:ln>
-              </p:spPr>
-              <p:style>
-                <a:lnRef idx="2">
-                  <a:schemeClr val="accent1">
-                    <a:shade val="50000"/>
-                  </a:schemeClr>
-                </a:lnRef>
-                <a:fillRef idx="1">
-                  <a:schemeClr val="accent1"/>
-                </a:fillRef>
-                <a:effectRef idx="0">
-                  <a:schemeClr val="accent1"/>
-                </a:effectRef>
-                <a:fontRef idx="minor">
-                  <a:schemeClr val="lt1"/>
-                </a:fontRef>
-              </p:style>
-              <p:txBody>
-                <a:bodyPr rtlCol="0" anchor="ctr"/>
-                <a:lstStyle/>
-                <a:p>
-                  <a:pPr algn="ctr"/>
-                  <a:endParaRPr lang="en-US"/>
-                </a:p>
-              </p:txBody>
-            </p:sp>
-            <p:sp>
-              <p:nvSpPr>
-                <p:cNvPr id="388" name="Oval 387">
-                  <a:extLst>
-                    <a:ext uri="{FF2B5EF4-FFF2-40B4-BE49-F238E27FC236}">
-                      <a16:creationId xmlns:a16="http://schemas.microsoft.com/office/drawing/2014/main" id="{F536AD66-212C-8940-A82E-9C2FDD420A8C}"/>
-                    </a:ext>
-                  </a:extLst>
-                </p:cNvPr>
-                <p:cNvSpPr/>
-                <p:nvPr/>
-              </p:nvSpPr>
-              <p:spPr>
-                <a:xfrm>
-                  <a:off x="12696998" y="20021723"/>
-                  <a:ext cx="97200" cy="97200"/>
-                </a:xfrm>
-                <a:prstGeom prst="ellipse">
-                  <a:avLst/>
-                </a:prstGeom>
-                <a:noFill/>
-                <a:ln>
-                  <a:solidFill>
-                    <a:schemeClr val="tx1"/>
-                  </a:solidFill>
-                </a:ln>
-              </p:spPr>
-              <p:style>
-                <a:lnRef idx="2">
-                  <a:schemeClr val="accent1">
-                    <a:shade val="50000"/>
-                  </a:schemeClr>
-                </a:lnRef>
-                <a:fillRef idx="1">
-                  <a:schemeClr val="accent1"/>
-                </a:fillRef>
-                <a:effectRef idx="0">
-                  <a:schemeClr val="accent1"/>
-                </a:effectRef>
-                <a:fontRef idx="minor">
-                  <a:schemeClr val="lt1"/>
-                </a:fontRef>
-              </p:style>
-              <p:txBody>
-                <a:bodyPr rtlCol="0" anchor="ctr"/>
-                <a:lstStyle/>
-                <a:p>
-                  <a:pPr algn="ctr"/>
-                  <a:endParaRPr lang="en-US"/>
-                </a:p>
-              </p:txBody>
-            </p:sp>
-            <p:sp>
-              <p:nvSpPr>
-                <p:cNvPr id="389" name="Oval 388">
-                  <a:extLst>
-                    <a:ext uri="{FF2B5EF4-FFF2-40B4-BE49-F238E27FC236}">
-                      <a16:creationId xmlns:a16="http://schemas.microsoft.com/office/drawing/2014/main" id="{9D2707B7-0AA6-DE49-A21A-288BC11BE134}"/>
-                    </a:ext>
-                  </a:extLst>
-                </p:cNvPr>
-                <p:cNvSpPr/>
-                <p:nvPr/>
-              </p:nvSpPr>
-              <p:spPr>
-                <a:xfrm>
-                  <a:off x="12524933" y="19751336"/>
-                  <a:ext cx="97200" cy="97200"/>
-                </a:xfrm>
-                <a:prstGeom prst="ellipse">
-                  <a:avLst/>
-                </a:prstGeom>
-                <a:noFill/>
-                <a:ln>
-                  <a:solidFill>
-                    <a:schemeClr val="tx1"/>
-                  </a:solidFill>
-                </a:ln>
-              </p:spPr>
-              <p:style>
-                <a:lnRef idx="2">
-                  <a:schemeClr val="accent1">
-                    <a:shade val="50000"/>
-                  </a:schemeClr>
-                </a:lnRef>
-                <a:fillRef idx="1">
-                  <a:schemeClr val="accent1"/>
-                </a:fillRef>
-                <a:effectRef idx="0">
-                  <a:schemeClr val="accent1"/>
-                </a:effectRef>
-                <a:fontRef idx="minor">
-                  <a:schemeClr val="lt1"/>
-                </a:fontRef>
-              </p:style>
-              <p:txBody>
-                <a:bodyPr rtlCol="0" anchor="ctr"/>
-                <a:lstStyle/>
-                <a:p>
-                  <a:pPr algn="ctr"/>
-                  <a:endParaRPr lang="en-US"/>
-                </a:p>
-              </p:txBody>
-            </p:sp>
-          </p:grpSp>
-          <p:grpSp>
-            <p:nvGrpSpPr>
-              <p:cNvPr id="382" name="Group 381">
-                <a:extLst>
-                  <a:ext uri="{FF2B5EF4-FFF2-40B4-BE49-F238E27FC236}">
-                    <a16:creationId xmlns:a16="http://schemas.microsoft.com/office/drawing/2014/main" id="{A008ABE3-CCAF-DC4F-8929-53F545207458}"/>
-                  </a:ext>
-                </a:extLst>
-              </p:cNvPr>
-              <p:cNvGrpSpPr/>
-              <p:nvPr/>
-            </p:nvGrpSpPr>
-            <p:grpSpPr>
-              <a:xfrm>
-                <a:off x="15400105" y="18368693"/>
-                <a:ext cx="1924229" cy="2019172"/>
-                <a:chOff x="12020705" y="19176024"/>
-                <a:chExt cx="1924229" cy="2019172"/>
-              </a:xfrm>
-            </p:grpSpPr>
-            <p:sp>
-              <p:nvSpPr>
-                <p:cNvPr id="370" name="Oval 369">
-                  <a:extLst>
-                    <a:ext uri="{FF2B5EF4-FFF2-40B4-BE49-F238E27FC236}">
-                      <a16:creationId xmlns:a16="http://schemas.microsoft.com/office/drawing/2014/main" id="{642B4667-026D-914B-8774-0379FB950322}"/>
-                    </a:ext>
-                  </a:extLst>
-                </p:cNvPr>
-                <p:cNvSpPr/>
-                <p:nvPr/>
-              </p:nvSpPr>
-              <p:spPr>
-                <a:xfrm>
-                  <a:off x="12020705" y="19176024"/>
-                  <a:ext cx="97200" cy="97200"/>
-                </a:xfrm>
-                <a:prstGeom prst="ellipse">
-                  <a:avLst/>
-                </a:prstGeom>
-                <a:solidFill>
-                  <a:srgbClr val="C00000"/>
-                </a:solidFill>
-                <a:ln>
-                  <a:noFill/>
-                </a:ln>
-              </p:spPr>
-              <p:style>
-                <a:lnRef idx="2">
-                  <a:schemeClr val="accent1">
-                    <a:shade val="50000"/>
-                  </a:schemeClr>
-                </a:lnRef>
-                <a:fillRef idx="1">
-                  <a:schemeClr val="accent1"/>
-                </a:fillRef>
-                <a:effectRef idx="0">
-                  <a:schemeClr val="accent1"/>
-                </a:effectRef>
-                <a:fontRef idx="minor">
-                  <a:schemeClr val="lt1"/>
-                </a:fontRef>
-              </p:style>
-              <p:txBody>
-                <a:bodyPr rtlCol="0" anchor="ctr"/>
-                <a:lstStyle/>
-                <a:p>
-                  <a:pPr algn="ctr"/>
-                  <a:endParaRPr lang="en-US"/>
-                </a:p>
-              </p:txBody>
-            </p:sp>
-            <p:sp>
-              <p:nvSpPr>
-                <p:cNvPr id="371" name="Oval 370">
-                  <a:extLst>
-                    <a:ext uri="{FF2B5EF4-FFF2-40B4-BE49-F238E27FC236}">
-                      <a16:creationId xmlns:a16="http://schemas.microsoft.com/office/drawing/2014/main" id="{425CE6B2-2A9E-F04E-84BA-C0D49ED65233}"/>
-                    </a:ext>
-                  </a:extLst>
-                </p:cNvPr>
-                <p:cNvSpPr/>
-                <p:nvPr/>
-              </p:nvSpPr>
-              <p:spPr>
-                <a:xfrm>
-                  <a:off x="12071944" y="19515201"/>
-                  <a:ext cx="97200" cy="97200"/>
-                </a:xfrm>
-                <a:prstGeom prst="ellipse">
-                  <a:avLst/>
-                </a:prstGeom>
-                <a:solidFill>
-                  <a:srgbClr val="C00000"/>
-                </a:solidFill>
-                <a:ln>
-                  <a:noFill/>
-                </a:ln>
-              </p:spPr>
-              <p:style>
-                <a:lnRef idx="2">
-                  <a:schemeClr val="accent1">
-                    <a:shade val="50000"/>
-                  </a:schemeClr>
-                </a:lnRef>
-                <a:fillRef idx="1">
-                  <a:schemeClr val="accent1"/>
-                </a:fillRef>
-                <a:effectRef idx="0">
-                  <a:schemeClr val="accent1"/>
-                </a:effectRef>
-                <a:fontRef idx="minor">
-                  <a:schemeClr val="lt1"/>
-                </a:fontRef>
-              </p:style>
-              <p:txBody>
-                <a:bodyPr rtlCol="0" anchor="ctr"/>
-                <a:lstStyle/>
-                <a:p>
-                  <a:pPr algn="ctr"/>
-                  <a:endParaRPr lang="en-US"/>
-                </a:p>
-              </p:txBody>
-            </p:sp>
-            <p:sp>
-              <p:nvSpPr>
-                <p:cNvPr id="372" name="Oval 371">
-                  <a:extLst>
-                    <a:ext uri="{FF2B5EF4-FFF2-40B4-BE49-F238E27FC236}">
-                      <a16:creationId xmlns:a16="http://schemas.microsoft.com/office/drawing/2014/main" id="{70F461B7-A94E-E148-9A34-0DE13FEEBDE0}"/>
-                    </a:ext>
-                  </a:extLst>
-                </p:cNvPr>
-                <p:cNvSpPr/>
-                <p:nvPr/>
-              </p:nvSpPr>
-              <p:spPr>
-                <a:xfrm>
-                  <a:off x="12151278" y="19842669"/>
-                  <a:ext cx="97200" cy="97200"/>
-                </a:xfrm>
-                <a:prstGeom prst="ellipse">
-                  <a:avLst/>
-                </a:prstGeom>
-                <a:solidFill>
-                  <a:srgbClr val="C00000"/>
-                </a:solidFill>
-                <a:ln>
-                  <a:noFill/>
-                </a:ln>
-              </p:spPr>
-              <p:style>
-                <a:lnRef idx="2">
-                  <a:schemeClr val="accent1">
-                    <a:shade val="50000"/>
-                  </a:schemeClr>
-                </a:lnRef>
-                <a:fillRef idx="1">
-                  <a:schemeClr val="accent1"/>
-                </a:fillRef>
-                <a:effectRef idx="0">
-                  <a:schemeClr val="accent1"/>
-                </a:effectRef>
-                <a:fontRef idx="minor">
-                  <a:schemeClr val="lt1"/>
-                </a:fontRef>
-              </p:style>
-              <p:txBody>
-                <a:bodyPr rtlCol="0" anchor="ctr"/>
-                <a:lstStyle/>
-                <a:p>
-                  <a:pPr algn="ctr"/>
-                  <a:endParaRPr lang="en-US"/>
-                </a:p>
-              </p:txBody>
-            </p:sp>
-            <p:sp>
-              <p:nvSpPr>
-                <p:cNvPr id="373" name="Oval 372">
-                  <a:extLst>
-                    <a:ext uri="{FF2B5EF4-FFF2-40B4-BE49-F238E27FC236}">
-                      <a16:creationId xmlns:a16="http://schemas.microsoft.com/office/drawing/2014/main" id="{A7BD318D-52F9-0146-B7C8-EF05793BD73C}"/>
-                    </a:ext>
-                  </a:extLst>
-                </p:cNvPr>
-                <p:cNvSpPr/>
-                <p:nvPr/>
-              </p:nvSpPr>
-              <p:spPr>
-                <a:xfrm>
-                  <a:off x="12274570" y="20144264"/>
-                  <a:ext cx="97200" cy="97200"/>
-                </a:xfrm>
-                <a:prstGeom prst="ellipse">
-                  <a:avLst/>
-                </a:prstGeom>
-                <a:solidFill>
-                  <a:srgbClr val="C00000"/>
-                </a:solidFill>
-                <a:ln>
-                  <a:noFill/>
-                </a:ln>
-              </p:spPr>
-              <p:style>
-                <a:lnRef idx="2">
-                  <a:schemeClr val="accent1">
-                    <a:shade val="50000"/>
-                  </a:schemeClr>
-                </a:lnRef>
-                <a:fillRef idx="1">
-                  <a:schemeClr val="accent1"/>
-                </a:fillRef>
-                <a:effectRef idx="0">
-                  <a:schemeClr val="accent1"/>
-                </a:effectRef>
-                <a:fontRef idx="minor">
-                  <a:schemeClr val="lt1"/>
-                </a:fontRef>
-              </p:style>
-              <p:txBody>
-                <a:bodyPr rtlCol="0" anchor="ctr"/>
-                <a:lstStyle/>
-                <a:p>
-                  <a:pPr algn="ctr"/>
-                  <a:endParaRPr lang="en-US"/>
-                </a:p>
-              </p:txBody>
-            </p:sp>
-            <p:sp>
-              <p:nvSpPr>
-                <p:cNvPr id="374" name="Oval 373">
-                  <a:extLst>
-                    <a:ext uri="{FF2B5EF4-FFF2-40B4-BE49-F238E27FC236}">
-                      <a16:creationId xmlns:a16="http://schemas.microsoft.com/office/drawing/2014/main" id="{7F0B3DA4-726D-814D-8DE1-B84AA0702DBF}"/>
-                    </a:ext>
-                  </a:extLst>
-                </p:cNvPr>
-                <p:cNvSpPr/>
-                <p:nvPr/>
-              </p:nvSpPr>
-              <p:spPr>
-                <a:xfrm>
-                  <a:off x="12436802" y="20444149"/>
-                  <a:ext cx="97200" cy="97200"/>
-                </a:xfrm>
-                <a:prstGeom prst="ellipse">
-                  <a:avLst/>
-                </a:prstGeom>
-                <a:solidFill>
-                  <a:srgbClr val="C00000"/>
-                </a:solidFill>
-                <a:ln>
-                  <a:noFill/>
-                </a:ln>
-              </p:spPr>
-              <p:style>
-                <a:lnRef idx="2">
-                  <a:schemeClr val="accent1">
-                    <a:shade val="50000"/>
-                  </a:schemeClr>
-                </a:lnRef>
-                <a:fillRef idx="1">
-                  <a:schemeClr val="accent1"/>
-                </a:fillRef>
-                <a:effectRef idx="0">
-                  <a:schemeClr val="accent1"/>
-                </a:effectRef>
-                <a:fontRef idx="minor">
-                  <a:schemeClr val="lt1"/>
-                </a:fontRef>
-              </p:style>
-              <p:txBody>
-                <a:bodyPr rtlCol="0" anchor="ctr"/>
-                <a:lstStyle/>
-                <a:p>
-                  <a:pPr algn="ctr"/>
-                  <a:endParaRPr lang="en-US"/>
-                </a:p>
-              </p:txBody>
-            </p:sp>
-            <p:sp>
-              <p:nvSpPr>
-                <p:cNvPr id="375" name="Oval 374">
-                  <a:extLst>
-                    <a:ext uri="{FF2B5EF4-FFF2-40B4-BE49-F238E27FC236}">
-                      <a16:creationId xmlns:a16="http://schemas.microsoft.com/office/drawing/2014/main" id="{3BBDBD61-B91D-9C4A-AB0B-4D98B6352DAE}"/>
-                    </a:ext>
-                  </a:extLst>
-                </p:cNvPr>
-                <p:cNvSpPr/>
-                <p:nvPr/>
-              </p:nvSpPr>
-              <p:spPr>
-                <a:xfrm>
-                  <a:off x="12638362" y="20645709"/>
-                  <a:ext cx="97200" cy="97200"/>
-                </a:xfrm>
-                <a:prstGeom prst="ellipse">
-                  <a:avLst/>
-                </a:prstGeom>
-                <a:solidFill>
-                  <a:srgbClr val="C00000"/>
-                </a:solidFill>
-                <a:ln>
-                  <a:noFill/>
-                </a:ln>
-              </p:spPr>
-              <p:style>
-                <a:lnRef idx="2">
-                  <a:schemeClr val="accent1">
-                    <a:shade val="50000"/>
-                  </a:schemeClr>
-                </a:lnRef>
-                <a:fillRef idx="1">
-                  <a:schemeClr val="accent1"/>
-                </a:fillRef>
-                <a:effectRef idx="0">
-                  <a:schemeClr val="accent1"/>
-                </a:effectRef>
-                <a:fontRef idx="minor">
-                  <a:schemeClr val="lt1"/>
-                </a:fontRef>
-              </p:style>
-              <p:txBody>
-                <a:bodyPr rtlCol="0" anchor="ctr"/>
-                <a:lstStyle/>
-                <a:p>
-                  <a:pPr algn="ctr"/>
-                  <a:endParaRPr lang="en-US"/>
-                </a:p>
-              </p:txBody>
-            </p:sp>
-            <p:sp>
-              <p:nvSpPr>
-                <p:cNvPr id="376" name="Oval 375">
-                  <a:extLst>
-                    <a:ext uri="{FF2B5EF4-FFF2-40B4-BE49-F238E27FC236}">
-                      <a16:creationId xmlns:a16="http://schemas.microsoft.com/office/drawing/2014/main" id="{8AB0A457-DD61-F346-BEE7-98BC91F357BF}"/>
-                    </a:ext>
-                  </a:extLst>
-                </p:cNvPr>
-                <p:cNvSpPr/>
-                <p:nvPr/>
-              </p:nvSpPr>
-              <p:spPr>
-                <a:xfrm>
-                  <a:off x="12898920" y="20837438"/>
-                  <a:ext cx="97200" cy="97200"/>
-                </a:xfrm>
-                <a:prstGeom prst="ellipse">
-                  <a:avLst/>
-                </a:prstGeom>
-                <a:solidFill>
-                  <a:srgbClr val="C00000"/>
-                </a:solidFill>
-                <a:ln>
-                  <a:noFill/>
-                </a:ln>
-              </p:spPr>
-              <p:style>
-                <a:lnRef idx="2">
-                  <a:schemeClr val="accent1">
-                    <a:shade val="50000"/>
-                  </a:schemeClr>
-                </a:lnRef>
-                <a:fillRef idx="1">
-                  <a:schemeClr val="accent1"/>
-                </a:fillRef>
-                <a:effectRef idx="0">
-                  <a:schemeClr val="accent1"/>
-                </a:effectRef>
-                <a:fontRef idx="minor">
-                  <a:schemeClr val="lt1"/>
-                </a:fontRef>
-              </p:style>
-              <p:txBody>
-                <a:bodyPr rtlCol="0" anchor="ctr"/>
-                <a:lstStyle/>
-                <a:p>
-                  <a:pPr algn="ctr"/>
-                  <a:endParaRPr lang="en-US"/>
-                </a:p>
-              </p:txBody>
-            </p:sp>
-            <p:sp>
-              <p:nvSpPr>
-                <p:cNvPr id="377" name="Oval 376">
-                  <a:extLst>
-                    <a:ext uri="{FF2B5EF4-FFF2-40B4-BE49-F238E27FC236}">
-                      <a16:creationId xmlns:a16="http://schemas.microsoft.com/office/drawing/2014/main" id="{F737A781-37BD-8B43-A08B-0DE38B948949}"/>
-                    </a:ext>
-                  </a:extLst>
-                </p:cNvPr>
-                <p:cNvSpPr/>
-                <p:nvPr/>
-              </p:nvSpPr>
-              <p:spPr>
-                <a:xfrm>
-                  <a:off x="13198805" y="20970174"/>
-                  <a:ext cx="97200" cy="97200"/>
-                </a:xfrm>
-                <a:prstGeom prst="ellipse">
-                  <a:avLst/>
-                </a:prstGeom>
-                <a:solidFill>
-                  <a:srgbClr val="C00000"/>
-                </a:solidFill>
-                <a:ln>
-                  <a:noFill/>
-                </a:ln>
-              </p:spPr>
-              <p:style>
-                <a:lnRef idx="2">
-                  <a:schemeClr val="accent1">
-                    <a:shade val="50000"/>
-                  </a:schemeClr>
-                </a:lnRef>
-                <a:fillRef idx="1">
-                  <a:schemeClr val="accent1"/>
-                </a:fillRef>
-                <a:effectRef idx="0">
-                  <a:schemeClr val="accent1"/>
-                </a:effectRef>
-                <a:fontRef idx="minor">
-                  <a:schemeClr val="lt1"/>
-                </a:fontRef>
-              </p:style>
-              <p:txBody>
-                <a:bodyPr rtlCol="0" anchor="ctr"/>
-                <a:lstStyle/>
-                <a:p>
-                  <a:pPr algn="ctr"/>
-                  <a:endParaRPr lang="en-US"/>
-                </a:p>
-              </p:txBody>
-            </p:sp>
-            <p:sp>
-              <p:nvSpPr>
-                <p:cNvPr id="378" name="Oval 377">
-                  <a:extLst>
-                    <a:ext uri="{FF2B5EF4-FFF2-40B4-BE49-F238E27FC236}">
-                      <a16:creationId xmlns:a16="http://schemas.microsoft.com/office/drawing/2014/main" id="{0FD9A9CD-B6F6-0B46-B8D7-AFE3965C140C}"/>
-                    </a:ext>
-                  </a:extLst>
-                </p:cNvPr>
-                <p:cNvSpPr/>
-                <p:nvPr/>
-              </p:nvSpPr>
-              <p:spPr>
-                <a:xfrm>
-                  <a:off x="13538019" y="21024253"/>
-                  <a:ext cx="97200" cy="97200"/>
-                </a:xfrm>
-                <a:prstGeom prst="ellipse">
-                  <a:avLst/>
-                </a:prstGeom>
-                <a:solidFill>
-                  <a:srgbClr val="C00000"/>
-                </a:solidFill>
-                <a:ln>
-                  <a:noFill/>
-                </a:ln>
-              </p:spPr>
-              <p:style>
-                <a:lnRef idx="2">
-                  <a:schemeClr val="accent1">
-                    <a:shade val="50000"/>
-                  </a:schemeClr>
-                </a:lnRef>
-                <a:fillRef idx="1">
-                  <a:schemeClr val="accent1"/>
-                </a:fillRef>
-                <a:effectRef idx="0">
-                  <a:schemeClr val="accent1"/>
-                </a:effectRef>
-                <a:fontRef idx="minor">
-                  <a:schemeClr val="lt1"/>
-                </a:fontRef>
-              </p:style>
-              <p:txBody>
-                <a:bodyPr rtlCol="0" anchor="ctr"/>
-                <a:lstStyle/>
-                <a:p>
-                  <a:pPr algn="ctr"/>
-                  <a:endParaRPr lang="en-US"/>
-                </a:p>
-              </p:txBody>
-            </p:sp>
-            <p:sp>
-              <p:nvSpPr>
-                <p:cNvPr id="379" name="Oval 378">
-                  <a:extLst>
-                    <a:ext uri="{FF2B5EF4-FFF2-40B4-BE49-F238E27FC236}">
-                      <a16:creationId xmlns:a16="http://schemas.microsoft.com/office/drawing/2014/main" id="{BD0950C5-C298-894E-BB2B-6D7597D69561}"/>
-                    </a:ext>
-                  </a:extLst>
-                </p:cNvPr>
-                <p:cNvSpPr/>
-                <p:nvPr/>
-              </p:nvSpPr>
-              <p:spPr>
-                <a:xfrm>
-                  <a:off x="13847734" y="21097996"/>
-                  <a:ext cx="97200" cy="97200"/>
-                </a:xfrm>
-                <a:prstGeom prst="ellipse">
-                  <a:avLst/>
-                </a:prstGeom>
-                <a:solidFill>
-                  <a:srgbClr val="C00000"/>
-                </a:solidFill>
-                <a:ln>
-                  <a:noFill/>
-                </a:ln>
-              </p:spPr>
-              <p:style>
-                <a:lnRef idx="2">
-                  <a:schemeClr val="accent1">
-                    <a:shade val="50000"/>
-                  </a:schemeClr>
-                </a:lnRef>
-                <a:fillRef idx="1">
-                  <a:schemeClr val="accent1"/>
-                </a:fillRef>
-                <a:effectRef idx="0">
-                  <a:schemeClr val="accent1"/>
-                </a:effectRef>
-                <a:fontRef idx="minor">
-                  <a:schemeClr val="lt1"/>
-                </a:fontRef>
-              </p:style>
-              <p:txBody>
-                <a:bodyPr rtlCol="0" anchor="ctr"/>
-                <a:lstStyle/>
-                <a:p>
-                  <a:pPr algn="ctr"/>
-                  <a:endParaRPr lang="en-US"/>
-                </a:p>
-              </p:txBody>
-            </p:sp>
-          </p:grpSp>
-        </p:grpSp>
-        <p:sp>
-          <p:nvSpPr>
-            <p:cNvPr id="409" name="TextBox 408">
-              <a:extLst>
-                <a:ext uri="{FF2B5EF4-FFF2-40B4-BE49-F238E27FC236}">
-                  <a16:creationId xmlns:a16="http://schemas.microsoft.com/office/drawing/2014/main" id="{B68A95FF-3C74-974D-B7DE-F41B1374C280}"/>
-                </a:ext>
-              </a:extLst>
-            </p:cNvPr>
-            <p:cNvSpPr txBox="1"/>
-            <p:nvPr/>
-          </p:nvSpPr>
-          <p:spPr>
-            <a:xfrm rot="2739885">
-              <a:off x="11905769" y="18661640"/>
-              <a:ext cx="1056700" cy="261610"/>
-            </a:xfrm>
-            <a:prstGeom prst="rect">
-              <a:avLst/>
-            </a:prstGeom>
-            <a:noFill/>
-          </p:spPr>
-          <p:txBody>
-            <a:bodyPr wrap="none" rtlCol="0">
-              <a:spAutoFit/>
-            </a:bodyPr>
-            <a:lstStyle/>
-            <a:p>
-              <a:r>
-                <a:rPr lang="en-US" sz="1100" b="1" dirty="0">
-                  <a:solidFill>
-                    <a:srgbClr val="C00000"/>
-                  </a:solidFill>
-                  <a:latin typeface="Montserrat Extra Bold" panose="00000900000000000000" pitchFamily="50" charset="0"/>
-                  <a:ea typeface="+mj-ea"/>
-                  <a:cs typeface="+mj-cs"/>
-                </a:rPr>
-                <a:t>Pareto frontier</a:t>
-              </a:r>
-            </a:p>
-          </p:txBody>
-        </p:sp>
-      </p:grpSp>
-      <p:sp>
-        <p:nvSpPr>
-          <p:cNvPr id="434" name="TextBox 433">
-            <a:extLst>
-              <a:ext uri="{FF2B5EF4-FFF2-40B4-BE49-F238E27FC236}">
-                <a16:creationId xmlns:a16="http://schemas.microsoft.com/office/drawing/2014/main" id="{F6EC0B93-2F69-2C44-B6D6-A98468469DE5}"/>
-              </a:ext>
-            </a:extLst>
-          </p:cNvPr>
-          <p:cNvSpPr txBox="1"/>
-          <p:nvPr/>
-        </p:nvSpPr>
-        <p:spPr>
-          <a:xfrm>
-            <a:off x="1359417" y="34023160"/>
-            <a:ext cx="6542826" cy="646331"/>
-          </a:xfrm>
-          <a:prstGeom prst="rect">
-            <a:avLst/>
-          </a:prstGeom>
-          <a:noFill/>
-        </p:spPr>
-        <p:txBody>
-          <a:bodyPr wrap="square" rtlCol="0">
-            <a:spAutoFit/>
-          </a:bodyPr>
-          <a:lstStyle>
-            <a:defPPr>
-              <a:defRPr kern="1200" smtId="4294967295"/>
-            </a:defPPr>
-          </a:lstStyle>
-          <a:p>
-            <a:r>
-              <a:rPr lang="en-US" sz="3600" b="1" dirty="0">
-                <a:solidFill>
-                  <a:schemeClr val="tx1">
-                    <a:lumMod val="65000"/>
-                    <a:lumOff val="35000"/>
-                  </a:schemeClr>
-                </a:solidFill>
-                <a:latin typeface="Montserrat Extra Bold" panose="00000900000000000000" pitchFamily="50" charset="0"/>
-                <a:ea typeface="+mj-ea"/>
-                <a:cs typeface="+mj-cs"/>
-              </a:rPr>
-              <a:t>Simulation set</a:t>
-            </a:r>
-          </a:p>
-        </p:txBody>
-      </p:sp>
       <p:sp>
         <p:nvSpPr>
           <p:cNvPr id="435" name="Rectangle 434">
@@ -10545,8 +8767,8 @@
         </p:nvSpPr>
         <p:spPr>
           <a:xfrm>
-            <a:off x="1425837" y="34912943"/>
-            <a:ext cx="5751443" cy="6555641"/>
+            <a:off x="1271903" y="36553380"/>
+            <a:ext cx="5751443" cy="2677656"/>
           </a:xfrm>
           <a:prstGeom prst="rect">
             <a:avLst/>
@@ -10596,7 +8818,7 @@
                 </a:solidFill>
                 <a:latin typeface="Montserrat Extra Bold" panose="00000900000000000000" pitchFamily="50" charset="0"/>
               </a:rPr>
-              <a:t> flat area, with constant west-wind (5 m/s) and slightly unstable conditions.</a:t>
+              <a:t> flat area</a:t>
             </a:r>
           </a:p>
           <a:p>
@@ -10614,7 +8836,7 @@
                 </a:solidFill>
                 <a:latin typeface="Montserrat Extra Bold" panose="00000900000000000000" pitchFamily="50" charset="0"/>
               </a:rPr>
-              <a:t>Leak rates of 0-1000 kg/s from varying number of leaks, between 0-9. </a:t>
+              <a:t>Constant west-wind (5 m/s)</a:t>
             </a:r>
           </a:p>
           <a:p>
@@ -10632,7 +8854,7 @@
                 </a:solidFill>
                 <a:latin typeface="Montserrat Extra Bold" panose="00000900000000000000" pitchFamily="50" charset="0"/>
               </a:rPr>
-              <a:t>Leak heights of 5 m above ground level. </a:t>
+              <a:t>Slightly unstable conditions</a:t>
             </a:r>
           </a:p>
           <a:p>
@@ -10650,7 +8872,7 @@
                 </a:solidFill>
                 <a:latin typeface="Montserrat Extra Bold" panose="00000900000000000000" pitchFamily="50" charset="0"/>
               </a:rPr>
-              <a:t>Six configuration sets, four of them are shown in Fig.4a-d.</a:t>
+              <a:t>Leak rates of 0-1000 kg/s </a:t>
             </a:r>
           </a:p>
           <a:p>
@@ -10668,7 +8890,7 @@
                 </a:solidFill>
                 <a:latin typeface="Montserrat Extra Bold" panose="00000900000000000000" pitchFamily="50" charset="0"/>
               </a:rPr>
-              <a:t>Configuration “Co9/9“ (Fig.4a) is an arrangement  of nine sources and nine sensors, each sensor located 50 m downwind from a leak.</a:t>
+              <a:t>Varying number of leaks (0-9) </a:t>
             </a:r>
           </a:p>
           <a:p>
@@ -10676,15 +8898,18 @@
               <a:buFont typeface="Arial" panose="020B0604020202020204" pitchFamily="34" charset="0"/>
               <a:buChar char="•"/>
             </a:pPr>
-            <a:endParaRPr lang="en-US" sz="2800" dirty="0">
-              <a:solidFill>
-                <a:schemeClr val="tx1">
-                  <a:lumMod val="65000"/>
-                  <a:lumOff val="35000"/>
-                </a:schemeClr>
-              </a:solidFill>
-              <a:latin typeface="Montserrat Extra Bold" panose="00000900000000000000" pitchFamily="50" charset="0"/>
-            </a:endParaRPr>
+            <a:r>
+              <a:rPr lang="en-US" sz="2800" dirty="0">
+                <a:solidFill>
+                  <a:schemeClr val="tx1">
+                    <a:lumMod val="65000"/>
+                    <a:lumOff val="35000"/>
+                  </a:schemeClr>
+                </a:solidFill>
+                <a:latin typeface="Montserrat Extra Bold" panose="00000900000000000000" pitchFamily="50" charset="0"/>
+              </a:rPr>
+              <a:t>Leak heights of 5m AGL</a:t>
+            </a:r>
           </a:p>
         </p:txBody>
       </p:sp>
@@ -10702,8 +8927,8 @@
         </p:nvGrpSpPr>
         <p:grpSpPr>
           <a:xfrm>
-            <a:off x="8129099" y="34218315"/>
-            <a:ext cx="6068884" cy="5249217"/>
+            <a:off x="8088377" y="35958746"/>
+            <a:ext cx="6677616" cy="5666006"/>
             <a:chOff x="7915799" y="33449589"/>
             <a:chExt cx="6426899" cy="5629359"/>
           </a:xfrm>
@@ -10723,7 +8948,7 @@
             <p:nvPr/>
           </p:nvPicPr>
           <p:blipFill rotWithShape="1">
-            <a:blip r:embed="rId22"/>
+            <a:blip r:embed="rId21"/>
             <a:srcRect t="50748" b="22560"/>
             <a:stretch/>
           </p:blipFill>
@@ -10752,7 +8977,7 @@
             <p:nvPr/>
           </p:nvPicPr>
           <p:blipFill rotWithShape="1">
-            <a:blip r:embed="rId22"/>
+            <a:blip r:embed="rId21"/>
             <a:srcRect b="74082"/>
             <a:stretch/>
           </p:blipFill>
@@ -10781,8 +9006,8 @@
         </p:nvSpPr>
         <p:spPr>
           <a:xfrm>
-            <a:off x="7872091" y="39481367"/>
-            <a:ext cx="6450832" cy="2062103"/>
+            <a:off x="1211662" y="39567836"/>
+            <a:ext cx="7017938" cy="3785652"/>
           </a:xfrm>
           <a:prstGeom prst="rect">
             <a:avLst/>
@@ -10799,9 +9024,8 @@
             </a:defPPr>
           </a:lstStyle>
           <a:p>
-            <a:pPr algn="just"/>
-            <a:r>
-              <a:rPr lang="en-US" sz="2000" b="1" dirty="0">
+            <a:r>
+              <a:rPr lang="en-US" sz="2400" b="1" dirty="0">
                 <a:solidFill>
                   <a:schemeClr val="tx1">
                     <a:lumMod val="65000"/>
@@ -10815,39 +9039,7 @@
               <a:t>Figure 4. </a:t>
             </a:r>
             <a:r>
-              <a:rPr lang="en-US" dirty="0">
-                <a:solidFill>
-                  <a:schemeClr val="tx1">
-                    <a:lumMod val="65000"/>
-                    <a:lumOff val="35000"/>
-                  </a:schemeClr>
-                </a:solidFill>
-                <a:latin typeface="Montserrat Extra Bold" panose="00000900000000000000" pitchFamily="50" charset="0"/>
-                <a:ea typeface="+mj-ea"/>
-                <a:cs typeface="+mj-cs"/>
-              </a:rPr>
-              <a:t>Source-sensors arrangements. the term "source" refers to both active and non-active sources.</a:t>
-            </a:r>
-            <a:r>
-              <a:rPr lang="en-US" dirty="0"/>
-              <a:t> </a:t>
-            </a:r>
-            <a:r>
-              <a:rPr lang="en-US" dirty="0">
-                <a:solidFill>
-                  <a:schemeClr val="tx1">
-                    <a:lumMod val="65000"/>
-                    <a:lumOff val="35000"/>
-                  </a:schemeClr>
-                </a:solidFill>
-                <a:latin typeface="Montserrat Extra Bold" panose="00000900000000000000" pitchFamily="50" charset="0"/>
-                <a:ea typeface="+mj-ea"/>
-                <a:cs typeface="+mj-cs"/>
-              </a:rPr>
-              <a:t>a) </a:t>
-            </a:r>
-            <a:r>
-              <a:rPr lang="en-US" dirty="0">
+              <a:rPr lang="en-US" sz="2400" dirty="0">
                 <a:solidFill>
                   <a:schemeClr val="tx1">
                     <a:lumMod val="65000"/>
@@ -10856,24 +9048,12 @@
                 </a:solidFill>
                 <a:latin typeface="Montserrat Extra Bold" panose="00000900000000000000" pitchFamily="50" charset="0"/>
               </a:rPr>
-              <a:t>("Co9/9") - </a:t>
-            </a:r>
-            <a:r>
-              <a:rPr lang="en-US" dirty="0">
-                <a:solidFill>
-                  <a:schemeClr val="tx1">
-                    <a:lumMod val="65000"/>
-                    <a:lumOff val="35000"/>
-                  </a:schemeClr>
-                </a:solidFill>
-                <a:latin typeface="Montserrat Extra Bold" panose="00000900000000000000" pitchFamily="50" charset="0"/>
-                <a:ea typeface="+mj-ea"/>
-                <a:cs typeface="+mj-cs"/>
-              </a:rPr>
-              <a:t>nine sources and sensors in a compact group, 50 m apart b)</a:t>
-            </a:r>
-            <a:r>
-              <a:rPr lang="en-US" dirty="0">
+              <a:t>Source-sensors arrangements. </a:t>
+            </a:r>
+          </a:p>
+          <a:p>
+            <a:r>
+              <a:rPr lang="en-US" sz="2400" dirty="0">
                 <a:solidFill>
                   <a:schemeClr val="tx1">
                     <a:lumMod val="65000"/>
@@ -10882,24 +9062,12 @@
                 </a:solidFill>
                 <a:latin typeface="Montserrat Extra Bold" panose="00000900000000000000" pitchFamily="50" charset="0"/>
               </a:rPr>
-              <a:t> ("Co9/6”) -</a:t>
-            </a:r>
-            <a:r>
-              <a:rPr lang="en-US" dirty="0">
-                <a:solidFill>
-                  <a:schemeClr val="tx1">
-                    <a:lumMod val="65000"/>
-                    <a:lumOff val="35000"/>
-                  </a:schemeClr>
-                </a:solidFill>
-                <a:latin typeface="Montserrat Extra Bold" panose="00000900000000000000" pitchFamily="50" charset="0"/>
-                <a:ea typeface="+mj-ea"/>
-                <a:cs typeface="+mj-cs"/>
-              </a:rPr>
-              <a:t> same as Co9/9, using six sensors, c) </a:t>
-            </a:r>
-            <a:r>
-              <a:rPr lang="en-US" dirty="0">
+              <a:t>a). ("Co9/9") - compact group 50m apart, </a:t>
+            </a:r>
+          </a:p>
+          <a:p>
+            <a:r>
+              <a:rPr lang="en-US" sz="2400" dirty="0">
                 <a:solidFill>
                   <a:schemeClr val="tx1">
                     <a:lumMod val="65000"/>
@@ -10908,24 +9076,12 @@
                 </a:solidFill>
                 <a:latin typeface="Montserrat Extra Bold" panose="00000900000000000000" pitchFamily="50" charset="0"/>
               </a:rPr>
-              <a:t>(”L9/6")- </a:t>
-            </a:r>
-            <a:r>
-              <a:rPr lang="en-US" dirty="0">
-                <a:solidFill>
-                  <a:schemeClr val="tx1">
-                    <a:lumMod val="65000"/>
-                    <a:lumOff val="35000"/>
-                  </a:schemeClr>
-                </a:solidFill>
-                <a:latin typeface="Montserrat Extra Bold" panose="00000900000000000000" pitchFamily="50" charset="0"/>
-                <a:ea typeface="+mj-ea"/>
-                <a:cs typeface="+mj-cs"/>
-              </a:rPr>
-              <a:t>nine sources arranged in a line 50 m apart and a line of sensors 50 m downwind, sensors are 65 m apart, d) </a:t>
-            </a:r>
-            <a:r>
-              <a:rPr lang="en-US" dirty="0">
+              <a:t>b). (”L9/6") -   same as “Co9/9”, using 6 sensors, </a:t>
+            </a:r>
+          </a:p>
+          <a:p>
+            <a:r>
+              <a:rPr lang="en-US" sz="2400" dirty="0">
                 <a:solidFill>
                   <a:schemeClr val="tx1">
                     <a:lumMod val="65000"/>
@@ -10934,10 +9090,12 @@
                 </a:solidFill>
                 <a:latin typeface="Montserrat Extra Bold" panose="00000900000000000000" pitchFamily="50" charset="0"/>
               </a:rPr>
-              <a:t>(”L9/9") </a:t>
-            </a:r>
-            <a:r>
-              <a:rPr lang="en-US" dirty="0">
+              <a:t>c). (”L9/6") -  a line of 6 sensors 50m downwind, </a:t>
+            </a:r>
+          </a:p>
+          <a:p>
+            <a:r>
+              <a:rPr lang="en-US" sz="2400" dirty="0">
                 <a:solidFill>
                   <a:schemeClr val="tx1">
                     <a:lumMod val="65000"/>
@@ -10945,10 +9103,62 @@
                   </a:schemeClr>
                 </a:solidFill>
                 <a:latin typeface="Montserrat Extra Bold" panose="00000900000000000000" pitchFamily="50" charset="0"/>
-                <a:ea typeface="+mj-ea"/>
-                <a:cs typeface="+mj-cs"/>
               </a:rPr>
-              <a:t>same as ‘c’ using nine sensors, each sensor is in line with one of the sources. </a:t>
+              <a:t>d). (”L9/9") - a line of 9 sensors 50m downwind.</a:t>
+            </a:r>
+            <a:endParaRPr lang="en-US" sz="2400" dirty="0"/>
+          </a:p>
+          <a:p>
+            <a:endParaRPr lang="en-US" sz="2400" dirty="0"/>
+          </a:p>
+          <a:p>
+            <a:r>
+              <a:rPr lang="en-US" sz="2400" dirty="0">
+                <a:solidFill>
+                  <a:schemeClr val="tx1">
+                    <a:lumMod val="65000"/>
+                    <a:lumOff val="35000"/>
+                  </a:schemeClr>
+                </a:solidFill>
+                <a:latin typeface="Montserrat Extra Bold" panose="00000900000000000000" pitchFamily="50" charset="0"/>
+              </a:rPr>
+              <a:t> </a:t>
+            </a:r>
+            <a:endParaRPr lang="en-US" sz="2400" dirty="0"/>
+          </a:p>
+          <a:p>
+            <a:pPr algn="just"/>
+            <a:endParaRPr lang="en-US" sz="2400" dirty="0"/>
+          </a:p>
+          <a:p>
+            <a:pPr algn="just"/>
+            <a:r>
+              <a:rPr lang="en-US" sz="2400" dirty="0">
+                <a:solidFill>
+                  <a:schemeClr val="tx1">
+                    <a:lumMod val="65000"/>
+                    <a:lumOff val="35000"/>
+                  </a:schemeClr>
+                </a:solidFill>
+                <a:latin typeface="Montserrat Extra Bold" panose="00000900000000000000" pitchFamily="50" charset="0"/>
+              </a:rPr>
+              <a:t> </a:t>
+            </a:r>
+            <a:endParaRPr lang="en-US" sz="2400" dirty="0"/>
+          </a:p>
+          <a:p>
+            <a:pPr algn="just"/>
+            <a:r>
+              <a:rPr lang="en-US" sz="2400" dirty="0">
+                <a:solidFill>
+                  <a:schemeClr val="tx1">
+                    <a:lumMod val="65000"/>
+                    <a:lumOff val="35000"/>
+                  </a:schemeClr>
+                </a:solidFill>
+                <a:latin typeface="Montserrat Extra Bold" panose="00000900000000000000" pitchFamily="50" charset="0"/>
+              </a:rPr>
+              <a:t> </a:t>
             </a:r>
           </a:p>
         </p:txBody>
@@ -10969,13 +9179,18 @@
             </p:nvSpPr>
             <p:spPr>
               <a:xfrm>
-                <a:off x="15685450" y="7972602"/>
-                <a:ext cx="5537874" cy="4401205"/>
+                <a:off x="15721701" y="7810882"/>
+                <a:ext cx="5677156" cy="4401205"/>
               </a:xfrm>
               <a:prstGeom prst="rect">
                 <a:avLst/>
               </a:prstGeom>
               <a:noFill/>
+              <a:ln w="6350">
+                <a:solidFill>
+                  <a:schemeClr val="tx1"/>
+                </a:solidFill>
+              </a:ln>
             </p:spPr>
             <p:txBody>
               <a:bodyPr wrap="square" rtlCol="0">
@@ -10987,7 +9202,7 @@
                 </a:defPPr>
               </a:lstStyle>
               <a:p>
-                <a:pPr algn="ctr"/>
+                <a:pPr lvl="1"/>
                 <a:endParaRPr lang="en-US" sz="2800" dirty="0">
                   <a:solidFill>
                     <a:schemeClr val="tx1">
@@ -11001,10 +9216,21 @@
                 </a:endParaRPr>
               </a:p>
               <a:p>
-                <a:pPr marL="457200" indent="-457200">
-                  <a:buFont typeface="Arial" panose="020B0604020202020204" pitchFamily="34" charset="0"/>
-                  <a:buChar char="•"/>
-                </a:pPr>
+                <a:pPr lvl="1"/>
+                <a:r>
+                  <a:rPr lang="en-US" sz="2800" b="1" dirty="0">
+                    <a:solidFill>
+                      <a:schemeClr val="tx1">
+                        <a:lumMod val="65000"/>
+                        <a:lumOff val="35000"/>
+                      </a:schemeClr>
+                    </a:solidFill>
+                    <a:latin typeface="Montserrat Extra Bold" panose="00000900000000000000" pitchFamily="50" charset="0"/>
+                    <a:ea typeface="+mj-ea"/>
+                    <a:cs typeface="+mj-cs"/>
+                  </a:rPr>
+                  <a:t>Figure 5 </a:t>
+                </a:r>
                 <a:r>
                   <a:rPr lang="en-US" sz="2800" dirty="0">
                     <a:solidFill>
@@ -11017,7 +9243,7 @@
                     <a:ea typeface="+mj-ea"/>
                     <a:cs typeface="+mj-cs"/>
                   </a:rPr>
-                  <a:t>Figure 5 shows the Pareto frontiers calculated by the Borg for the co9/9 arrangement, for an increasing number of leaks, </a:t>
+                  <a:t>shows the Pareto frontiers calculated by the Borg for the “co9/9” arrangement, for an increasing number of leaks, </a:t>
                 </a:r>
                 <a14:m>
                   <m:oMath xmlns:m="http://schemas.openxmlformats.org/officeDocument/2006/math">
@@ -11146,10 +9372,7 @@
                 </a:endParaRPr>
               </a:p>
               <a:p>
-                <a:pPr marL="457200" indent="-457200">
-                  <a:buFont typeface="Arial" panose="020B0604020202020204" pitchFamily="34" charset="0"/>
-                  <a:buChar char="•"/>
-                </a:pPr>
+                <a:pPr lvl="1"/>
                 <a:r>
                   <a:rPr lang="en-US" sz="2800" dirty="0">
                     <a:solidFill>
@@ -11275,18 +9498,23 @@
             </p:nvSpPr>
             <p:spPr>
               <a:xfrm>
-                <a:off x="15685450" y="7972602"/>
-                <a:ext cx="5537874" cy="4401205"/>
+                <a:off x="15721701" y="7810882"/>
+                <a:ext cx="5677156" cy="4401205"/>
               </a:xfrm>
               <a:prstGeom prst="rect">
                 <a:avLst/>
               </a:prstGeom>
               <a:blipFill>
-                <a:blip r:embed="rId23"/>
+                <a:blip r:embed="rId22"/>
                 <a:stretch>
-                  <a:fillRect l="-1831" r="-2517"/>
+                  <a:fillRect r="-2895"/>
                 </a:stretch>
               </a:blipFill>
+              <a:ln w="6350">
+                <a:solidFill>
+                  <a:schemeClr val="tx1"/>
+                </a:solidFill>
+              </a:ln>
             </p:spPr>
             <p:txBody>
               <a:bodyPr/>
@@ -11317,13 +9545,18 @@
         </p:nvSpPr>
         <p:spPr>
           <a:xfrm>
-            <a:off x="15697412" y="14802715"/>
-            <a:ext cx="5537874" cy="3539430"/>
+            <a:off x="22734255" y="13872912"/>
+            <a:ext cx="5543562" cy="3970318"/>
           </a:xfrm>
           <a:prstGeom prst="rect">
             <a:avLst/>
           </a:prstGeom>
           <a:noFill/>
+          <a:ln w="6350">
+            <a:solidFill>
+              <a:schemeClr val="tx1"/>
+            </a:solidFill>
+          </a:ln>
         </p:spPr>
         <p:txBody>
           <a:bodyPr wrap="square" rtlCol="0">
@@ -11335,12 +9568,21 @@
             </a:defPPr>
           </a:lstStyle>
           <a:p>
-            <a:pPr marL="457200" indent="-457200">
-              <a:buFont typeface="Arial" panose="020B0604020202020204" pitchFamily="34" charset="0"/>
-              <a:buChar char="•"/>
-            </a:pPr>
-            <a:r>
-              <a:rPr lang="en-US" sz="2800" dirty="0">
+            <a:pPr lvl="1"/>
+            <a:endParaRPr lang="en-US" sz="2800" dirty="0">
+              <a:solidFill>
+                <a:schemeClr val="tx1">
+                  <a:lumMod val="65000"/>
+                  <a:lumOff val="35000"/>
+                </a:schemeClr>
+              </a:solidFill>
+              <a:latin typeface="Montserrat Extra Bold" panose="00000900000000000000" pitchFamily="50" charset="0"/>
+            </a:endParaRPr>
+          </a:p>
+          <a:p>
+            <a:pPr lvl="1"/>
+            <a:r>
+              <a:rPr lang="en-US" sz="2800" b="1" dirty="0">
                 <a:solidFill>
                   <a:schemeClr val="tx1">
                     <a:lumMod val="65000"/>
@@ -11363,7 +9605,7 @@
                 <a:ea typeface="+mj-ea"/>
                 <a:cs typeface="+mj-cs"/>
               </a:rPr>
-              <a:t>shows a comparison between the preset leak rates (at the 'x' axis) and the calculated leak rates (at the 'y' axis)</a:t>
+              <a:t>shows a comparison between the preset leak rates and the calculated leak rates</a:t>
             </a:r>
           </a:p>
           <a:p>
@@ -11384,10 +9626,7 @@
             </a:endParaRPr>
           </a:p>
           <a:p>
-            <a:pPr marL="457200" indent="-457200">
-              <a:buFont typeface="Arial" panose="020B0604020202020204" pitchFamily="34" charset="0"/>
-              <a:buChar char="•"/>
-            </a:pPr>
+            <a:pPr lvl="1"/>
             <a:r>
               <a:rPr lang="en-US" sz="2800" dirty="0">
                 <a:solidFill>
@@ -11428,6 +9667,20 @@
               </a:rPr>
               <a:t>  </a:t>
             </a:r>
+          </a:p>
+          <a:p>
+            <a:pPr lvl="1"/>
+            <a:endParaRPr lang="en-US" sz="2800" dirty="0">
+              <a:solidFill>
+                <a:schemeClr val="tx1">
+                  <a:lumMod val="65000"/>
+                  <a:lumOff val="35000"/>
+                </a:schemeClr>
+              </a:solidFill>
+              <a:latin typeface="Montserrat Extra Bold" panose="00000900000000000000" pitchFamily="50" charset="0"/>
+              <a:ea typeface="+mj-ea"/>
+              <a:cs typeface="+mj-cs"/>
+            </a:endParaRPr>
           </a:p>
         </p:txBody>
       </p:sp>
@@ -11447,13 +9700,18 @@
             </p:nvSpPr>
             <p:spPr>
               <a:xfrm>
-                <a:off x="15701704" y="19841901"/>
-                <a:ext cx="5537874" cy="8603766"/>
+                <a:off x="15721701" y="19181372"/>
+                <a:ext cx="5677156" cy="7982185"/>
               </a:xfrm>
               <a:prstGeom prst="rect">
                 <a:avLst/>
               </a:prstGeom>
               <a:noFill/>
+              <a:ln w="6350">
+                <a:solidFill>
+                  <a:schemeClr val="tx1"/>
+                </a:solidFill>
+              </a:ln>
             </p:spPr>
             <p:txBody>
               <a:bodyPr wrap="square" rtlCol="0">
@@ -11465,9 +9723,23 @@
                 </a:defPPr>
               </a:lstStyle>
               <a:p>
+                <a:pPr lvl="1" algn="ctr"/>
+                <a:endParaRPr lang="en-US" sz="3600" b="1" u="sng" dirty="0">
+                  <a:solidFill>
+                    <a:schemeClr val="tx1">
+                      <a:lumMod val="65000"/>
+                      <a:lumOff val="35000"/>
+                    </a:schemeClr>
+                  </a:solidFill>
+                  <a:latin typeface="Montserrat Extra Bold" panose="00000900000000000000" pitchFamily="50" charset="0"/>
+                  <a:ea typeface="+mj-ea"/>
+                  <a:cs typeface="+mj-cs"/>
+                </a:endParaRPr>
+              </a:p>
+              <a:p>
                 <a:pPr algn="ctr"/>
                 <a:r>
-                  <a:rPr lang="en-US" sz="2800" b="1" dirty="0">
+                  <a:rPr lang="en-US" sz="3600" b="1" u="sng" dirty="0">
                     <a:solidFill>
                       <a:schemeClr val="tx1">
                         <a:lumMod val="65000"/>
@@ -11478,11 +9750,28 @@
                     <a:ea typeface="+mj-ea"/>
                     <a:cs typeface="+mj-cs"/>
                   </a:rPr>
-                  <a:t>Scenario complexity estimation</a:t>
+                  <a:t>Scenario-complexity</a:t>
                 </a:r>
               </a:p>
               <a:p>
                 <a:pPr algn="ctr"/>
+                <a:r>
+                  <a:rPr lang="en-US" sz="3600" b="1" u="sng" dirty="0">
+                    <a:solidFill>
+                      <a:schemeClr val="tx1">
+                        <a:lumMod val="65000"/>
+                        <a:lumOff val="35000"/>
+                      </a:schemeClr>
+                    </a:solidFill>
+                    <a:latin typeface="Montserrat Extra Bold" panose="00000900000000000000" pitchFamily="50" charset="0"/>
+                    <a:ea typeface="+mj-ea"/>
+                    <a:cs typeface="+mj-cs"/>
+                  </a:rPr>
+                  <a:t>estimation</a:t>
+                </a:r>
+              </a:p>
+              <a:p>
+                <a:pPr lvl="1" algn="ctr"/>
                 <a:endParaRPr lang="en-US" sz="2800" b="1" dirty="0">
                   <a:solidFill>
                     <a:schemeClr val="tx1">
@@ -11496,10 +9785,7 @@
                 </a:endParaRPr>
               </a:p>
               <a:p>
-                <a:pPr marL="457200" indent="-457200">
-                  <a:buFont typeface="Arial" panose="020B0604020202020204" pitchFamily="34" charset="0"/>
-                  <a:buChar char="•"/>
-                </a:pPr>
+                <a:pPr lvl="1"/>
                 <a:r>
                   <a:rPr lang="en-US" sz="2800" dirty="0">
                     <a:solidFill>
@@ -11512,18 +9798,12 @@
                     <a:ea typeface="+mj-ea"/>
                     <a:cs typeface="+mj-cs"/>
                   </a:rPr>
-                  <a:t>PED = pairwise Euclidean distance for the sensor network observed readings between two sets of active sources with different sizes {S}’ and {S}”: </a:t>
+                  <a:t>PED = Pairwise Euclidean Distance is defined as:</a:t>
                 </a:r>
-              </a:p>
-              <a:p>
-                <a:pPr marL="457200" indent="-457200">
-                  <a:buFont typeface="Arial" panose="020B0604020202020204" pitchFamily="34" charset="0"/>
-                  <a:buChar char="•"/>
-                </a:pPr>
                 <a:endParaRPr lang="en-US" dirty="0"/>
               </a:p>
               <a:p>
-                <a:pPr algn="ctr"/>
+                <a:pPr lvl="1" algn="ctr"/>
                 <a:r>
                   <a:rPr lang="en-US" dirty="0"/>
                   <a:t> </a:t>
@@ -12102,6 +10382,7 @@
                 </a:endParaRPr>
               </a:p>
               <a:p>
+                <a:pPr lvl="1"/>
                 <a:endParaRPr lang="en-US" sz="2800" dirty="0">
                   <a:solidFill>
                     <a:schemeClr val="tx1">
@@ -12115,159 +10396,7 @@
                 </a:endParaRPr>
               </a:p>
               <a:p>
-                <a:pPr marL="457200" indent="-457200">
-                  <a:buFont typeface="Arial" panose="020B0604020202020204" pitchFamily="34" charset="0"/>
-                  <a:buChar char="•"/>
-                </a:pPr>
-                <a:r>
-                  <a:rPr lang="en-US" sz="2800" dirty="0">
-                    <a:solidFill>
-                      <a:schemeClr val="tx1">
-                        <a:lumMod val="65000"/>
-                        <a:lumOff val="35000"/>
-                      </a:schemeClr>
-                    </a:solidFill>
-                    <a:latin typeface="Montserrat Extra Bold" panose="00000900000000000000" pitchFamily="50" charset="0"/>
-                    <a:ea typeface="+mj-ea"/>
-                    <a:cs typeface="+mj-cs"/>
-                  </a:rPr>
-                  <a:t>Figure 7 shows the calculated color maps of PEDs for </a:t>
-                </a:r>
-                <a14:m>
-                  <m:oMath xmlns:m="http://schemas.openxmlformats.org/officeDocument/2006/math">
-                    <m:r>
-                      <a:rPr lang="en-US" sz="2800">
-                        <a:solidFill>
-                          <a:schemeClr val="tx1">
-                            <a:lumMod val="65000"/>
-                            <a:lumOff val="35000"/>
-                          </a:schemeClr>
-                        </a:solidFill>
-                        <a:latin typeface="Cambria Math" panose="02040503050406030204" pitchFamily="18" charset="0"/>
-                        <a:ea typeface="+mj-ea"/>
-                        <a:cs typeface="+mj-cs"/>
-                      </a:rPr>
-                      <m:t>|</m:t>
-                    </m:r>
-                    <m:r>
-                      <a:rPr lang="en-US" sz="2800">
-                        <a:solidFill>
-                          <a:schemeClr val="tx1">
-                            <a:lumMod val="65000"/>
-                            <a:lumOff val="35000"/>
-                          </a:schemeClr>
-                        </a:solidFill>
-                        <a:latin typeface="Cambria Math" panose="02040503050406030204" pitchFamily="18" charset="0"/>
-                        <a:ea typeface="+mj-ea"/>
-                        <a:cs typeface="+mj-cs"/>
-                      </a:rPr>
-                      <m:t>𝑆</m:t>
-                    </m:r>
-                    <m:sSub>
-                      <m:sSubPr>
-                        <m:ctrlPr>
-                          <a:rPr lang="en-US" sz="2800" i="1">
-                            <a:solidFill>
-                              <a:schemeClr val="tx1">
-                                <a:lumMod val="65000"/>
-                                <a:lumOff val="35000"/>
-                              </a:schemeClr>
-                            </a:solidFill>
-                            <a:latin typeface="Cambria Math" panose="02040503050406030204" pitchFamily="18" charset="0"/>
-                            <a:ea typeface="+mj-ea"/>
-                            <a:cs typeface="+mj-cs"/>
-                          </a:rPr>
-                        </m:ctrlPr>
-                      </m:sSubPr>
-                      <m:e>
-                        <m:r>
-                          <a:rPr lang="en-US" sz="2800">
-                            <a:solidFill>
-                              <a:schemeClr val="tx1">
-                                <a:lumMod val="65000"/>
-                                <a:lumOff val="35000"/>
-                              </a:schemeClr>
-                            </a:solidFill>
-                            <a:latin typeface="Cambria Math" panose="02040503050406030204" pitchFamily="18" charset="0"/>
-                            <a:ea typeface="+mj-ea"/>
-                            <a:cs typeface="+mj-cs"/>
-                          </a:rPr>
-                          <m:t>|</m:t>
-                        </m:r>
-                      </m:e>
-                      <m:sub>
-                        <m:r>
-                          <a:rPr lang="en-US" sz="2800">
-                            <a:solidFill>
-                              <a:schemeClr val="tx1">
-                                <a:lumMod val="65000"/>
-                                <a:lumOff val="35000"/>
-                              </a:schemeClr>
-                            </a:solidFill>
-                            <a:latin typeface="Cambria Math" panose="02040503050406030204" pitchFamily="18" charset="0"/>
-                            <a:ea typeface="+mj-ea"/>
-                            <a:cs typeface="+mj-cs"/>
-                          </a:rPr>
-                          <m:t>0</m:t>
-                        </m:r>
-                      </m:sub>
-                    </m:sSub>
-                    <m:r>
-                      <a:rPr lang="en-US" sz="2800">
-                        <a:solidFill>
-                          <a:schemeClr val="tx1">
-                            <a:lumMod val="65000"/>
-                            <a:lumOff val="35000"/>
-                          </a:schemeClr>
-                        </a:solidFill>
-                        <a:latin typeface="Cambria Math" panose="02040503050406030204" pitchFamily="18" charset="0"/>
-                        <a:ea typeface="+mj-ea"/>
-                        <a:cs typeface="+mj-cs"/>
-                      </a:rPr>
-                      <m:t>=1−9</m:t>
-                    </m:r>
-                  </m:oMath>
-                </a14:m>
-                <a:r>
-                  <a:rPr lang="en-US" sz="2800" dirty="0">
-                    <a:solidFill>
-                      <a:schemeClr val="tx1">
-                        <a:lumMod val="65000"/>
-                        <a:lumOff val="35000"/>
-                      </a:schemeClr>
-                    </a:solidFill>
-                    <a:latin typeface="Montserrat Extra Bold" panose="00000900000000000000" pitchFamily="50" charset="0"/>
-                    <a:ea typeface="+mj-ea"/>
-                    <a:cs typeface="+mj-cs"/>
-                  </a:rPr>
-                  <a:t> of all configurations. </a:t>
-                </a:r>
-              </a:p>
-              <a:p>
-                <a:pPr marL="457200" indent="-457200">
-                  <a:buFont typeface="Arial" panose="020B0604020202020204" pitchFamily="34" charset="0"/>
-                  <a:buChar char="•"/>
-                </a:pPr>
-                <a:r>
-                  <a:rPr lang="en-US" sz="2800" dirty="0">
-                    <a:solidFill>
-                      <a:schemeClr val="tx1">
-                        <a:lumMod val="65000"/>
-                        <a:lumOff val="35000"/>
-                      </a:schemeClr>
-                    </a:solidFill>
-                    <a:latin typeface="Montserrat Extra Bold" panose="00000900000000000000" pitchFamily="50" charset="0"/>
-                    <a:ea typeface="+mj-ea"/>
-                    <a:cs typeface="+mj-cs"/>
-                  </a:rPr>
-                  <a:t>Figures 7a and b exhibit high PED values = simple scenarios</a:t>
-                </a:r>
-              </a:p>
-              <a:p>
-                <a:pPr marL="457200" indent="-457200">
-                  <a:buFont typeface="Arial" panose="020B0604020202020204" pitchFamily="34" charset="0"/>
-                  <a:buChar char="•"/>
-                </a:pPr>
+                <a:pPr lvl="1"/>
                 <a:r>
                   <a:rPr lang="en-US" sz="2800" dirty="0">
                     <a:solidFill>
@@ -12278,14 +10407,11 @@
                     </a:solidFill>
                     <a:latin typeface="Montserrat Extra Bold" panose="00000900000000000000" pitchFamily="50" charset="0"/>
                   </a:rPr>
-                  <a:t>Figures 7c and d exhibit low PED values = complex scenarios</a:t>
+                  <a:t>for the network observed readings between two sets of active sources with different sizes {S}’ and {S}”. </a:t>
                 </a:r>
               </a:p>
               <a:p>
-                <a:pPr marL="457200" indent="-457200">
-                  <a:buFont typeface="Arial" panose="020B0604020202020204" pitchFamily="34" charset="0"/>
-                  <a:buChar char="•"/>
-                </a:pPr>
+                <a:pPr lvl="1"/>
                 <a:endParaRPr lang="en-US" sz="2800" dirty="0">
                   <a:solidFill>
                     <a:schemeClr val="tx1">
@@ -12299,10 +10425,114 @@
                 </a:endParaRPr>
               </a:p>
               <a:p>
-                <a:pPr marL="457200" indent="-457200">
-                  <a:buFont typeface="Arial" panose="020B0604020202020204" pitchFamily="34" charset="0"/>
-                  <a:buChar char="•"/>
-                </a:pPr>
+                <a:pPr lvl="1"/>
+                <a:r>
+                  <a:rPr lang="en-US" sz="2800" b="1" dirty="0">
+                    <a:solidFill>
+                      <a:schemeClr val="tx1">
+                        <a:lumMod val="65000"/>
+                        <a:lumOff val="35000"/>
+                      </a:schemeClr>
+                    </a:solidFill>
+                    <a:latin typeface="Montserrat Extra Bold" panose="00000900000000000000" pitchFamily="50" charset="0"/>
+                    <a:ea typeface="+mj-ea"/>
+                    <a:cs typeface="+mj-cs"/>
+                  </a:rPr>
+                  <a:t>Figures 7a </a:t>
+                </a:r>
+                <a:r>
+                  <a:rPr lang="en-US" sz="2800" dirty="0">
+                    <a:solidFill>
+                      <a:schemeClr val="tx1">
+                        <a:lumMod val="65000"/>
+                        <a:lumOff val="35000"/>
+                      </a:schemeClr>
+                    </a:solidFill>
+                    <a:latin typeface="Montserrat Extra Bold" panose="00000900000000000000" pitchFamily="50" charset="0"/>
+                    <a:ea typeface="+mj-ea"/>
+                    <a:cs typeface="+mj-cs"/>
+                  </a:rPr>
+                  <a:t>and </a:t>
+                </a:r>
+                <a:r>
+                  <a:rPr lang="en-US" sz="2800" b="1" dirty="0">
+                    <a:solidFill>
+                      <a:schemeClr val="tx1">
+                        <a:lumMod val="65000"/>
+                        <a:lumOff val="35000"/>
+                      </a:schemeClr>
+                    </a:solidFill>
+                    <a:latin typeface="Montserrat Extra Bold" panose="00000900000000000000" pitchFamily="50" charset="0"/>
+                    <a:ea typeface="+mj-ea"/>
+                    <a:cs typeface="+mj-cs"/>
+                  </a:rPr>
+                  <a:t>b</a:t>
+                </a:r>
+                <a:r>
+                  <a:rPr lang="en-US" sz="2800" dirty="0">
+                    <a:solidFill>
+                      <a:schemeClr val="tx1">
+                        <a:lumMod val="65000"/>
+                        <a:lumOff val="35000"/>
+                      </a:schemeClr>
+                    </a:solidFill>
+                    <a:latin typeface="Montserrat Extra Bold" panose="00000900000000000000" pitchFamily="50" charset="0"/>
+                    <a:ea typeface="+mj-ea"/>
+                    <a:cs typeface="+mj-cs"/>
+                  </a:rPr>
+                  <a:t> exhibit high PED values (yellow) = simple scenarios</a:t>
+                </a:r>
+              </a:p>
+              <a:p>
+                <a:pPr lvl="1"/>
+                <a:r>
+                  <a:rPr lang="en-US" sz="2800" b="1" dirty="0">
+                    <a:solidFill>
+                      <a:schemeClr val="tx1">
+                        <a:lumMod val="65000"/>
+                        <a:lumOff val="35000"/>
+                      </a:schemeClr>
+                    </a:solidFill>
+                    <a:latin typeface="Montserrat Extra Bold" panose="00000900000000000000" pitchFamily="50" charset="0"/>
+                  </a:rPr>
+                  <a:t>Figures 7c </a:t>
+                </a:r>
+                <a:r>
+                  <a:rPr lang="en-US" sz="2800" dirty="0">
+                    <a:solidFill>
+                      <a:schemeClr val="tx1">
+                        <a:lumMod val="65000"/>
+                        <a:lumOff val="35000"/>
+                      </a:schemeClr>
+                    </a:solidFill>
+                    <a:latin typeface="Montserrat Extra Bold" panose="00000900000000000000" pitchFamily="50" charset="0"/>
+                  </a:rPr>
+                  <a:t>and </a:t>
+                </a:r>
+                <a:r>
+                  <a:rPr lang="en-US" sz="2800" b="1" dirty="0">
+                    <a:solidFill>
+                      <a:schemeClr val="tx1">
+                        <a:lumMod val="65000"/>
+                        <a:lumOff val="35000"/>
+                      </a:schemeClr>
+                    </a:solidFill>
+                    <a:latin typeface="Montserrat Extra Bold" panose="00000900000000000000" pitchFamily="50" charset="0"/>
+                  </a:rPr>
+                  <a:t>d</a:t>
+                </a:r>
+                <a:r>
+                  <a:rPr lang="en-US" sz="2800" dirty="0">
+                    <a:solidFill>
+                      <a:schemeClr val="tx1">
+                        <a:lumMod val="65000"/>
+                        <a:lumOff val="35000"/>
+                      </a:schemeClr>
+                    </a:solidFill>
+                    <a:latin typeface="Montserrat Extra Bold" panose="00000900000000000000" pitchFamily="50" charset="0"/>
+                  </a:rPr>
+                  <a:t> exhibit low PED values (blue) = complex scenarios</a:t>
+                </a:r>
                 <a:endParaRPr lang="en-US" sz="2800" dirty="0">
                   <a:solidFill>
                     <a:schemeClr val="tx1">
@@ -12313,6 +10543,18 @@
                   <a:latin typeface="Montserrat Extra Bold" panose="00000900000000000000" pitchFamily="50" charset="0"/>
                   <a:ea typeface="+mj-ea"/>
                   <a:cs typeface="+mj-cs"/>
+                </a:endParaRPr>
+              </a:p>
+              <a:p>
+                <a:pPr lvl="1"/>
+                <a:endParaRPr lang="en-US" sz="2800" dirty="0">
+                  <a:solidFill>
+                    <a:schemeClr val="tx1">
+                      <a:lumMod val="65000"/>
+                      <a:lumOff val="35000"/>
+                    </a:schemeClr>
+                  </a:solidFill>
+                  <a:latin typeface="Montserrat Extra Bold" panose="00000900000000000000" pitchFamily="50" charset="0"/>
                 </a:endParaRPr>
               </a:p>
             </p:txBody>
@@ -12335,16 +10577,2010 @@
             </p:nvSpPr>
             <p:spPr>
               <a:xfrm>
-                <a:off x="15701704" y="19841901"/>
-                <a:ext cx="5537874" cy="8603766"/>
+                <a:off x="15721701" y="19181372"/>
+                <a:ext cx="5677156" cy="7982185"/>
               </a:xfrm>
               <a:prstGeom prst="rect">
                 <a:avLst/>
               </a:prstGeom>
               <a:blipFill>
-                <a:blip r:embed="rId24"/>
+                <a:blip r:embed="rId23"/>
                 <a:stretch>
-                  <a:fillRect l="-2064" t="-589" r="-3440"/>
+                  <a:fillRect r="-3341"/>
+                </a:stretch>
+              </a:blipFill>
+              <a:ln w="6350">
+                <a:solidFill>
+                  <a:schemeClr val="tx1"/>
+                </a:solidFill>
+              </a:ln>
+            </p:spPr>
+            <p:txBody>
+              <a:bodyPr/>
+              <a:lstStyle/>
+              <a:p>
+                <a:r>
+                  <a:rPr lang="en-US">
+                    <a:noFill/>
+                  </a:rPr>
+                  <a:t> </a:t>
+                </a:r>
+              </a:p>
+            </p:txBody>
+          </p:sp>
+        </mc:Fallback>
+      </mc:AlternateContent>
+      <p:grpSp>
+        <p:nvGrpSpPr>
+          <p:cNvPr id="100" name="Group 99">
+            <a:extLst>
+              <a:ext uri="{FF2B5EF4-FFF2-40B4-BE49-F238E27FC236}">
+                <a16:creationId xmlns:a16="http://schemas.microsoft.com/office/drawing/2014/main" id="{E5AB6A54-FB9C-FF4A-96AE-26BEB22B0BD1}"/>
+              </a:ext>
+            </a:extLst>
+          </p:cNvPr>
+          <p:cNvGrpSpPr/>
+          <p:nvPr/>
+        </p:nvGrpSpPr>
+        <p:grpSpPr>
+          <a:xfrm>
+            <a:off x="9507698" y="16696023"/>
+            <a:ext cx="4993892" cy="5866709"/>
+            <a:chOff x="11245991" y="16865485"/>
+            <a:chExt cx="3261755" cy="4119515"/>
+          </a:xfrm>
+        </p:grpSpPr>
+        <p:grpSp>
+          <p:nvGrpSpPr>
+            <p:cNvPr id="101" name="Group 100">
+              <a:extLst>
+                <a:ext uri="{FF2B5EF4-FFF2-40B4-BE49-F238E27FC236}">
+                  <a16:creationId xmlns:a16="http://schemas.microsoft.com/office/drawing/2014/main" id="{F9F96715-FB63-2642-98C9-380017A14B35}"/>
+                </a:ext>
+              </a:extLst>
+            </p:cNvPr>
+            <p:cNvGrpSpPr/>
+            <p:nvPr/>
+          </p:nvGrpSpPr>
+          <p:grpSpPr>
+            <a:xfrm>
+              <a:off x="11245991" y="16865485"/>
+              <a:ext cx="3261755" cy="4119515"/>
+              <a:chOff x="14666279" y="17979733"/>
+              <a:chExt cx="3261755" cy="4119515"/>
+            </a:xfrm>
+          </p:grpSpPr>
+          <p:grpSp>
+            <p:nvGrpSpPr>
+              <p:cNvPr id="103" name="Group 102">
+                <a:extLst>
+                  <a:ext uri="{FF2B5EF4-FFF2-40B4-BE49-F238E27FC236}">
+                    <a16:creationId xmlns:a16="http://schemas.microsoft.com/office/drawing/2014/main" id="{61EA1D7A-8C92-DC4D-A5D3-BD798FA2EC02}"/>
+                  </a:ext>
+                </a:extLst>
+              </p:cNvPr>
+              <p:cNvGrpSpPr/>
+              <p:nvPr/>
+            </p:nvGrpSpPr>
+            <p:grpSpPr>
+              <a:xfrm>
+                <a:off x="14666279" y="17979733"/>
+                <a:ext cx="3261755" cy="4119515"/>
+                <a:chOff x="11284120" y="18789676"/>
+                <a:chExt cx="3261755" cy="4119515"/>
+              </a:xfrm>
+            </p:grpSpPr>
+            <p:grpSp>
+              <p:nvGrpSpPr>
+                <p:cNvPr id="115" name="Group 114">
+                  <a:extLst>
+                    <a:ext uri="{FF2B5EF4-FFF2-40B4-BE49-F238E27FC236}">
+                      <a16:creationId xmlns:a16="http://schemas.microsoft.com/office/drawing/2014/main" id="{62B57ABF-45EC-994B-B8AD-72944179A792}"/>
+                    </a:ext>
+                  </a:extLst>
+                </p:cNvPr>
+                <p:cNvGrpSpPr/>
+                <p:nvPr/>
+              </p:nvGrpSpPr>
+              <p:grpSpPr>
+                <a:xfrm>
+                  <a:off x="11284120" y="18789676"/>
+                  <a:ext cx="3261755" cy="4119515"/>
+                  <a:chOff x="11031300" y="28681472"/>
+                  <a:chExt cx="3261755" cy="4119515"/>
+                </a:xfrm>
+              </p:grpSpPr>
+              <p:pic>
+                <p:nvPicPr>
+                  <p:cNvPr id="124" name="תמונה 1">
+                    <a:extLst>
+                      <a:ext uri="{FF2B5EF4-FFF2-40B4-BE49-F238E27FC236}">
+                        <a16:creationId xmlns:a16="http://schemas.microsoft.com/office/drawing/2014/main" id="{9B0CABD8-D67B-5646-8AF4-1B542D104F5A}"/>
+                      </a:ext>
+                    </a:extLst>
+                  </p:cNvPr>
+                  <p:cNvPicPr>
+                    <a:picLocks noChangeAspect="1"/>
+                  </p:cNvPicPr>
+                  <p:nvPr/>
+                </p:nvPicPr>
+                <p:blipFill rotWithShape="1">
+                  <a:blip r:embed="rId24"/>
+                  <a:srcRect l="31867" t="6328" r="31249" b="23953"/>
+                  <a:stretch/>
+                </p:blipFill>
+                <p:spPr>
+                  <a:xfrm>
+                    <a:off x="11100391" y="28681472"/>
+                    <a:ext cx="3150031" cy="3039250"/>
+                  </a:xfrm>
+                  <a:prstGeom prst="rect">
+                    <a:avLst/>
+                  </a:prstGeom>
+                  <a:effectLst>
+                    <a:outerShdw blurRad="50800" dist="38100" dir="8100000" algn="tr" rotWithShape="0">
+                      <a:prstClr val="black">
+                        <a:alpha val="40000"/>
+                      </a:prstClr>
+                    </a:outerShdw>
+                  </a:effectLst>
+                </p:spPr>
+              </p:pic>
+              <p:sp>
+                <p:nvSpPr>
+                  <p:cNvPr id="125" name="TextBox 124">
+                    <a:extLst>
+                      <a:ext uri="{FF2B5EF4-FFF2-40B4-BE49-F238E27FC236}">
+                        <a16:creationId xmlns:a16="http://schemas.microsoft.com/office/drawing/2014/main" id="{7A32A0D9-08EB-0446-8B7A-CDECFA488D92}"/>
+                      </a:ext>
+                    </a:extLst>
+                  </p:cNvPr>
+                  <p:cNvSpPr txBox="1"/>
+                  <p:nvPr/>
+                </p:nvSpPr>
+                <p:spPr>
+                  <a:xfrm>
+                    <a:off x="11031300" y="31817949"/>
+                    <a:ext cx="3261755" cy="983038"/>
+                  </a:xfrm>
+                  <a:prstGeom prst="rect">
+                    <a:avLst/>
+                  </a:prstGeom>
+                  <a:noFill/>
+                </p:spPr>
+                <p:txBody>
+                  <a:bodyPr wrap="square" rtlCol="0">
+                    <a:spAutoFit/>
+                  </a:bodyPr>
+                  <a:lstStyle>
+                    <a:defPPr>
+                      <a:defRPr kern="1200" smtId="4294967295"/>
+                    </a:defPPr>
+                  </a:lstStyle>
+                  <a:p>
+                    <a:r>
+                      <a:rPr lang="en-US" sz="2400" b="1" dirty="0">
+                        <a:solidFill>
+                          <a:schemeClr val="tx1">
+                            <a:lumMod val="65000"/>
+                            <a:lumOff val="35000"/>
+                          </a:schemeClr>
+                        </a:solidFill>
+                        <a:latin typeface="Montserrat Extra Bold" panose="00000900000000000000" pitchFamily="50" charset="0"/>
+                        <a:ea typeface="+mj-ea"/>
+                        <a:cs typeface="+mj-cs"/>
+                      </a:rPr>
+                      <a:t>Figure 2. </a:t>
+                    </a:r>
+                    <a:r>
+                      <a:rPr lang="en-US" sz="2400" dirty="0">
+                        <a:solidFill>
+                          <a:schemeClr val="tx1">
+                            <a:lumMod val="65000"/>
+                            <a:lumOff val="35000"/>
+                          </a:schemeClr>
+                        </a:solidFill>
+                        <a:latin typeface="Montserrat Extra Bold" panose="00000900000000000000" pitchFamily="50" charset="0"/>
+                        <a:ea typeface="+mj-ea"/>
+                        <a:cs typeface="+mj-cs"/>
+                      </a:rPr>
+                      <a:t>Example of tradeoff between two objectives and the Pareto frontier</a:t>
+                    </a:r>
+                  </a:p>
+                </p:txBody>
+              </p:sp>
+            </p:grpSp>
+            <p:grpSp>
+              <p:nvGrpSpPr>
+                <p:cNvPr id="116" name="Group 115">
+                  <a:extLst>
+                    <a:ext uri="{FF2B5EF4-FFF2-40B4-BE49-F238E27FC236}">
+                      <a16:creationId xmlns:a16="http://schemas.microsoft.com/office/drawing/2014/main" id="{EAC7DF16-0950-B34B-95AB-920EE4E78C8C}"/>
+                    </a:ext>
+                  </a:extLst>
+                </p:cNvPr>
+                <p:cNvGrpSpPr/>
+                <p:nvPr/>
+              </p:nvGrpSpPr>
+              <p:grpSpPr>
+                <a:xfrm>
+                  <a:off x="13055875" y="19053155"/>
+                  <a:ext cx="1191331" cy="781388"/>
+                  <a:chOff x="12982496" y="19475585"/>
+                  <a:chExt cx="1191331" cy="781388"/>
+                </a:xfrm>
+              </p:grpSpPr>
+              <p:sp>
+                <p:nvSpPr>
+                  <p:cNvPr id="121" name="Oval 120">
+                    <a:extLst>
+                      <a:ext uri="{FF2B5EF4-FFF2-40B4-BE49-F238E27FC236}">
+                        <a16:creationId xmlns:a16="http://schemas.microsoft.com/office/drawing/2014/main" id="{FB54501A-E812-2A4E-B431-76D43FD37994}"/>
+                      </a:ext>
+                    </a:extLst>
+                  </p:cNvPr>
+                  <p:cNvSpPr/>
+                  <p:nvPr/>
+                </p:nvSpPr>
+                <p:spPr>
+                  <a:xfrm>
+                    <a:off x="12987410" y="19578913"/>
+                    <a:ext cx="97200" cy="97200"/>
+                  </a:xfrm>
+                  <a:prstGeom prst="ellipse">
+                    <a:avLst/>
+                  </a:prstGeom>
+                  <a:solidFill>
+                    <a:srgbClr val="C00000"/>
+                  </a:solidFill>
+                  <a:ln>
+                    <a:noFill/>
+                  </a:ln>
+                </p:spPr>
+                <p:style>
+                  <a:lnRef idx="2">
+                    <a:schemeClr val="accent1">
+                      <a:shade val="50000"/>
+                    </a:schemeClr>
+                  </a:lnRef>
+                  <a:fillRef idx="1">
+                    <a:schemeClr val="accent1"/>
+                  </a:fillRef>
+                  <a:effectRef idx="0">
+                    <a:schemeClr val="accent1"/>
+                  </a:effectRef>
+                  <a:fontRef idx="minor">
+                    <a:schemeClr val="lt1"/>
+                  </a:fontRef>
+                </p:style>
+                <p:txBody>
+                  <a:bodyPr rtlCol="0" anchor="ctr"/>
+                  <a:lstStyle/>
+                  <a:p>
+                    <a:pPr algn="ctr"/>
+                    <a:endParaRPr lang="en-US"/>
+                  </a:p>
+                </p:txBody>
+              </p:sp>
+              <p:sp>
+                <p:nvSpPr>
+                  <p:cNvPr id="122" name="Oval 121">
+                    <a:extLst>
+                      <a:ext uri="{FF2B5EF4-FFF2-40B4-BE49-F238E27FC236}">
+                        <a16:creationId xmlns:a16="http://schemas.microsoft.com/office/drawing/2014/main" id="{86BA7FA9-2E1C-ED4F-BF2C-D89C7CD6B186}"/>
+                      </a:ext>
+                    </a:extLst>
+                  </p:cNvPr>
+                  <p:cNvSpPr/>
+                  <p:nvPr/>
+                </p:nvSpPr>
+                <p:spPr>
+                  <a:xfrm>
+                    <a:off x="12982496" y="19908294"/>
+                    <a:ext cx="97200" cy="97200"/>
+                  </a:xfrm>
+                  <a:prstGeom prst="ellipse">
+                    <a:avLst/>
+                  </a:prstGeom>
+                  <a:noFill/>
+                  <a:ln>
+                    <a:solidFill>
+                      <a:schemeClr val="tx1"/>
+                    </a:solidFill>
+                  </a:ln>
+                </p:spPr>
+                <p:style>
+                  <a:lnRef idx="2">
+                    <a:schemeClr val="accent1">
+                      <a:shade val="50000"/>
+                    </a:schemeClr>
+                  </a:lnRef>
+                  <a:fillRef idx="1">
+                    <a:schemeClr val="accent1"/>
+                  </a:fillRef>
+                  <a:effectRef idx="0">
+                    <a:schemeClr val="accent1"/>
+                  </a:effectRef>
+                  <a:fontRef idx="minor">
+                    <a:schemeClr val="lt1"/>
+                  </a:fontRef>
+                </p:style>
+                <p:txBody>
+                  <a:bodyPr rtlCol="0" anchor="ctr"/>
+                  <a:lstStyle/>
+                  <a:p>
+                    <a:pPr algn="ctr"/>
+                    <a:endParaRPr lang="en-US"/>
+                  </a:p>
+                </p:txBody>
+              </p:sp>
+              <p:sp>
+                <p:nvSpPr>
+                  <p:cNvPr id="123" name="TextBox 122">
+                    <a:extLst>
+                      <a:ext uri="{FF2B5EF4-FFF2-40B4-BE49-F238E27FC236}">
+                        <a16:creationId xmlns:a16="http://schemas.microsoft.com/office/drawing/2014/main" id="{7A85A37F-0AF4-1A40-A6F0-CFBE194ED74F}"/>
+                      </a:ext>
+                    </a:extLst>
+                  </p:cNvPr>
+                  <p:cNvSpPr txBox="1"/>
+                  <p:nvPr/>
+                </p:nvSpPr>
+                <p:spPr>
+                  <a:xfrm>
+                    <a:off x="13048654" y="19475585"/>
+                    <a:ext cx="1125173" cy="781388"/>
+                  </a:xfrm>
+                  <a:prstGeom prst="rect">
+                    <a:avLst/>
+                  </a:prstGeom>
+                  <a:noFill/>
+                </p:spPr>
+                <p:txBody>
+                  <a:bodyPr wrap="square" rtlCol="0">
+                    <a:spAutoFit/>
+                  </a:bodyPr>
+                  <a:lstStyle/>
+                  <a:p>
+                    <a:r>
+                      <a:rPr lang="en-US" sz="1400" dirty="0">
+                        <a:solidFill>
+                          <a:schemeClr val="tx1">
+                            <a:lumMod val="65000"/>
+                            <a:lumOff val="35000"/>
+                          </a:schemeClr>
+                        </a:solidFill>
+                        <a:latin typeface="Montserrat Extra Bold" panose="00000900000000000000" pitchFamily="50" charset="0"/>
+                        <a:ea typeface="+mj-ea"/>
+                        <a:cs typeface="+mj-cs"/>
+                      </a:rPr>
+                      <a:t>Non-dominated</a:t>
+                    </a:r>
+                  </a:p>
+                  <a:p>
+                    <a:r>
+                      <a:rPr lang="en-US" sz="1400" dirty="0">
+                        <a:solidFill>
+                          <a:schemeClr val="tx1">
+                            <a:lumMod val="65000"/>
+                            <a:lumOff val="35000"/>
+                          </a:schemeClr>
+                        </a:solidFill>
+                        <a:latin typeface="Montserrat Extra Bold" panose="00000900000000000000" pitchFamily="50" charset="0"/>
+                        <a:ea typeface="+mj-ea"/>
+                        <a:cs typeface="+mj-cs"/>
+                      </a:rPr>
+                      <a:t>Solution</a:t>
+                    </a:r>
+                  </a:p>
+                  <a:p>
+                    <a:r>
+                      <a:rPr lang="en-US" sz="1400" dirty="0">
+                        <a:solidFill>
+                          <a:schemeClr val="tx1">
+                            <a:lumMod val="65000"/>
+                            <a:lumOff val="35000"/>
+                          </a:schemeClr>
+                        </a:solidFill>
+                        <a:latin typeface="Montserrat Extra Bold" panose="00000900000000000000" pitchFamily="50" charset="0"/>
+                        <a:ea typeface="+mj-ea"/>
+                        <a:cs typeface="+mj-cs"/>
+                      </a:rPr>
+                      <a:t>Dominated </a:t>
+                    </a:r>
+                  </a:p>
+                  <a:p>
+                    <a:r>
+                      <a:rPr lang="en-US" sz="1400" dirty="0">
+                        <a:solidFill>
+                          <a:schemeClr val="tx1">
+                            <a:lumMod val="65000"/>
+                            <a:lumOff val="35000"/>
+                          </a:schemeClr>
+                        </a:solidFill>
+                        <a:latin typeface="Montserrat Extra Bold" panose="00000900000000000000" pitchFamily="50" charset="0"/>
+                        <a:ea typeface="+mj-ea"/>
+                        <a:cs typeface="+mj-cs"/>
+                      </a:rPr>
+                      <a:t>solution</a:t>
+                    </a:r>
+                  </a:p>
+                </p:txBody>
+              </p:sp>
+            </p:grpSp>
+            <p:sp>
+              <p:nvSpPr>
+                <p:cNvPr id="117" name="Oval 116">
+                  <a:extLst>
+                    <a:ext uri="{FF2B5EF4-FFF2-40B4-BE49-F238E27FC236}">
+                      <a16:creationId xmlns:a16="http://schemas.microsoft.com/office/drawing/2014/main" id="{08788240-E398-B84C-A5FF-9498B9F74FDD}"/>
+                    </a:ext>
+                  </a:extLst>
+                </p:cNvPr>
+                <p:cNvSpPr/>
+                <p:nvPr/>
+              </p:nvSpPr>
+              <p:spPr>
+                <a:xfrm>
+                  <a:off x="13208275" y="20591996"/>
+                  <a:ext cx="97200" cy="97200"/>
+                </a:xfrm>
+                <a:prstGeom prst="ellipse">
+                  <a:avLst/>
+                </a:prstGeom>
+                <a:noFill/>
+                <a:ln>
+                  <a:solidFill>
+                    <a:schemeClr val="tx1"/>
+                  </a:solidFill>
+                </a:ln>
+              </p:spPr>
+              <p:style>
+                <a:lnRef idx="2">
+                  <a:schemeClr val="accent1">
+                    <a:shade val="50000"/>
+                  </a:schemeClr>
+                </a:lnRef>
+                <a:fillRef idx="1">
+                  <a:schemeClr val="accent1"/>
+                </a:fillRef>
+                <a:effectRef idx="0">
+                  <a:schemeClr val="accent1"/>
+                </a:effectRef>
+                <a:fontRef idx="minor">
+                  <a:schemeClr val="lt1"/>
+                </a:fontRef>
+              </p:style>
+              <p:txBody>
+                <a:bodyPr rtlCol="0" anchor="ctr"/>
+                <a:lstStyle/>
+                <a:p>
+                  <a:pPr algn="ctr"/>
+                  <a:endParaRPr lang="en-US"/>
+                </a:p>
+              </p:txBody>
+            </p:sp>
+            <p:sp>
+              <p:nvSpPr>
+                <p:cNvPr id="118" name="Oval 117">
+                  <a:extLst>
+                    <a:ext uri="{FF2B5EF4-FFF2-40B4-BE49-F238E27FC236}">
+                      <a16:creationId xmlns:a16="http://schemas.microsoft.com/office/drawing/2014/main" id="{1A8CD5F4-FAAD-0B47-A651-B0093A0A1AFD}"/>
+                    </a:ext>
+                  </a:extLst>
+                </p:cNvPr>
+                <p:cNvSpPr/>
+                <p:nvPr/>
+              </p:nvSpPr>
+              <p:spPr>
+                <a:xfrm>
+                  <a:off x="12957554" y="20429761"/>
+                  <a:ext cx="97200" cy="97200"/>
+                </a:xfrm>
+                <a:prstGeom prst="ellipse">
+                  <a:avLst/>
+                </a:prstGeom>
+                <a:noFill/>
+                <a:ln>
+                  <a:solidFill>
+                    <a:schemeClr val="tx1"/>
+                  </a:solidFill>
+                </a:ln>
+              </p:spPr>
+              <p:style>
+                <a:lnRef idx="2">
+                  <a:schemeClr val="accent1">
+                    <a:shade val="50000"/>
+                  </a:schemeClr>
+                </a:lnRef>
+                <a:fillRef idx="1">
+                  <a:schemeClr val="accent1"/>
+                </a:fillRef>
+                <a:effectRef idx="0">
+                  <a:schemeClr val="accent1"/>
+                </a:effectRef>
+                <a:fontRef idx="minor">
+                  <a:schemeClr val="lt1"/>
+                </a:fontRef>
+              </p:style>
+              <p:txBody>
+                <a:bodyPr rtlCol="0" anchor="ctr"/>
+                <a:lstStyle/>
+                <a:p>
+                  <a:pPr algn="ctr"/>
+                  <a:endParaRPr lang="en-US"/>
+                </a:p>
+              </p:txBody>
+            </p:sp>
+            <p:sp>
+              <p:nvSpPr>
+                <p:cNvPr id="119" name="Oval 118">
+                  <a:extLst>
+                    <a:ext uri="{FF2B5EF4-FFF2-40B4-BE49-F238E27FC236}">
+                      <a16:creationId xmlns:a16="http://schemas.microsoft.com/office/drawing/2014/main" id="{254259CE-98C1-F342-B2CC-96C6E919E1B8}"/>
+                    </a:ext>
+                  </a:extLst>
+                </p:cNvPr>
+                <p:cNvSpPr/>
+                <p:nvPr/>
+              </p:nvSpPr>
+              <p:spPr>
+                <a:xfrm>
+                  <a:off x="12696998" y="20021723"/>
+                  <a:ext cx="97200" cy="97200"/>
+                </a:xfrm>
+                <a:prstGeom prst="ellipse">
+                  <a:avLst/>
+                </a:prstGeom>
+                <a:noFill/>
+                <a:ln>
+                  <a:solidFill>
+                    <a:schemeClr val="tx1"/>
+                  </a:solidFill>
+                </a:ln>
+              </p:spPr>
+              <p:style>
+                <a:lnRef idx="2">
+                  <a:schemeClr val="accent1">
+                    <a:shade val="50000"/>
+                  </a:schemeClr>
+                </a:lnRef>
+                <a:fillRef idx="1">
+                  <a:schemeClr val="accent1"/>
+                </a:fillRef>
+                <a:effectRef idx="0">
+                  <a:schemeClr val="accent1"/>
+                </a:effectRef>
+                <a:fontRef idx="minor">
+                  <a:schemeClr val="lt1"/>
+                </a:fontRef>
+              </p:style>
+              <p:txBody>
+                <a:bodyPr rtlCol="0" anchor="ctr"/>
+                <a:lstStyle/>
+                <a:p>
+                  <a:pPr algn="ctr"/>
+                  <a:endParaRPr lang="en-US"/>
+                </a:p>
+              </p:txBody>
+            </p:sp>
+            <p:sp>
+              <p:nvSpPr>
+                <p:cNvPr id="120" name="Oval 119">
+                  <a:extLst>
+                    <a:ext uri="{FF2B5EF4-FFF2-40B4-BE49-F238E27FC236}">
+                      <a16:creationId xmlns:a16="http://schemas.microsoft.com/office/drawing/2014/main" id="{A74DD536-DBF6-D742-8983-F32336026013}"/>
+                    </a:ext>
+                  </a:extLst>
+                </p:cNvPr>
+                <p:cNvSpPr/>
+                <p:nvPr/>
+              </p:nvSpPr>
+              <p:spPr>
+                <a:xfrm>
+                  <a:off x="12524933" y="19751336"/>
+                  <a:ext cx="97200" cy="97200"/>
+                </a:xfrm>
+                <a:prstGeom prst="ellipse">
+                  <a:avLst/>
+                </a:prstGeom>
+                <a:noFill/>
+                <a:ln>
+                  <a:solidFill>
+                    <a:schemeClr val="tx1"/>
+                  </a:solidFill>
+                </a:ln>
+              </p:spPr>
+              <p:style>
+                <a:lnRef idx="2">
+                  <a:schemeClr val="accent1">
+                    <a:shade val="50000"/>
+                  </a:schemeClr>
+                </a:lnRef>
+                <a:fillRef idx="1">
+                  <a:schemeClr val="accent1"/>
+                </a:fillRef>
+                <a:effectRef idx="0">
+                  <a:schemeClr val="accent1"/>
+                </a:effectRef>
+                <a:fontRef idx="minor">
+                  <a:schemeClr val="lt1"/>
+                </a:fontRef>
+              </p:style>
+              <p:txBody>
+                <a:bodyPr rtlCol="0" anchor="ctr"/>
+                <a:lstStyle/>
+                <a:p>
+                  <a:pPr algn="ctr"/>
+                  <a:endParaRPr lang="en-US"/>
+                </a:p>
+              </p:txBody>
+            </p:sp>
+          </p:grpSp>
+          <p:grpSp>
+            <p:nvGrpSpPr>
+              <p:cNvPr id="104" name="Group 103">
+                <a:extLst>
+                  <a:ext uri="{FF2B5EF4-FFF2-40B4-BE49-F238E27FC236}">
+                    <a16:creationId xmlns:a16="http://schemas.microsoft.com/office/drawing/2014/main" id="{A767CAE4-CE2E-0548-BCB4-0169965B2110}"/>
+                  </a:ext>
+                </a:extLst>
+              </p:cNvPr>
+              <p:cNvGrpSpPr/>
+              <p:nvPr/>
+            </p:nvGrpSpPr>
+            <p:grpSpPr>
+              <a:xfrm>
+                <a:off x="15400105" y="18368693"/>
+                <a:ext cx="1924229" cy="2019172"/>
+                <a:chOff x="12020705" y="19176024"/>
+                <a:chExt cx="1924229" cy="2019172"/>
+              </a:xfrm>
+            </p:grpSpPr>
+            <p:sp>
+              <p:nvSpPr>
+                <p:cNvPr id="105" name="Oval 104">
+                  <a:extLst>
+                    <a:ext uri="{FF2B5EF4-FFF2-40B4-BE49-F238E27FC236}">
+                      <a16:creationId xmlns:a16="http://schemas.microsoft.com/office/drawing/2014/main" id="{6145F999-E636-064A-A4D5-F679933E0D7E}"/>
+                    </a:ext>
+                  </a:extLst>
+                </p:cNvPr>
+                <p:cNvSpPr/>
+                <p:nvPr/>
+              </p:nvSpPr>
+              <p:spPr>
+                <a:xfrm>
+                  <a:off x="12020705" y="19176024"/>
+                  <a:ext cx="97200" cy="97200"/>
+                </a:xfrm>
+                <a:prstGeom prst="ellipse">
+                  <a:avLst/>
+                </a:prstGeom>
+                <a:solidFill>
+                  <a:srgbClr val="C00000"/>
+                </a:solidFill>
+                <a:ln>
+                  <a:noFill/>
+                </a:ln>
+              </p:spPr>
+              <p:style>
+                <a:lnRef idx="2">
+                  <a:schemeClr val="accent1">
+                    <a:shade val="50000"/>
+                  </a:schemeClr>
+                </a:lnRef>
+                <a:fillRef idx="1">
+                  <a:schemeClr val="accent1"/>
+                </a:fillRef>
+                <a:effectRef idx="0">
+                  <a:schemeClr val="accent1"/>
+                </a:effectRef>
+                <a:fontRef idx="minor">
+                  <a:schemeClr val="lt1"/>
+                </a:fontRef>
+              </p:style>
+              <p:txBody>
+                <a:bodyPr rtlCol="0" anchor="ctr"/>
+                <a:lstStyle/>
+                <a:p>
+                  <a:pPr algn="ctr"/>
+                  <a:endParaRPr lang="en-US"/>
+                </a:p>
+              </p:txBody>
+            </p:sp>
+            <p:sp>
+              <p:nvSpPr>
+                <p:cNvPr id="106" name="Oval 105">
+                  <a:extLst>
+                    <a:ext uri="{FF2B5EF4-FFF2-40B4-BE49-F238E27FC236}">
+                      <a16:creationId xmlns:a16="http://schemas.microsoft.com/office/drawing/2014/main" id="{7D6B1151-6106-AC4D-8FAB-172F81AA1A0F}"/>
+                    </a:ext>
+                  </a:extLst>
+                </p:cNvPr>
+                <p:cNvSpPr/>
+                <p:nvPr/>
+              </p:nvSpPr>
+              <p:spPr>
+                <a:xfrm>
+                  <a:off x="12071944" y="19515201"/>
+                  <a:ext cx="97200" cy="97200"/>
+                </a:xfrm>
+                <a:prstGeom prst="ellipse">
+                  <a:avLst/>
+                </a:prstGeom>
+                <a:solidFill>
+                  <a:srgbClr val="C00000"/>
+                </a:solidFill>
+                <a:ln>
+                  <a:noFill/>
+                </a:ln>
+              </p:spPr>
+              <p:style>
+                <a:lnRef idx="2">
+                  <a:schemeClr val="accent1">
+                    <a:shade val="50000"/>
+                  </a:schemeClr>
+                </a:lnRef>
+                <a:fillRef idx="1">
+                  <a:schemeClr val="accent1"/>
+                </a:fillRef>
+                <a:effectRef idx="0">
+                  <a:schemeClr val="accent1"/>
+                </a:effectRef>
+                <a:fontRef idx="minor">
+                  <a:schemeClr val="lt1"/>
+                </a:fontRef>
+              </p:style>
+              <p:txBody>
+                <a:bodyPr rtlCol="0" anchor="ctr"/>
+                <a:lstStyle/>
+                <a:p>
+                  <a:pPr algn="ctr"/>
+                  <a:endParaRPr lang="en-US"/>
+                </a:p>
+              </p:txBody>
+            </p:sp>
+            <p:sp>
+              <p:nvSpPr>
+                <p:cNvPr id="107" name="Oval 106">
+                  <a:extLst>
+                    <a:ext uri="{FF2B5EF4-FFF2-40B4-BE49-F238E27FC236}">
+                      <a16:creationId xmlns:a16="http://schemas.microsoft.com/office/drawing/2014/main" id="{D3F54B79-4991-1742-80BB-183960229E61}"/>
+                    </a:ext>
+                  </a:extLst>
+                </p:cNvPr>
+                <p:cNvSpPr/>
+                <p:nvPr/>
+              </p:nvSpPr>
+              <p:spPr>
+                <a:xfrm>
+                  <a:off x="12151278" y="19842669"/>
+                  <a:ext cx="97200" cy="97200"/>
+                </a:xfrm>
+                <a:prstGeom prst="ellipse">
+                  <a:avLst/>
+                </a:prstGeom>
+                <a:solidFill>
+                  <a:srgbClr val="C00000"/>
+                </a:solidFill>
+                <a:ln>
+                  <a:noFill/>
+                </a:ln>
+              </p:spPr>
+              <p:style>
+                <a:lnRef idx="2">
+                  <a:schemeClr val="accent1">
+                    <a:shade val="50000"/>
+                  </a:schemeClr>
+                </a:lnRef>
+                <a:fillRef idx="1">
+                  <a:schemeClr val="accent1"/>
+                </a:fillRef>
+                <a:effectRef idx="0">
+                  <a:schemeClr val="accent1"/>
+                </a:effectRef>
+                <a:fontRef idx="minor">
+                  <a:schemeClr val="lt1"/>
+                </a:fontRef>
+              </p:style>
+              <p:txBody>
+                <a:bodyPr rtlCol="0" anchor="ctr"/>
+                <a:lstStyle/>
+                <a:p>
+                  <a:pPr algn="ctr"/>
+                  <a:endParaRPr lang="en-US"/>
+                </a:p>
+              </p:txBody>
+            </p:sp>
+            <p:sp>
+              <p:nvSpPr>
+                <p:cNvPr id="108" name="Oval 107">
+                  <a:extLst>
+                    <a:ext uri="{FF2B5EF4-FFF2-40B4-BE49-F238E27FC236}">
+                      <a16:creationId xmlns:a16="http://schemas.microsoft.com/office/drawing/2014/main" id="{C63113FB-4067-6549-9E4C-9C1F9745F7E6}"/>
+                    </a:ext>
+                  </a:extLst>
+                </p:cNvPr>
+                <p:cNvSpPr/>
+                <p:nvPr/>
+              </p:nvSpPr>
+              <p:spPr>
+                <a:xfrm>
+                  <a:off x="12274570" y="20144264"/>
+                  <a:ext cx="97200" cy="97200"/>
+                </a:xfrm>
+                <a:prstGeom prst="ellipse">
+                  <a:avLst/>
+                </a:prstGeom>
+                <a:solidFill>
+                  <a:srgbClr val="C00000"/>
+                </a:solidFill>
+                <a:ln>
+                  <a:noFill/>
+                </a:ln>
+              </p:spPr>
+              <p:style>
+                <a:lnRef idx="2">
+                  <a:schemeClr val="accent1">
+                    <a:shade val="50000"/>
+                  </a:schemeClr>
+                </a:lnRef>
+                <a:fillRef idx="1">
+                  <a:schemeClr val="accent1"/>
+                </a:fillRef>
+                <a:effectRef idx="0">
+                  <a:schemeClr val="accent1"/>
+                </a:effectRef>
+                <a:fontRef idx="minor">
+                  <a:schemeClr val="lt1"/>
+                </a:fontRef>
+              </p:style>
+              <p:txBody>
+                <a:bodyPr rtlCol="0" anchor="ctr"/>
+                <a:lstStyle/>
+                <a:p>
+                  <a:pPr algn="ctr"/>
+                  <a:endParaRPr lang="en-US"/>
+                </a:p>
+              </p:txBody>
+            </p:sp>
+            <p:sp>
+              <p:nvSpPr>
+                <p:cNvPr id="109" name="Oval 108">
+                  <a:extLst>
+                    <a:ext uri="{FF2B5EF4-FFF2-40B4-BE49-F238E27FC236}">
+                      <a16:creationId xmlns:a16="http://schemas.microsoft.com/office/drawing/2014/main" id="{138A84A9-0BD7-364E-8E87-42B6826EE056}"/>
+                    </a:ext>
+                  </a:extLst>
+                </p:cNvPr>
+                <p:cNvSpPr/>
+                <p:nvPr/>
+              </p:nvSpPr>
+              <p:spPr>
+                <a:xfrm>
+                  <a:off x="12436802" y="20444149"/>
+                  <a:ext cx="97200" cy="97200"/>
+                </a:xfrm>
+                <a:prstGeom prst="ellipse">
+                  <a:avLst/>
+                </a:prstGeom>
+                <a:solidFill>
+                  <a:srgbClr val="C00000"/>
+                </a:solidFill>
+                <a:ln>
+                  <a:noFill/>
+                </a:ln>
+              </p:spPr>
+              <p:style>
+                <a:lnRef idx="2">
+                  <a:schemeClr val="accent1">
+                    <a:shade val="50000"/>
+                  </a:schemeClr>
+                </a:lnRef>
+                <a:fillRef idx="1">
+                  <a:schemeClr val="accent1"/>
+                </a:fillRef>
+                <a:effectRef idx="0">
+                  <a:schemeClr val="accent1"/>
+                </a:effectRef>
+                <a:fontRef idx="minor">
+                  <a:schemeClr val="lt1"/>
+                </a:fontRef>
+              </p:style>
+              <p:txBody>
+                <a:bodyPr rtlCol="0" anchor="ctr"/>
+                <a:lstStyle/>
+                <a:p>
+                  <a:pPr algn="ctr"/>
+                  <a:endParaRPr lang="en-US"/>
+                </a:p>
+              </p:txBody>
+            </p:sp>
+            <p:sp>
+              <p:nvSpPr>
+                <p:cNvPr id="110" name="Oval 109">
+                  <a:extLst>
+                    <a:ext uri="{FF2B5EF4-FFF2-40B4-BE49-F238E27FC236}">
+                      <a16:creationId xmlns:a16="http://schemas.microsoft.com/office/drawing/2014/main" id="{10A1DEE6-CDAC-144F-A716-49E08C1AD936}"/>
+                    </a:ext>
+                  </a:extLst>
+                </p:cNvPr>
+                <p:cNvSpPr/>
+                <p:nvPr/>
+              </p:nvSpPr>
+              <p:spPr>
+                <a:xfrm>
+                  <a:off x="12638362" y="20645709"/>
+                  <a:ext cx="97200" cy="97200"/>
+                </a:xfrm>
+                <a:prstGeom prst="ellipse">
+                  <a:avLst/>
+                </a:prstGeom>
+                <a:solidFill>
+                  <a:srgbClr val="C00000"/>
+                </a:solidFill>
+                <a:ln>
+                  <a:noFill/>
+                </a:ln>
+              </p:spPr>
+              <p:style>
+                <a:lnRef idx="2">
+                  <a:schemeClr val="accent1">
+                    <a:shade val="50000"/>
+                  </a:schemeClr>
+                </a:lnRef>
+                <a:fillRef idx="1">
+                  <a:schemeClr val="accent1"/>
+                </a:fillRef>
+                <a:effectRef idx="0">
+                  <a:schemeClr val="accent1"/>
+                </a:effectRef>
+                <a:fontRef idx="minor">
+                  <a:schemeClr val="lt1"/>
+                </a:fontRef>
+              </p:style>
+              <p:txBody>
+                <a:bodyPr rtlCol="0" anchor="ctr"/>
+                <a:lstStyle/>
+                <a:p>
+                  <a:pPr algn="ctr"/>
+                  <a:endParaRPr lang="en-US"/>
+                </a:p>
+              </p:txBody>
+            </p:sp>
+            <p:sp>
+              <p:nvSpPr>
+                <p:cNvPr id="111" name="Oval 110">
+                  <a:extLst>
+                    <a:ext uri="{FF2B5EF4-FFF2-40B4-BE49-F238E27FC236}">
+                      <a16:creationId xmlns:a16="http://schemas.microsoft.com/office/drawing/2014/main" id="{81899D5B-C4B4-AE48-BC01-E7EB6A75620E}"/>
+                    </a:ext>
+                  </a:extLst>
+                </p:cNvPr>
+                <p:cNvSpPr/>
+                <p:nvPr/>
+              </p:nvSpPr>
+              <p:spPr>
+                <a:xfrm>
+                  <a:off x="12898920" y="20837438"/>
+                  <a:ext cx="97200" cy="97200"/>
+                </a:xfrm>
+                <a:prstGeom prst="ellipse">
+                  <a:avLst/>
+                </a:prstGeom>
+                <a:solidFill>
+                  <a:srgbClr val="C00000"/>
+                </a:solidFill>
+                <a:ln>
+                  <a:noFill/>
+                </a:ln>
+              </p:spPr>
+              <p:style>
+                <a:lnRef idx="2">
+                  <a:schemeClr val="accent1">
+                    <a:shade val="50000"/>
+                  </a:schemeClr>
+                </a:lnRef>
+                <a:fillRef idx="1">
+                  <a:schemeClr val="accent1"/>
+                </a:fillRef>
+                <a:effectRef idx="0">
+                  <a:schemeClr val="accent1"/>
+                </a:effectRef>
+                <a:fontRef idx="minor">
+                  <a:schemeClr val="lt1"/>
+                </a:fontRef>
+              </p:style>
+              <p:txBody>
+                <a:bodyPr rtlCol="0" anchor="ctr"/>
+                <a:lstStyle/>
+                <a:p>
+                  <a:pPr algn="ctr"/>
+                  <a:endParaRPr lang="en-US"/>
+                </a:p>
+              </p:txBody>
+            </p:sp>
+            <p:sp>
+              <p:nvSpPr>
+                <p:cNvPr id="112" name="Oval 111">
+                  <a:extLst>
+                    <a:ext uri="{FF2B5EF4-FFF2-40B4-BE49-F238E27FC236}">
+                      <a16:creationId xmlns:a16="http://schemas.microsoft.com/office/drawing/2014/main" id="{2D251BF1-B50A-C946-A1B6-718953983003}"/>
+                    </a:ext>
+                  </a:extLst>
+                </p:cNvPr>
+                <p:cNvSpPr/>
+                <p:nvPr/>
+              </p:nvSpPr>
+              <p:spPr>
+                <a:xfrm>
+                  <a:off x="13198805" y="20970174"/>
+                  <a:ext cx="97200" cy="97200"/>
+                </a:xfrm>
+                <a:prstGeom prst="ellipse">
+                  <a:avLst/>
+                </a:prstGeom>
+                <a:solidFill>
+                  <a:srgbClr val="C00000"/>
+                </a:solidFill>
+                <a:ln>
+                  <a:noFill/>
+                </a:ln>
+              </p:spPr>
+              <p:style>
+                <a:lnRef idx="2">
+                  <a:schemeClr val="accent1">
+                    <a:shade val="50000"/>
+                  </a:schemeClr>
+                </a:lnRef>
+                <a:fillRef idx="1">
+                  <a:schemeClr val="accent1"/>
+                </a:fillRef>
+                <a:effectRef idx="0">
+                  <a:schemeClr val="accent1"/>
+                </a:effectRef>
+                <a:fontRef idx="minor">
+                  <a:schemeClr val="lt1"/>
+                </a:fontRef>
+              </p:style>
+              <p:txBody>
+                <a:bodyPr rtlCol="0" anchor="ctr"/>
+                <a:lstStyle/>
+                <a:p>
+                  <a:pPr algn="ctr"/>
+                  <a:endParaRPr lang="en-US"/>
+                </a:p>
+              </p:txBody>
+            </p:sp>
+            <p:sp>
+              <p:nvSpPr>
+                <p:cNvPr id="113" name="Oval 112">
+                  <a:extLst>
+                    <a:ext uri="{FF2B5EF4-FFF2-40B4-BE49-F238E27FC236}">
+                      <a16:creationId xmlns:a16="http://schemas.microsoft.com/office/drawing/2014/main" id="{61380039-BC77-7B4D-AF77-56D8FBB06ACB}"/>
+                    </a:ext>
+                  </a:extLst>
+                </p:cNvPr>
+                <p:cNvSpPr/>
+                <p:nvPr/>
+              </p:nvSpPr>
+              <p:spPr>
+                <a:xfrm>
+                  <a:off x="13538019" y="21024253"/>
+                  <a:ext cx="97200" cy="97200"/>
+                </a:xfrm>
+                <a:prstGeom prst="ellipse">
+                  <a:avLst/>
+                </a:prstGeom>
+                <a:solidFill>
+                  <a:srgbClr val="C00000"/>
+                </a:solidFill>
+                <a:ln>
+                  <a:noFill/>
+                </a:ln>
+              </p:spPr>
+              <p:style>
+                <a:lnRef idx="2">
+                  <a:schemeClr val="accent1">
+                    <a:shade val="50000"/>
+                  </a:schemeClr>
+                </a:lnRef>
+                <a:fillRef idx="1">
+                  <a:schemeClr val="accent1"/>
+                </a:fillRef>
+                <a:effectRef idx="0">
+                  <a:schemeClr val="accent1"/>
+                </a:effectRef>
+                <a:fontRef idx="minor">
+                  <a:schemeClr val="lt1"/>
+                </a:fontRef>
+              </p:style>
+              <p:txBody>
+                <a:bodyPr rtlCol="0" anchor="ctr"/>
+                <a:lstStyle/>
+                <a:p>
+                  <a:pPr algn="ctr"/>
+                  <a:endParaRPr lang="en-US"/>
+                </a:p>
+              </p:txBody>
+            </p:sp>
+            <p:sp>
+              <p:nvSpPr>
+                <p:cNvPr id="114" name="Oval 113">
+                  <a:extLst>
+                    <a:ext uri="{FF2B5EF4-FFF2-40B4-BE49-F238E27FC236}">
+                      <a16:creationId xmlns:a16="http://schemas.microsoft.com/office/drawing/2014/main" id="{35CA829D-1ADC-C94D-8EAB-F1F47C59321D}"/>
+                    </a:ext>
+                  </a:extLst>
+                </p:cNvPr>
+                <p:cNvSpPr/>
+                <p:nvPr/>
+              </p:nvSpPr>
+              <p:spPr>
+                <a:xfrm>
+                  <a:off x="13847734" y="21097996"/>
+                  <a:ext cx="97200" cy="97200"/>
+                </a:xfrm>
+                <a:prstGeom prst="ellipse">
+                  <a:avLst/>
+                </a:prstGeom>
+                <a:solidFill>
+                  <a:srgbClr val="C00000"/>
+                </a:solidFill>
+                <a:ln>
+                  <a:noFill/>
+                </a:ln>
+              </p:spPr>
+              <p:style>
+                <a:lnRef idx="2">
+                  <a:schemeClr val="accent1">
+                    <a:shade val="50000"/>
+                  </a:schemeClr>
+                </a:lnRef>
+                <a:fillRef idx="1">
+                  <a:schemeClr val="accent1"/>
+                </a:fillRef>
+                <a:effectRef idx="0">
+                  <a:schemeClr val="accent1"/>
+                </a:effectRef>
+                <a:fontRef idx="minor">
+                  <a:schemeClr val="lt1"/>
+                </a:fontRef>
+              </p:style>
+              <p:txBody>
+                <a:bodyPr rtlCol="0" anchor="ctr"/>
+                <a:lstStyle/>
+                <a:p>
+                  <a:pPr algn="ctr"/>
+                  <a:endParaRPr lang="en-US"/>
+                </a:p>
+              </p:txBody>
+            </p:sp>
+          </p:grpSp>
+        </p:grpSp>
+        <p:sp>
+          <p:nvSpPr>
+            <p:cNvPr id="102" name="TextBox 101">
+              <a:extLst>
+                <a:ext uri="{FF2B5EF4-FFF2-40B4-BE49-F238E27FC236}">
+                  <a16:creationId xmlns:a16="http://schemas.microsoft.com/office/drawing/2014/main" id="{6167CE5F-0C5D-524F-8DCD-146A748A8FFD}"/>
+                </a:ext>
+              </a:extLst>
+            </p:cNvPr>
+            <p:cNvSpPr txBox="1"/>
+            <p:nvPr/>
+          </p:nvSpPr>
+          <p:spPr>
+            <a:xfrm rot="2739885">
+              <a:off x="11854321" y="18702270"/>
+              <a:ext cx="1040329" cy="239906"/>
+            </a:xfrm>
+            <a:prstGeom prst="rect">
+              <a:avLst/>
+            </a:prstGeom>
+            <a:noFill/>
+          </p:spPr>
+          <p:txBody>
+            <a:bodyPr wrap="none" rtlCol="0">
+              <a:spAutoFit/>
+            </a:bodyPr>
+            <a:lstStyle/>
+            <a:p>
+              <a:r>
+                <a:rPr lang="en-US" sz="1400" b="1" dirty="0">
+                  <a:solidFill>
+                    <a:srgbClr val="C00000"/>
+                  </a:solidFill>
+                  <a:latin typeface="Montserrat Extra Bold" panose="00000900000000000000" pitchFamily="50" charset="0"/>
+                  <a:ea typeface="+mj-ea"/>
+                  <a:cs typeface="+mj-cs"/>
+                </a:rPr>
+                <a:t>Pareto frontier</a:t>
+              </a:r>
+            </a:p>
+          </p:txBody>
+        </p:sp>
+      </p:grpSp>
+      <p:pic>
+        <p:nvPicPr>
+          <p:cNvPr id="131" name="Picture 130">
+            <a:extLst>
+              <a:ext uri="{FF2B5EF4-FFF2-40B4-BE49-F238E27FC236}">
+                <a16:creationId xmlns:a16="http://schemas.microsoft.com/office/drawing/2014/main" id="{88AD0D96-2E6E-0448-BEA3-1421B309D5E2}"/>
+              </a:ext>
+            </a:extLst>
+          </p:cNvPr>
+          <p:cNvPicPr>
+            <a:picLocks noChangeAspect="1"/>
+          </p:cNvPicPr>
+          <p:nvPr/>
+        </p:nvPicPr>
+        <p:blipFill>
+          <a:blip r:embed="rId25"/>
+          <a:stretch>
+            <a:fillRect/>
+          </a:stretch>
+        </p:blipFill>
+        <p:spPr>
+          <a:xfrm>
+            <a:off x="1282885" y="1256015"/>
+            <a:ext cx="3490230" cy="1096117"/>
+          </a:xfrm>
+          <a:prstGeom prst="rect">
+            <a:avLst/>
+          </a:prstGeom>
+        </p:spPr>
+      </p:pic>
+      <p:grpSp>
+        <p:nvGrpSpPr>
+          <p:cNvPr id="42" name="Group 41">
+            <a:extLst>
+              <a:ext uri="{FF2B5EF4-FFF2-40B4-BE49-F238E27FC236}">
+                <a16:creationId xmlns:a16="http://schemas.microsoft.com/office/drawing/2014/main" id="{39E8D8F5-6E54-F84B-A1DE-83EE02C1B008}"/>
+              </a:ext>
+            </a:extLst>
+          </p:cNvPr>
+          <p:cNvGrpSpPr/>
+          <p:nvPr/>
+        </p:nvGrpSpPr>
+        <p:grpSpPr>
+          <a:xfrm>
+            <a:off x="3036428" y="24602891"/>
+            <a:ext cx="10073116" cy="6095331"/>
+            <a:chOff x="2453766" y="24994506"/>
+            <a:chExt cx="10570588" cy="6267465"/>
+          </a:xfrm>
+        </p:grpSpPr>
+        <p:sp>
+          <p:nvSpPr>
+            <p:cNvPr id="4" name="Rectangle 3">
+              <a:extLst>
+                <a:ext uri="{FF2B5EF4-FFF2-40B4-BE49-F238E27FC236}">
+                  <a16:creationId xmlns:a16="http://schemas.microsoft.com/office/drawing/2014/main" id="{0B01F876-671A-1C41-AE3C-2B6CD013E9E7}"/>
+                </a:ext>
+              </a:extLst>
+            </p:cNvPr>
+            <p:cNvSpPr/>
+            <p:nvPr/>
+          </p:nvSpPr>
+          <p:spPr>
+            <a:xfrm>
+              <a:off x="2453766" y="27863420"/>
+              <a:ext cx="2539271" cy="1424108"/>
+            </a:xfrm>
+            <a:prstGeom prst="rect">
+              <a:avLst/>
+            </a:prstGeom>
+          </p:spPr>
+          <p:txBody>
+            <a:bodyPr wrap="square">
+              <a:spAutoFit/>
+            </a:bodyPr>
+            <a:lstStyle/>
+            <a:p>
+              <a:r>
+                <a:rPr lang="en-US" sz="2800" dirty="0">
+                  <a:solidFill>
+                    <a:srgbClr val="C00000"/>
+                  </a:solidFill>
+                  <a:latin typeface="Montserrat Extra Bold" panose="00000900000000000000" pitchFamily="50" charset="0"/>
+                </a:rPr>
+                <a:t>A set of candidate solutions</a:t>
+              </a:r>
+              <a:endParaRPr lang="en-US" sz="2800" dirty="0">
+                <a:solidFill>
+                  <a:srgbClr val="C00000"/>
+                </a:solidFill>
+              </a:endParaRPr>
+            </a:p>
+          </p:txBody>
+        </p:sp>
+        <p:cxnSp>
+          <p:nvCxnSpPr>
+            <p:cNvPr id="9" name="Straight Arrow Connector 8">
+              <a:extLst>
+                <a:ext uri="{FF2B5EF4-FFF2-40B4-BE49-F238E27FC236}">
+                  <a16:creationId xmlns:a16="http://schemas.microsoft.com/office/drawing/2014/main" id="{4AC7A810-D4A3-6841-8CED-C2FD0BF75314}"/>
+                </a:ext>
+              </a:extLst>
+            </p:cNvPr>
+            <p:cNvCxnSpPr>
+              <a:cxnSpLocks/>
+            </p:cNvCxnSpPr>
+            <p:nvPr/>
+          </p:nvCxnSpPr>
+          <p:spPr>
+            <a:xfrm>
+              <a:off x="4172469" y="28642346"/>
+              <a:ext cx="1422544" cy="0"/>
+            </a:xfrm>
+            <a:prstGeom prst="straightConnector1">
+              <a:avLst/>
+            </a:prstGeom>
+            <a:ln w="31750">
+              <a:solidFill>
+                <a:srgbClr val="C00000"/>
+              </a:solidFill>
+              <a:headEnd type="triangle"/>
+              <a:tailEnd type="triangle"/>
+            </a:ln>
+          </p:spPr>
+          <p:style>
+            <a:lnRef idx="3">
+              <a:schemeClr val="accent6"/>
+            </a:lnRef>
+            <a:fillRef idx="0">
+              <a:schemeClr val="accent6"/>
+            </a:fillRef>
+            <a:effectRef idx="2">
+              <a:schemeClr val="accent6"/>
+            </a:effectRef>
+            <a:fontRef idx="minor">
+              <a:schemeClr val="tx1"/>
+            </a:fontRef>
+          </p:style>
+        </p:cxnSp>
+        <p:sp>
+          <p:nvSpPr>
+            <p:cNvPr id="132" name="Rectangle 131">
+              <a:extLst>
+                <a:ext uri="{FF2B5EF4-FFF2-40B4-BE49-F238E27FC236}">
+                  <a16:creationId xmlns:a16="http://schemas.microsoft.com/office/drawing/2014/main" id="{81B52FA1-62C1-3940-BF1E-2F87FF4E31FA}"/>
+                </a:ext>
+              </a:extLst>
+            </p:cNvPr>
+            <p:cNvSpPr/>
+            <p:nvPr/>
+          </p:nvSpPr>
+          <p:spPr>
+            <a:xfrm>
+              <a:off x="3259170" y="30280920"/>
+              <a:ext cx="2842086" cy="981051"/>
+            </a:xfrm>
+            <a:prstGeom prst="rect">
+              <a:avLst/>
+            </a:prstGeom>
+          </p:spPr>
+          <p:txBody>
+            <a:bodyPr wrap="square">
+              <a:spAutoFit/>
+            </a:bodyPr>
+            <a:lstStyle/>
+            <a:p>
+              <a:r>
+                <a:rPr lang="en-US" sz="2800" dirty="0">
+                  <a:solidFill>
+                    <a:srgbClr val="C00000"/>
+                  </a:solidFill>
+                  <a:latin typeface="Montserrat Extra Bold" panose="00000900000000000000" pitchFamily="50" charset="0"/>
+                </a:rPr>
+                <a:t>All solutions are Non-dominated</a:t>
+              </a:r>
+              <a:endParaRPr lang="en-US" sz="2800" dirty="0">
+                <a:solidFill>
+                  <a:srgbClr val="C00000"/>
+                </a:solidFill>
+              </a:endParaRPr>
+            </a:p>
+          </p:txBody>
+        </p:sp>
+        <p:sp>
+          <p:nvSpPr>
+            <p:cNvPr id="133" name="Rectangle 132">
+              <a:extLst>
+                <a:ext uri="{FF2B5EF4-FFF2-40B4-BE49-F238E27FC236}">
+                  <a16:creationId xmlns:a16="http://schemas.microsoft.com/office/drawing/2014/main" id="{ECE8E9DB-013D-144D-BD32-6C842116582F}"/>
+                </a:ext>
+              </a:extLst>
+            </p:cNvPr>
+            <p:cNvSpPr/>
+            <p:nvPr/>
+          </p:nvSpPr>
+          <p:spPr>
+            <a:xfrm>
+              <a:off x="4763882" y="24994506"/>
+              <a:ext cx="6127834" cy="1424108"/>
+            </a:xfrm>
+            <a:prstGeom prst="rect">
+              <a:avLst/>
+            </a:prstGeom>
+          </p:spPr>
+          <p:txBody>
+            <a:bodyPr wrap="square">
+              <a:spAutoFit/>
+            </a:bodyPr>
+            <a:lstStyle/>
+            <a:p>
+              <a:r>
+                <a:rPr lang="en-US" sz="2800" dirty="0">
+                  <a:solidFill>
+                    <a:srgbClr val="C00000"/>
+                  </a:solidFill>
+                  <a:latin typeface="Montserrat Extra Bold" panose="00000900000000000000" pitchFamily="50" charset="0"/>
+                </a:rPr>
+                <a:t>Environmental pressure causes natural selection. Better candidates are more likely to survive and reproduce</a:t>
+              </a:r>
+              <a:endParaRPr lang="en-US" sz="2800" dirty="0">
+                <a:solidFill>
+                  <a:srgbClr val="C00000"/>
+                </a:solidFill>
+              </a:endParaRPr>
+            </a:p>
+          </p:txBody>
+        </p:sp>
+        <p:grpSp>
+          <p:nvGrpSpPr>
+            <p:cNvPr id="32" name="Group 31">
+              <a:extLst>
+                <a:ext uri="{FF2B5EF4-FFF2-40B4-BE49-F238E27FC236}">
+                  <a16:creationId xmlns:a16="http://schemas.microsoft.com/office/drawing/2014/main" id="{19D2B2C3-9007-4341-B0A2-CFC88A111954}"/>
+                </a:ext>
+              </a:extLst>
+            </p:cNvPr>
+            <p:cNvGrpSpPr/>
+            <p:nvPr/>
+          </p:nvGrpSpPr>
+          <p:grpSpPr>
+            <a:xfrm>
+              <a:off x="5948458" y="26521133"/>
+              <a:ext cx="524113" cy="174577"/>
+              <a:chOff x="5948458" y="26504163"/>
+              <a:chExt cx="524113" cy="174577"/>
+            </a:xfrm>
+          </p:grpSpPr>
+          <p:cxnSp>
+            <p:nvCxnSpPr>
+              <p:cNvPr id="141" name="Straight Arrow Connector 140">
+                <a:extLst>
+                  <a:ext uri="{FF2B5EF4-FFF2-40B4-BE49-F238E27FC236}">
+                    <a16:creationId xmlns:a16="http://schemas.microsoft.com/office/drawing/2014/main" id="{A8274D9F-F393-0443-A8AD-D975B519CB54}"/>
+                  </a:ext>
+                </a:extLst>
+              </p:cNvPr>
+              <p:cNvCxnSpPr>
+                <a:cxnSpLocks/>
+              </p:cNvCxnSpPr>
+              <p:nvPr/>
+            </p:nvCxnSpPr>
+            <p:spPr>
+              <a:xfrm>
+                <a:off x="5948458" y="26671680"/>
+                <a:ext cx="524113" cy="0"/>
+              </a:xfrm>
+              <a:prstGeom prst="straightConnector1">
+                <a:avLst/>
+              </a:prstGeom>
+              <a:ln w="31750">
+                <a:solidFill>
+                  <a:srgbClr val="C00000"/>
+                </a:solidFill>
+                <a:headEnd type="none"/>
+                <a:tailEnd type="triangle"/>
+              </a:ln>
+            </p:spPr>
+            <p:style>
+              <a:lnRef idx="3">
+                <a:schemeClr val="accent6"/>
+              </a:lnRef>
+              <a:fillRef idx="0">
+                <a:schemeClr val="accent6"/>
+              </a:fillRef>
+              <a:effectRef idx="2">
+                <a:schemeClr val="accent6"/>
+              </a:effectRef>
+              <a:fontRef idx="minor">
+                <a:schemeClr val="tx1"/>
+              </a:fontRef>
+            </p:style>
+          </p:cxnSp>
+          <p:cxnSp>
+            <p:nvCxnSpPr>
+              <p:cNvPr id="143" name="Straight Arrow Connector 142">
+                <a:extLst>
+                  <a:ext uri="{FF2B5EF4-FFF2-40B4-BE49-F238E27FC236}">
+                    <a16:creationId xmlns:a16="http://schemas.microsoft.com/office/drawing/2014/main" id="{B3DB6031-BACC-A541-B703-1731A4E8B43B}"/>
+                  </a:ext>
+                </a:extLst>
+              </p:cNvPr>
+              <p:cNvCxnSpPr>
+                <a:cxnSpLocks/>
+              </p:cNvCxnSpPr>
+              <p:nvPr/>
+            </p:nvCxnSpPr>
+            <p:spPr>
+              <a:xfrm>
+                <a:off x="5954777" y="26504163"/>
+                <a:ext cx="0" cy="174577"/>
+              </a:xfrm>
+              <a:prstGeom prst="straightConnector1">
+                <a:avLst/>
+              </a:prstGeom>
+              <a:ln w="31750">
+                <a:solidFill>
+                  <a:srgbClr val="C00000"/>
+                </a:solidFill>
+                <a:headEnd type="none"/>
+                <a:tailEnd type="none"/>
+              </a:ln>
+            </p:spPr>
+            <p:style>
+              <a:lnRef idx="3">
+                <a:schemeClr val="accent6"/>
+              </a:lnRef>
+              <a:fillRef idx="0">
+                <a:schemeClr val="accent6"/>
+              </a:fillRef>
+              <a:effectRef idx="2">
+                <a:schemeClr val="accent6"/>
+              </a:effectRef>
+              <a:fontRef idx="minor">
+                <a:schemeClr val="tx1"/>
+              </a:fontRef>
+            </p:style>
+          </p:cxnSp>
+        </p:grpSp>
+        <p:sp>
+          <p:nvSpPr>
+            <p:cNvPr id="148" name="Rectangle 147">
+              <a:extLst>
+                <a:ext uri="{FF2B5EF4-FFF2-40B4-BE49-F238E27FC236}">
+                  <a16:creationId xmlns:a16="http://schemas.microsoft.com/office/drawing/2014/main" id="{F56BCF60-B738-6746-A045-B191F9800AF7}"/>
+                </a:ext>
+              </a:extLst>
+            </p:cNvPr>
+            <p:cNvSpPr/>
+            <p:nvPr/>
+          </p:nvSpPr>
+          <p:spPr>
+            <a:xfrm>
+              <a:off x="10485083" y="29851639"/>
+              <a:ext cx="2539271" cy="981051"/>
+            </a:xfrm>
+            <a:prstGeom prst="rect">
+              <a:avLst/>
+            </a:prstGeom>
+          </p:spPr>
+          <p:txBody>
+            <a:bodyPr wrap="square">
+              <a:spAutoFit/>
+            </a:bodyPr>
+            <a:lstStyle/>
+            <a:p>
+              <a:r>
+                <a:rPr lang="en-US" sz="2800" dirty="0">
+                  <a:solidFill>
+                    <a:srgbClr val="C00000"/>
+                  </a:solidFill>
+                  <a:latin typeface="Montserrat Extra Bold" panose="00000900000000000000" pitchFamily="50" charset="0"/>
+                </a:rPr>
+                <a:t>New </a:t>
+              </a:r>
+            </a:p>
+            <a:p>
+              <a:r>
+                <a:rPr lang="en-US" sz="2800" dirty="0">
+                  <a:solidFill>
+                    <a:srgbClr val="C00000"/>
+                  </a:solidFill>
+                  <a:latin typeface="Montserrat Extra Bold" panose="00000900000000000000" pitchFamily="50" charset="0"/>
+                </a:rPr>
+                <a:t>solutions</a:t>
+              </a:r>
+              <a:endParaRPr lang="en-US" sz="2800" dirty="0">
+                <a:solidFill>
+                  <a:srgbClr val="C00000"/>
+                </a:solidFill>
+              </a:endParaRPr>
+            </a:p>
+          </p:txBody>
+        </p:sp>
+        <p:cxnSp>
+          <p:nvCxnSpPr>
+            <p:cNvPr id="149" name="Straight Arrow Connector 148">
+              <a:extLst>
+                <a:ext uri="{FF2B5EF4-FFF2-40B4-BE49-F238E27FC236}">
+                  <a16:creationId xmlns:a16="http://schemas.microsoft.com/office/drawing/2014/main" id="{77D5EF82-7C08-3544-BB38-D714B2538E09}"/>
+                </a:ext>
+              </a:extLst>
+            </p:cNvPr>
+            <p:cNvCxnSpPr>
+              <a:cxnSpLocks/>
+            </p:cNvCxnSpPr>
+            <p:nvPr/>
+          </p:nvCxnSpPr>
+          <p:spPr>
+            <a:xfrm>
+              <a:off x="9988074" y="30378048"/>
+              <a:ext cx="416408" cy="0"/>
+            </a:xfrm>
+            <a:prstGeom prst="straightConnector1">
+              <a:avLst/>
+            </a:prstGeom>
+            <a:ln w="31750">
+              <a:solidFill>
+                <a:srgbClr val="C00000"/>
+              </a:solidFill>
+              <a:headEnd type="triangle"/>
+              <a:tailEnd type="triangle"/>
+            </a:ln>
+          </p:spPr>
+          <p:style>
+            <a:lnRef idx="3">
+              <a:schemeClr val="accent6"/>
+            </a:lnRef>
+            <a:fillRef idx="0">
+              <a:schemeClr val="accent6"/>
+            </a:fillRef>
+            <a:effectRef idx="2">
+              <a:schemeClr val="accent6"/>
+            </a:effectRef>
+            <a:fontRef idx="minor">
+              <a:schemeClr val="tx1"/>
+            </a:fontRef>
+          </p:style>
+        </p:cxnSp>
+      </p:grpSp>
+      <mc:AlternateContent xmlns:mc="http://schemas.openxmlformats.org/markup-compatibility/2006" xmlns:a14="http://schemas.microsoft.com/office/drawing/2010/main">
+        <mc:Choice Requires="a14">
+          <p:sp>
+            <p:nvSpPr>
+              <p:cNvPr id="52" name="Rectangle 51">
+                <a:extLst>
+                  <a:ext uri="{FF2B5EF4-FFF2-40B4-BE49-F238E27FC236}">
+                    <a16:creationId xmlns:a16="http://schemas.microsoft.com/office/drawing/2014/main" id="{9C133D6F-4721-8848-8325-A68CE4603A40}"/>
+                  </a:ext>
+                </a:extLst>
+              </p:cNvPr>
+              <p:cNvSpPr/>
+              <p:nvPr/>
+            </p:nvSpPr>
+            <p:spPr>
+              <a:xfrm>
+                <a:off x="10149561" y="32665315"/>
+                <a:ext cx="6338367" cy="2427331"/>
+              </a:xfrm>
+              <a:prstGeom prst="rect">
+                <a:avLst/>
+              </a:prstGeom>
+            </p:spPr>
+            <p:txBody>
+              <a:bodyPr wrap="square">
+                <a:spAutoFit/>
+              </a:bodyPr>
+              <a:lstStyle/>
+              <a:p>
+                <a:r>
+                  <a:rPr lang="en-US" sz="2800" b="1" dirty="0">
+                    <a:solidFill>
+                      <a:schemeClr val="tx1">
+                        <a:lumMod val="65000"/>
+                        <a:lumOff val="35000"/>
+                      </a:schemeClr>
+                    </a:solidFill>
+                    <a:latin typeface="Montserrat Extra Bold" panose="00000900000000000000" pitchFamily="50" charset="0"/>
+                  </a:rPr>
+                  <a:t>Objective-2: </a:t>
+                </a:r>
+              </a:p>
+              <a:p>
+                <a:r>
+                  <a:rPr lang="en-US" sz="2800" dirty="0">
+                    <a:solidFill>
+                      <a:schemeClr val="tx1">
+                        <a:lumMod val="65000"/>
+                        <a:lumOff val="35000"/>
+                      </a:schemeClr>
+                    </a:solidFill>
+                    <a:latin typeface="Montserrat Extra Bold" panose="00000900000000000000" pitchFamily="50" charset="0"/>
+                  </a:rPr>
+                  <a:t>Minimize the number of </a:t>
+                </a:r>
+              </a:p>
+              <a:p>
+                <a:r>
+                  <a:rPr lang="en-US" sz="2800" dirty="0">
+                    <a:solidFill>
+                      <a:schemeClr val="tx1">
+                        <a:lumMod val="65000"/>
+                        <a:lumOff val="35000"/>
+                      </a:schemeClr>
+                    </a:solidFill>
+                    <a:latin typeface="Montserrat Extra Bold" panose="00000900000000000000" pitchFamily="50" charset="0"/>
+                  </a:rPr>
+                  <a:t>active sources (NAS):</a:t>
+                </a:r>
+              </a:p>
+              <a:p>
+                <a:endParaRPr lang="en-US" sz="2800" i="1" dirty="0">
+                  <a:solidFill>
+                    <a:schemeClr val="tx1">
+                      <a:lumMod val="65000"/>
+                      <a:lumOff val="35000"/>
+                    </a:schemeClr>
+                  </a:solidFill>
+                  <a:latin typeface="Cambria Math" panose="02040503050406030204" pitchFamily="18" charset="0"/>
+                </a:endParaRPr>
+              </a:p>
+              <a:p>
+                <a14:m>
+                  <m:oMath xmlns:m="http://schemas.openxmlformats.org/officeDocument/2006/math">
+                    <m:sSub>
+                      <m:sSubPr>
+                        <m:ctrlPr>
+                          <a:rPr lang="en-US" sz="2800" i="1">
+                            <a:solidFill>
+                              <a:schemeClr val="tx1">
+                                <a:lumMod val="65000"/>
+                                <a:lumOff val="35000"/>
+                              </a:schemeClr>
+                            </a:solidFill>
+                            <a:latin typeface="Cambria Math" panose="02040503050406030204" pitchFamily="18" charset="0"/>
+                          </a:rPr>
+                        </m:ctrlPr>
+                      </m:sSubPr>
+                      <m:e>
+                        <m:r>
+                          <a:rPr lang="en-US" sz="2800" i="1">
+                            <a:solidFill>
+                              <a:schemeClr val="tx1">
+                                <a:lumMod val="65000"/>
+                                <a:lumOff val="35000"/>
+                              </a:schemeClr>
+                            </a:solidFill>
+                            <a:latin typeface="Cambria Math" panose="02040503050406030204" pitchFamily="18" charset="0"/>
+                          </a:rPr>
+                          <m:t>𝛹</m:t>
+                        </m:r>
+                      </m:e>
+                      <m:sub>
+                        <m:r>
+                          <a:rPr lang="en-US" sz="2800" i="1">
+                            <a:solidFill>
+                              <a:schemeClr val="tx1">
+                                <a:lumMod val="65000"/>
+                                <a:lumOff val="35000"/>
+                              </a:schemeClr>
+                            </a:solidFill>
+                            <a:latin typeface="Cambria Math" panose="02040503050406030204" pitchFamily="18" charset="0"/>
+                          </a:rPr>
+                          <m:t>#</m:t>
+                        </m:r>
+                        <m:r>
+                          <a:rPr lang="en-US" sz="2800" i="1">
+                            <a:solidFill>
+                              <a:schemeClr val="tx1">
+                                <a:lumMod val="65000"/>
+                                <a:lumOff val="35000"/>
+                              </a:schemeClr>
+                            </a:solidFill>
+                            <a:latin typeface="Cambria Math" panose="02040503050406030204" pitchFamily="18" charset="0"/>
+                          </a:rPr>
+                          <m:t>𝑆</m:t>
+                        </m:r>
+                      </m:sub>
+                    </m:sSub>
+                    <m:r>
+                      <a:rPr lang="en-US" sz="2800" i="1">
+                        <a:solidFill>
+                          <a:schemeClr val="tx1">
+                            <a:lumMod val="65000"/>
+                            <a:lumOff val="35000"/>
+                          </a:schemeClr>
+                        </a:solidFill>
+                        <a:latin typeface="Cambria Math" panose="02040503050406030204" pitchFamily="18" charset="0"/>
+                      </a:rPr>
+                      <m:t>=</m:t>
+                    </m:r>
+                    <m:sSub>
+                      <m:sSubPr>
+                        <m:ctrlPr>
+                          <a:rPr lang="en-US" sz="2800" i="1">
+                            <a:solidFill>
+                              <a:schemeClr val="tx1">
+                                <a:lumMod val="65000"/>
+                                <a:lumOff val="35000"/>
+                              </a:schemeClr>
+                            </a:solidFill>
+                            <a:latin typeface="Cambria Math" panose="02040503050406030204" pitchFamily="18" charset="0"/>
+                          </a:rPr>
+                        </m:ctrlPr>
+                      </m:sSubPr>
+                      <m:e>
+                        <m:func>
+                          <m:funcPr>
+                            <m:ctrlPr>
+                              <a:rPr lang="en-US" sz="2800" i="1">
+                                <a:solidFill>
+                                  <a:schemeClr val="tx1">
+                                    <a:lumMod val="65000"/>
+                                    <a:lumOff val="35000"/>
+                                  </a:schemeClr>
+                                </a:solidFill>
+                                <a:latin typeface="Cambria Math" panose="02040503050406030204" pitchFamily="18" charset="0"/>
+                              </a:rPr>
+                            </m:ctrlPr>
+                          </m:funcPr>
+                          <m:fName>
+                            <m:limLow>
+                              <m:limLowPr>
+                                <m:ctrlPr>
+                                  <a:rPr lang="en-US" sz="2800" i="1">
+                                    <a:solidFill>
+                                      <a:schemeClr val="tx1">
+                                        <a:lumMod val="65000"/>
+                                        <a:lumOff val="35000"/>
+                                      </a:schemeClr>
+                                    </a:solidFill>
+                                    <a:latin typeface="Cambria Math" panose="02040503050406030204" pitchFamily="18" charset="0"/>
+                                  </a:rPr>
+                                </m:ctrlPr>
+                              </m:limLowPr>
+                              <m:e>
+                                <m:r>
+                                  <a:rPr lang="en-US" sz="2800" i="1">
+                                    <a:solidFill>
+                                      <a:schemeClr val="tx1">
+                                        <a:lumMod val="65000"/>
+                                        <a:lumOff val="35000"/>
+                                      </a:schemeClr>
+                                    </a:solidFill>
+                                    <a:latin typeface="Cambria Math" panose="02040503050406030204" pitchFamily="18" charset="0"/>
+                                  </a:rPr>
+                                  <m:t>𝑚𝑖𝑛</m:t>
+                                </m:r>
+                              </m:e>
+                              <m:lim>
+                                <m:d>
+                                  <m:dPr>
+                                    <m:begChr m:val="{"/>
+                                    <m:endChr m:val="}"/>
+                                    <m:ctrlPr>
+                                      <a:rPr lang="en-US" sz="2800" i="1">
+                                        <a:solidFill>
+                                          <a:schemeClr val="tx1">
+                                            <a:lumMod val="65000"/>
+                                            <a:lumOff val="35000"/>
+                                          </a:schemeClr>
+                                        </a:solidFill>
+                                        <a:latin typeface="Cambria Math" panose="02040503050406030204" pitchFamily="18" charset="0"/>
+                                      </a:rPr>
+                                    </m:ctrlPr>
+                                  </m:dPr>
+                                  <m:e>
+                                    <m:r>
+                                      <a:rPr lang="en-US" sz="2800" i="1">
+                                        <a:solidFill>
+                                          <a:schemeClr val="tx1">
+                                            <a:lumMod val="65000"/>
+                                            <a:lumOff val="35000"/>
+                                          </a:schemeClr>
+                                        </a:solidFill>
+                                        <a:latin typeface="Cambria Math" panose="02040503050406030204" pitchFamily="18" charset="0"/>
+                                      </a:rPr>
+                                      <m:t>𝑆</m:t>
+                                    </m:r>
+                                  </m:e>
+                                </m:d>
+                              </m:lim>
+                            </m:limLow>
+                          </m:fName>
+                          <m:e>
+                            <m:d>
+                              <m:dPr>
+                                <m:begChr m:val="|"/>
+                                <m:endChr m:val="|"/>
+                                <m:ctrlPr>
+                                  <a:rPr lang="en-US" sz="2800" i="1">
+                                    <a:solidFill>
+                                      <a:schemeClr val="tx1">
+                                        <a:lumMod val="65000"/>
+                                        <a:lumOff val="35000"/>
+                                      </a:schemeClr>
+                                    </a:solidFill>
+                                    <a:latin typeface="Cambria Math" panose="02040503050406030204" pitchFamily="18" charset="0"/>
+                                  </a:rPr>
+                                </m:ctrlPr>
+                              </m:dPr>
+                              <m:e>
+                                <m:r>
+                                  <a:rPr lang="en-US" sz="2800" i="1">
+                                    <a:solidFill>
+                                      <a:schemeClr val="tx1">
+                                        <a:lumMod val="65000"/>
+                                        <a:lumOff val="35000"/>
+                                      </a:schemeClr>
+                                    </a:solidFill>
+                                    <a:latin typeface="Cambria Math" panose="02040503050406030204" pitchFamily="18" charset="0"/>
+                                  </a:rPr>
+                                  <m:t>𝑆</m:t>
+                                </m:r>
+                              </m:e>
+                            </m:d>
+                          </m:e>
+                        </m:func>
+                      </m:e>
+                      <m:sub>
+                        <m:r>
+                          <a:rPr lang="en-US" sz="2800" i="1">
+                            <a:solidFill>
+                              <a:schemeClr val="tx1">
+                                <a:lumMod val="65000"/>
+                                <a:lumOff val="35000"/>
+                              </a:schemeClr>
+                            </a:solidFill>
+                            <a:latin typeface="Cambria Math" panose="02040503050406030204" pitchFamily="18" charset="0"/>
+                          </a:rPr>
+                          <m:t>0</m:t>
+                        </m:r>
+                      </m:sub>
+                    </m:sSub>
+                  </m:oMath>
+                </a14:m>
+                <a:r>
+                  <a:rPr lang="en-US" sz="2800" dirty="0"/>
+                  <a:t> </a:t>
+                </a:r>
+                <a:endParaRPr lang="en-US" sz="2800" dirty="0">
+                  <a:solidFill>
+                    <a:schemeClr val="tx1">
+                      <a:lumMod val="65000"/>
+                      <a:lumOff val="35000"/>
+                    </a:schemeClr>
+                  </a:solidFill>
+                  <a:latin typeface="Montserrat Extra Bold" panose="00000900000000000000" pitchFamily="50" charset="0"/>
+                </a:endParaRPr>
+              </a:p>
+            </p:txBody>
+          </p:sp>
+        </mc:Choice>
+        <mc:Fallback xmlns="">
+          <p:sp>
+            <p:nvSpPr>
+              <p:cNvPr id="52" name="Rectangle 51">
+                <a:extLst>
+                  <a:ext uri="{FF2B5EF4-FFF2-40B4-BE49-F238E27FC236}">
+                    <a16:creationId xmlns:a16="http://schemas.microsoft.com/office/drawing/2014/main" id="{9C133D6F-4721-8848-8325-A68CE4603A40}"/>
+                  </a:ext>
+                </a:extLst>
+              </p:cNvPr>
+              <p:cNvSpPr>
+                <a:spLocks noRot="1" noChangeAspect="1" noMove="1" noResize="1" noEditPoints="1" noAdjustHandles="1" noChangeArrowheads="1" noChangeShapeType="1" noTextEdit="1"/>
+              </p:cNvSpPr>
+              <p:nvPr/>
+            </p:nvSpPr>
+            <p:spPr>
+              <a:xfrm>
+                <a:off x="10149561" y="32665315"/>
+                <a:ext cx="6338367" cy="2427331"/>
+              </a:xfrm>
+              <a:prstGeom prst="rect">
+                <a:avLst/>
+              </a:prstGeom>
+              <a:blipFill>
+                <a:blip r:embed="rId26"/>
+                <a:stretch>
+                  <a:fillRect l="-1800" t="-2083"/>
                 </a:stretch>
               </a:blipFill>
             </p:spPr>
@@ -12363,488 +12599,111 @@
           </p:sp>
         </mc:Fallback>
       </mc:AlternateContent>
-      <p:grpSp>
-        <p:nvGrpSpPr>
-          <p:cNvPr id="62" name="Group 61">
+      <p:sp>
+        <p:nvSpPr>
+          <p:cNvPr id="159" name="TextBox 158">
             <a:extLst>
               <a:ext uri="{FF2B5EF4-FFF2-40B4-BE49-F238E27FC236}">
-                <a16:creationId xmlns:a16="http://schemas.microsoft.com/office/drawing/2014/main" id="{2F6EC931-68ED-8A45-B4C2-39FC57C5F87C}"/>
+                <a16:creationId xmlns:a16="http://schemas.microsoft.com/office/drawing/2014/main" id="{4DD2731F-4313-4B4D-89A5-85E339BE4A7D}"/>
               </a:ext>
             </a:extLst>
           </p:cNvPr>
-          <p:cNvGrpSpPr/>
+          <p:cNvSpPr txBox="1"/>
           <p:nvPr/>
-        </p:nvGrpSpPr>
-        <p:grpSpPr>
+        </p:nvSpPr>
+        <p:spPr>
           <a:xfrm>
-            <a:off x="7744471" y="1709198"/>
-            <a:ext cx="450635" cy="631206"/>
-            <a:chOff x="19804696" y="14108514"/>
-            <a:chExt cx="450635" cy="631206"/>
+            <a:off x="1352239" y="35742646"/>
+            <a:ext cx="3988990" cy="646331"/>
           </a:xfrm>
-        </p:grpSpPr>
-        <p:grpSp>
-          <p:nvGrpSpPr>
-            <p:cNvPr id="644" name="Group 643">
-              <a:extLst>
-                <a:ext uri="{FF2B5EF4-FFF2-40B4-BE49-F238E27FC236}">
-                  <a16:creationId xmlns:a16="http://schemas.microsoft.com/office/drawing/2014/main" id="{E779AFE7-D80E-5B45-A21E-FAA2F456295D}"/>
-                </a:ext>
-              </a:extLst>
-            </p:cNvPr>
-            <p:cNvGrpSpPr/>
-            <p:nvPr/>
-          </p:nvGrpSpPr>
-          <p:grpSpPr>
-            <a:xfrm>
-              <a:off x="19804696" y="14309065"/>
-              <a:ext cx="320525" cy="430655"/>
-              <a:chOff x="17373586" y="11992805"/>
-              <a:chExt cx="808089" cy="1384870"/>
-            </a:xfrm>
-            <a:solidFill>
-              <a:srgbClr val="437172"/>
-            </a:solidFill>
-          </p:grpSpPr>
-          <p:sp>
-            <p:nvSpPr>
-              <p:cNvPr id="650" name="Rectangle 649">
-                <a:extLst>
-                  <a:ext uri="{FF2B5EF4-FFF2-40B4-BE49-F238E27FC236}">
-                    <a16:creationId xmlns:a16="http://schemas.microsoft.com/office/drawing/2014/main" id="{241E7F1C-7FE0-024B-AD20-71A88982EF18}"/>
-                  </a:ext>
-                </a:extLst>
-              </p:cNvPr>
-              <p:cNvSpPr/>
-              <p:nvPr/>
-            </p:nvSpPr>
-            <p:spPr>
-              <a:xfrm>
-                <a:off x="17373586" y="12780334"/>
-                <a:ext cx="597338" cy="597341"/>
-              </a:xfrm>
-              <a:prstGeom prst="rect">
-                <a:avLst/>
-              </a:prstGeom>
+          <a:prstGeom prst="rect">
+            <a:avLst/>
+          </a:prstGeom>
+          <a:noFill/>
+        </p:spPr>
+        <p:txBody>
+          <a:bodyPr wrap="square" rtlCol="0">
+            <a:spAutoFit/>
+          </a:bodyPr>
+          <a:lstStyle>
+            <a:defPPr>
+              <a:defRPr kern="1200" smtId="4294967295"/>
+            </a:defPPr>
+          </a:lstStyle>
+          <a:p>
+            <a:r>
+              <a:rPr lang="en-US" sz="3600" b="1" u="sng" dirty="0">
+                <a:solidFill>
+                  <a:schemeClr val="tx1">
+                    <a:lumMod val="65000"/>
+                    <a:lumOff val="35000"/>
+                  </a:schemeClr>
+                </a:solidFill>
+                <a:latin typeface="Montserrat Extra Bold" panose="00000900000000000000" pitchFamily="50" charset="0"/>
+                <a:ea typeface="+mj-ea"/>
+                <a:cs typeface="+mj-cs"/>
+              </a:rPr>
+              <a:t>Simulation set</a:t>
+            </a:r>
+          </a:p>
+        </p:txBody>
+      </p:sp>
+      <p:sp>
+        <p:nvSpPr>
+          <p:cNvPr id="160" name="TextBox 159">
+            <a:extLst>
+              <a:ext uri="{FF2B5EF4-FFF2-40B4-BE49-F238E27FC236}">
+                <a16:creationId xmlns:a16="http://schemas.microsoft.com/office/drawing/2014/main" id="{9CF511FA-C377-A549-81A6-DE7FAC415985}"/>
+              </a:ext>
+            </a:extLst>
+          </p:cNvPr>
+          <p:cNvSpPr txBox="1"/>
+          <p:nvPr/>
+        </p:nvSpPr>
+        <p:spPr>
+          <a:xfrm>
+            <a:off x="15630250" y="33138594"/>
+            <a:ext cx="12792544" cy="923330"/>
+          </a:xfrm>
+          <a:prstGeom prst="rect">
+            <a:avLst/>
+          </a:prstGeom>
+          <a:noFill/>
+        </p:spPr>
+        <p:txBody>
+          <a:bodyPr wrap="square" rtlCol="0">
+            <a:spAutoFit/>
+          </a:bodyPr>
+          <a:lstStyle>
+            <a:defPPr>
+              <a:defRPr kern="1200" smtId="4294967295"/>
+            </a:defPPr>
+          </a:lstStyle>
+          <a:p>
+            <a:r>
+              <a:rPr lang="en-US" sz="5400" b="1" dirty="0">
+                <a:solidFill>
+                  <a:schemeClr val="tx1">
+                    <a:lumMod val="75000"/>
+                    <a:lumOff val="25000"/>
+                  </a:schemeClr>
+                </a:solidFill>
+                <a:latin typeface="Montserrat Extra Bold" panose="00000900000000000000" pitchFamily="50" charset="0"/>
+              </a:rPr>
+              <a:t>Future work </a:t>
+            </a:r>
+            <a:endParaRPr lang="en-US" sz="3600" b="1" dirty="0">
               <a:solidFill>
-                <a:schemeClr val="bg1"/>
+                <a:schemeClr val="tx1">
+                  <a:lumMod val="75000"/>
+                  <a:lumOff val="25000"/>
+                </a:schemeClr>
               </a:solidFill>
-              <a:ln>
-                <a:noFill/>
-              </a:ln>
-            </p:spPr>
-            <p:style>
-              <a:lnRef idx="2">
-                <a:schemeClr val="accent1">
-                  <a:shade val="50000"/>
-                </a:schemeClr>
-              </a:lnRef>
-              <a:fillRef idx="1">
-                <a:schemeClr val="accent1"/>
-              </a:fillRef>
-              <a:effectRef idx="0">
-                <a:schemeClr val="accent1"/>
-              </a:effectRef>
-              <a:fontRef idx="minor">
-                <a:schemeClr val="lt1"/>
-              </a:fontRef>
-            </p:style>
-            <p:txBody>
-              <a:bodyPr rtlCol="0" anchor="ctr"/>
-              <a:lstStyle/>
-              <a:p>
-                <a:pPr algn="ctr"/>
-                <a:endParaRPr lang="en-US"/>
-              </a:p>
-            </p:txBody>
-          </p:sp>
-          <p:sp>
-            <p:nvSpPr>
-              <p:cNvPr id="651" name="Rectangle 650">
-                <a:extLst>
-                  <a:ext uri="{FF2B5EF4-FFF2-40B4-BE49-F238E27FC236}">
-                    <a16:creationId xmlns:a16="http://schemas.microsoft.com/office/drawing/2014/main" id="{33A95DDC-35AA-D240-AECA-8AE182FDF4D3}"/>
-                  </a:ext>
-                </a:extLst>
-              </p:cNvPr>
-              <p:cNvSpPr/>
-              <p:nvPr/>
-            </p:nvSpPr>
-            <p:spPr>
-              <a:xfrm>
-                <a:off x="18002905" y="12780335"/>
-                <a:ext cx="178770" cy="597340"/>
-              </a:xfrm>
-              <a:prstGeom prst="rect">
-                <a:avLst/>
-              </a:prstGeom>
-              <a:solidFill>
-                <a:schemeClr val="bg1"/>
-              </a:solidFill>
-              <a:ln>
-                <a:noFill/>
-              </a:ln>
-            </p:spPr>
-            <p:style>
-              <a:lnRef idx="2">
-                <a:schemeClr val="accent1">
-                  <a:shade val="50000"/>
-                </a:schemeClr>
-              </a:lnRef>
-              <a:fillRef idx="1">
-                <a:schemeClr val="accent1"/>
-              </a:fillRef>
-              <a:effectRef idx="0">
-                <a:schemeClr val="accent1"/>
-              </a:effectRef>
-              <a:fontRef idx="minor">
-                <a:schemeClr val="lt1"/>
-              </a:fontRef>
-            </p:style>
-            <p:txBody>
-              <a:bodyPr rtlCol="0" anchor="ctr"/>
-              <a:lstStyle/>
-              <a:p>
-                <a:pPr algn="ctr"/>
-                <a:endParaRPr lang="en-US"/>
-              </a:p>
-            </p:txBody>
-          </p:sp>
-          <p:sp>
-            <p:nvSpPr>
-              <p:cNvPr id="652" name="Trapezoid 651">
-                <a:extLst>
-                  <a:ext uri="{FF2B5EF4-FFF2-40B4-BE49-F238E27FC236}">
-                    <a16:creationId xmlns:a16="http://schemas.microsoft.com/office/drawing/2014/main" id="{EFFED070-5BB4-9244-B9E8-DF1F068FBA10}"/>
-                  </a:ext>
-                </a:extLst>
-              </p:cNvPr>
-              <p:cNvSpPr/>
-              <p:nvPr/>
-            </p:nvSpPr>
-            <p:spPr>
-              <a:xfrm>
-                <a:off x="17502149" y="11992805"/>
-                <a:ext cx="340242" cy="755459"/>
-              </a:xfrm>
-              <a:prstGeom prst="trapezoid">
-                <a:avLst/>
-              </a:prstGeom>
-              <a:solidFill>
-                <a:schemeClr val="bg1"/>
-              </a:solidFill>
-              <a:ln>
-                <a:noFill/>
-              </a:ln>
-            </p:spPr>
-            <p:style>
-              <a:lnRef idx="2">
-                <a:schemeClr val="accent1">
-                  <a:shade val="50000"/>
-                </a:schemeClr>
-              </a:lnRef>
-              <a:fillRef idx="1">
-                <a:schemeClr val="accent1"/>
-              </a:fillRef>
-              <a:effectRef idx="0">
-                <a:schemeClr val="accent1"/>
-              </a:effectRef>
-              <a:fontRef idx="minor">
-                <a:schemeClr val="lt1"/>
-              </a:fontRef>
-            </p:style>
-            <p:txBody>
-              <a:bodyPr rtlCol="0" anchor="ctr"/>
-              <a:lstStyle/>
-              <a:p>
-                <a:pPr algn="ctr"/>
-                <a:endParaRPr lang="en-US" dirty="0"/>
-              </a:p>
-            </p:txBody>
-          </p:sp>
-        </p:grpSp>
-        <p:grpSp>
-          <p:nvGrpSpPr>
-            <p:cNvPr id="645" name="Group 644">
-              <a:extLst>
-                <a:ext uri="{FF2B5EF4-FFF2-40B4-BE49-F238E27FC236}">
-                  <a16:creationId xmlns:a16="http://schemas.microsoft.com/office/drawing/2014/main" id="{0DF91634-8FC9-C341-9FFD-8B798AFCE72F}"/>
-                </a:ext>
-              </a:extLst>
-            </p:cNvPr>
-            <p:cNvGrpSpPr/>
-            <p:nvPr/>
-          </p:nvGrpSpPr>
-          <p:grpSpPr>
-            <a:xfrm>
-              <a:off x="19850827" y="14602870"/>
-              <a:ext cx="139817" cy="89552"/>
-              <a:chOff x="18243071" y="13064412"/>
-              <a:chExt cx="1647484" cy="1502212"/>
-            </a:xfrm>
-          </p:grpSpPr>
-          <p:sp>
-            <p:nvSpPr>
-              <p:cNvPr id="646" name="Rounded Rectangle 645">
-                <a:extLst>
-                  <a:ext uri="{FF2B5EF4-FFF2-40B4-BE49-F238E27FC236}">
-                    <a16:creationId xmlns:a16="http://schemas.microsoft.com/office/drawing/2014/main" id="{DFCCDEEC-8B27-5849-B0C1-D8ABC1F201A7}"/>
-                  </a:ext>
-                </a:extLst>
-              </p:cNvPr>
-              <p:cNvSpPr/>
-              <p:nvPr/>
-            </p:nvSpPr>
-            <p:spPr>
-              <a:xfrm>
-                <a:off x="18243072" y="13887832"/>
-                <a:ext cx="732029" cy="678792"/>
-              </a:xfrm>
-              <a:prstGeom prst="roundRect">
-                <a:avLst/>
-              </a:prstGeom>
-              <a:solidFill>
-                <a:srgbClr val="437172"/>
-              </a:solidFill>
-              <a:ln>
-                <a:noFill/>
-              </a:ln>
-            </p:spPr>
-            <p:style>
-              <a:lnRef idx="2">
-                <a:schemeClr val="accent1">
-                  <a:shade val="50000"/>
-                </a:schemeClr>
-              </a:lnRef>
-              <a:fillRef idx="1">
-                <a:schemeClr val="accent1"/>
-              </a:fillRef>
-              <a:effectRef idx="0">
-                <a:schemeClr val="accent1"/>
-              </a:effectRef>
-              <a:fontRef idx="minor">
-                <a:schemeClr val="lt1"/>
-              </a:fontRef>
-            </p:style>
-            <p:txBody>
-              <a:bodyPr rtlCol="0" anchor="ctr"/>
-              <a:lstStyle/>
-              <a:p>
-                <a:pPr algn="ctr"/>
-                <a:endParaRPr lang="en-US" dirty="0"/>
-              </a:p>
-            </p:txBody>
-          </p:sp>
-          <p:sp>
-            <p:nvSpPr>
-              <p:cNvPr id="647" name="Rounded Rectangle 646">
-                <a:extLst>
-                  <a:ext uri="{FF2B5EF4-FFF2-40B4-BE49-F238E27FC236}">
-                    <a16:creationId xmlns:a16="http://schemas.microsoft.com/office/drawing/2014/main" id="{713F6A96-DCE9-C341-945F-26066BE24AC8}"/>
-                  </a:ext>
-                </a:extLst>
-              </p:cNvPr>
-              <p:cNvSpPr/>
-              <p:nvPr/>
-            </p:nvSpPr>
-            <p:spPr>
-              <a:xfrm>
-                <a:off x="19158527" y="13883842"/>
-                <a:ext cx="732028" cy="678790"/>
-              </a:xfrm>
-              <a:prstGeom prst="roundRect">
-                <a:avLst/>
-              </a:prstGeom>
-              <a:solidFill>
-                <a:srgbClr val="437172"/>
-              </a:solidFill>
-              <a:ln>
-                <a:noFill/>
-              </a:ln>
-            </p:spPr>
-            <p:style>
-              <a:lnRef idx="2">
-                <a:schemeClr val="accent1">
-                  <a:shade val="50000"/>
-                </a:schemeClr>
-              </a:lnRef>
-              <a:fillRef idx="1">
-                <a:schemeClr val="accent1"/>
-              </a:fillRef>
-              <a:effectRef idx="0">
-                <a:schemeClr val="accent1"/>
-              </a:effectRef>
-              <a:fontRef idx="minor">
-                <a:schemeClr val="lt1"/>
-              </a:fontRef>
-            </p:style>
-            <p:txBody>
-              <a:bodyPr rtlCol="0" anchor="ctr"/>
-              <a:lstStyle/>
-              <a:p>
-                <a:pPr algn="ctr"/>
-                <a:endParaRPr lang="en-US"/>
-              </a:p>
-            </p:txBody>
-          </p:sp>
-          <p:sp>
-            <p:nvSpPr>
-              <p:cNvPr id="648" name="Rounded Rectangle 647">
-                <a:extLst>
-                  <a:ext uri="{FF2B5EF4-FFF2-40B4-BE49-F238E27FC236}">
-                    <a16:creationId xmlns:a16="http://schemas.microsoft.com/office/drawing/2014/main" id="{F7472B3B-311B-7C46-AC49-96298C08B582}"/>
-                  </a:ext>
-                </a:extLst>
-              </p:cNvPr>
-              <p:cNvSpPr/>
-              <p:nvPr/>
-            </p:nvSpPr>
-            <p:spPr>
-              <a:xfrm>
-                <a:off x="19158526" y="13064412"/>
-                <a:ext cx="732029" cy="678792"/>
-              </a:xfrm>
-              <a:prstGeom prst="roundRect">
-                <a:avLst/>
-              </a:prstGeom>
-              <a:solidFill>
-                <a:srgbClr val="437172"/>
-              </a:solidFill>
-              <a:ln>
-                <a:noFill/>
-              </a:ln>
-            </p:spPr>
-            <p:style>
-              <a:lnRef idx="2">
-                <a:schemeClr val="accent1">
-                  <a:shade val="50000"/>
-                </a:schemeClr>
-              </a:lnRef>
-              <a:fillRef idx="1">
-                <a:schemeClr val="accent1"/>
-              </a:fillRef>
-              <a:effectRef idx="0">
-                <a:schemeClr val="accent1"/>
-              </a:effectRef>
-              <a:fontRef idx="minor">
-                <a:schemeClr val="lt1"/>
-              </a:fontRef>
-            </p:style>
-            <p:txBody>
-              <a:bodyPr rtlCol="0" anchor="ctr"/>
-              <a:lstStyle/>
-              <a:p>
-                <a:pPr algn="ctr"/>
-                <a:endParaRPr lang="en-US"/>
-              </a:p>
-            </p:txBody>
-          </p:sp>
-          <p:sp>
-            <p:nvSpPr>
-              <p:cNvPr id="649" name="Rounded Rectangle 648">
-                <a:extLst>
-                  <a:ext uri="{FF2B5EF4-FFF2-40B4-BE49-F238E27FC236}">
-                    <a16:creationId xmlns:a16="http://schemas.microsoft.com/office/drawing/2014/main" id="{1B5C2B1A-EC80-D445-A93C-B1972608337B}"/>
-                  </a:ext>
-                </a:extLst>
-              </p:cNvPr>
-              <p:cNvSpPr/>
-              <p:nvPr/>
-            </p:nvSpPr>
-            <p:spPr>
-              <a:xfrm>
-                <a:off x="18243071" y="13064412"/>
-                <a:ext cx="732029" cy="678792"/>
-              </a:xfrm>
-              <a:prstGeom prst="roundRect">
-                <a:avLst/>
-              </a:prstGeom>
-              <a:solidFill>
-                <a:srgbClr val="437172"/>
-              </a:solidFill>
-              <a:ln>
-                <a:noFill/>
-              </a:ln>
-            </p:spPr>
-            <p:style>
-              <a:lnRef idx="2">
-                <a:schemeClr val="accent1">
-                  <a:shade val="50000"/>
-                </a:schemeClr>
-              </a:lnRef>
-              <a:fillRef idx="1">
-                <a:schemeClr val="accent1"/>
-              </a:fillRef>
-              <a:effectRef idx="0">
-                <a:schemeClr val="accent1"/>
-              </a:effectRef>
-              <a:fontRef idx="minor">
-                <a:schemeClr val="lt1"/>
-              </a:fontRef>
-            </p:style>
-            <p:txBody>
-              <a:bodyPr rtlCol="0" anchor="ctr"/>
-              <a:lstStyle/>
-              <a:p>
-                <a:pPr algn="ctr"/>
-                <a:endParaRPr lang="en-US"/>
-              </a:p>
-            </p:txBody>
-          </p:sp>
-        </p:grpSp>
-        <p:sp>
-          <p:nvSpPr>
-            <p:cNvPr id="59" name="Cloud 58">
-              <a:extLst>
-                <a:ext uri="{FF2B5EF4-FFF2-40B4-BE49-F238E27FC236}">
-                  <a16:creationId xmlns:a16="http://schemas.microsoft.com/office/drawing/2014/main" id="{0CA1B819-DF5F-1648-8AE9-E48A0F9989DA}"/>
-                </a:ext>
-              </a:extLst>
-            </p:cNvPr>
-            <p:cNvSpPr/>
-            <p:nvPr/>
-          </p:nvSpPr>
-          <p:spPr>
-            <a:xfrm rot="20488394">
-              <a:off x="19874663" y="14108514"/>
-              <a:ext cx="380668" cy="170345"/>
-            </a:xfrm>
-            <a:prstGeom prst="cloud">
-              <a:avLst/>
-            </a:prstGeom>
-            <a:solidFill>
-              <a:schemeClr val="bg1"/>
-            </a:solidFill>
-            <a:ln>
-              <a:noFill/>
-            </a:ln>
-          </p:spPr>
-          <p:style>
-            <a:lnRef idx="2">
-              <a:schemeClr val="accent1">
-                <a:shade val="50000"/>
-              </a:schemeClr>
-            </a:lnRef>
-            <a:fillRef idx="1">
-              <a:schemeClr val="accent1"/>
-            </a:fillRef>
-            <a:effectRef idx="0">
-              <a:schemeClr val="accent1"/>
-            </a:effectRef>
-            <a:fontRef idx="minor">
-              <a:schemeClr val="lt1"/>
-            </a:fontRef>
-          </p:style>
-          <p:txBody>
-            <a:bodyPr rtlCol="0" anchor="ctr"/>
-            <a:lstStyle/>
-            <a:p>
-              <a:pPr algn="ctr"/>
-              <a:endParaRPr lang="en-US" dirty="0"/>
-            </a:p>
-          </p:txBody>
-        </p:sp>
-      </p:grpSp>
+              <a:latin typeface="Montserrat Extra Bold" panose="00000900000000000000" pitchFamily="50" charset="0"/>
+            </a:endParaRPr>
+          </a:p>
+        </p:txBody>
+      </p:sp>
     </p:spTree>
     <p:extLst>
       <p:ext uri="{BB962C8B-B14F-4D97-AF65-F5344CB8AC3E}">

--- a/Poster_env_conf_06_2019.pptx
+++ b/Poster_env_conf_06_2019.pptx
@@ -197,7 +197,7 @@
           <a:p>
             <a:fld id="{D5202ED4-C9F0-6549-9B23-F38EF8DDD8B4}" type="datetimeFigureOut">
               <a:rPr lang="en-US" smtClean="0"/>
-              <a:t>6/12/19</a:t>
+              <a:t>6/16/19</a:t>
             </a:fld>
             <a:endParaRPr lang="en-US"/>
           </a:p>
@@ -595,7 +595,7 @@
           <a:p>
             <a:fld id="{7A00E781-3D00-0D47-A567-282179358BD5}" type="datetimeFigureOut">
               <a:rPr lang="en-US" smtClean="0"/>
-              <a:t>6/12/19</a:t>
+              <a:t>6/16/19</a:t>
             </a:fld>
             <a:endParaRPr lang="en-US"/>
           </a:p>
@@ -765,7 +765,7 @@
           <a:p>
             <a:fld id="{7A00E781-3D00-0D47-A567-282179358BD5}" type="datetimeFigureOut">
               <a:rPr lang="en-US" smtClean="0"/>
-              <a:t>6/12/19</a:t>
+              <a:t>6/16/19</a:t>
             </a:fld>
             <a:endParaRPr lang="en-US"/>
           </a:p>
@@ -945,7 +945,7 @@
           <a:p>
             <a:fld id="{7A00E781-3D00-0D47-A567-282179358BD5}" type="datetimeFigureOut">
               <a:rPr lang="en-US" smtClean="0"/>
-              <a:t>6/12/19</a:t>
+              <a:t>6/16/19</a:t>
             </a:fld>
             <a:endParaRPr lang="en-US"/>
           </a:p>
@@ -1115,7 +1115,7 @@
           <a:p>
             <a:fld id="{7A00E781-3D00-0D47-A567-282179358BD5}" type="datetimeFigureOut">
               <a:rPr lang="en-US" smtClean="0"/>
-              <a:t>6/12/19</a:t>
+              <a:t>6/16/19</a:t>
             </a:fld>
             <a:endParaRPr lang="en-US"/>
           </a:p>
@@ -1359,7 +1359,7 @@
           <a:p>
             <a:fld id="{7A00E781-3D00-0D47-A567-282179358BD5}" type="datetimeFigureOut">
               <a:rPr lang="en-US" smtClean="0"/>
-              <a:t>6/12/19</a:t>
+              <a:t>6/16/19</a:t>
             </a:fld>
             <a:endParaRPr lang="en-US"/>
           </a:p>
@@ -1591,7 +1591,7 @@
           <a:p>
             <a:fld id="{7A00E781-3D00-0D47-A567-282179358BD5}" type="datetimeFigureOut">
               <a:rPr lang="en-US" smtClean="0"/>
-              <a:t>6/12/19</a:t>
+              <a:t>6/16/19</a:t>
             </a:fld>
             <a:endParaRPr lang="en-US"/>
           </a:p>
@@ -1958,7 +1958,7 @@
           <a:p>
             <a:fld id="{7A00E781-3D00-0D47-A567-282179358BD5}" type="datetimeFigureOut">
               <a:rPr lang="en-US" smtClean="0"/>
-              <a:t>6/12/19</a:t>
+              <a:t>6/16/19</a:t>
             </a:fld>
             <a:endParaRPr lang="en-US"/>
           </a:p>
@@ -2076,7 +2076,7 @@
           <a:p>
             <a:fld id="{7A00E781-3D00-0D47-A567-282179358BD5}" type="datetimeFigureOut">
               <a:rPr lang="en-US" smtClean="0"/>
-              <a:t>6/12/19</a:t>
+              <a:t>6/16/19</a:t>
             </a:fld>
             <a:endParaRPr lang="en-US"/>
           </a:p>
@@ -2171,7 +2171,7 @@
           <a:p>
             <a:fld id="{7A00E781-3D00-0D47-A567-282179358BD5}" type="datetimeFigureOut">
               <a:rPr lang="en-US" smtClean="0"/>
-              <a:t>6/12/19</a:t>
+              <a:t>6/16/19</a:t>
             </a:fld>
             <a:endParaRPr lang="en-US"/>
           </a:p>
@@ -2448,7 +2448,7 @@
           <a:p>
             <a:fld id="{7A00E781-3D00-0D47-A567-282179358BD5}" type="datetimeFigureOut">
               <a:rPr lang="en-US" smtClean="0"/>
-              <a:t>6/12/19</a:t>
+              <a:t>6/16/19</a:t>
             </a:fld>
             <a:endParaRPr lang="en-US"/>
           </a:p>
@@ -2705,7 +2705,7 @@
           <a:p>
             <a:fld id="{7A00E781-3D00-0D47-A567-282179358BD5}" type="datetimeFigureOut">
               <a:rPr lang="en-US" smtClean="0"/>
-              <a:t>6/12/19</a:t>
+              <a:t>6/16/19</a:t>
             </a:fld>
             <a:endParaRPr lang="en-US"/>
           </a:p>
@@ -2918,7 +2918,7 @@
           <a:p>
             <a:fld id="{7A00E781-3D00-0D47-A567-282179358BD5}" type="datetimeFigureOut">
               <a:rPr lang="en-US" smtClean="0"/>
-              <a:t>6/12/19</a:t>
+              <a:t>6/16/19</a:t>
             </a:fld>
             <a:endParaRPr lang="en-US"/>
           </a:p>
@@ -4111,64 +4111,65 @@
             </a:defPPr>
           </a:lstStyle>
           <a:p>
-            <a:pPr marL="0" algn="ctr" defTabSz="457200" rtl="1" eaLnBrk="1" latinLnBrk="0" hangingPunct="1"/>
-            <a:endParaRPr lang="en-US" sz="6622"/>
-          </a:p>
-        </p:txBody>
-      </p:sp>
-      <p:sp>
-        <p:nvSpPr>
-          <p:cNvPr id="33" name="TextBox 32">
-            <a:extLst>
-              <a:ext uri="{FF2B5EF4-FFF2-40B4-BE49-F238E27FC236}">
-                <a16:creationId xmlns:a16="http://schemas.microsoft.com/office/drawing/2014/main" id="{5A04CAAA-E6F1-434E-B097-1A1002D086AF}"/>
-              </a:ext>
-            </a:extLst>
-          </p:cNvPr>
-          <p:cNvSpPr txBox="1"/>
-          <p:nvPr/>
-        </p:nvSpPr>
-        <p:spPr>
-          <a:xfrm>
-            <a:off x="15685450" y="39579975"/>
-            <a:ext cx="12792544" cy="923330"/>
-          </a:xfrm>
-          <a:prstGeom prst="rect">
-            <a:avLst/>
-          </a:prstGeom>
-          <a:noFill/>
-        </p:spPr>
-        <p:txBody>
-          <a:bodyPr wrap="square" rtlCol="0">
-            <a:spAutoFit/>
-          </a:bodyPr>
-          <a:lstStyle>
-            <a:defPPr>
-              <a:defRPr kern="1200" smtId="4294967295"/>
-            </a:defPPr>
-          </a:lstStyle>
-          <a:p>
-            <a:r>
-              <a:rPr lang="en-US" sz="5400" b="1" dirty="0">
+            <a:endParaRPr lang="en-US" sz="2800" dirty="0">
+              <a:solidFill>
+                <a:schemeClr val="tx1">
+                  <a:lumMod val="65000"/>
+                  <a:lumOff val="35000"/>
+                </a:schemeClr>
+              </a:solidFill>
+              <a:latin typeface="Montserrat Extra Bold" panose="00000900000000000000" pitchFamily="50" charset="0"/>
+              <a:ea typeface="+mj-ea"/>
+              <a:cs typeface="+mj-cs"/>
+            </a:endParaRPr>
+          </a:p>
+          <a:p>
+            <a:r>
+              <a:rPr lang="en-US" sz="2800" dirty="0">
                 <a:solidFill>
                   <a:schemeClr val="tx1">
-                    <a:lumMod val="75000"/>
-                    <a:lumOff val="25000"/>
+                    <a:lumMod val="65000"/>
+                    <a:lumOff val="35000"/>
                   </a:schemeClr>
                 </a:solidFill>
                 <a:latin typeface="Montserrat Extra Bold" panose="00000900000000000000" pitchFamily="50" charset="0"/>
+                <a:ea typeface="+mj-ea"/>
+                <a:cs typeface="+mj-cs"/>
               </a:rPr>
-              <a:t>Acknowledgements</a:t>
-            </a:r>
-            <a:endParaRPr lang="en-US" sz="4400" b="1" dirty="0">
-              <a:solidFill>
-                <a:schemeClr val="tx1">
-                  <a:lumMod val="75000"/>
-                  <a:lumOff val="25000"/>
-                </a:schemeClr>
-              </a:solidFill>
-              <a:latin typeface="Montserrat Extra Bold" panose="00000900000000000000" pitchFamily="50" charset="0"/>
-            </a:endParaRPr>
+              <a:t>	</a:t>
+            </a:r>
+          </a:p>
+          <a:p>
+            <a:r>
+              <a:rPr lang="en-US" sz="2800" dirty="0">
+                <a:solidFill>
+                  <a:schemeClr val="tx1">
+                    <a:lumMod val="65000"/>
+                    <a:lumOff val="35000"/>
+                  </a:schemeClr>
+                </a:solidFill>
+                <a:latin typeface="Montserrat Extra Bold" panose="00000900000000000000" pitchFamily="50" charset="0"/>
+                <a:ea typeface="+mj-ea"/>
+                <a:cs typeface="+mj-cs"/>
+              </a:rPr>
+              <a:t>	This work was partially supported by the Israeli Ministry of Science and Technology </a:t>
+            </a:r>
+          </a:p>
+          <a:p>
+            <a:r>
+              <a:rPr lang="en-US" sz="2800" dirty="0">
+                <a:solidFill>
+                  <a:schemeClr val="tx1">
+                    <a:lumMod val="65000"/>
+                    <a:lumOff val="35000"/>
+                  </a:schemeClr>
+                </a:solidFill>
+                <a:latin typeface="Montserrat Extra Bold" panose="00000900000000000000" pitchFamily="50" charset="0"/>
+                <a:ea typeface="+mj-ea"/>
+                <a:cs typeface="+mj-cs"/>
+              </a:rPr>
+              <a:t>	Research program.</a:t>
+            </a:r>
           </a:p>
         </p:txBody>
       </p:sp>
@@ -4650,8 +4651,8 @@
           </a:p>
         </p:txBody>
       </p:sp>
-      <mc:AlternateContent xmlns:mc="http://schemas.openxmlformats.org/markup-compatibility/2006" xmlns:a14="http://schemas.microsoft.com/office/drawing/2010/main">
-        <mc:Choice Requires="a14">
+      <mc:AlternateContent xmlns:mc="http://schemas.openxmlformats.org/markup-compatibility/2006">
+        <mc:Choice xmlns:a14="http://schemas.microsoft.com/office/drawing/2010/main" Requires="a14">
           <p:sp>
             <p:nvSpPr>
               <p:cNvPr id="48" name="Rectangle 47">
@@ -4666,7 +4667,7 @@
             </p:nvSpPr>
             <p:spPr>
               <a:xfrm>
-                <a:off x="1359417" y="32676949"/>
+                <a:off x="1359417" y="32415691"/>
                 <a:ext cx="9260661" cy="3605602"/>
               </a:xfrm>
               <a:prstGeom prst="rect">
@@ -5307,7 +5308,7 @@
             </p:txBody>
           </p:sp>
         </mc:Choice>
-        <mc:Fallback xmlns="">
+        <mc:Fallback>
           <p:sp>
             <p:nvSpPr>
               <p:cNvPr id="48" name="Rectangle 47">
@@ -5324,7 +5325,7 @@
             </p:nvSpPr>
             <p:spPr>
               <a:xfrm>
-                <a:off x="1359417" y="32676949"/>
+                <a:off x="1359417" y="32415691"/>
                 <a:ext cx="9260661" cy="3605602"/>
               </a:xfrm>
               <a:prstGeom prst="rect">
@@ -5598,35 +5599,7 @@
                 <a:ea typeface="+mj-ea"/>
                 <a:cs typeface="+mj-cs"/>
               </a:rPr>
-              <a:t>Using a WDESN, comprised of portable </a:t>
-            </a:r>
-            <a:r>
-              <a:rPr lang="en-US" sz="2800">
-                <a:solidFill>
-                  <a:schemeClr val="tx1">
-                    <a:lumMod val="65000"/>
-                    <a:lumOff val="35000"/>
-                  </a:schemeClr>
-                </a:solidFill>
-                <a:latin typeface="Montserrat Extra Bold" panose="00000900000000000000" pitchFamily="50" charset="0"/>
-                <a:ea typeface="+mj-ea"/>
-                <a:cs typeface="+mj-cs"/>
-              </a:rPr>
-              <a:t>and low-cost </a:t>
-            </a:r>
-            <a:r>
-              <a:rPr lang="en-US" sz="2800" dirty="0">
-                <a:solidFill>
-                  <a:schemeClr val="tx1">
-                    <a:lumMod val="65000"/>
-                    <a:lumOff val="35000"/>
-                  </a:schemeClr>
-                </a:solidFill>
-                <a:latin typeface="Montserrat Extra Bold" panose="00000900000000000000" pitchFamily="50" charset="0"/>
-                <a:ea typeface="+mj-ea"/>
-                <a:cs typeface="+mj-cs"/>
-              </a:rPr>
-              <a:t>Micro Sensing Units (MSUs), that can measure, process and transmit data, provides the opportunity to monitor large areas at a reasonable cost. </a:t>
+              <a:t>Using a WDESN, comprised of portable and low-cost Micro Sensing Units (MSUs), that can measure, process and transmit data, provides the opportunity to monitor large areas at a reasonable cost. </a:t>
             </a:r>
           </a:p>
           <a:p>
@@ -6013,7 +5986,7 @@
         </p:nvSpPr>
         <p:spPr>
           <a:xfrm>
-            <a:off x="1348197" y="31974421"/>
+            <a:off x="1348197" y="31713163"/>
             <a:ext cx="8793559" cy="646331"/>
           </a:xfrm>
           <a:prstGeom prst="rect">
@@ -8767,7 +8740,7 @@
         </p:nvSpPr>
         <p:spPr>
           <a:xfrm>
-            <a:off x="1271903" y="36553380"/>
+            <a:off x="1271903" y="36335665"/>
             <a:ext cx="5751443" cy="2677656"/>
           </a:xfrm>
           <a:prstGeom prst="rect">
@@ -8927,7 +8900,7 @@
         </p:nvGrpSpPr>
         <p:grpSpPr>
           <a:xfrm>
-            <a:off x="8088377" y="35958746"/>
+            <a:off x="7957748" y="35741031"/>
             <a:ext cx="6677616" cy="5666006"/>
             <a:chOff x="7915799" y="33449589"/>
             <a:chExt cx="6426899" cy="5629359"/>
@@ -9006,7 +8979,7 @@
         </p:nvSpPr>
         <p:spPr>
           <a:xfrm>
-            <a:off x="1211662" y="39567836"/>
+            <a:off x="1211662" y="39350121"/>
             <a:ext cx="7017938" cy="3785652"/>
           </a:xfrm>
           <a:prstGeom prst="rect">
@@ -12241,8 +12214,8 @@
           </p:style>
         </p:cxnSp>
       </p:grpSp>
-      <mc:AlternateContent xmlns:mc="http://schemas.openxmlformats.org/markup-compatibility/2006" xmlns:a14="http://schemas.microsoft.com/office/drawing/2010/main">
-        <mc:Choice Requires="a14">
+      <mc:AlternateContent xmlns:mc="http://schemas.openxmlformats.org/markup-compatibility/2006">
+        <mc:Choice xmlns:a14="http://schemas.microsoft.com/office/drawing/2010/main" Requires="a14">
           <p:sp>
             <p:nvSpPr>
               <p:cNvPr id="52" name="Rectangle 51">
@@ -12257,7 +12230,7 @@
             </p:nvSpPr>
             <p:spPr>
               <a:xfrm>
-                <a:off x="10149561" y="32665315"/>
+                <a:off x="10149561" y="32404057"/>
                 <a:ext cx="6338367" cy="2427331"/>
               </a:xfrm>
               <a:prstGeom prst="rect">
@@ -12554,7 +12527,7 @@
             </p:txBody>
           </p:sp>
         </mc:Choice>
-        <mc:Fallback xmlns="">
+        <mc:Fallback>
           <p:sp>
             <p:nvSpPr>
               <p:cNvPr id="52" name="Rectangle 51">
@@ -12571,7 +12544,7 @@
             </p:nvSpPr>
             <p:spPr>
               <a:xfrm>
-                <a:off x="10149561" y="32665315"/>
+                <a:off x="10149561" y="32404057"/>
                 <a:ext cx="6338367" cy="2427331"/>
               </a:xfrm>
               <a:prstGeom prst="rect">
@@ -12580,7 +12553,7 @@
               <a:blipFill>
                 <a:blip r:embed="rId26"/>
                 <a:stretch>
-                  <a:fillRect l="-1800" t="-2083"/>
+                  <a:fillRect l="-1800" t="-2604"/>
                 </a:stretch>
               </a:blipFill>
             </p:spPr>
@@ -12613,7 +12586,7 @@
         </p:nvSpPr>
         <p:spPr>
           <a:xfrm>
-            <a:off x="1352239" y="35742646"/>
+            <a:off x="1352239" y="35524931"/>
             <a:ext cx="3988990" cy="646331"/>
           </a:xfrm>
           <a:prstGeom prst="rect">
@@ -12662,7 +12635,7 @@
         </p:nvSpPr>
         <p:spPr>
           <a:xfrm>
-            <a:off x="15630250" y="33138594"/>
+            <a:off x="15630250" y="33214794"/>
             <a:ext cx="12792544" cy="923330"/>
           </a:xfrm>
           <a:prstGeom prst="rect">
@@ -12693,6 +12666,62 @@
               <a:t>Future work </a:t>
             </a:r>
             <a:endParaRPr lang="en-US" sz="3600" b="1" dirty="0">
+              <a:solidFill>
+                <a:schemeClr val="tx1">
+                  <a:lumMod val="75000"/>
+                  <a:lumOff val="25000"/>
+                </a:schemeClr>
+              </a:solidFill>
+              <a:latin typeface="Montserrat Extra Bold" panose="00000900000000000000" pitchFamily="50" charset="0"/>
+            </a:endParaRPr>
+          </a:p>
+        </p:txBody>
+      </p:sp>
+      <p:sp>
+        <p:nvSpPr>
+          <p:cNvPr id="33" name="TextBox 32">
+            <a:extLst>
+              <a:ext uri="{FF2B5EF4-FFF2-40B4-BE49-F238E27FC236}">
+                <a16:creationId xmlns:a16="http://schemas.microsoft.com/office/drawing/2014/main" id="{5A04CAAA-E6F1-434E-B097-1A1002D086AF}"/>
+              </a:ext>
+            </a:extLst>
+          </p:cNvPr>
+          <p:cNvSpPr txBox="1"/>
+          <p:nvPr/>
+        </p:nvSpPr>
+        <p:spPr>
+          <a:xfrm>
+            <a:off x="15667109" y="39367259"/>
+            <a:ext cx="12792544" cy="923330"/>
+          </a:xfrm>
+          <a:prstGeom prst="rect">
+            <a:avLst/>
+          </a:prstGeom>
+          <a:noFill/>
+        </p:spPr>
+        <p:txBody>
+          <a:bodyPr wrap="square" rtlCol="0">
+            <a:spAutoFit/>
+          </a:bodyPr>
+          <a:lstStyle>
+            <a:defPPr>
+              <a:defRPr kern="1200" smtId="4294967295"/>
+            </a:defPPr>
+          </a:lstStyle>
+          <a:p>
+            <a:r>
+              <a:rPr lang="en-US" sz="5400" b="1" dirty="0">
+                <a:solidFill>
+                  <a:schemeClr val="tx1">
+                    <a:lumMod val="75000"/>
+                    <a:lumOff val="25000"/>
+                  </a:schemeClr>
+                </a:solidFill>
+                <a:latin typeface="Montserrat Extra Bold" panose="00000900000000000000" pitchFamily="50" charset="0"/>
+              </a:rPr>
+              <a:t>Acknowledgements</a:t>
+            </a:r>
+            <a:endParaRPr lang="en-US" sz="4400" b="1" dirty="0">
               <a:solidFill>
                 <a:schemeClr val="tx1">
                   <a:lumMod val="75000"/>
